--- a/presentation/hezhi_vuldeepecker_sysevr.pptx
+++ b/presentation/hezhi_vuldeepecker_sysevr.pptx
@@ -1,22 +1,35 @@
 
 <file path=ppt/presentation.xml><?xml version="1.0" encoding="utf-8"?>
-<p:presentation xmlns:a="http://schemas.openxmlformats.org/drawingml/2006/main" xmlns:r="http://schemas.openxmlformats.org/officeDocument/2006/relationships" xmlns:p="http://schemas.openxmlformats.org/presentationml/2006/main" saveSubsetFonts="1" autoCompressPictures="0">
+<p:presentation xmlns:a="http://schemas.openxmlformats.org/drawingml/2006/main" xmlns:r="http://schemas.openxmlformats.org/officeDocument/2006/relationships" xmlns:p="http://schemas.openxmlformats.org/presentationml/2006/main" autoCompressPictures="0">
   <p:sldMasterIdLst>
     <p:sldMasterId id="2147483648" r:id="rId1"/>
+    <p:sldMasterId id="2147483660" r:id="rId3"/>
   </p:sldMasterIdLst>
+  <p:notesMasterIdLst>
+    <p:notesMasterId r:id="rId17"/>
+  </p:notesMasterIdLst>
   <p:sldIdLst>
-    <p:sldId id="256" r:id="rId2"/>
-    <p:sldId id="257" r:id="rId3"/>
-    <p:sldId id="258" r:id="rId4"/>
-    <p:sldId id="259" r:id="rId5"/>
-    <p:sldId id="260" r:id="rId6"/>
-    <p:sldId id="261" r:id="rId7"/>
-    <p:sldId id="262" r:id="rId8"/>
-    <p:sldId id="263" r:id="rId9"/>
-    <p:sldId id="264" r:id="rId10"/>
-    <p:sldId id="265" r:id="rId11"/>
-    <p:sldId id="266" r:id="rId12"/>
-    <p:sldId id="267" r:id="rId13"/>
+    <p:sldId id="256" r:id="rId4"/>
+    <p:sldId id="257" r:id="rId5"/>
+    <p:sldId id="258" r:id="rId6"/>
+    <p:sldId id="259" r:id="rId7"/>
+    <p:sldId id="260" r:id="rId8"/>
+    <p:sldId id="261" r:id="rId9"/>
+    <p:sldId id="262" r:id="rId10"/>
+    <p:sldId id="263" r:id="rId11"/>
+    <p:sldId id="264" r:id="rId12"/>
+    <p:sldId id="265" r:id="rId13"/>
+    <p:sldId id="266" r:id="rId14"/>
+    <p:sldId id="267" r:id="rId15"/>
+    <p:sldId id="268" r:id="rId16"/>
+    <p:sldId id="269" r:id="rId18"/>
+    <p:sldId id="270" r:id="rId19"/>
+    <p:sldId id="271" r:id="rId20"/>
+    <p:sldId id="272" r:id="rId21"/>
+    <p:sldId id="273" r:id="rId22"/>
+    <p:sldId id="274" r:id="rId23"/>
+    <p:sldId id="275" r:id="rId24"/>
+    <p:sldId id="276" r:id="rId25"/>
   </p:sldIdLst>
   <p:sldSz cx="12192000" cy="6858000"/>
   <p:notesSz cx="6858000" cy="9144000"/>
@@ -115,40 +128,750 @@
       </a:defRPr>
     </a:lvl9pPr>
   </p:defaultTextStyle>
-  <p:extLst>
-    <p:ext uri="{EFAFB233-063F-42B5-8137-9DF3F51BA10A}">
-      <p15:sldGuideLst xmlns:p15="http://schemas.microsoft.com/office/powerpoint/2012/main"/>
-    </p:ext>
-  </p:extLst>
 </p:presentation>
 </file>
 
-<file path=ppt/ink/ink1.xml><?xml version="1.0" encoding="utf-8"?>
-<inkml:ink xmlns:inkml="http://www.w3.org/2003/InkML">
-  <inkml:definitions>
-    <inkml:context xml:id="ctx0">
-      <inkml:inkSource xml:id="inkSrc0">
-        <inkml:traceFormat>
-          <inkml:channel name="X" type="integer" min="-2.14748E9" max="2.14748E9" units="cm"/>
-          <inkml:channel name="Y" type="integer" min="-2.14748E9" max="2.14748E9" units="cm"/>
-          <inkml:channel name="F" type="integer" max="32767" units="dev"/>
-        </inkml:traceFormat>
-        <inkml:channelProperties>
-          <inkml:channelProperty channel="X" name="resolution" value="1000" units="1/cm"/>
-          <inkml:channelProperty channel="Y" name="resolution" value="1000" units="1/cm"/>
-          <inkml:channelProperty channel="F" name="resolution" value="0" units="1/dev"/>
-        </inkml:channelProperties>
-      </inkml:inkSource>
-      <inkml:timestamp xml:id="ts0" timeString="2021-12-13T13:28:59.411"/>
-    </inkml:context>
-    <inkml:brush xml:id="br0">
-      <inkml:brushProperty name="width" value="0.05" units="cm"/>
-      <inkml:brushProperty name="height" value="0.05" units="cm"/>
-      <inkml:brushProperty name="color" value="#E71224"/>
-    </inkml:brush>
-  </inkml:definitions>
-  <inkml:trace contextRef="#ctx0" brushRef="#br0">0 139 24575,'6'0'0,"0"-3"0,21 3 0,-7-3 0,56 3 0,-28 0 0,19 0 0,9 0 0,-40 0 0,27 0 0,-46 0 0,-2 0 0,-10 0 0,1 0 0,0 0 0,0 0 0,2 0 0,-1 0 0,10 0 0,-9 0 0,28 0 0,-25 0 0,19 0 0,-2 0 0,-5 0 0,28 0 0,-10 0 0,-6 0 0,27-7 0,-36 5 0,24-6 0,2 0 0,-20 6 0,43-7 0,-30 9 0,-13 0 0,44 0 0,-50 0 0,23 0 0,-4 0 0,-19 0 0,17-3 0,-25 2 0,-5-1 0,24 2 0,-15 0 0,10 0 0,18 0 0,-31 0 0,31 0 0,-37 0 0,5 0 0,12 0 0,-7 0 0,28 0 0,-22 4 0,3-3 0,17 2 0,-23-3 0,38 0 0,-42 0 0,6 0 0,15 0 0,-26 0 0,58 0 0,-50 0 0,20 0 0,-8 0 0,-21-2 0,34 1 0,-28-1 0,10 2 0,18 0 0,-31 0 0,56 0 0,-49 3 0,19-2 0,-9 3 0,-13-4 0,15 0 0,-21 0 0,0 0 0,11 0 0,-12 0 0,34 0 0,-34 0 0,15 0 0,-1 0 0,-13 0 0,32 0 0,-33 0 0,15 0 0,-13 4 0,-5-3 0,11 3 0,-11-4 0,5 0 0,25 0 0,-4 0 0,9 0 0,26 0 0,-51 0 0,52 0 0,-52 0 0,9 0 0,4 0 0,-19 0 0,45 0 0,-43 0 0,25 0 0,-14 0 0,-13 0 0,32 0 0,-26 0 0,6 0 0,7 0 0,-22 0 0,23 0 0,-24 0 0,5 0 0,12 0 0,-16 0 0,35 0 0,-36 0 0,15 0 0,-10 0 0,-10 0 0,28 0 0,-16 0 0,9 0 0,33 0 0,-36 0 0,63 0 0,-63 0 0,17 0 0,0 0 0,-23 0 0,55 0 0,-56 0 0,22 0 0,-24 0 0,-9 0 0,28 0 0,-22 0 0,14 0 0,2 0 0,-19 0 0,25 0 0,-25 0 0,4 0 0,-4 0 0,-2 0 0,3 0 0,5 0 0,-3 2 0,35-1 0,-30 1 0,25-2 0,-1 0 0,-24 0 0,44 0 0,-47 0 0,21 0 0,-5 0 0,-10 0 0,40 0 0,-36 0 0,19 0 0,-8 0 0,-15 0 0,29-6 0,-31 5 0,10-5 0,-2 6 0,-12 0 0,34 0 0,-34 0 0,12 0 0,2 0 0,-19 0 0,38 0 0,-35 0 0,14 0 0,-11 0 0,0 0 0,21 0 0,-9 0 0,0 0 0,-11 0 0,-12 0 0,5 0 0,-5 0 0,5 0 0,5 0 0,-6 0 0,7 0 0,-8 0 0,3 0 0,19 0 0,-15 0 0,21 0 0,-24 0 0,5 0 0,12 0 0,-13 0 0,45 0 0,-43 0 0,31 0 0,-18 0 0,-12-3 0,10 3 0,-15-3 0,-2 3 0,24 0 0,-21 0 0,15 0 0,-1 0 0,-16 0 0,16 0 0,-24 0 0,5 0 0,5 0 0,-6 0 0,13 0 0,-15 0 0,10 0 0,-3 0 0,-2 0 0,11 0 0,-11 0 0,3 0 0,13 0 0,-15 0 0,48 0 0,-42 0 0,29 0 0,-4 0 0,-13 0 0,32 0 0,-42 0 0,9 0 0,-1 0 0,-7 0 0,41 0 0,-32 0 0,19 0 0,0-7 0,-19 5 0,44-5 0,-44 7 0,32 0 0,2-9 0,-24 7 0,33-6 0,-59 8 0,15 0 0,-13-4 0,-5 3 0,24-3 0,-21 4 0,14 0 0,1-6 0,-17 5 0,22-9 0,-19 9 0,2-3 0,30 4 0,-29 0 0,29 0 0,-16 0 0,-5-3 0,11 2 0,-20-3 0,-1 4 0,0 0 0,-5 0 0,24-6 0,-21 4 0,14-4 0,-12 6 0,-5 0 0,11 0 0,-10 0 0,3 0 0,1 0 0,-5 0 0,5 0 0,-9 0 0,0 0 0,5-4 0,-3 4 0,13-4 0,-11 4 0,2 0 0,3 0 0,-10 0 0,15 0 0,-15 0 0,7 0 0,-7 0 0,1 0 0,9 0 0,-5 0 0,5 0 0,0 0 0,-5 0 0,24 0 0,-21 0 0,21 0 0,-24 0 0,2 0 0,2 0 0,-6 2 0,4-1 0,15 2 0,-16-1 0,23-1 0,-18 1 0,0-2 0,-3 0 0,-8 0 0,-2 3 0,0-2 0,-1 1 0,4-2 0,-3 0 0,11 0 0,-9 0 0,16 0 0,-16 0 0,9 0 0,11 0 0,-12 0 0,34 0 0,-34 0 0,15 0 0,-14-4 0,-6 3 0,6-2 0,-10 3 0,1 0 0,19 0 0,-7 0 0,44 0 0,-38 0 0,17 0 0,-31 0 0,-3 0 0,2 0 0,-5 0 0,5 0 0,4 0 0,-4 0 0,6 0 0,-11 0 0,3 0 0,-1 2 0,1-1 0,3 4 0,0-2 0,-1 0 0,7 4 0,-5-6 0,2 3 0,-6-4 0,-3 0 0,2 0 0,1 0 0,3 0 0,-1 0 0,7 0 0,-7 0 0,3 0 0,-8 0 0,0 0 0,0 0 0,2 0 0,1 0 0,9 0 0,1 3 0,-2-2 0,-2 3 0,-1-4 0,-6 0 0,16 0 0,-14 0 0,8 0 0,25 0 0,-23 0 0,29 4 0,-38-3 0,4 3 0,-7-4 0,-2 0 0,5 0 0,-2 0 0,0 0 0,2 0 0,-4 0 0,1 0 0,-2 0 0,0 0 0,8 0 0,-6 0 0,29 0 0,-24 0 0,18 0 0,-13 3 0,-5-2 0,5 3 0,-7-4 0,-2 0 0,2 0 0,-2 0 0,3 0 0,-3 0 0,2 0 0,4 0 0,-2 3 0,24-3 0,-21 3 0,12-3 0,-10 0 0,-10 0 0,9 0 0,-11 0 0,3 0 0,-4 0 0,1 0 0,3 0 0,-3 0 0,24 0 0,-16 0 0,16 0 0,-21 0 0,0 0 0,-4 0 0,1 0 0,0 0 0,0 0 0,0 0 0,8 0 0,-3 0 0,13 0 0,-13 0 0,3 0 0,-8 0 0,0 0 0,0 0 0,-3 0 0,-1 0 0</inkml:trace>
-</inkml:ink>
+<file path=ppt/notesMasters/notesMaster1.xml><?xml version="1.0" encoding="utf-8"?>
+<p:notesMaster xmlns:a="http://schemas.openxmlformats.org/drawingml/2006/main" xmlns:r="http://schemas.openxmlformats.org/officeDocument/2006/relationships" xmlns:p="http://schemas.openxmlformats.org/presentationml/2006/main">
+  <p:cSld>
+    <p:bg>
+      <p:bgRef idx="1001">
+        <a:schemeClr val="bg1"/>
+      </p:bgRef>
+    </p:bg>
+    <p:spTree>
+      <p:nvGrpSpPr>
+        <p:cNvPr id="1" name=""/>
+        <p:cNvGrpSpPr/>
+        <p:nvPr/>
+      </p:nvGrpSpPr>
+      <p:grpSpPr>
+        <a:xfrm>
+          <a:off x="0" y="0"/>
+          <a:ext cx="0" cy="0"/>
+          <a:chOff x="0" y="0"/>
+          <a:chExt cx="0" cy="0"/>
+        </a:xfrm>
+      </p:grpSpPr>
+      <p:sp>
+        <p:nvSpPr>
+          <p:cNvPr id="2" name="页眉占位符 1"/>
+          <p:cNvSpPr>
+            <a:spLocks noGrp="1"/>
+          </p:cNvSpPr>
+          <p:nvPr>
+            <p:ph type="hdr" sz="quarter"/>
+          </p:nvPr>
+        </p:nvSpPr>
+        <p:spPr>
+          <a:xfrm>
+            <a:off x="0" y="0"/>
+            <a:ext cx="2971800" cy="458788"/>
+          </a:xfrm>
+          <a:prstGeom prst="rect">
+            <a:avLst/>
+          </a:prstGeom>
+        </p:spPr>
+        <p:txBody>
+          <a:bodyPr vert="horz" lIns="91440" tIns="45720" rIns="91440" bIns="45720" rtlCol="0"/>
+          <a:lstStyle>
+            <a:lvl1pPr algn="l">
+              <a:defRPr sz="1200"/>
+            </a:lvl1pPr>
+          </a:lstStyle>
+          <a:p>
+            <a:endParaRPr lang="zh-CN" altLang="en-US"/>
+          </a:p>
+        </p:txBody>
+      </p:sp>
+      <p:sp>
+        <p:nvSpPr>
+          <p:cNvPr id="3" name="日期占位符 2"/>
+          <p:cNvSpPr>
+            <a:spLocks noGrp="1"/>
+          </p:cNvSpPr>
+          <p:nvPr>
+            <p:ph type="dt" idx="1"/>
+          </p:nvPr>
+        </p:nvSpPr>
+        <p:spPr>
+          <a:xfrm>
+            <a:off x="3884613" y="0"/>
+            <a:ext cx="2971800" cy="458788"/>
+          </a:xfrm>
+          <a:prstGeom prst="rect">
+            <a:avLst/>
+          </a:prstGeom>
+        </p:spPr>
+        <p:txBody>
+          <a:bodyPr vert="horz" lIns="91440" tIns="45720" rIns="91440" bIns="45720" rtlCol="0"/>
+          <a:lstStyle>
+            <a:lvl1pPr algn="r">
+              <a:defRPr sz="1200"/>
+            </a:lvl1pPr>
+          </a:lstStyle>
+          <a:p>
+            <a:fld id="{D2A48B96-639E-45A3-A0BA-2464DFDB1FAA}" type="datetimeFigureOut">
+              <a:rPr lang="zh-CN" altLang="en-US" smtClean="0"/>
+            </a:fld>
+            <a:endParaRPr lang="zh-CN" altLang="en-US"/>
+          </a:p>
+        </p:txBody>
+      </p:sp>
+      <p:sp>
+        <p:nvSpPr>
+          <p:cNvPr id="4" name="幻灯片图像占位符 3"/>
+          <p:cNvSpPr>
+            <a:spLocks noGrp="1" noRot="1" noChangeAspect="1"/>
+          </p:cNvSpPr>
+          <p:nvPr>
+            <p:ph type="sldImg" idx="2"/>
+          </p:nvPr>
+        </p:nvSpPr>
+        <p:spPr>
+          <a:xfrm>
+            <a:off x="685800" y="1143000"/>
+            <a:ext cx="5486400" cy="3086100"/>
+          </a:xfrm>
+          <a:prstGeom prst="rect">
+            <a:avLst/>
+          </a:prstGeom>
+          <a:noFill/>
+          <a:ln w="12700">
+            <a:solidFill>
+              <a:prstClr val="black"/>
+            </a:solidFill>
+          </a:ln>
+        </p:spPr>
+        <p:txBody>
+          <a:bodyPr vert="horz" lIns="91440" tIns="45720" rIns="91440" bIns="45720" rtlCol="0" anchor="ctr"/>
+          <a:lstStyle/>
+          <a:p>
+            <a:endParaRPr lang="zh-CN" altLang="en-US"/>
+          </a:p>
+        </p:txBody>
+      </p:sp>
+      <p:sp>
+        <p:nvSpPr>
+          <p:cNvPr id="5" name="备注占位符 4"/>
+          <p:cNvSpPr>
+            <a:spLocks noGrp="1"/>
+          </p:cNvSpPr>
+          <p:nvPr>
+            <p:ph type="body" sz="quarter" idx="3"/>
+          </p:nvPr>
+        </p:nvSpPr>
+        <p:spPr>
+          <a:xfrm>
+            <a:off x="685800" y="4400550"/>
+            <a:ext cx="5486400" cy="3600450"/>
+          </a:xfrm>
+          <a:prstGeom prst="rect">
+            <a:avLst/>
+          </a:prstGeom>
+        </p:spPr>
+        <p:txBody>
+          <a:bodyPr vert="horz" lIns="91440" tIns="45720" rIns="91440" bIns="45720" rtlCol="0"/>
+          <a:lstStyle/>
+          <a:p>
+            <a:pPr lvl="0"/>
+            <a:r>
+              <a:rPr lang="zh-CN" altLang="en-US" smtClean="0"/>
+              <a:t>单击此处编辑母版文本样式</a:t>
+            </a:r>
+            <a:endParaRPr lang="zh-CN" altLang="en-US" smtClean="0"/>
+          </a:p>
+          <a:p>
+            <a:pPr lvl="1"/>
+            <a:r>
+              <a:rPr lang="zh-CN" altLang="en-US" smtClean="0"/>
+              <a:t>第二级</a:t>
+            </a:r>
+            <a:endParaRPr lang="zh-CN" altLang="en-US" smtClean="0"/>
+          </a:p>
+          <a:p>
+            <a:pPr lvl="2"/>
+            <a:r>
+              <a:rPr lang="zh-CN" altLang="en-US" smtClean="0"/>
+              <a:t>第三级</a:t>
+            </a:r>
+            <a:endParaRPr lang="zh-CN" altLang="en-US" smtClean="0"/>
+          </a:p>
+          <a:p>
+            <a:pPr lvl="3"/>
+            <a:r>
+              <a:rPr lang="zh-CN" altLang="en-US" smtClean="0"/>
+              <a:t>第四级</a:t>
+            </a:r>
+            <a:endParaRPr lang="zh-CN" altLang="en-US" smtClean="0"/>
+          </a:p>
+          <a:p>
+            <a:pPr lvl="4"/>
+            <a:r>
+              <a:rPr lang="zh-CN" altLang="en-US" smtClean="0"/>
+              <a:t>第五级</a:t>
+            </a:r>
+            <a:endParaRPr lang="zh-CN" altLang="en-US"/>
+          </a:p>
+        </p:txBody>
+      </p:sp>
+      <p:sp>
+        <p:nvSpPr>
+          <p:cNvPr id="6" name="页脚占位符 5"/>
+          <p:cNvSpPr>
+            <a:spLocks noGrp="1"/>
+          </p:cNvSpPr>
+          <p:nvPr>
+            <p:ph type="ftr" sz="quarter" idx="4"/>
+          </p:nvPr>
+        </p:nvSpPr>
+        <p:spPr>
+          <a:xfrm>
+            <a:off x="0" y="8685213"/>
+            <a:ext cx="2971800" cy="458787"/>
+          </a:xfrm>
+          <a:prstGeom prst="rect">
+            <a:avLst/>
+          </a:prstGeom>
+        </p:spPr>
+        <p:txBody>
+          <a:bodyPr vert="horz" lIns="91440" tIns="45720" rIns="91440" bIns="45720" rtlCol="0" anchor="b"/>
+          <a:lstStyle>
+            <a:lvl1pPr algn="l">
+              <a:defRPr sz="1200"/>
+            </a:lvl1pPr>
+          </a:lstStyle>
+          <a:p>
+            <a:endParaRPr lang="zh-CN" altLang="en-US"/>
+          </a:p>
+        </p:txBody>
+      </p:sp>
+      <p:sp>
+        <p:nvSpPr>
+          <p:cNvPr id="7" name="灯片编号占位符 6"/>
+          <p:cNvSpPr>
+            <a:spLocks noGrp="1"/>
+          </p:cNvSpPr>
+          <p:nvPr>
+            <p:ph type="sldNum" sz="quarter" idx="5"/>
+          </p:nvPr>
+        </p:nvSpPr>
+        <p:spPr>
+          <a:xfrm>
+            <a:off x="3884613" y="8685213"/>
+            <a:ext cx="2971800" cy="458787"/>
+          </a:xfrm>
+          <a:prstGeom prst="rect">
+            <a:avLst/>
+          </a:prstGeom>
+        </p:spPr>
+        <p:txBody>
+          <a:bodyPr vert="horz" lIns="91440" tIns="45720" rIns="91440" bIns="45720" rtlCol="0" anchor="b"/>
+          <a:lstStyle>
+            <a:lvl1pPr algn="r">
+              <a:defRPr sz="1200"/>
+            </a:lvl1pPr>
+          </a:lstStyle>
+          <a:p>
+            <a:fld id="{A6837353-30EB-4A48-80EB-173D804AEFBD}" type="slidenum">
+              <a:rPr lang="zh-CN" altLang="en-US" smtClean="0"/>
+            </a:fld>
+            <a:endParaRPr lang="zh-CN" altLang="en-US"/>
+          </a:p>
+        </p:txBody>
+      </p:sp>
+    </p:spTree>
+  </p:cSld>
+  <p:clrMap bg1="lt1" tx1="dk1" bg2="lt2" tx2="dk2" accent1="accent1" accent2="accent2" accent3="accent3" accent4="accent4" accent5="accent5" accent6="accent6" hlink="hlink" folHlink="folHlink"/>
+  <p:notesStyle>
+    <a:lvl1pPr marL="0" algn="l" defTabSz="914400" rtl="0" eaLnBrk="1" latinLnBrk="0" hangingPunct="1">
+      <a:defRPr sz="1200" kern="1200">
+        <a:solidFill>
+          <a:schemeClr val="tx1"/>
+        </a:solidFill>
+        <a:latin typeface="+mn-lt"/>
+        <a:ea typeface="+mn-ea"/>
+        <a:cs typeface="+mn-cs"/>
+      </a:defRPr>
+    </a:lvl1pPr>
+    <a:lvl2pPr marL="457200" algn="l" defTabSz="914400" rtl="0" eaLnBrk="1" latinLnBrk="0" hangingPunct="1">
+      <a:defRPr sz="1200" kern="1200">
+        <a:solidFill>
+          <a:schemeClr val="tx1"/>
+        </a:solidFill>
+        <a:latin typeface="+mn-lt"/>
+        <a:ea typeface="+mn-ea"/>
+        <a:cs typeface="+mn-cs"/>
+      </a:defRPr>
+    </a:lvl2pPr>
+    <a:lvl3pPr marL="914400" algn="l" defTabSz="914400" rtl="0" eaLnBrk="1" latinLnBrk="0" hangingPunct="1">
+      <a:defRPr sz="1200" kern="1200">
+        <a:solidFill>
+          <a:schemeClr val="tx1"/>
+        </a:solidFill>
+        <a:latin typeface="+mn-lt"/>
+        <a:ea typeface="+mn-ea"/>
+        <a:cs typeface="+mn-cs"/>
+      </a:defRPr>
+    </a:lvl3pPr>
+    <a:lvl4pPr marL="1371600" algn="l" defTabSz="914400" rtl="0" eaLnBrk="1" latinLnBrk="0" hangingPunct="1">
+      <a:defRPr sz="1200" kern="1200">
+        <a:solidFill>
+          <a:schemeClr val="tx1"/>
+        </a:solidFill>
+        <a:latin typeface="+mn-lt"/>
+        <a:ea typeface="+mn-ea"/>
+        <a:cs typeface="+mn-cs"/>
+      </a:defRPr>
+    </a:lvl4pPr>
+    <a:lvl5pPr marL="1828800" algn="l" defTabSz="914400" rtl="0" eaLnBrk="1" latinLnBrk="0" hangingPunct="1">
+      <a:defRPr sz="1200" kern="1200">
+        <a:solidFill>
+          <a:schemeClr val="tx1"/>
+        </a:solidFill>
+        <a:latin typeface="+mn-lt"/>
+        <a:ea typeface="+mn-ea"/>
+        <a:cs typeface="+mn-cs"/>
+      </a:defRPr>
+    </a:lvl5pPr>
+    <a:lvl6pPr marL="2286000" algn="l" defTabSz="914400" rtl="0" eaLnBrk="1" latinLnBrk="0" hangingPunct="1">
+      <a:defRPr sz="1200" kern="1200">
+        <a:solidFill>
+          <a:schemeClr val="tx1"/>
+        </a:solidFill>
+        <a:latin typeface="+mn-lt"/>
+        <a:ea typeface="+mn-ea"/>
+        <a:cs typeface="+mn-cs"/>
+      </a:defRPr>
+    </a:lvl6pPr>
+    <a:lvl7pPr marL="2743200" algn="l" defTabSz="914400" rtl="0" eaLnBrk="1" latinLnBrk="0" hangingPunct="1">
+      <a:defRPr sz="1200" kern="1200">
+        <a:solidFill>
+          <a:schemeClr val="tx1"/>
+        </a:solidFill>
+        <a:latin typeface="+mn-lt"/>
+        <a:ea typeface="+mn-ea"/>
+        <a:cs typeface="+mn-cs"/>
+      </a:defRPr>
+    </a:lvl7pPr>
+    <a:lvl8pPr marL="3200400" algn="l" defTabSz="914400" rtl="0" eaLnBrk="1" latinLnBrk="0" hangingPunct="1">
+      <a:defRPr sz="1200" kern="1200">
+        <a:solidFill>
+          <a:schemeClr val="tx1"/>
+        </a:solidFill>
+        <a:latin typeface="+mn-lt"/>
+        <a:ea typeface="+mn-ea"/>
+        <a:cs typeface="+mn-cs"/>
+      </a:defRPr>
+    </a:lvl8pPr>
+    <a:lvl9pPr marL="3657600" algn="l" defTabSz="914400" rtl="0" eaLnBrk="1" latinLnBrk="0" hangingPunct="1">
+      <a:defRPr sz="1200" kern="1200">
+        <a:solidFill>
+          <a:schemeClr val="tx1"/>
+        </a:solidFill>
+        <a:latin typeface="+mn-lt"/>
+        <a:ea typeface="+mn-ea"/>
+        <a:cs typeface="+mn-cs"/>
+      </a:defRPr>
+    </a:lvl9pPr>
+  </p:notesStyle>
+</p:notesMaster>
+</file>
+
+<file path=ppt/notesSlides/notesSlide1.xml><?xml version="1.0" encoding="utf-8"?>
+<p:notes xmlns:a="http://schemas.openxmlformats.org/drawingml/2006/main" xmlns:r="http://schemas.openxmlformats.org/officeDocument/2006/relationships" xmlns:p="http://schemas.openxmlformats.org/presentationml/2006/main">
+  <p:cSld>
+    <p:spTree>
+      <p:nvGrpSpPr>
+        <p:cNvPr id="1" name=""/>
+        <p:cNvGrpSpPr/>
+        <p:nvPr/>
+      </p:nvGrpSpPr>
+      <p:grpSpPr/>
+      <p:sp>
+        <p:nvSpPr>
+          <p:cNvPr id="2" name="幻灯片图像占位符 1"/>
+          <p:cNvSpPr/>
+          <p:nvPr>
+            <p:ph type="sldImg" idx="2"/>
+          </p:nvPr>
+        </p:nvSpPr>
+        <p:spPr/>
+      </p:sp>
+      <p:sp>
+        <p:nvSpPr>
+          <p:cNvPr id="3" name="文本占位符 2"/>
+          <p:cNvSpPr/>
+          <p:nvPr>
+            <p:ph type="body" idx="3"/>
+          </p:nvPr>
+        </p:nvSpPr>
+        <p:spPr/>
+        <p:txBody>
+          <a:bodyPr/>
+          <a:p>
+            <a:endParaRPr lang="zh-CN" altLang="en-US"/>
+          </a:p>
+        </p:txBody>
+      </p:sp>
+    </p:spTree>
+  </p:cSld>
+  <p:clrMapOvr>
+    <a:masterClrMapping/>
+  </p:clrMapOvr>
+</p:notes>
+</file>
+
+<file path=ppt/notesSlides/notesSlide2.xml><?xml version="1.0" encoding="utf-8"?>
+<p:notes xmlns:a="http://schemas.openxmlformats.org/drawingml/2006/main" xmlns:r="http://schemas.openxmlformats.org/officeDocument/2006/relationships" xmlns:p="http://schemas.openxmlformats.org/presentationml/2006/main">
+  <p:cSld>
+    <p:spTree>
+      <p:nvGrpSpPr>
+        <p:cNvPr id="1" name=""/>
+        <p:cNvGrpSpPr/>
+        <p:nvPr/>
+      </p:nvGrpSpPr>
+      <p:grpSpPr/>
+      <p:sp>
+        <p:nvSpPr>
+          <p:cNvPr id="2" name="幻灯片图像占位符 1"/>
+          <p:cNvSpPr/>
+          <p:nvPr>
+            <p:ph type="sldImg" idx="2"/>
+          </p:nvPr>
+        </p:nvSpPr>
+        <p:spPr/>
+      </p:sp>
+      <p:sp>
+        <p:nvSpPr>
+          <p:cNvPr id="3" name="文本占位符 2"/>
+          <p:cNvSpPr/>
+          <p:nvPr>
+            <p:ph type="body" idx="3"/>
+          </p:nvPr>
+        </p:nvSpPr>
+        <p:spPr/>
+        <p:txBody>
+          <a:bodyPr/>
+          <a:p>
+            <a:endParaRPr lang="zh-CN" altLang="en-US"/>
+          </a:p>
+        </p:txBody>
+      </p:sp>
+    </p:spTree>
+  </p:cSld>
+  <p:clrMapOvr>
+    <a:masterClrMapping/>
+  </p:clrMapOvr>
+</p:notes>
+</file>
+
+<file path=ppt/notesSlides/notesSlide3.xml><?xml version="1.0" encoding="utf-8"?>
+<p:notes xmlns:a="http://schemas.openxmlformats.org/drawingml/2006/main" xmlns:r="http://schemas.openxmlformats.org/officeDocument/2006/relationships" xmlns:p="http://schemas.openxmlformats.org/presentationml/2006/main">
+  <p:cSld>
+    <p:spTree>
+      <p:nvGrpSpPr>
+        <p:cNvPr id="1" name=""/>
+        <p:cNvGrpSpPr/>
+        <p:nvPr/>
+      </p:nvGrpSpPr>
+      <p:grpSpPr/>
+      <p:sp>
+        <p:nvSpPr>
+          <p:cNvPr id="2" name="幻灯片图像占位符 1"/>
+          <p:cNvSpPr/>
+          <p:nvPr>
+            <p:ph type="sldImg" idx="2"/>
+          </p:nvPr>
+        </p:nvSpPr>
+        <p:spPr/>
+      </p:sp>
+      <p:sp>
+        <p:nvSpPr>
+          <p:cNvPr id="3" name="文本占位符 2"/>
+          <p:cNvSpPr/>
+          <p:nvPr>
+            <p:ph type="body" idx="3"/>
+          </p:nvPr>
+        </p:nvSpPr>
+        <p:spPr/>
+        <p:txBody>
+          <a:bodyPr/>
+          <a:p>
+            <a:endParaRPr lang="zh-CN" altLang="en-US"/>
+          </a:p>
+        </p:txBody>
+      </p:sp>
+    </p:spTree>
+  </p:cSld>
+  <p:clrMapOvr>
+    <a:masterClrMapping/>
+  </p:clrMapOvr>
+</p:notes>
+</file>
+
+<file path=ppt/notesSlides/notesSlide4.xml><?xml version="1.0" encoding="utf-8"?>
+<p:notes xmlns:a="http://schemas.openxmlformats.org/drawingml/2006/main" xmlns:r="http://schemas.openxmlformats.org/officeDocument/2006/relationships" xmlns:p="http://schemas.openxmlformats.org/presentationml/2006/main">
+  <p:cSld>
+    <p:spTree>
+      <p:nvGrpSpPr>
+        <p:cNvPr id="1" name=""/>
+        <p:cNvGrpSpPr/>
+        <p:nvPr/>
+      </p:nvGrpSpPr>
+      <p:grpSpPr/>
+      <p:sp>
+        <p:nvSpPr>
+          <p:cNvPr id="2" name="幻灯片图像占位符 1"/>
+          <p:cNvSpPr/>
+          <p:nvPr>
+            <p:ph type="sldImg" idx="2"/>
+          </p:nvPr>
+        </p:nvSpPr>
+        <p:spPr/>
+      </p:sp>
+      <p:sp>
+        <p:nvSpPr>
+          <p:cNvPr id="3" name="文本占位符 2"/>
+          <p:cNvSpPr/>
+          <p:nvPr>
+            <p:ph type="body" idx="3"/>
+          </p:nvPr>
+        </p:nvSpPr>
+        <p:spPr/>
+        <p:txBody>
+          <a:bodyPr/>
+          <a:p>
+            <a:endParaRPr lang="zh-CN" altLang="en-US"/>
+          </a:p>
+        </p:txBody>
+      </p:sp>
+    </p:spTree>
+  </p:cSld>
+  <p:clrMapOvr>
+    <a:masterClrMapping/>
+  </p:clrMapOvr>
+</p:notes>
+</file>
+
+<file path=ppt/notesSlides/notesSlide5.xml><?xml version="1.0" encoding="utf-8"?>
+<p:notes xmlns:a="http://schemas.openxmlformats.org/drawingml/2006/main" xmlns:r="http://schemas.openxmlformats.org/officeDocument/2006/relationships" xmlns:p="http://schemas.openxmlformats.org/presentationml/2006/main">
+  <p:cSld>
+    <p:spTree>
+      <p:nvGrpSpPr>
+        <p:cNvPr id="1" name=""/>
+        <p:cNvGrpSpPr/>
+        <p:nvPr/>
+      </p:nvGrpSpPr>
+      <p:grpSpPr/>
+      <p:sp>
+        <p:nvSpPr>
+          <p:cNvPr id="2" name="幻灯片图像占位符 1"/>
+          <p:cNvSpPr/>
+          <p:nvPr>
+            <p:ph type="sldImg" idx="2"/>
+          </p:nvPr>
+        </p:nvSpPr>
+        <p:spPr/>
+      </p:sp>
+      <p:sp>
+        <p:nvSpPr>
+          <p:cNvPr id="3" name="文本占位符 2"/>
+          <p:cNvSpPr/>
+          <p:nvPr>
+            <p:ph type="body" idx="3"/>
+          </p:nvPr>
+        </p:nvSpPr>
+        <p:spPr/>
+        <p:txBody>
+          <a:bodyPr/>
+          <a:p>
+            <a:endParaRPr lang="zh-CN" altLang="en-US"/>
+          </a:p>
+        </p:txBody>
+      </p:sp>
+    </p:spTree>
+  </p:cSld>
+  <p:clrMapOvr>
+    <a:masterClrMapping/>
+  </p:clrMapOvr>
+</p:notes>
+</file>
+
+<file path=ppt/notesSlides/notesSlide6.xml><?xml version="1.0" encoding="utf-8"?>
+<p:notes xmlns:a="http://schemas.openxmlformats.org/drawingml/2006/main" xmlns:r="http://schemas.openxmlformats.org/officeDocument/2006/relationships" xmlns:p="http://schemas.openxmlformats.org/presentationml/2006/main">
+  <p:cSld>
+    <p:spTree>
+      <p:nvGrpSpPr>
+        <p:cNvPr id="1" name=""/>
+        <p:cNvGrpSpPr/>
+        <p:nvPr/>
+      </p:nvGrpSpPr>
+      <p:grpSpPr/>
+      <p:sp>
+        <p:nvSpPr>
+          <p:cNvPr id="2" name="幻灯片图像占位符 1"/>
+          <p:cNvSpPr/>
+          <p:nvPr>
+            <p:ph type="sldImg" idx="2"/>
+          </p:nvPr>
+        </p:nvSpPr>
+        <p:spPr/>
+      </p:sp>
+      <p:sp>
+        <p:nvSpPr>
+          <p:cNvPr id="3" name="文本占位符 2"/>
+          <p:cNvSpPr/>
+          <p:nvPr>
+            <p:ph type="body" idx="3"/>
+          </p:nvPr>
+        </p:nvSpPr>
+        <p:spPr/>
+        <p:txBody>
+          <a:bodyPr/>
+          <a:p>
+            <a:endParaRPr lang="zh-CN" altLang="en-US"/>
+          </a:p>
+        </p:txBody>
+      </p:sp>
+    </p:spTree>
+  </p:cSld>
+  <p:clrMapOvr>
+    <a:masterClrMapping/>
+  </p:clrMapOvr>
+</p:notes>
+</file>
+
+<file path=ppt/notesSlides/notesSlide7.xml><?xml version="1.0" encoding="utf-8"?>
+<p:notes xmlns:a="http://schemas.openxmlformats.org/drawingml/2006/main" xmlns:r="http://schemas.openxmlformats.org/officeDocument/2006/relationships" xmlns:p="http://schemas.openxmlformats.org/presentationml/2006/main">
+  <p:cSld>
+    <p:spTree>
+      <p:nvGrpSpPr>
+        <p:cNvPr id="1" name=""/>
+        <p:cNvGrpSpPr/>
+        <p:nvPr/>
+      </p:nvGrpSpPr>
+      <p:grpSpPr/>
+      <p:sp>
+        <p:nvSpPr>
+          <p:cNvPr id="2" name="幻灯片图像占位符 1"/>
+          <p:cNvSpPr/>
+          <p:nvPr>
+            <p:ph type="sldImg" idx="2"/>
+          </p:nvPr>
+        </p:nvSpPr>
+        <p:spPr/>
+      </p:sp>
+      <p:sp>
+        <p:nvSpPr>
+          <p:cNvPr id="3" name="文本占位符 2"/>
+          <p:cNvSpPr/>
+          <p:nvPr>
+            <p:ph type="body" idx="3"/>
+          </p:nvPr>
+        </p:nvSpPr>
+        <p:spPr/>
+        <p:txBody>
+          <a:bodyPr/>
+          <a:p>
+            <a:endParaRPr lang="zh-CN" altLang="en-US"/>
+          </a:p>
+        </p:txBody>
+      </p:sp>
+    </p:spTree>
+  </p:cSld>
+  <p:clrMapOvr>
+    <a:masterClrMapping/>
+  </p:clrMapOvr>
+</p:notes>
+</file>
+
+<file path=ppt/notesSlides/notesSlide8.xml><?xml version="1.0" encoding="utf-8"?>
+<p:notes xmlns:a="http://schemas.openxmlformats.org/drawingml/2006/main" xmlns:r="http://schemas.openxmlformats.org/officeDocument/2006/relationships" xmlns:p="http://schemas.openxmlformats.org/presentationml/2006/main">
+  <p:cSld>
+    <p:spTree>
+      <p:nvGrpSpPr>
+        <p:cNvPr id="1" name=""/>
+        <p:cNvGrpSpPr/>
+        <p:nvPr/>
+      </p:nvGrpSpPr>
+      <p:grpSpPr/>
+      <p:sp>
+        <p:nvSpPr>
+          <p:cNvPr id="2" name="幻灯片图像占位符 1"/>
+          <p:cNvSpPr/>
+          <p:nvPr>
+            <p:ph type="sldImg" idx="2"/>
+          </p:nvPr>
+        </p:nvSpPr>
+        <p:spPr/>
+      </p:sp>
+      <p:sp>
+        <p:nvSpPr>
+          <p:cNvPr id="3" name="文本占位符 2"/>
+          <p:cNvSpPr/>
+          <p:nvPr>
+            <p:ph type="body" idx="3"/>
+          </p:nvPr>
+        </p:nvSpPr>
+        <p:spPr/>
+        <p:txBody>
+          <a:bodyPr/>
+          <a:p>
+            <a:endParaRPr lang="zh-CN" altLang="en-US"/>
+          </a:p>
+        </p:txBody>
+      </p:sp>
+    </p:spTree>
+  </p:cSld>
+  <p:clrMapOvr>
+    <a:masterClrMapping/>
+  </p:clrMapOvr>
+</p:notes>
+</file>
+
+<file path=ppt/notesSlides/notesSlide9.xml><?xml version="1.0" encoding="utf-8"?>
+<p:notes xmlns:a="http://schemas.openxmlformats.org/drawingml/2006/main" xmlns:r="http://schemas.openxmlformats.org/officeDocument/2006/relationships" xmlns:p="http://schemas.openxmlformats.org/presentationml/2006/main">
+  <p:cSld>
+    <p:spTree>
+      <p:nvGrpSpPr>
+        <p:cNvPr id="1" name=""/>
+        <p:cNvGrpSpPr/>
+        <p:nvPr/>
+      </p:nvGrpSpPr>
+      <p:grpSpPr/>
+      <p:sp>
+        <p:nvSpPr>
+          <p:cNvPr id="2" name="幻灯片图像占位符 1"/>
+          <p:cNvSpPr/>
+          <p:nvPr>
+            <p:ph type="sldImg" idx="2"/>
+          </p:nvPr>
+        </p:nvSpPr>
+        <p:spPr/>
+      </p:sp>
+      <p:sp>
+        <p:nvSpPr>
+          <p:cNvPr id="3" name="文本占位符 2"/>
+          <p:cNvSpPr/>
+          <p:nvPr>
+            <p:ph type="body" idx="3"/>
+          </p:nvPr>
+        </p:nvSpPr>
+        <p:spPr/>
+        <p:txBody>
+          <a:bodyPr/>
+          <a:p>
+            <a:endParaRPr lang="zh-CN" altLang="en-US"/>
+          </a:p>
+        </p:txBody>
+      </p:sp>
+    </p:spTree>
+  </p:cSld>
+  <p:clrMapOvr>
+    <a:masterClrMapping/>
+  </p:clrMapOvr>
+</p:notes>
 </file>
 
 <file path=ppt/slideLayouts/slideLayout1.xml><?xml version="1.0" encoding="utf-8"?>
@@ -170,13 +893,7 @@
       </p:grpSpPr>
       <p:sp>
         <p:nvSpPr>
-          <p:cNvPr id="2" name="标题 1">
-            <a:extLst>
-              <a:ext uri="{FF2B5EF4-FFF2-40B4-BE49-F238E27FC236}">
-                <a16:creationId xmlns:a16="http://schemas.microsoft.com/office/drawing/2014/main" id="{A79D4859-4ECD-314D-B4D0-55058499AD8C}"/>
-              </a:ext>
-            </a:extLst>
-          </p:cNvPr>
+          <p:cNvPr id="2" name="标题 1"/>
           <p:cNvSpPr>
             <a:spLocks noGrp="1"/>
           </p:cNvSpPr>
@@ -202,18 +919,13 @@
               <a:rPr kumimoji="1" lang="zh-CN" altLang="en-US"/>
               <a:t>单击此处编辑母版标题样式</a:t>
             </a:r>
-          </a:p>
-        </p:txBody>
-      </p:sp>
-      <p:sp>
-        <p:nvSpPr>
-          <p:cNvPr id="3" name="副标题 2">
-            <a:extLst>
-              <a:ext uri="{FF2B5EF4-FFF2-40B4-BE49-F238E27FC236}">
-                <a16:creationId xmlns:a16="http://schemas.microsoft.com/office/drawing/2014/main" id="{A4C9A87C-81FC-7C46-8E4E-2A7C5951B3E4}"/>
-              </a:ext>
-            </a:extLst>
-          </p:cNvPr>
+            <a:endParaRPr kumimoji="1" lang="zh-CN" altLang="en-US"/>
+          </a:p>
+        </p:txBody>
+      </p:sp>
+      <p:sp>
+        <p:nvSpPr>
+          <p:cNvPr id="3" name="副标题 2"/>
           <p:cNvSpPr>
             <a:spLocks noGrp="1"/>
           </p:cNvSpPr>
@@ -272,18 +984,13 @@
               <a:rPr kumimoji="1" lang="zh-CN" altLang="en-US"/>
               <a:t>单击此处编辑母版副标题样式</a:t>
             </a:r>
-          </a:p>
-        </p:txBody>
-      </p:sp>
-      <p:sp>
-        <p:nvSpPr>
-          <p:cNvPr id="4" name="日期占位符 3">
-            <a:extLst>
-              <a:ext uri="{FF2B5EF4-FFF2-40B4-BE49-F238E27FC236}">
-                <a16:creationId xmlns:a16="http://schemas.microsoft.com/office/drawing/2014/main" id="{5379F7D8-600C-A84D-A832-55A053FE442F}"/>
-              </a:ext>
-            </a:extLst>
-          </p:cNvPr>
+            <a:endParaRPr kumimoji="1" lang="zh-CN" altLang="en-US"/>
+          </a:p>
+        </p:txBody>
+      </p:sp>
+      <p:sp>
+        <p:nvSpPr>
+          <p:cNvPr id="4" name="日期占位符 3"/>
           <p:cNvSpPr>
             <a:spLocks noGrp="1"/>
           </p:cNvSpPr>
@@ -298,7 +1005,6 @@
           <a:p>
             <a:fld id="{CEACFE95-6B98-F540-A12D-334F116059E1}" type="datetimeFigureOut">
               <a:rPr kumimoji="1" lang="zh-CN" altLang="en-US" smtClean="0"/>
-              <a:t>2021/12/13</a:t>
             </a:fld>
             <a:endParaRPr kumimoji="1" lang="zh-CN" altLang="en-US"/>
           </a:p>
@@ -306,13 +1012,7 @@
       </p:sp>
       <p:sp>
         <p:nvSpPr>
-          <p:cNvPr id="5" name="页脚占位符 4">
-            <a:extLst>
-              <a:ext uri="{FF2B5EF4-FFF2-40B4-BE49-F238E27FC236}">
-                <a16:creationId xmlns:a16="http://schemas.microsoft.com/office/drawing/2014/main" id="{B645B9B7-9FA0-AF4A-8555-1F27EBC0FCB2}"/>
-              </a:ext>
-            </a:extLst>
-          </p:cNvPr>
+          <p:cNvPr id="5" name="页脚占位符 4"/>
           <p:cNvSpPr>
             <a:spLocks noGrp="1"/>
           </p:cNvSpPr>
@@ -331,13 +1031,7 @@
       </p:sp>
       <p:sp>
         <p:nvSpPr>
-          <p:cNvPr id="6" name="灯片编号占位符 5">
-            <a:extLst>
-              <a:ext uri="{FF2B5EF4-FFF2-40B4-BE49-F238E27FC236}">
-                <a16:creationId xmlns:a16="http://schemas.microsoft.com/office/drawing/2014/main" id="{36A9086B-5EF7-CC47-AAF3-EF46EC2DDEED}"/>
-              </a:ext>
-            </a:extLst>
-          </p:cNvPr>
+          <p:cNvPr id="6" name="灯片编号占位符 5"/>
           <p:cNvSpPr>
             <a:spLocks noGrp="1"/>
           </p:cNvSpPr>
@@ -352,18 +1046,12 @@
           <a:p>
             <a:fld id="{CC55A09D-DCDD-CD48-83A9-605BCBE4E252}" type="slidenum">
               <a:rPr kumimoji="1" lang="zh-CN" altLang="en-US" smtClean="0"/>
-              <a:t>‹#›</a:t>
             </a:fld>
             <a:endParaRPr kumimoji="1" lang="zh-CN" altLang="en-US"/>
           </a:p>
         </p:txBody>
       </p:sp>
     </p:spTree>
-    <p:extLst>
-      <p:ext uri="{BB962C8B-B14F-4D97-AF65-F5344CB8AC3E}">
-        <p14:creationId xmlns:p14="http://schemas.microsoft.com/office/powerpoint/2010/main" val="2868435460"/>
-      </p:ext>
-    </p:extLst>
   </p:cSld>
   <p:clrMapOvr>
     <a:masterClrMapping/>
@@ -390,13 +1078,7 @@
       </p:grpSpPr>
       <p:sp>
         <p:nvSpPr>
-          <p:cNvPr id="2" name="标题 1">
-            <a:extLst>
-              <a:ext uri="{FF2B5EF4-FFF2-40B4-BE49-F238E27FC236}">
-                <a16:creationId xmlns:a16="http://schemas.microsoft.com/office/drawing/2014/main" id="{9EC2C666-13D2-D34C-ACF7-2C13FDB1B527}"/>
-              </a:ext>
-            </a:extLst>
-          </p:cNvPr>
+          <p:cNvPr id="2" name="标题 1"/>
           <p:cNvSpPr>
             <a:spLocks noGrp="1"/>
           </p:cNvSpPr>
@@ -413,18 +1095,13 @@
               <a:rPr kumimoji="1" lang="zh-CN" altLang="en-US"/>
               <a:t>单击此处编辑母版标题样式</a:t>
             </a:r>
-          </a:p>
-        </p:txBody>
-      </p:sp>
-      <p:sp>
-        <p:nvSpPr>
-          <p:cNvPr id="3" name="竖排文字占位符 2">
-            <a:extLst>
-              <a:ext uri="{FF2B5EF4-FFF2-40B4-BE49-F238E27FC236}">
-                <a16:creationId xmlns:a16="http://schemas.microsoft.com/office/drawing/2014/main" id="{19F637F2-6FD2-BF47-81F4-BE29242EADD3}"/>
-              </a:ext>
-            </a:extLst>
-          </p:cNvPr>
+            <a:endParaRPr kumimoji="1" lang="zh-CN" altLang="en-US"/>
+          </a:p>
+        </p:txBody>
+      </p:sp>
+      <p:sp>
+        <p:nvSpPr>
+          <p:cNvPr id="3" name="竖排文字占位符 2"/>
           <p:cNvSpPr>
             <a:spLocks noGrp="1"/>
           </p:cNvSpPr>
@@ -442,6 +1119,7 @@
               <a:rPr kumimoji="1" lang="zh-CN" altLang="en-US"/>
               <a:t>单击此处编辑母版文本样式</a:t>
             </a:r>
+            <a:endParaRPr kumimoji="1" lang="zh-CN" altLang="en-US"/>
           </a:p>
           <a:p>
             <a:pPr lvl="1"/>
@@ -449,6 +1127,7 @@
               <a:rPr kumimoji="1" lang="zh-CN" altLang="en-US"/>
               <a:t>二级</a:t>
             </a:r>
+            <a:endParaRPr kumimoji="1" lang="zh-CN" altLang="en-US"/>
           </a:p>
           <a:p>
             <a:pPr lvl="2"/>
@@ -456,6 +1135,7 @@
               <a:rPr kumimoji="1" lang="zh-CN" altLang="en-US"/>
               <a:t>三级</a:t>
             </a:r>
+            <a:endParaRPr kumimoji="1" lang="zh-CN" altLang="en-US"/>
           </a:p>
           <a:p>
             <a:pPr lvl="3"/>
@@ -463,6 +1143,7 @@
               <a:rPr kumimoji="1" lang="zh-CN" altLang="en-US"/>
               <a:t>四级</a:t>
             </a:r>
+            <a:endParaRPr kumimoji="1" lang="zh-CN" altLang="en-US"/>
           </a:p>
           <a:p>
             <a:pPr lvl="4"/>
@@ -470,18 +1151,13 @@
               <a:rPr kumimoji="1" lang="zh-CN" altLang="en-US"/>
               <a:t>五级</a:t>
             </a:r>
-          </a:p>
-        </p:txBody>
-      </p:sp>
-      <p:sp>
-        <p:nvSpPr>
-          <p:cNvPr id="4" name="日期占位符 3">
-            <a:extLst>
-              <a:ext uri="{FF2B5EF4-FFF2-40B4-BE49-F238E27FC236}">
-                <a16:creationId xmlns:a16="http://schemas.microsoft.com/office/drawing/2014/main" id="{A82D9C50-345D-3E4B-B38B-16A8776E6D73}"/>
-              </a:ext>
-            </a:extLst>
-          </p:cNvPr>
+            <a:endParaRPr kumimoji="1" lang="zh-CN" altLang="en-US"/>
+          </a:p>
+        </p:txBody>
+      </p:sp>
+      <p:sp>
+        <p:nvSpPr>
+          <p:cNvPr id="4" name="日期占位符 3"/>
           <p:cNvSpPr>
             <a:spLocks noGrp="1"/>
           </p:cNvSpPr>
@@ -496,7 +1172,6 @@
           <a:p>
             <a:fld id="{CEACFE95-6B98-F540-A12D-334F116059E1}" type="datetimeFigureOut">
               <a:rPr kumimoji="1" lang="zh-CN" altLang="en-US" smtClean="0"/>
-              <a:t>2021/12/13</a:t>
             </a:fld>
             <a:endParaRPr kumimoji="1" lang="zh-CN" altLang="en-US"/>
           </a:p>
@@ -504,13 +1179,7 @@
       </p:sp>
       <p:sp>
         <p:nvSpPr>
-          <p:cNvPr id="5" name="页脚占位符 4">
-            <a:extLst>
-              <a:ext uri="{FF2B5EF4-FFF2-40B4-BE49-F238E27FC236}">
-                <a16:creationId xmlns:a16="http://schemas.microsoft.com/office/drawing/2014/main" id="{D1202EE4-219F-1243-987C-0A159380DE8B}"/>
-              </a:ext>
-            </a:extLst>
-          </p:cNvPr>
+          <p:cNvPr id="5" name="页脚占位符 4"/>
           <p:cNvSpPr>
             <a:spLocks noGrp="1"/>
           </p:cNvSpPr>
@@ -529,13 +1198,7 @@
       </p:sp>
       <p:sp>
         <p:nvSpPr>
-          <p:cNvPr id="6" name="灯片编号占位符 5">
-            <a:extLst>
-              <a:ext uri="{FF2B5EF4-FFF2-40B4-BE49-F238E27FC236}">
-                <a16:creationId xmlns:a16="http://schemas.microsoft.com/office/drawing/2014/main" id="{75383176-A99D-A240-B12F-F6137EA37C91}"/>
-              </a:ext>
-            </a:extLst>
-          </p:cNvPr>
+          <p:cNvPr id="6" name="灯片编号占位符 5"/>
           <p:cNvSpPr>
             <a:spLocks noGrp="1"/>
           </p:cNvSpPr>
@@ -550,18 +1213,12 @@
           <a:p>
             <a:fld id="{CC55A09D-DCDD-CD48-83A9-605BCBE4E252}" type="slidenum">
               <a:rPr kumimoji="1" lang="zh-CN" altLang="en-US" smtClean="0"/>
-              <a:t>‹#›</a:t>
             </a:fld>
             <a:endParaRPr kumimoji="1" lang="zh-CN" altLang="en-US"/>
           </a:p>
         </p:txBody>
       </p:sp>
     </p:spTree>
-    <p:extLst>
-      <p:ext uri="{BB962C8B-B14F-4D97-AF65-F5344CB8AC3E}">
-        <p14:creationId xmlns:p14="http://schemas.microsoft.com/office/powerpoint/2010/main" val="1887497019"/>
-      </p:ext>
-    </p:extLst>
   </p:cSld>
   <p:clrMapOvr>
     <a:masterClrMapping/>
@@ -588,13 +1245,7 @@
       </p:grpSpPr>
       <p:sp>
         <p:nvSpPr>
-          <p:cNvPr id="2" name="竖排标题 1">
-            <a:extLst>
-              <a:ext uri="{FF2B5EF4-FFF2-40B4-BE49-F238E27FC236}">
-                <a16:creationId xmlns:a16="http://schemas.microsoft.com/office/drawing/2014/main" id="{8C029DC6-93C5-0049-844B-9937FF2F577B}"/>
-              </a:ext>
-            </a:extLst>
-          </p:cNvPr>
+          <p:cNvPr id="2" name="竖排标题 1"/>
           <p:cNvSpPr>
             <a:spLocks noGrp="1"/>
           </p:cNvSpPr>
@@ -616,18 +1267,13 @@
               <a:rPr kumimoji="1" lang="zh-CN" altLang="en-US"/>
               <a:t>单击此处编辑母版标题样式</a:t>
             </a:r>
-          </a:p>
-        </p:txBody>
-      </p:sp>
-      <p:sp>
-        <p:nvSpPr>
-          <p:cNvPr id="3" name="竖排文字占位符 2">
-            <a:extLst>
-              <a:ext uri="{FF2B5EF4-FFF2-40B4-BE49-F238E27FC236}">
-                <a16:creationId xmlns:a16="http://schemas.microsoft.com/office/drawing/2014/main" id="{3B9B7BB0-B59A-4A40-9FB0-EADA8B757491}"/>
-              </a:ext>
-            </a:extLst>
-          </p:cNvPr>
+            <a:endParaRPr kumimoji="1" lang="zh-CN" altLang="en-US"/>
+          </a:p>
+        </p:txBody>
+      </p:sp>
+      <p:sp>
+        <p:nvSpPr>
+          <p:cNvPr id="3" name="竖排文字占位符 2"/>
           <p:cNvSpPr>
             <a:spLocks noGrp="1"/>
           </p:cNvSpPr>
@@ -650,6 +1296,7 @@
               <a:rPr kumimoji="1" lang="zh-CN" altLang="en-US"/>
               <a:t>单击此处编辑母版文本样式</a:t>
             </a:r>
+            <a:endParaRPr kumimoji="1" lang="zh-CN" altLang="en-US"/>
           </a:p>
           <a:p>
             <a:pPr lvl="1"/>
@@ -657,6 +1304,7 @@
               <a:rPr kumimoji="1" lang="zh-CN" altLang="en-US"/>
               <a:t>二级</a:t>
             </a:r>
+            <a:endParaRPr kumimoji="1" lang="zh-CN" altLang="en-US"/>
           </a:p>
           <a:p>
             <a:pPr lvl="2"/>
@@ -664,6 +1312,7 @@
               <a:rPr kumimoji="1" lang="zh-CN" altLang="en-US"/>
               <a:t>三级</a:t>
             </a:r>
+            <a:endParaRPr kumimoji="1" lang="zh-CN" altLang="en-US"/>
           </a:p>
           <a:p>
             <a:pPr lvl="3"/>
@@ -671,6 +1320,7 @@
               <a:rPr kumimoji="1" lang="zh-CN" altLang="en-US"/>
               <a:t>四级</a:t>
             </a:r>
+            <a:endParaRPr kumimoji="1" lang="zh-CN" altLang="en-US"/>
           </a:p>
           <a:p>
             <a:pPr lvl="4"/>
@@ -678,18 +1328,13 @@
               <a:rPr kumimoji="1" lang="zh-CN" altLang="en-US"/>
               <a:t>五级</a:t>
             </a:r>
-          </a:p>
-        </p:txBody>
-      </p:sp>
-      <p:sp>
-        <p:nvSpPr>
-          <p:cNvPr id="4" name="日期占位符 3">
-            <a:extLst>
-              <a:ext uri="{FF2B5EF4-FFF2-40B4-BE49-F238E27FC236}">
-                <a16:creationId xmlns:a16="http://schemas.microsoft.com/office/drawing/2014/main" id="{69649730-BF07-DA4A-84F6-319BEB0C54C1}"/>
-              </a:ext>
-            </a:extLst>
-          </p:cNvPr>
+            <a:endParaRPr kumimoji="1" lang="zh-CN" altLang="en-US"/>
+          </a:p>
+        </p:txBody>
+      </p:sp>
+      <p:sp>
+        <p:nvSpPr>
+          <p:cNvPr id="4" name="日期占位符 3"/>
           <p:cNvSpPr>
             <a:spLocks noGrp="1"/>
           </p:cNvSpPr>
@@ -704,7 +1349,6 @@
           <a:p>
             <a:fld id="{CEACFE95-6B98-F540-A12D-334F116059E1}" type="datetimeFigureOut">
               <a:rPr kumimoji="1" lang="zh-CN" altLang="en-US" smtClean="0"/>
-              <a:t>2021/12/13</a:t>
             </a:fld>
             <a:endParaRPr kumimoji="1" lang="zh-CN" altLang="en-US"/>
           </a:p>
@@ -712,13 +1356,7 @@
       </p:sp>
       <p:sp>
         <p:nvSpPr>
-          <p:cNvPr id="5" name="页脚占位符 4">
-            <a:extLst>
-              <a:ext uri="{FF2B5EF4-FFF2-40B4-BE49-F238E27FC236}">
-                <a16:creationId xmlns:a16="http://schemas.microsoft.com/office/drawing/2014/main" id="{5ECD09C7-8468-8746-9E32-6DCB9A0E742A}"/>
-              </a:ext>
-            </a:extLst>
-          </p:cNvPr>
+          <p:cNvPr id="5" name="页脚占位符 4"/>
           <p:cNvSpPr>
             <a:spLocks noGrp="1"/>
           </p:cNvSpPr>
@@ -737,13 +1375,7 @@
       </p:sp>
       <p:sp>
         <p:nvSpPr>
-          <p:cNvPr id="6" name="灯片编号占位符 5">
-            <a:extLst>
-              <a:ext uri="{FF2B5EF4-FFF2-40B4-BE49-F238E27FC236}">
-                <a16:creationId xmlns:a16="http://schemas.microsoft.com/office/drawing/2014/main" id="{3D3591B5-EF3F-9D49-94D4-82434FA7AC31}"/>
-              </a:ext>
-            </a:extLst>
-          </p:cNvPr>
+          <p:cNvPr id="6" name="灯片编号占位符 5"/>
           <p:cNvSpPr>
             <a:spLocks noGrp="1"/>
           </p:cNvSpPr>
@@ -758,18 +1390,12 @@
           <a:p>
             <a:fld id="{CC55A09D-DCDD-CD48-83A9-605BCBE4E252}" type="slidenum">
               <a:rPr kumimoji="1" lang="zh-CN" altLang="en-US" smtClean="0"/>
-              <a:t>‹#›</a:t>
             </a:fld>
             <a:endParaRPr kumimoji="1" lang="zh-CN" altLang="en-US"/>
           </a:p>
         </p:txBody>
       </p:sp>
     </p:spTree>
-    <p:extLst>
-      <p:ext uri="{BB962C8B-B14F-4D97-AF65-F5344CB8AC3E}">
-        <p14:creationId xmlns:p14="http://schemas.microsoft.com/office/powerpoint/2010/main" val="1969192532"/>
-      </p:ext>
-    </p:extLst>
   </p:cSld>
   <p:clrMapOvr>
     <a:masterClrMapping/>
@@ -777,7 +1403,192 @@
 </p:sldLayout>
 </file>
 
-<file path=ppt/slideLayouts/slideLayout2.xml><?xml version="1.0" encoding="utf-8"?>
+<file path=ppt/slideLayouts/slideLayout12.xml><?xml version="1.0" encoding="utf-8"?>
+<p:sldLayout xmlns:a="http://schemas.openxmlformats.org/drawingml/2006/main" xmlns:r="http://schemas.openxmlformats.org/officeDocument/2006/relationships" xmlns:p="http://schemas.openxmlformats.org/presentationml/2006/main" type="title" preserve="1">
+  <p:cSld name="标题幻灯片">
+    <p:spTree>
+      <p:nvGrpSpPr>
+        <p:cNvPr id="1" name=""/>
+        <p:cNvGrpSpPr/>
+        <p:nvPr/>
+      </p:nvGrpSpPr>
+      <p:grpSpPr>
+        <a:xfrm>
+          <a:off x="0" y="0"/>
+          <a:ext cx="0" cy="0"/>
+          <a:chOff x="0" y="0"/>
+          <a:chExt cx="0" cy="0"/>
+        </a:xfrm>
+      </p:grpSpPr>
+      <p:sp>
+        <p:nvSpPr>
+          <p:cNvPr id="2" name="标题 1"/>
+          <p:cNvSpPr>
+            <a:spLocks noGrp="1"/>
+          </p:cNvSpPr>
+          <p:nvPr>
+            <p:ph type="ctrTitle"/>
+          </p:nvPr>
+        </p:nvSpPr>
+        <p:spPr>
+          <a:xfrm>
+            <a:off x="1524000" y="1122363"/>
+            <a:ext cx="9144000" cy="2387600"/>
+          </a:xfrm>
+        </p:spPr>
+        <p:txBody>
+          <a:bodyPr anchor="b"/>
+          <a:lstStyle>
+            <a:lvl1pPr algn="ctr">
+              <a:defRPr sz="6000"/>
+            </a:lvl1pPr>
+          </a:lstStyle>
+          <a:p>
+            <a:r>
+              <a:rPr kumimoji="1" lang="zh-CN" altLang="en-US"/>
+              <a:t>单击此处编辑母版标题样式</a:t>
+            </a:r>
+            <a:endParaRPr kumimoji="1" lang="zh-CN" altLang="en-US"/>
+          </a:p>
+        </p:txBody>
+      </p:sp>
+      <p:sp>
+        <p:nvSpPr>
+          <p:cNvPr id="3" name="副标题 2"/>
+          <p:cNvSpPr>
+            <a:spLocks noGrp="1"/>
+          </p:cNvSpPr>
+          <p:nvPr>
+            <p:ph type="subTitle" idx="1"/>
+          </p:nvPr>
+        </p:nvSpPr>
+        <p:spPr>
+          <a:xfrm>
+            <a:off x="1524000" y="3602038"/>
+            <a:ext cx="9144000" cy="1655762"/>
+          </a:xfrm>
+        </p:spPr>
+        <p:txBody>
+          <a:bodyPr/>
+          <a:lstStyle>
+            <a:lvl1pPr marL="0" indent="0" algn="ctr">
+              <a:buNone/>
+              <a:defRPr sz="2400"/>
+            </a:lvl1pPr>
+            <a:lvl2pPr marL="457200" indent="0" algn="ctr">
+              <a:buNone/>
+              <a:defRPr sz="2000"/>
+            </a:lvl2pPr>
+            <a:lvl3pPr marL="914400" indent="0" algn="ctr">
+              <a:buNone/>
+              <a:defRPr sz="1800"/>
+            </a:lvl3pPr>
+            <a:lvl4pPr marL="1371600" indent="0" algn="ctr">
+              <a:buNone/>
+              <a:defRPr sz="1600"/>
+            </a:lvl4pPr>
+            <a:lvl5pPr marL="1828800" indent="0" algn="ctr">
+              <a:buNone/>
+              <a:defRPr sz="1600"/>
+            </a:lvl5pPr>
+            <a:lvl6pPr marL="2286000" indent="0" algn="ctr">
+              <a:buNone/>
+              <a:defRPr sz="1600"/>
+            </a:lvl6pPr>
+            <a:lvl7pPr marL="2743200" indent="0" algn="ctr">
+              <a:buNone/>
+              <a:defRPr sz="1600"/>
+            </a:lvl7pPr>
+            <a:lvl8pPr marL="3200400" indent="0" algn="ctr">
+              <a:buNone/>
+              <a:defRPr sz="1600"/>
+            </a:lvl8pPr>
+            <a:lvl9pPr marL="3657600" indent="0" algn="ctr">
+              <a:buNone/>
+              <a:defRPr sz="1600"/>
+            </a:lvl9pPr>
+          </a:lstStyle>
+          <a:p>
+            <a:r>
+              <a:rPr kumimoji="1" lang="zh-CN" altLang="en-US"/>
+              <a:t>单击此处编辑母版副标题样式</a:t>
+            </a:r>
+            <a:endParaRPr kumimoji="1" lang="zh-CN" altLang="en-US"/>
+          </a:p>
+        </p:txBody>
+      </p:sp>
+      <p:sp>
+        <p:nvSpPr>
+          <p:cNvPr id="4" name="日期占位符 3"/>
+          <p:cNvSpPr>
+            <a:spLocks noGrp="1"/>
+          </p:cNvSpPr>
+          <p:nvPr>
+            <p:ph type="dt" sz="half" idx="10"/>
+          </p:nvPr>
+        </p:nvSpPr>
+        <p:spPr/>
+        <p:txBody>
+          <a:bodyPr/>
+          <a:lstStyle/>
+          <a:p>
+            <a:fld id="{CEACFE95-6B98-F540-A12D-334F116059E1}" type="datetimeFigureOut">
+              <a:rPr kumimoji="1" lang="zh-CN" altLang="en-US" smtClean="0"/>
+            </a:fld>
+            <a:endParaRPr kumimoji="1" lang="zh-CN" altLang="en-US"/>
+          </a:p>
+        </p:txBody>
+      </p:sp>
+      <p:sp>
+        <p:nvSpPr>
+          <p:cNvPr id="5" name="页脚占位符 4"/>
+          <p:cNvSpPr>
+            <a:spLocks noGrp="1"/>
+          </p:cNvSpPr>
+          <p:nvPr>
+            <p:ph type="ftr" sz="quarter" idx="11"/>
+          </p:nvPr>
+        </p:nvSpPr>
+        <p:spPr/>
+        <p:txBody>
+          <a:bodyPr/>
+          <a:lstStyle/>
+          <a:p>
+            <a:endParaRPr kumimoji="1" lang="zh-CN" altLang="en-US"/>
+          </a:p>
+        </p:txBody>
+      </p:sp>
+      <p:sp>
+        <p:nvSpPr>
+          <p:cNvPr id="6" name="灯片编号占位符 5"/>
+          <p:cNvSpPr>
+            <a:spLocks noGrp="1"/>
+          </p:cNvSpPr>
+          <p:nvPr>
+            <p:ph type="sldNum" sz="quarter" idx="12"/>
+          </p:nvPr>
+        </p:nvSpPr>
+        <p:spPr/>
+        <p:txBody>
+          <a:bodyPr/>
+          <a:lstStyle/>
+          <a:p>
+            <a:fld id="{CC55A09D-DCDD-CD48-83A9-605BCBE4E252}" type="slidenum">
+              <a:rPr kumimoji="1" lang="zh-CN" altLang="en-US" smtClean="0"/>
+            </a:fld>
+            <a:endParaRPr kumimoji="1" lang="zh-CN" altLang="en-US"/>
+          </a:p>
+        </p:txBody>
+      </p:sp>
+    </p:spTree>
+  </p:cSld>
+  <p:clrMapOvr>
+    <a:masterClrMapping/>
+  </p:clrMapOvr>
+</p:sldLayout>
+</file>
+
+<file path=ppt/slideLayouts/slideLayout13.xml><?xml version="1.0" encoding="utf-8"?>
 <p:sldLayout xmlns:a="http://schemas.openxmlformats.org/drawingml/2006/main" xmlns:r="http://schemas.openxmlformats.org/officeDocument/2006/relationships" xmlns:p="http://schemas.openxmlformats.org/presentationml/2006/main" type="obj" preserve="1">
   <p:cSld name="标题和内容">
     <p:spTree>
@@ -796,13 +1607,7 @@
       </p:grpSpPr>
       <p:sp>
         <p:nvSpPr>
-          <p:cNvPr id="2" name="标题 1">
-            <a:extLst>
-              <a:ext uri="{FF2B5EF4-FFF2-40B4-BE49-F238E27FC236}">
-                <a16:creationId xmlns:a16="http://schemas.microsoft.com/office/drawing/2014/main" id="{3310D744-53C4-5542-8877-874640F6D5E0}"/>
-              </a:ext>
-            </a:extLst>
-          </p:cNvPr>
+          <p:cNvPr id="2" name="标题 1"/>
           <p:cNvSpPr>
             <a:spLocks noGrp="1"/>
           </p:cNvSpPr>
@@ -819,18 +1624,13 @@
               <a:rPr kumimoji="1" lang="zh-CN" altLang="en-US"/>
               <a:t>单击此处编辑母版标题样式</a:t>
             </a:r>
-          </a:p>
-        </p:txBody>
-      </p:sp>
-      <p:sp>
-        <p:nvSpPr>
-          <p:cNvPr id="3" name="内容占位符 2">
-            <a:extLst>
-              <a:ext uri="{FF2B5EF4-FFF2-40B4-BE49-F238E27FC236}">
-                <a16:creationId xmlns:a16="http://schemas.microsoft.com/office/drawing/2014/main" id="{BE998247-90C0-8C43-BA83-1B50C7CBE833}"/>
-              </a:ext>
-            </a:extLst>
-          </p:cNvPr>
+            <a:endParaRPr kumimoji="1" lang="zh-CN" altLang="en-US"/>
+          </a:p>
+        </p:txBody>
+      </p:sp>
+      <p:sp>
+        <p:nvSpPr>
+          <p:cNvPr id="3" name="内容占位符 2"/>
           <p:cNvSpPr>
             <a:spLocks noGrp="1"/>
           </p:cNvSpPr>
@@ -848,6 +1648,7 @@
               <a:rPr kumimoji="1" lang="zh-CN" altLang="en-US"/>
               <a:t>单击此处编辑母版文本样式</a:t>
             </a:r>
+            <a:endParaRPr kumimoji="1" lang="zh-CN" altLang="en-US"/>
           </a:p>
           <a:p>
             <a:pPr lvl="1"/>
@@ -855,6 +1656,7 @@
               <a:rPr kumimoji="1" lang="zh-CN" altLang="en-US"/>
               <a:t>二级</a:t>
             </a:r>
+            <a:endParaRPr kumimoji="1" lang="zh-CN" altLang="en-US"/>
           </a:p>
           <a:p>
             <a:pPr lvl="2"/>
@@ -862,6 +1664,7 @@
               <a:rPr kumimoji="1" lang="zh-CN" altLang="en-US"/>
               <a:t>三级</a:t>
             </a:r>
+            <a:endParaRPr kumimoji="1" lang="zh-CN" altLang="en-US"/>
           </a:p>
           <a:p>
             <a:pPr lvl="3"/>
@@ -869,6 +1672,7 @@
               <a:rPr kumimoji="1" lang="zh-CN" altLang="en-US"/>
               <a:t>四级</a:t>
             </a:r>
+            <a:endParaRPr kumimoji="1" lang="zh-CN" altLang="en-US"/>
           </a:p>
           <a:p>
             <a:pPr lvl="4"/>
@@ -876,18 +1680,13 @@
               <a:rPr kumimoji="1" lang="zh-CN" altLang="en-US"/>
               <a:t>五级</a:t>
             </a:r>
-          </a:p>
-        </p:txBody>
-      </p:sp>
-      <p:sp>
-        <p:nvSpPr>
-          <p:cNvPr id="4" name="日期占位符 3">
-            <a:extLst>
-              <a:ext uri="{FF2B5EF4-FFF2-40B4-BE49-F238E27FC236}">
-                <a16:creationId xmlns:a16="http://schemas.microsoft.com/office/drawing/2014/main" id="{7600020F-618A-AA41-B89F-A30EBB2A4B5B}"/>
-              </a:ext>
-            </a:extLst>
-          </p:cNvPr>
+            <a:endParaRPr kumimoji="1" lang="zh-CN" altLang="en-US"/>
+          </a:p>
+        </p:txBody>
+      </p:sp>
+      <p:sp>
+        <p:nvSpPr>
+          <p:cNvPr id="4" name="日期占位符 3"/>
           <p:cNvSpPr>
             <a:spLocks noGrp="1"/>
           </p:cNvSpPr>
@@ -902,7 +1701,6 @@
           <a:p>
             <a:fld id="{CEACFE95-6B98-F540-A12D-334F116059E1}" type="datetimeFigureOut">
               <a:rPr kumimoji="1" lang="zh-CN" altLang="en-US" smtClean="0"/>
-              <a:t>2021/12/13</a:t>
             </a:fld>
             <a:endParaRPr kumimoji="1" lang="zh-CN" altLang="en-US"/>
           </a:p>
@@ -910,13 +1708,7 @@
       </p:sp>
       <p:sp>
         <p:nvSpPr>
-          <p:cNvPr id="5" name="页脚占位符 4">
-            <a:extLst>
-              <a:ext uri="{FF2B5EF4-FFF2-40B4-BE49-F238E27FC236}">
-                <a16:creationId xmlns:a16="http://schemas.microsoft.com/office/drawing/2014/main" id="{1A706BF8-0D93-6E43-989D-F4734B1F81D4}"/>
-              </a:ext>
-            </a:extLst>
-          </p:cNvPr>
+          <p:cNvPr id="5" name="页脚占位符 4"/>
           <p:cNvSpPr>
             <a:spLocks noGrp="1"/>
           </p:cNvSpPr>
@@ -935,13 +1727,7 @@
       </p:sp>
       <p:sp>
         <p:nvSpPr>
-          <p:cNvPr id="6" name="灯片编号占位符 5">
-            <a:extLst>
-              <a:ext uri="{FF2B5EF4-FFF2-40B4-BE49-F238E27FC236}">
-                <a16:creationId xmlns:a16="http://schemas.microsoft.com/office/drawing/2014/main" id="{32D6B73B-A775-D643-B421-E8131C3BF749}"/>
-              </a:ext>
-            </a:extLst>
-          </p:cNvPr>
+          <p:cNvPr id="6" name="灯片编号占位符 5"/>
           <p:cNvSpPr>
             <a:spLocks noGrp="1"/>
           </p:cNvSpPr>
@@ -956,18 +1742,12 @@
           <a:p>
             <a:fld id="{CC55A09D-DCDD-CD48-83A9-605BCBE4E252}" type="slidenum">
               <a:rPr kumimoji="1" lang="zh-CN" altLang="en-US" smtClean="0"/>
-              <a:t>‹#›</a:t>
             </a:fld>
             <a:endParaRPr kumimoji="1" lang="zh-CN" altLang="en-US"/>
           </a:p>
         </p:txBody>
       </p:sp>
     </p:spTree>
-    <p:extLst>
-      <p:ext uri="{BB962C8B-B14F-4D97-AF65-F5344CB8AC3E}">
-        <p14:creationId xmlns:p14="http://schemas.microsoft.com/office/powerpoint/2010/main" val="1808353517"/>
-      </p:ext>
-    </p:extLst>
   </p:cSld>
   <p:clrMapOvr>
     <a:masterClrMapping/>
@@ -975,7 +1755,7 @@
 </p:sldLayout>
 </file>
 
-<file path=ppt/slideLayouts/slideLayout3.xml><?xml version="1.0" encoding="utf-8"?>
+<file path=ppt/slideLayouts/slideLayout14.xml><?xml version="1.0" encoding="utf-8"?>
 <p:sldLayout xmlns:a="http://schemas.openxmlformats.org/drawingml/2006/main" xmlns:r="http://schemas.openxmlformats.org/officeDocument/2006/relationships" xmlns:p="http://schemas.openxmlformats.org/presentationml/2006/main" type="secHead" preserve="1">
   <p:cSld name="节标题">
     <p:spTree>
@@ -994,13 +1774,7 @@
       </p:grpSpPr>
       <p:sp>
         <p:nvSpPr>
-          <p:cNvPr id="2" name="标题 1">
-            <a:extLst>
-              <a:ext uri="{FF2B5EF4-FFF2-40B4-BE49-F238E27FC236}">
-                <a16:creationId xmlns:a16="http://schemas.microsoft.com/office/drawing/2014/main" id="{CC2DF1BB-0565-1843-9F34-3726E81D18E4}"/>
-              </a:ext>
-            </a:extLst>
-          </p:cNvPr>
+          <p:cNvPr id="2" name="标题 1"/>
           <p:cNvSpPr>
             <a:spLocks noGrp="1"/>
           </p:cNvSpPr>
@@ -1026,18 +1800,13 @@
               <a:rPr kumimoji="1" lang="zh-CN" altLang="en-US"/>
               <a:t>单击此处编辑母版标题样式</a:t>
             </a:r>
-          </a:p>
-        </p:txBody>
-      </p:sp>
-      <p:sp>
-        <p:nvSpPr>
-          <p:cNvPr id="3" name="文本占位符 2">
-            <a:extLst>
-              <a:ext uri="{FF2B5EF4-FFF2-40B4-BE49-F238E27FC236}">
-                <a16:creationId xmlns:a16="http://schemas.microsoft.com/office/drawing/2014/main" id="{12B83EEA-F3A7-454F-8902-BBA6B306DFFE}"/>
-              </a:ext>
-            </a:extLst>
-          </p:cNvPr>
+            <a:endParaRPr kumimoji="1" lang="zh-CN" altLang="en-US"/>
+          </a:p>
+        </p:txBody>
+      </p:sp>
+      <p:sp>
+        <p:nvSpPr>
+          <p:cNvPr id="3" name="文本占位符 2"/>
           <p:cNvSpPr>
             <a:spLocks noGrp="1"/>
           </p:cNvSpPr>
@@ -1151,18 +1920,13 @@
               <a:rPr kumimoji="1" lang="zh-CN" altLang="en-US"/>
               <a:t>单击此处编辑母版文本样式</a:t>
             </a:r>
-          </a:p>
-        </p:txBody>
-      </p:sp>
-      <p:sp>
-        <p:nvSpPr>
-          <p:cNvPr id="4" name="日期占位符 3">
-            <a:extLst>
-              <a:ext uri="{FF2B5EF4-FFF2-40B4-BE49-F238E27FC236}">
-                <a16:creationId xmlns:a16="http://schemas.microsoft.com/office/drawing/2014/main" id="{15564CDA-E3DC-8649-BB74-9562695AD746}"/>
-              </a:ext>
-            </a:extLst>
-          </p:cNvPr>
+            <a:endParaRPr kumimoji="1" lang="zh-CN" altLang="en-US"/>
+          </a:p>
+        </p:txBody>
+      </p:sp>
+      <p:sp>
+        <p:nvSpPr>
+          <p:cNvPr id="4" name="日期占位符 3"/>
           <p:cNvSpPr>
             <a:spLocks noGrp="1"/>
           </p:cNvSpPr>
@@ -1177,7 +1941,6 @@
           <a:p>
             <a:fld id="{CEACFE95-6B98-F540-A12D-334F116059E1}" type="datetimeFigureOut">
               <a:rPr kumimoji="1" lang="zh-CN" altLang="en-US" smtClean="0"/>
-              <a:t>2021/12/13</a:t>
             </a:fld>
             <a:endParaRPr kumimoji="1" lang="zh-CN" altLang="en-US"/>
           </a:p>
@@ -1185,13 +1948,7 @@
       </p:sp>
       <p:sp>
         <p:nvSpPr>
-          <p:cNvPr id="5" name="页脚占位符 4">
-            <a:extLst>
-              <a:ext uri="{FF2B5EF4-FFF2-40B4-BE49-F238E27FC236}">
-                <a16:creationId xmlns:a16="http://schemas.microsoft.com/office/drawing/2014/main" id="{E3732F99-3D66-2F4B-A693-3B321DC0EDC6}"/>
-              </a:ext>
-            </a:extLst>
-          </p:cNvPr>
+          <p:cNvPr id="5" name="页脚占位符 4"/>
           <p:cNvSpPr>
             <a:spLocks noGrp="1"/>
           </p:cNvSpPr>
@@ -1210,13 +1967,7 @@
       </p:sp>
       <p:sp>
         <p:nvSpPr>
-          <p:cNvPr id="6" name="灯片编号占位符 5">
-            <a:extLst>
-              <a:ext uri="{FF2B5EF4-FFF2-40B4-BE49-F238E27FC236}">
-                <a16:creationId xmlns:a16="http://schemas.microsoft.com/office/drawing/2014/main" id="{C032B5FD-0E51-C344-AC69-EAD46BDD6ACD}"/>
-              </a:ext>
-            </a:extLst>
-          </p:cNvPr>
+          <p:cNvPr id="6" name="灯片编号占位符 5"/>
           <p:cNvSpPr>
             <a:spLocks noGrp="1"/>
           </p:cNvSpPr>
@@ -1231,18 +1982,12 @@
           <a:p>
             <a:fld id="{CC55A09D-DCDD-CD48-83A9-605BCBE4E252}" type="slidenum">
               <a:rPr kumimoji="1" lang="zh-CN" altLang="en-US" smtClean="0"/>
-              <a:t>‹#›</a:t>
             </a:fld>
             <a:endParaRPr kumimoji="1" lang="zh-CN" altLang="en-US"/>
           </a:p>
         </p:txBody>
       </p:sp>
     </p:spTree>
-    <p:extLst>
-      <p:ext uri="{BB962C8B-B14F-4D97-AF65-F5344CB8AC3E}">
-        <p14:creationId xmlns:p14="http://schemas.microsoft.com/office/powerpoint/2010/main" val="2434564981"/>
-      </p:ext>
-    </p:extLst>
   </p:cSld>
   <p:clrMapOvr>
     <a:masterClrMapping/>
@@ -1250,7 +1995,7 @@
 </p:sldLayout>
 </file>
 
-<file path=ppt/slideLayouts/slideLayout4.xml><?xml version="1.0" encoding="utf-8"?>
+<file path=ppt/slideLayouts/slideLayout15.xml><?xml version="1.0" encoding="utf-8"?>
 <p:sldLayout xmlns:a="http://schemas.openxmlformats.org/drawingml/2006/main" xmlns:r="http://schemas.openxmlformats.org/officeDocument/2006/relationships" xmlns:p="http://schemas.openxmlformats.org/presentationml/2006/main" type="twoObj" preserve="1">
   <p:cSld name="两栏内容">
     <p:spTree>
@@ -1269,13 +2014,7 @@
       </p:grpSpPr>
       <p:sp>
         <p:nvSpPr>
-          <p:cNvPr id="2" name="标题 1">
-            <a:extLst>
-              <a:ext uri="{FF2B5EF4-FFF2-40B4-BE49-F238E27FC236}">
-                <a16:creationId xmlns:a16="http://schemas.microsoft.com/office/drawing/2014/main" id="{16B02198-3279-DA48-8DA4-1CE7614D583F}"/>
-              </a:ext>
-            </a:extLst>
-          </p:cNvPr>
+          <p:cNvPr id="2" name="标题 1"/>
           <p:cNvSpPr>
             <a:spLocks noGrp="1"/>
           </p:cNvSpPr>
@@ -1292,18 +2031,13 @@
               <a:rPr kumimoji="1" lang="zh-CN" altLang="en-US"/>
               <a:t>单击此处编辑母版标题样式</a:t>
             </a:r>
-          </a:p>
-        </p:txBody>
-      </p:sp>
-      <p:sp>
-        <p:nvSpPr>
-          <p:cNvPr id="3" name="内容占位符 2">
-            <a:extLst>
-              <a:ext uri="{FF2B5EF4-FFF2-40B4-BE49-F238E27FC236}">
-                <a16:creationId xmlns:a16="http://schemas.microsoft.com/office/drawing/2014/main" id="{8BF7782F-0F4E-D243-AC0F-E030A547AF8D}"/>
-              </a:ext>
-            </a:extLst>
-          </p:cNvPr>
+            <a:endParaRPr kumimoji="1" lang="zh-CN" altLang="en-US"/>
+          </a:p>
+        </p:txBody>
+      </p:sp>
+      <p:sp>
+        <p:nvSpPr>
+          <p:cNvPr id="3" name="内容占位符 2"/>
           <p:cNvSpPr>
             <a:spLocks noGrp="1"/>
           </p:cNvSpPr>
@@ -1326,6 +2060,7 @@
               <a:rPr kumimoji="1" lang="zh-CN" altLang="en-US"/>
               <a:t>单击此处编辑母版文本样式</a:t>
             </a:r>
+            <a:endParaRPr kumimoji="1" lang="zh-CN" altLang="en-US"/>
           </a:p>
           <a:p>
             <a:pPr lvl="1"/>
@@ -1333,6 +2068,7 @@
               <a:rPr kumimoji="1" lang="zh-CN" altLang="en-US"/>
               <a:t>二级</a:t>
             </a:r>
+            <a:endParaRPr kumimoji="1" lang="zh-CN" altLang="en-US"/>
           </a:p>
           <a:p>
             <a:pPr lvl="2"/>
@@ -1340,6 +2076,7 @@
               <a:rPr kumimoji="1" lang="zh-CN" altLang="en-US"/>
               <a:t>三级</a:t>
             </a:r>
+            <a:endParaRPr kumimoji="1" lang="zh-CN" altLang="en-US"/>
           </a:p>
           <a:p>
             <a:pPr lvl="3"/>
@@ -1347,6 +2084,7 @@
               <a:rPr kumimoji="1" lang="zh-CN" altLang="en-US"/>
               <a:t>四级</a:t>
             </a:r>
+            <a:endParaRPr kumimoji="1" lang="zh-CN" altLang="en-US"/>
           </a:p>
           <a:p>
             <a:pPr lvl="4"/>
@@ -1354,18 +2092,13 @@
               <a:rPr kumimoji="1" lang="zh-CN" altLang="en-US"/>
               <a:t>五级</a:t>
             </a:r>
-          </a:p>
-        </p:txBody>
-      </p:sp>
-      <p:sp>
-        <p:nvSpPr>
-          <p:cNvPr id="4" name="内容占位符 3">
-            <a:extLst>
-              <a:ext uri="{FF2B5EF4-FFF2-40B4-BE49-F238E27FC236}">
-                <a16:creationId xmlns:a16="http://schemas.microsoft.com/office/drawing/2014/main" id="{0AEDB177-3799-8442-96F4-1DAC02BC1FD4}"/>
-              </a:ext>
-            </a:extLst>
-          </p:cNvPr>
+            <a:endParaRPr kumimoji="1" lang="zh-CN" altLang="en-US"/>
+          </a:p>
+        </p:txBody>
+      </p:sp>
+      <p:sp>
+        <p:nvSpPr>
+          <p:cNvPr id="4" name="内容占位符 3"/>
           <p:cNvSpPr>
             <a:spLocks noGrp="1"/>
           </p:cNvSpPr>
@@ -1388,6 +2121,7 @@
               <a:rPr kumimoji="1" lang="zh-CN" altLang="en-US"/>
               <a:t>单击此处编辑母版文本样式</a:t>
             </a:r>
+            <a:endParaRPr kumimoji="1" lang="zh-CN" altLang="en-US"/>
           </a:p>
           <a:p>
             <a:pPr lvl="1"/>
@@ -1395,6 +2129,7 @@
               <a:rPr kumimoji="1" lang="zh-CN" altLang="en-US"/>
               <a:t>二级</a:t>
             </a:r>
+            <a:endParaRPr kumimoji="1" lang="zh-CN" altLang="en-US"/>
           </a:p>
           <a:p>
             <a:pPr lvl="2"/>
@@ -1402,6 +2137,7 @@
               <a:rPr kumimoji="1" lang="zh-CN" altLang="en-US"/>
               <a:t>三级</a:t>
             </a:r>
+            <a:endParaRPr kumimoji="1" lang="zh-CN" altLang="en-US"/>
           </a:p>
           <a:p>
             <a:pPr lvl="3"/>
@@ -1409,6 +2145,7 @@
               <a:rPr kumimoji="1" lang="zh-CN" altLang="en-US"/>
               <a:t>四级</a:t>
             </a:r>
+            <a:endParaRPr kumimoji="1" lang="zh-CN" altLang="en-US"/>
           </a:p>
           <a:p>
             <a:pPr lvl="4"/>
@@ -1416,18 +2153,13 @@
               <a:rPr kumimoji="1" lang="zh-CN" altLang="en-US"/>
               <a:t>五级</a:t>
             </a:r>
-          </a:p>
-        </p:txBody>
-      </p:sp>
-      <p:sp>
-        <p:nvSpPr>
-          <p:cNvPr id="5" name="日期占位符 4">
-            <a:extLst>
-              <a:ext uri="{FF2B5EF4-FFF2-40B4-BE49-F238E27FC236}">
-                <a16:creationId xmlns:a16="http://schemas.microsoft.com/office/drawing/2014/main" id="{3B4128DF-D295-2841-BB23-0E45EAECAA9D}"/>
-              </a:ext>
-            </a:extLst>
-          </p:cNvPr>
+            <a:endParaRPr kumimoji="1" lang="zh-CN" altLang="en-US"/>
+          </a:p>
+        </p:txBody>
+      </p:sp>
+      <p:sp>
+        <p:nvSpPr>
+          <p:cNvPr id="5" name="日期占位符 4"/>
           <p:cNvSpPr>
             <a:spLocks noGrp="1"/>
           </p:cNvSpPr>
@@ -1442,7 +2174,6 @@
           <a:p>
             <a:fld id="{CEACFE95-6B98-F540-A12D-334F116059E1}" type="datetimeFigureOut">
               <a:rPr kumimoji="1" lang="zh-CN" altLang="en-US" smtClean="0"/>
-              <a:t>2021/12/13</a:t>
             </a:fld>
             <a:endParaRPr kumimoji="1" lang="zh-CN" altLang="en-US"/>
           </a:p>
@@ -1450,13 +2181,7 @@
       </p:sp>
       <p:sp>
         <p:nvSpPr>
-          <p:cNvPr id="6" name="页脚占位符 5">
-            <a:extLst>
-              <a:ext uri="{FF2B5EF4-FFF2-40B4-BE49-F238E27FC236}">
-                <a16:creationId xmlns:a16="http://schemas.microsoft.com/office/drawing/2014/main" id="{EF7EE395-6585-E34B-BEBD-06D9F5DB7E7E}"/>
-              </a:ext>
-            </a:extLst>
-          </p:cNvPr>
+          <p:cNvPr id="6" name="页脚占位符 5"/>
           <p:cNvSpPr>
             <a:spLocks noGrp="1"/>
           </p:cNvSpPr>
@@ -1475,13 +2200,7 @@
       </p:sp>
       <p:sp>
         <p:nvSpPr>
-          <p:cNvPr id="7" name="灯片编号占位符 6">
-            <a:extLst>
-              <a:ext uri="{FF2B5EF4-FFF2-40B4-BE49-F238E27FC236}">
-                <a16:creationId xmlns:a16="http://schemas.microsoft.com/office/drawing/2014/main" id="{32C3396E-F978-8C49-872F-2FB5F9EAA981}"/>
-              </a:ext>
-            </a:extLst>
-          </p:cNvPr>
+          <p:cNvPr id="7" name="灯片编号占位符 6"/>
           <p:cNvSpPr>
             <a:spLocks noGrp="1"/>
           </p:cNvSpPr>
@@ -1496,18 +2215,12 @@
           <a:p>
             <a:fld id="{CC55A09D-DCDD-CD48-83A9-605BCBE4E252}" type="slidenum">
               <a:rPr kumimoji="1" lang="zh-CN" altLang="en-US" smtClean="0"/>
-              <a:t>‹#›</a:t>
             </a:fld>
             <a:endParaRPr kumimoji="1" lang="zh-CN" altLang="en-US"/>
           </a:p>
         </p:txBody>
       </p:sp>
     </p:spTree>
-    <p:extLst>
-      <p:ext uri="{BB962C8B-B14F-4D97-AF65-F5344CB8AC3E}">
-        <p14:creationId xmlns:p14="http://schemas.microsoft.com/office/powerpoint/2010/main" val="1262262202"/>
-      </p:ext>
-    </p:extLst>
   </p:cSld>
   <p:clrMapOvr>
     <a:masterClrMapping/>
@@ -1515,7 +2228,7 @@
 </p:sldLayout>
 </file>
 
-<file path=ppt/slideLayouts/slideLayout5.xml><?xml version="1.0" encoding="utf-8"?>
+<file path=ppt/slideLayouts/slideLayout16.xml><?xml version="1.0" encoding="utf-8"?>
 <p:sldLayout xmlns:a="http://schemas.openxmlformats.org/drawingml/2006/main" xmlns:r="http://schemas.openxmlformats.org/officeDocument/2006/relationships" xmlns:p="http://schemas.openxmlformats.org/presentationml/2006/main" type="twoTxTwoObj" preserve="1">
   <p:cSld name="比较">
     <p:spTree>
@@ -1534,13 +2247,7 @@
       </p:grpSpPr>
       <p:sp>
         <p:nvSpPr>
-          <p:cNvPr id="2" name="标题 1">
-            <a:extLst>
-              <a:ext uri="{FF2B5EF4-FFF2-40B4-BE49-F238E27FC236}">
-                <a16:creationId xmlns:a16="http://schemas.microsoft.com/office/drawing/2014/main" id="{9823126C-18BE-5B4A-A055-335CBA8FAF8B}"/>
-              </a:ext>
-            </a:extLst>
-          </p:cNvPr>
+          <p:cNvPr id="2" name="标题 1"/>
           <p:cNvSpPr>
             <a:spLocks noGrp="1"/>
           </p:cNvSpPr>
@@ -1562,18 +2269,13 @@
               <a:rPr kumimoji="1" lang="zh-CN" altLang="en-US"/>
               <a:t>单击此处编辑母版标题样式</a:t>
             </a:r>
-          </a:p>
-        </p:txBody>
-      </p:sp>
-      <p:sp>
-        <p:nvSpPr>
-          <p:cNvPr id="3" name="文本占位符 2">
-            <a:extLst>
-              <a:ext uri="{FF2B5EF4-FFF2-40B4-BE49-F238E27FC236}">
-                <a16:creationId xmlns:a16="http://schemas.microsoft.com/office/drawing/2014/main" id="{6A6D267A-F134-A24E-91BC-88EA3A1A7BA5}"/>
-              </a:ext>
-            </a:extLst>
-          </p:cNvPr>
+            <a:endParaRPr kumimoji="1" lang="zh-CN" altLang="en-US"/>
+          </a:p>
+        </p:txBody>
+      </p:sp>
+      <p:sp>
+        <p:nvSpPr>
+          <p:cNvPr id="3" name="文本占位符 2"/>
           <p:cNvSpPr>
             <a:spLocks noGrp="1"/>
           </p:cNvSpPr>
@@ -1633,18 +2335,13 @@
               <a:rPr kumimoji="1" lang="zh-CN" altLang="en-US"/>
               <a:t>单击此处编辑母版文本样式</a:t>
             </a:r>
-          </a:p>
-        </p:txBody>
-      </p:sp>
-      <p:sp>
-        <p:nvSpPr>
-          <p:cNvPr id="4" name="内容占位符 3">
-            <a:extLst>
-              <a:ext uri="{FF2B5EF4-FFF2-40B4-BE49-F238E27FC236}">
-                <a16:creationId xmlns:a16="http://schemas.microsoft.com/office/drawing/2014/main" id="{30E1F880-8C3C-E24D-814C-CD6E138B410A}"/>
-              </a:ext>
-            </a:extLst>
-          </p:cNvPr>
+            <a:endParaRPr kumimoji="1" lang="zh-CN" altLang="en-US"/>
+          </a:p>
+        </p:txBody>
+      </p:sp>
+      <p:sp>
+        <p:nvSpPr>
+          <p:cNvPr id="4" name="内容占位符 3"/>
           <p:cNvSpPr>
             <a:spLocks noGrp="1"/>
           </p:cNvSpPr>
@@ -1667,6 +2364,7 @@
               <a:rPr kumimoji="1" lang="zh-CN" altLang="en-US"/>
               <a:t>单击此处编辑母版文本样式</a:t>
             </a:r>
+            <a:endParaRPr kumimoji="1" lang="zh-CN" altLang="en-US"/>
           </a:p>
           <a:p>
             <a:pPr lvl="1"/>
@@ -1674,6 +2372,7 @@
               <a:rPr kumimoji="1" lang="zh-CN" altLang="en-US"/>
               <a:t>二级</a:t>
             </a:r>
+            <a:endParaRPr kumimoji="1" lang="zh-CN" altLang="en-US"/>
           </a:p>
           <a:p>
             <a:pPr lvl="2"/>
@@ -1681,6 +2380,7 @@
               <a:rPr kumimoji="1" lang="zh-CN" altLang="en-US"/>
               <a:t>三级</a:t>
             </a:r>
+            <a:endParaRPr kumimoji="1" lang="zh-CN" altLang="en-US"/>
           </a:p>
           <a:p>
             <a:pPr lvl="3"/>
@@ -1688,6 +2388,7 @@
               <a:rPr kumimoji="1" lang="zh-CN" altLang="en-US"/>
               <a:t>四级</a:t>
             </a:r>
+            <a:endParaRPr kumimoji="1" lang="zh-CN" altLang="en-US"/>
           </a:p>
           <a:p>
             <a:pPr lvl="4"/>
@@ -1695,18 +2396,13 @@
               <a:rPr kumimoji="1" lang="zh-CN" altLang="en-US"/>
               <a:t>五级</a:t>
             </a:r>
-          </a:p>
-        </p:txBody>
-      </p:sp>
-      <p:sp>
-        <p:nvSpPr>
-          <p:cNvPr id="5" name="文本占位符 4">
-            <a:extLst>
-              <a:ext uri="{FF2B5EF4-FFF2-40B4-BE49-F238E27FC236}">
-                <a16:creationId xmlns:a16="http://schemas.microsoft.com/office/drawing/2014/main" id="{E5F1A01B-7AB0-9348-BC80-2A22BC95AD39}"/>
-              </a:ext>
-            </a:extLst>
-          </p:cNvPr>
+            <a:endParaRPr kumimoji="1" lang="zh-CN" altLang="en-US"/>
+          </a:p>
+        </p:txBody>
+      </p:sp>
+      <p:sp>
+        <p:nvSpPr>
+          <p:cNvPr id="5" name="文本占位符 4"/>
           <p:cNvSpPr>
             <a:spLocks noGrp="1"/>
           </p:cNvSpPr>
@@ -1766,18 +2462,13 @@
               <a:rPr kumimoji="1" lang="zh-CN" altLang="en-US"/>
               <a:t>单击此处编辑母版文本样式</a:t>
             </a:r>
-          </a:p>
-        </p:txBody>
-      </p:sp>
-      <p:sp>
-        <p:nvSpPr>
-          <p:cNvPr id="6" name="内容占位符 5">
-            <a:extLst>
-              <a:ext uri="{FF2B5EF4-FFF2-40B4-BE49-F238E27FC236}">
-                <a16:creationId xmlns:a16="http://schemas.microsoft.com/office/drawing/2014/main" id="{11D85AC8-5B96-7F4D-B9FC-2776C501B92E}"/>
-              </a:ext>
-            </a:extLst>
-          </p:cNvPr>
+            <a:endParaRPr kumimoji="1" lang="zh-CN" altLang="en-US"/>
+          </a:p>
+        </p:txBody>
+      </p:sp>
+      <p:sp>
+        <p:nvSpPr>
+          <p:cNvPr id="6" name="内容占位符 5"/>
           <p:cNvSpPr>
             <a:spLocks noGrp="1"/>
           </p:cNvSpPr>
@@ -1800,6 +2491,7 @@
               <a:rPr kumimoji="1" lang="zh-CN" altLang="en-US"/>
               <a:t>单击此处编辑母版文本样式</a:t>
             </a:r>
+            <a:endParaRPr kumimoji="1" lang="zh-CN" altLang="en-US"/>
           </a:p>
           <a:p>
             <a:pPr lvl="1"/>
@@ -1807,6 +2499,7 @@
               <a:rPr kumimoji="1" lang="zh-CN" altLang="en-US"/>
               <a:t>二级</a:t>
             </a:r>
+            <a:endParaRPr kumimoji="1" lang="zh-CN" altLang="en-US"/>
           </a:p>
           <a:p>
             <a:pPr lvl="2"/>
@@ -1814,6 +2507,7 @@
               <a:rPr kumimoji="1" lang="zh-CN" altLang="en-US"/>
               <a:t>三级</a:t>
             </a:r>
+            <a:endParaRPr kumimoji="1" lang="zh-CN" altLang="en-US"/>
           </a:p>
           <a:p>
             <a:pPr lvl="3"/>
@@ -1821,6 +2515,7 @@
               <a:rPr kumimoji="1" lang="zh-CN" altLang="en-US"/>
               <a:t>四级</a:t>
             </a:r>
+            <a:endParaRPr kumimoji="1" lang="zh-CN" altLang="en-US"/>
           </a:p>
           <a:p>
             <a:pPr lvl="4"/>
@@ -1828,18 +2523,13 @@
               <a:rPr kumimoji="1" lang="zh-CN" altLang="en-US"/>
               <a:t>五级</a:t>
             </a:r>
-          </a:p>
-        </p:txBody>
-      </p:sp>
-      <p:sp>
-        <p:nvSpPr>
-          <p:cNvPr id="7" name="日期占位符 6">
-            <a:extLst>
-              <a:ext uri="{FF2B5EF4-FFF2-40B4-BE49-F238E27FC236}">
-                <a16:creationId xmlns:a16="http://schemas.microsoft.com/office/drawing/2014/main" id="{7DCB7429-3E6E-B949-9DAD-AB6D2535D500}"/>
-              </a:ext>
-            </a:extLst>
-          </p:cNvPr>
+            <a:endParaRPr kumimoji="1" lang="zh-CN" altLang="en-US"/>
+          </a:p>
+        </p:txBody>
+      </p:sp>
+      <p:sp>
+        <p:nvSpPr>
+          <p:cNvPr id="7" name="日期占位符 6"/>
           <p:cNvSpPr>
             <a:spLocks noGrp="1"/>
           </p:cNvSpPr>
@@ -1854,7 +2544,6 @@
           <a:p>
             <a:fld id="{CEACFE95-6B98-F540-A12D-334F116059E1}" type="datetimeFigureOut">
               <a:rPr kumimoji="1" lang="zh-CN" altLang="en-US" smtClean="0"/>
-              <a:t>2021/12/13</a:t>
             </a:fld>
             <a:endParaRPr kumimoji="1" lang="zh-CN" altLang="en-US"/>
           </a:p>
@@ -1862,13 +2551,7 @@
       </p:sp>
       <p:sp>
         <p:nvSpPr>
-          <p:cNvPr id="8" name="页脚占位符 7">
-            <a:extLst>
-              <a:ext uri="{FF2B5EF4-FFF2-40B4-BE49-F238E27FC236}">
-                <a16:creationId xmlns:a16="http://schemas.microsoft.com/office/drawing/2014/main" id="{282CEB5F-A7D7-D34D-8E34-221B4235FBB2}"/>
-              </a:ext>
-            </a:extLst>
-          </p:cNvPr>
+          <p:cNvPr id="8" name="页脚占位符 7"/>
           <p:cNvSpPr>
             <a:spLocks noGrp="1"/>
           </p:cNvSpPr>
@@ -1887,13 +2570,7 @@
       </p:sp>
       <p:sp>
         <p:nvSpPr>
-          <p:cNvPr id="9" name="灯片编号占位符 8">
-            <a:extLst>
-              <a:ext uri="{FF2B5EF4-FFF2-40B4-BE49-F238E27FC236}">
-                <a16:creationId xmlns:a16="http://schemas.microsoft.com/office/drawing/2014/main" id="{E4DDB9D9-F775-7640-8A53-F6781281036E}"/>
-              </a:ext>
-            </a:extLst>
-          </p:cNvPr>
+          <p:cNvPr id="9" name="灯片编号占位符 8"/>
           <p:cNvSpPr>
             <a:spLocks noGrp="1"/>
           </p:cNvSpPr>
@@ -1908,18 +2585,12 @@
           <a:p>
             <a:fld id="{CC55A09D-DCDD-CD48-83A9-605BCBE4E252}" type="slidenum">
               <a:rPr kumimoji="1" lang="zh-CN" altLang="en-US" smtClean="0"/>
-              <a:t>‹#›</a:t>
             </a:fld>
             <a:endParaRPr kumimoji="1" lang="zh-CN" altLang="en-US"/>
           </a:p>
         </p:txBody>
       </p:sp>
     </p:spTree>
-    <p:extLst>
-      <p:ext uri="{BB962C8B-B14F-4D97-AF65-F5344CB8AC3E}">
-        <p14:creationId xmlns:p14="http://schemas.microsoft.com/office/powerpoint/2010/main" val="4284298943"/>
-      </p:ext>
-    </p:extLst>
   </p:cSld>
   <p:clrMapOvr>
     <a:masterClrMapping/>
@@ -1927,7 +2598,7 @@
 </p:sldLayout>
 </file>
 
-<file path=ppt/slideLayouts/slideLayout6.xml><?xml version="1.0" encoding="utf-8"?>
+<file path=ppt/slideLayouts/slideLayout17.xml><?xml version="1.0" encoding="utf-8"?>
 <p:sldLayout xmlns:a="http://schemas.openxmlformats.org/drawingml/2006/main" xmlns:r="http://schemas.openxmlformats.org/officeDocument/2006/relationships" xmlns:p="http://schemas.openxmlformats.org/presentationml/2006/main" type="titleOnly" preserve="1">
   <p:cSld name="仅标题">
     <p:spTree>
@@ -1946,13 +2617,7 @@
       </p:grpSpPr>
       <p:sp>
         <p:nvSpPr>
-          <p:cNvPr id="2" name="标题 1">
-            <a:extLst>
-              <a:ext uri="{FF2B5EF4-FFF2-40B4-BE49-F238E27FC236}">
-                <a16:creationId xmlns:a16="http://schemas.microsoft.com/office/drawing/2014/main" id="{68500DA0-D293-C647-96DE-C36E26BCA239}"/>
-              </a:ext>
-            </a:extLst>
-          </p:cNvPr>
+          <p:cNvPr id="2" name="标题 1"/>
           <p:cNvSpPr>
             <a:spLocks noGrp="1"/>
           </p:cNvSpPr>
@@ -1969,18 +2634,13 @@
               <a:rPr kumimoji="1" lang="zh-CN" altLang="en-US"/>
               <a:t>单击此处编辑母版标题样式</a:t>
             </a:r>
-          </a:p>
-        </p:txBody>
-      </p:sp>
-      <p:sp>
-        <p:nvSpPr>
-          <p:cNvPr id="3" name="日期占位符 2">
-            <a:extLst>
-              <a:ext uri="{FF2B5EF4-FFF2-40B4-BE49-F238E27FC236}">
-                <a16:creationId xmlns:a16="http://schemas.microsoft.com/office/drawing/2014/main" id="{9AE4CEF8-5E79-774F-B09A-DC8960913D30}"/>
-              </a:ext>
-            </a:extLst>
-          </p:cNvPr>
+            <a:endParaRPr kumimoji="1" lang="zh-CN" altLang="en-US"/>
+          </a:p>
+        </p:txBody>
+      </p:sp>
+      <p:sp>
+        <p:nvSpPr>
+          <p:cNvPr id="3" name="日期占位符 2"/>
           <p:cNvSpPr>
             <a:spLocks noGrp="1"/>
           </p:cNvSpPr>
@@ -1995,7 +2655,6 @@
           <a:p>
             <a:fld id="{CEACFE95-6B98-F540-A12D-334F116059E1}" type="datetimeFigureOut">
               <a:rPr kumimoji="1" lang="zh-CN" altLang="en-US" smtClean="0"/>
-              <a:t>2021/12/13</a:t>
             </a:fld>
             <a:endParaRPr kumimoji="1" lang="zh-CN" altLang="en-US"/>
           </a:p>
@@ -2003,13 +2662,7 @@
       </p:sp>
       <p:sp>
         <p:nvSpPr>
-          <p:cNvPr id="4" name="页脚占位符 3">
-            <a:extLst>
-              <a:ext uri="{FF2B5EF4-FFF2-40B4-BE49-F238E27FC236}">
-                <a16:creationId xmlns:a16="http://schemas.microsoft.com/office/drawing/2014/main" id="{67BE1077-89CF-2F42-B900-BBEBCCCBBB1B}"/>
-              </a:ext>
-            </a:extLst>
-          </p:cNvPr>
+          <p:cNvPr id="4" name="页脚占位符 3"/>
           <p:cNvSpPr>
             <a:spLocks noGrp="1"/>
           </p:cNvSpPr>
@@ -2028,13 +2681,7 @@
       </p:sp>
       <p:sp>
         <p:nvSpPr>
-          <p:cNvPr id="5" name="灯片编号占位符 4">
-            <a:extLst>
-              <a:ext uri="{FF2B5EF4-FFF2-40B4-BE49-F238E27FC236}">
-                <a16:creationId xmlns:a16="http://schemas.microsoft.com/office/drawing/2014/main" id="{25CF0BFA-FFE3-334D-A8B5-D14D9EE72D9C}"/>
-              </a:ext>
-            </a:extLst>
-          </p:cNvPr>
+          <p:cNvPr id="5" name="灯片编号占位符 4"/>
           <p:cNvSpPr>
             <a:spLocks noGrp="1"/>
           </p:cNvSpPr>
@@ -2049,18 +2696,12 @@
           <a:p>
             <a:fld id="{CC55A09D-DCDD-CD48-83A9-605BCBE4E252}" type="slidenum">
               <a:rPr kumimoji="1" lang="zh-CN" altLang="en-US" smtClean="0"/>
-              <a:t>‹#›</a:t>
             </a:fld>
             <a:endParaRPr kumimoji="1" lang="zh-CN" altLang="en-US"/>
           </a:p>
         </p:txBody>
       </p:sp>
     </p:spTree>
-    <p:extLst>
-      <p:ext uri="{BB962C8B-B14F-4D97-AF65-F5344CB8AC3E}">
-        <p14:creationId xmlns:p14="http://schemas.microsoft.com/office/powerpoint/2010/main" val="3697229872"/>
-      </p:ext>
-    </p:extLst>
   </p:cSld>
   <p:clrMapOvr>
     <a:masterClrMapping/>
@@ -2068,7 +2709,7 @@
 </p:sldLayout>
 </file>
 
-<file path=ppt/slideLayouts/slideLayout7.xml><?xml version="1.0" encoding="utf-8"?>
+<file path=ppt/slideLayouts/slideLayout18.xml><?xml version="1.0" encoding="utf-8"?>
 <p:sldLayout xmlns:a="http://schemas.openxmlformats.org/drawingml/2006/main" xmlns:r="http://schemas.openxmlformats.org/officeDocument/2006/relationships" xmlns:p="http://schemas.openxmlformats.org/presentationml/2006/main" type="blank" preserve="1">
   <p:cSld name="空白">
     <p:spTree>
@@ -2087,13 +2728,7 @@
       </p:grpSpPr>
       <p:sp>
         <p:nvSpPr>
-          <p:cNvPr id="2" name="日期占位符 1">
-            <a:extLst>
-              <a:ext uri="{FF2B5EF4-FFF2-40B4-BE49-F238E27FC236}">
-                <a16:creationId xmlns:a16="http://schemas.microsoft.com/office/drawing/2014/main" id="{E1D6724E-C6EC-A849-80FA-8F3BE15DF74F}"/>
-              </a:ext>
-            </a:extLst>
-          </p:cNvPr>
+          <p:cNvPr id="2" name="日期占位符 1"/>
           <p:cNvSpPr>
             <a:spLocks noGrp="1"/>
           </p:cNvSpPr>
@@ -2108,7 +2743,6 @@
           <a:p>
             <a:fld id="{CEACFE95-6B98-F540-A12D-334F116059E1}" type="datetimeFigureOut">
               <a:rPr kumimoji="1" lang="zh-CN" altLang="en-US" smtClean="0"/>
-              <a:t>2021/12/13</a:t>
             </a:fld>
             <a:endParaRPr kumimoji="1" lang="zh-CN" altLang="en-US"/>
           </a:p>
@@ -2116,13 +2750,7 @@
       </p:sp>
       <p:sp>
         <p:nvSpPr>
-          <p:cNvPr id="3" name="页脚占位符 2">
-            <a:extLst>
-              <a:ext uri="{FF2B5EF4-FFF2-40B4-BE49-F238E27FC236}">
-                <a16:creationId xmlns:a16="http://schemas.microsoft.com/office/drawing/2014/main" id="{F5A1FB04-ECE0-8E45-9E77-7441BA3067FE}"/>
-              </a:ext>
-            </a:extLst>
-          </p:cNvPr>
+          <p:cNvPr id="3" name="页脚占位符 2"/>
           <p:cNvSpPr>
             <a:spLocks noGrp="1"/>
           </p:cNvSpPr>
@@ -2141,13 +2769,7 @@
       </p:sp>
       <p:sp>
         <p:nvSpPr>
-          <p:cNvPr id="4" name="灯片编号占位符 3">
-            <a:extLst>
-              <a:ext uri="{FF2B5EF4-FFF2-40B4-BE49-F238E27FC236}">
-                <a16:creationId xmlns:a16="http://schemas.microsoft.com/office/drawing/2014/main" id="{C5011067-55BE-9344-A2F3-0B0CF2DBEE84}"/>
-              </a:ext>
-            </a:extLst>
-          </p:cNvPr>
+          <p:cNvPr id="4" name="灯片编号占位符 3"/>
           <p:cNvSpPr>
             <a:spLocks noGrp="1"/>
           </p:cNvSpPr>
@@ -2162,18 +2784,12 @@
           <a:p>
             <a:fld id="{CC55A09D-DCDD-CD48-83A9-605BCBE4E252}" type="slidenum">
               <a:rPr kumimoji="1" lang="zh-CN" altLang="en-US" smtClean="0"/>
-              <a:t>‹#›</a:t>
             </a:fld>
             <a:endParaRPr kumimoji="1" lang="zh-CN" altLang="en-US"/>
           </a:p>
         </p:txBody>
       </p:sp>
     </p:spTree>
-    <p:extLst>
-      <p:ext uri="{BB962C8B-B14F-4D97-AF65-F5344CB8AC3E}">
-        <p14:creationId xmlns:p14="http://schemas.microsoft.com/office/powerpoint/2010/main" val="1372635403"/>
-      </p:ext>
-    </p:extLst>
   </p:cSld>
   <p:clrMapOvr>
     <a:masterClrMapping/>
@@ -2181,7 +2797,7 @@
 </p:sldLayout>
 </file>
 
-<file path=ppt/slideLayouts/slideLayout8.xml><?xml version="1.0" encoding="utf-8"?>
+<file path=ppt/slideLayouts/slideLayout19.xml><?xml version="1.0" encoding="utf-8"?>
 <p:sldLayout xmlns:a="http://schemas.openxmlformats.org/drawingml/2006/main" xmlns:r="http://schemas.openxmlformats.org/officeDocument/2006/relationships" xmlns:p="http://schemas.openxmlformats.org/presentationml/2006/main" type="objTx" preserve="1">
   <p:cSld name="内容与标题">
     <p:spTree>
@@ -2200,13 +2816,7 @@
       </p:grpSpPr>
       <p:sp>
         <p:nvSpPr>
-          <p:cNvPr id="2" name="标题 1">
-            <a:extLst>
-              <a:ext uri="{FF2B5EF4-FFF2-40B4-BE49-F238E27FC236}">
-                <a16:creationId xmlns:a16="http://schemas.microsoft.com/office/drawing/2014/main" id="{F1A93D7B-738D-9240-9CC2-40EB27AD4697}"/>
-              </a:ext>
-            </a:extLst>
-          </p:cNvPr>
+          <p:cNvPr id="2" name="标题 1"/>
           <p:cNvSpPr>
             <a:spLocks noGrp="1"/>
           </p:cNvSpPr>
@@ -2232,18 +2842,13 @@
               <a:rPr kumimoji="1" lang="zh-CN" altLang="en-US"/>
               <a:t>单击此处编辑母版标题样式</a:t>
             </a:r>
-          </a:p>
-        </p:txBody>
-      </p:sp>
-      <p:sp>
-        <p:nvSpPr>
-          <p:cNvPr id="3" name="内容占位符 2">
-            <a:extLst>
-              <a:ext uri="{FF2B5EF4-FFF2-40B4-BE49-F238E27FC236}">
-                <a16:creationId xmlns:a16="http://schemas.microsoft.com/office/drawing/2014/main" id="{E519A030-6294-614B-8B92-A1F06BF8CDAE}"/>
-              </a:ext>
-            </a:extLst>
-          </p:cNvPr>
+            <a:endParaRPr kumimoji="1" lang="zh-CN" altLang="en-US"/>
+          </a:p>
+        </p:txBody>
+      </p:sp>
+      <p:sp>
+        <p:nvSpPr>
+          <p:cNvPr id="3" name="内容占位符 2"/>
           <p:cNvSpPr>
             <a:spLocks noGrp="1"/>
           </p:cNvSpPr>
@@ -2294,6 +2899,7 @@
               <a:rPr kumimoji="1" lang="zh-CN" altLang="en-US"/>
               <a:t>单击此处编辑母版文本样式</a:t>
             </a:r>
+            <a:endParaRPr kumimoji="1" lang="zh-CN" altLang="en-US"/>
           </a:p>
           <a:p>
             <a:pPr lvl="1"/>
@@ -2301,6 +2907,7 @@
               <a:rPr kumimoji="1" lang="zh-CN" altLang="en-US"/>
               <a:t>二级</a:t>
             </a:r>
+            <a:endParaRPr kumimoji="1" lang="zh-CN" altLang="en-US"/>
           </a:p>
           <a:p>
             <a:pPr lvl="2"/>
@@ -2308,6 +2915,7 @@
               <a:rPr kumimoji="1" lang="zh-CN" altLang="en-US"/>
               <a:t>三级</a:t>
             </a:r>
+            <a:endParaRPr kumimoji="1" lang="zh-CN" altLang="en-US"/>
           </a:p>
           <a:p>
             <a:pPr lvl="3"/>
@@ -2315,6 +2923,7 @@
               <a:rPr kumimoji="1" lang="zh-CN" altLang="en-US"/>
               <a:t>四级</a:t>
             </a:r>
+            <a:endParaRPr kumimoji="1" lang="zh-CN" altLang="en-US"/>
           </a:p>
           <a:p>
             <a:pPr lvl="4"/>
@@ -2322,18 +2931,13 @@
               <a:rPr kumimoji="1" lang="zh-CN" altLang="en-US"/>
               <a:t>五级</a:t>
             </a:r>
-          </a:p>
-        </p:txBody>
-      </p:sp>
-      <p:sp>
-        <p:nvSpPr>
-          <p:cNvPr id="4" name="文本占位符 3">
-            <a:extLst>
-              <a:ext uri="{FF2B5EF4-FFF2-40B4-BE49-F238E27FC236}">
-                <a16:creationId xmlns:a16="http://schemas.microsoft.com/office/drawing/2014/main" id="{3D5FCFA6-89AD-5841-887A-272FC3C70DC8}"/>
-              </a:ext>
-            </a:extLst>
-          </p:cNvPr>
+            <a:endParaRPr kumimoji="1" lang="zh-CN" altLang="en-US"/>
+          </a:p>
+        </p:txBody>
+      </p:sp>
+      <p:sp>
+        <p:nvSpPr>
+          <p:cNvPr id="4" name="文本占位符 3"/>
           <p:cNvSpPr>
             <a:spLocks noGrp="1"/>
           </p:cNvSpPr>
@@ -2393,18 +2997,13 @@
               <a:rPr kumimoji="1" lang="zh-CN" altLang="en-US"/>
               <a:t>单击此处编辑母版文本样式</a:t>
             </a:r>
-          </a:p>
-        </p:txBody>
-      </p:sp>
-      <p:sp>
-        <p:nvSpPr>
-          <p:cNvPr id="5" name="日期占位符 4">
-            <a:extLst>
-              <a:ext uri="{FF2B5EF4-FFF2-40B4-BE49-F238E27FC236}">
-                <a16:creationId xmlns:a16="http://schemas.microsoft.com/office/drawing/2014/main" id="{5ED31832-C158-044E-A368-E5DDFCD7E256}"/>
-              </a:ext>
-            </a:extLst>
-          </p:cNvPr>
+            <a:endParaRPr kumimoji="1" lang="zh-CN" altLang="en-US"/>
+          </a:p>
+        </p:txBody>
+      </p:sp>
+      <p:sp>
+        <p:nvSpPr>
+          <p:cNvPr id="5" name="日期占位符 4"/>
           <p:cNvSpPr>
             <a:spLocks noGrp="1"/>
           </p:cNvSpPr>
@@ -2419,7 +3018,6 @@
           <a:p>
             <a:fld id="{CEACFE95-6B98-F540-A12D-334F116059E1}" type="datetimeFigureOut">
               <a:rPr kumimoji="1" lang="zh-CN" altLang="en-US" smtClean="0"/>
-              <a:t>2021/12/13</a:t>
             </a:fld>
             <a:endParaRPr kumimoji="1" lang="zh-CN" altLang="en-US"/>
           </a:p>
@@ -2427,13 +3025,7 @@
       </p:sp>
       <p:sp>
         <p:nvSpPr>
-          <p:cNvPr id="6" name="页脚占位符 5">
-            <a:extLst>
-              <a:ext uri="{FF2B5EF4-FFF2-40B4-BE49-F238E27FC236}">
-                <a16:creationId xmlns:a16="http://schemas.microsoft.com/office/drawing/2014/main" id="{88804F49-303A-F24F-87BE-79013A9AE19B}"/>
-              </a:ext>
-            </a:extLst>
-          </p:cNvPr>
+          <p:cNvPr id="6" name="页脚占位符 5"/>
           <p:cNvSpPr>
             <a:spLocks noGrp="1"/>
           </p:cNvSpPr>
@@ -2452,13 +3044,7 @@
       </p:sp>
       <p:sp>
         <p:nvSpPr>
-          <p:cNvPr id="7" name="灯片编号占位符 6">
-            <a:extLst>
-              <a:ext uri="{FF2B5EF4-FFF2-40B4-BE49-F238E27FC236}">
-                <a16:creationId xmlns:a16="http://schemas.microsoft.com/office/drawing/2014/main" id="{B9B9667B-19DB-9E44-AAF8-D722EBD57669}"/>
-              </a:ext>
-            </a:extLst>
-          </p:cNvPr>
+          <p:cNvPr id="7" name="灯片编号占位符 6"/>
           <p:cNvSpPr>
             <a:spLocks noGrp="1"/>
           </p:cNvSpPr>
@@ -2473,18 +3059,2087 @@
           <a:p>
             <a:fld id="{CC55A09D-DCDD-CD48-83A9-605BCBE4E252}" type="slidenum">
               <a:rPr kumimoji="1" lang="zh-CN" altLang="en-US" smtClean="0"/>
-              <a:t>‹#›</a:t>
             </a:fld>
             <a:endParaRPr kumimoji="1" lang="zh-CN" altLang="en-US"/>
           </a:p>
         </p:txBody>
       </p:sp>
     </p:spTree>
-    <p:extLst>
-      <p:ext uri="{BB962C8B-B14F-4D97-AF65-F5344CB8AC3E}">
-        <p14:creationId xmlns:p14="http://schemas.microsoft.com/office/powerpoint/2010/main" val="3267517638"/>
-      </p:ext>
-    </p:extLst>
+  </p:cSld>
+  <p:clrMapOvr>
+    <a:masterClrMapping/>
+  </p:clrMapOvr>
+</p:sldLayout>
+</file>
+
+<file path=ppt/slideLayouts/slideLayout2.xml><?xml version="1.0" encoding="utf-8"?>
+<p:sldLayout xmlns:a="http://schemas.openxmlformats.org/drawingml/2006/main" xmlns:r="http://schemas.openxmlformats.org/officeDocument/2006/relationships" xmlns:p="http://schemas.openxmlformats.org/presentationml/2006/main" type="obj" preserve="1">
+  <p:cSld name="标题和内容">
+    <p:spTree>
+      <p:nvGrpSpPr>
+        <p:cNvPr id="1" name=""/>
+        <p:cNvGrpSpPr/>
+        <p:nvPr/>
+      </p:nvGrpSpPr>
+      <p:grpSpPr>
+        <a:xfrm>
+          <a:off x="0" y="0"/>
+          <a:ext cx="0" cy="0"/>
+          <a:chOff x="0" y="0"/>
+          <a:chExt cx="0" cy="0"/>
+        </a:xfrm>
+      </p:grpSpPr>
+      <p:sp>
+        <p:nvSpPr>
+          <p:cNvPr id="2" name="标题 1"/>
+          <p:cNvSpPr>
+            <a:spLocks noGrp="1"/>
+          </p:cNvSpPr>
+          <p:nvPr>
+            <p:ph type="title"/>
+          </p:nvPr>
+        </p:nvSpPr>
+        <p:spPr/>
+        <p:txBody>
+          <a:bodyPr/>
+          <a:lstStyle/>
+          <a:p>
+            <a:r>
+              <a:rPr kumimoji="1" lang="zh-CN" altLang="en-US"/>
+              <a:t>单击此处编辑母版标题样式</a:t>
+            </a:r>
+            <a:endParaRPr kumimoji="1" lang="zh-CN" altLang="en-US"/>
+          </a:p>
+        </p:txBody>
+      </p:sp>
+      <p:sp>
+        <p:nvSpPr>
+          <p:cNvPr id="3" name="内容占位符 2"/>
+          <p:cNvSpPr>
+            <a:spLocks noGrp="1"/>
+          </p:cNvSpPr>
+          <p:nvPr>
+            <p:ph idx="1"/>
+          </p:nvPr>
+        </p:nvSpPr>
+        <p:spPr/>
+        <p:txBody>
+          <a:bodyPr/>
+          <a:lstStyle/>
+          <a:p>
+            <a:pPr lvl="0"/>
+            <a:r>
+              <a:rPr kumimoji="1" lang="zh-CN" altLang="en-US"/>
+              <a:t>单击此处编辑母版文本样式</a:t>
+            </a:r>
+            <a:endParaRPr kumimoji="1" lang="zh-CN" altLang="en-US"/>
+          </a:p>
+          <a:p>
+            <a:pPr lvl="1"/>
+            <a:r>
+              <a:rPr kumimoji="1" lang="zh-CN" altLang="en-US"/>
+              <a:t>二级</a:t>
+            </a:r>
+            <a:endParaRPr kumimoji="1" lang="zh-CN" altLang="en-US"/>
+          </a:p>
+          <a:p>
+            <a:pPr lvl="2"/>
+            <a:r>
+              <a:rPr kumimoji="1" lang="zh-CN" altLang="en-US"/>
+              <a:t>三级</a:t>
+            </a:r>
+            <a:endParaRPr kumimoji="1" lang="zh-CN" altLang="en-US"/>
+          </a:p>
+          <a:p>
+            <a:pPr lvl="3"/>
+            <a:r>
+              <a:rPr kumimoji="1" lang="zh-CN" altLang="en-US"/>
+              <a:t>四级</a:t>
+            </a:r>
+            <a:endParaRPr kumimoji="1" lang="zh-CN" altLang="en-US"/>
+          </a:p>
+          <a:p>
+            <a:pPr lvl="4"/>
+            <a:r>
+              <a:rPr kumimoji="1" lang="zh-CN" altLang="en-US"/>
+              <a:t>五级</a:t>
+            </a:r>
+            <a:endParaRPr kumimoji="1" lang="zh-CN" altLang="en-US"/>
+          </a:p>
+        </p:txBody>
+      </p:sp>
+      <p:sp>
+        <p:nvSpPr>
+          <p:cNvPr id="4" name="日期占位符 3"/>
+          <p:cNvSpPr>
+            <a:spLocks noGrp="1"/>
+          </p:cNvSpPr>
+          <p:nvPr>
+            <p:ph type="dt" sz="half" idx="10"/>
+          </p:nvPr>
+        </p:nvSpPr>
+        <p:spPr/>
+        <p:txBody>
+          <a:bodyPr/>
+          <a:lstStyle/>
+          <a:p>
+            <a:fld id="{CEACFE95-6B98-F540-A12D-334F116059E1}" type="datetimeFigureOut">
+              <a:rPr kumimoji="1" lang="zh-CN" altLang="en-US" smtClean="0"/>
+            </a:fld>
+            <a:endParaRPr kumimoji="1" lang="zh-CN" altLang="en-US"/>
+          </a:p>
+        </p:txBody>
+      </p:sp>
+      <p:sp>
+        <p:nvSpPr>
+          <p:cNvPr id="5" name="页脚占位符 4"/>
+          <p:cNvSpPr>
+            <a:spLocks noGrp="1"/>
+          </p:cNvSpPr>
+          <p:nvPr>
+            <p:ph type="ftr" sz="quarter" idx="11"/>
+          </p:nvPr>
+        </p:nvSpPr>
+        <p:spPr/>
+        <p:txBody>
+          <a:bodyPr/>
+          <a:lstStyle/>
+          <a:p>
+            <a:endParaRPr kumimoji="1" lang="zh-CN" altLang="en-US"/>
+          </a:p>
+        </p:txBody>
+      </p:sp>
+      <p:sp>
+        <p:nvSpPr>
+          <p:cNvPr id="6" name="灯片编号占位符 5"/>
+          <p:cNvSpPr>
+            <a:spLocks noGrp="1"/>
+          </p:cNvSpPr>
+          <p:nvPr>
+            <p:ph type="sldNum" sz="quarter" idx="12"/>
+          </p:nvPr>
+        </p:nvSpPr>
+        <p:spPr/>
+        <p:txBody>
+          <a:bodyPr/>
+          <a:lstStyle/>
+          <a:p>
+            <a:fld id="{CC55A09D-DCDD-CD48-83A9-605BCBE4E252}" type="slidenum">
+              <a:rPr kumimoji="1" lang="zh-CN" altLang="en-US" smtClean="0"/>
+            </a:fld>
+            <a:endParaRPr kumimoji="1" lang="zh-CN" altLang="en-US"/>
+          </a:p>
+        </p:txBody>
+      </p:sp>
+    </p:spTree>
+  </p:cSld>
+  <p:clrMapOvr>
+    <a:masterClrMapping/>
+  </p:clrMapOvr>
+</p:sldLayout>
+</file>
+
+<file path=ppt/slideLayouts/slideLayout20.xml><?xml version="1.0" encoding="utf-8"?>
+<p:sldLayout xmlns:a="http://schemas.openxmlformats.org/drawingml/2006/main" xmlns:r="http://schemas.openxmlformats.org/officeDocument/2006/relationships" xmlns:p="http://schemas.openxmlformats.org/presentationml/2006/main" type="picTx" preserve="1">
+  <p:cSld name="图片与标题">
+    <p:spTree>
+      <p:nvGrpSpPr>
+        <p:cNvPr id="1" name=""/>
+        <p:cNvGrpSpPr/>
+        <p:nvPr/>
+      </p:nvGrpSpPr>
+      <p:grpSpPr>
+        <a:xfrm>
+          <a:off x="0" y="0"/>
+          <a:ext cx="0" cy="0"/>
+          <a:chOff x="0" y="0"/>
+          <a:chExt cx="0" cy="0"/>
+        </a:xfrm>
+      </p:grpSpPr>
+      <p:sp>
+        <p:nvSpPr>
+          <p:cNvPr id="2" name="标题 1"/>
+          <p:cNvSpPr>
+            <a:spLocks noGrp="1"/>
+          </p:cNvSpPr>
+          <p:nvPr>
+            <p:ph type="title"/>
+          </p:nvPr>
+        </p:nvSpPr>
+        <p:spPr>
+          <a:xfrm>
+            <a:off x="839788" y="457200"/>
+            <a:ext cx="3932237" cy="1600200"/>
+          </a:xfrm>
+        </p:spPr>
+        <p:txBody>
+          <a:bodyPr anchor="b"/>
+          <a:lstStyle>
+            <a:lvl1pPr>
+              <a:defRPr sz="3200"/>
+            </a:lvl1pPr>
+          </a:lstStyle>
+          <a:p>
+            <a:r>
+              <a:rPr kumimoji="1" lang="zh-CN" altLang="en-US"/>
+              <a:t>单击此处编辑母版标题样式</a:t>
+            </a:r>
+            <a:endParaRPr kumimoji="1" lang="zh-CN" altLang="en-US"/>
+          </a:p>
+        </p:txBody>
+      </p:sp>
+      <p:sp>
+        <p:nvSpPr>
+          <p:cNvPr id="3" name="图片占位符 2"/>
+          <p:cNvSpPr>
+            <a:spLocks noGrp="1"/>
+          </p:cNvSpPr>
+          <p:nvPr>
+            <p:ph type="pic" idx="1"/>
+          </p:nvPr>
+        </p:nvSpPr>
+        <p:spPr>
+          <a:xfrm>
+            <a:off x="5183188" y="987425"/>
+            <a:ext cx="6172200" cy="4873625"/>
+          </a:xfrm>
+        </p:spPr>
+        <p:txBody>
+          <a:bodyPr/>
+          <a:lstStyle>
+            <a:lvl1pPr marL="0" indent="0">
+              <a:buNone/>
+              <a:defRPr sz="3200"/>
+            </a:lvl1pPr>
+            <a:lvl2pPr marL="457200" indent="0">
+              <a:buNone/>
+              <a:defRPr sz="2800"/>
+            </a:lvl2pPr>
+            <a:lvl3pPr marL="914400" indent="0">
+              <a:buNone/>
+              <a:defRPr sz="2400"/>
+            </a:lvl3pPr>
+            <a:lvl4pPr marL="1371600" indent="0">
+              <a:buNone/>
+              <a:defRPr sz="2000"/>
+            </a:lvl4pPr>
+            <a:lvl5pPr marL="1828800" indent="0">
+              <a:buNone/>
+              <a:defRPr sz="2000"/>
+            </a:lvl5pPr>
+            <a:lvl6pPr marL="2286000" indent="0">
+              <a:buNone/>
+              <a:defRPr sz="2000"/>
+            </a:lvl6pPr>
+            <a:lvl7pPr marL="2743200" indent="0">
+              <a:buNone/>
+              <a:defRPr sz="2000"/>
+            </a:lvl7pPr>
+            <a:lvl8pPr marL="3200400" indent="0">
+              <a:buNone/>
+              <a:defRPr sz="2000"/>
+            </a:lvl8pPr>
+            <a:lvl9pPr marL="3657600" indent="0">
+              <a:buNone/>
+              <a:defRPr sz="2000"/>
+            </a:lvl9pPr>
+          </a:lstStyle>
+          <a:p>
+            <a:endParaRPr kumimoji="1" lang="zh-CN" altLang="en-US"/>
+          </a:p>
+        </p:txBody>
+      </p:sp>
+      <p:sp>
+        <p:nvSpPr>
+          <p:cNvPr id="4" name="文本占位符 3"/>
+          <p:cNvSpPr>
+            <a:spLocks noGrp="1"/>
+          </p:cNvSpPr>
+          <p:nvPr>
+            <p:ph type="body" sz="half" idx="2"/>
+          </p:nvPr>
+        </p:nvSpPr>
+        <p:spPr>
+          <a:xfrm>
+            <a:off x="839788" y="2057400"/>
+            <a:ext cx="3932237" cy="3811588"/>
+          </a:xfrm>
+        </p:spPr>
+        <p:txBody>
+          <a:bodyPr/>
+          <a:lstStyle>
+            <a:lvl1pPr marL="0" indent="0">
+              <a:buNone/>
+              <a:defRPr sz="1600"/>
+            </a:lvl1pPr>
+            <a:lvl2pPr marL="457200" indent="0">
+              <a:buNone/>
+              <a:defRPr sz="1400"/>
+            </a:lvl2pPr>
+            <a:lvl3pPr marL="914400" indent="0">
+              <a:buNone/>
+              <a:defRPr sz="1200"/>
+            </a:lvl3pPr>
+            <a:lvl4pPr marL="1371600" indent="0">
+              <a:buNone/>
+              <a:defRPr sz="1000"/>
+            </a:lvl4pPr>
+            <a:lvl5pPr marL="1828800" indent="0">
+              <a:buNone/>
+              <a:defRPr sz="1000"/>
+            </a:lvl5pPr>
+            <a:lvl6pPr marL="2286000" indent="0">
+              <a:buNone/>
+              <a:defRPr sz="1000"/>
+            </a:lvl6pPr>
+            <a:lvl7pPr marL="2743200" indent="0">
+              <a:buNone/>
+              <a:defRPr sz="1000"/>
+            </a:lvl7pPr>
+            <a:lvl8pPr marL="3200400" indent="0">
+              <a:buNone/>
+              <a:defRPr sz="1000"/>
+            </a:lvl8pPr>
+            <a:lvl9pPr marL="3657600" indent="0">
+              <a:buNone/>
+              <a:defRPr sz="1000"/>
+            </a:lvl9pPr>
+          </a:lstStyle>
+          <a:p>
+            <a:pPr lvl="0"/>
+            <a:r>
+              <a:rPr kumimoji="1" lang="zh-CN" altLang="en-US"/>
+              <a:t>单击此处编辑母版文本样式</a:t>
+            </a:r>
+            <a:endParaRPr kumimoji="1" lang="zh-CN" altLang="en-US"/>
+          </a:p>
+        </p:txBody>
+      </p:sp>
+      <p:sp>
+        <p:nvSpPr>
+          <p:cNvPr id="5" name="日期占位符 4"/>
+          <p:cNvSpPr>
+            <a:spLocks noGrp="1"/>
+          </p:cNvSpPr>
+          <p:nvPr>
+            <p:ph type="dt" sz="half" idx="10"/>
+          </p:nvPr>
+        </p:nvSpPr>
+        <p:spPr/>
+        <p:txBody>
+          <a:bodyPr/>
+          <a:lstStyle/>
+          <a:p>
+            <a:fld id="{CEACFE95-6B98-F540-A12D-334F116059E1}" type="datetimeFigureOut">
+              <a:rPr kumimoji="1" lang="zh-CN" altLang="en-US" smtClean="0"/>
+            </a:fld>
+            <a:endParaRPr kumimoji="1" lang="zh-CN" altLang="en-US"/>
+          </a:p>
+        </p:txBody>
+      </p:sp>
+      <p:sp>
+        <p:nvSpPr>
+          <p:cNvPr id="6" name="页脚占位符 5"/>
+          <p:cNvSpPr>
+            <a:spLocks noGrp="1"/>
+          </p:cNvSpPr>
+          <p:nvPr>
+            <p:ph type="ftr" sz="quarter" idx="11"/>
+          </p:nvPr>
+        </p:nvSpPr>
+        <p:spPr/>
+        <p:txBody>
+          <a:bodyPr/>
+          <a:lstStyle/>
+          <a:p>
+            <a:endParaRPr kumimoji="1" lang="zh-CN" altLang="en-US"/>
+          </a:p>
+        </p:txBody>
+      </p:sp>
+      <p:sp>
+        <p:nvSpPr>
+          <p:cNvPr id="7" name="灯片编号占位符 6"/>
+          <p:cNvSpPr>
+            <a:spLocks noGrp="1"/>
+          </p:cNvSpPr>
+          <p:nvPr>
+            <p:ph type="sldNum" sz="quarter" idx="12"/>
+          </p:nvPr>
+        </p:nvSpPr>
+        <p:spPr/>
+        <p:txBody>
+          <a:bodyPr/>
+          <a:lstStyle/>
+          <a:p>
+            <a:fld id="{CC55A09D-DCDD-CD48-83A9-605BCBE4E252}" type="slidenum">
+              <a:rPr kumimoji="1" lang="zh-CN" altLang="en-US" smtClean="0"/>
+            </a:fld>
+            <a:endParaRPr kumimoji="1" lang="zh-CN" altLang="en-US"/>
+          </a:p>
+        </p:txBody>
+      </p:sp>
+    </p:spTree>
+  </p:cSld>
+  <p:clrMapOvr>
+    <a:masterClrMapping/>
+  </p:clrMapOvr>
+</p:sldLayout>
+</file>
+
+<file path=ppt/slideLayouts/slideLayout21.xml><?xml version="1.0" encoding="utf-8"?>
+<p:sldLayout xmlns:a="http://schemas.openxmlformats.org/drawingml/2006/main" xmlns:r="http://schemas.openxmlformats.org/officeDocument/2006/relationships" xmlns:p="http://schemas.openxmlformats.org/presentationml/2006/main" type="vertTx" preserve="1">
+  <p:cSld name="标题和竖排文字">
+    <p:spTree>
+      <p:nvGrpSpPr>
+        <p:cNvPr id="1" name=""/>
+        <p:cNvGrpSpPr/>
+        <p:nvPr/>
+      </p:nvGrpSpPr>
+      <p:grpSpPr>
+        <a:xfrm>
+          <a:off x="0" y="0"/>
+          <a:ext cx="0" cy="0"/>
+          <a:chOff x="0" y="0"/>
+          <a:chExt cx="0" cy="0"/>
+        </a:xfrm>
+      </p:grpSpPr>
+      <p:sp>
+        <p:nvSpPr>
+          <p:cNvPr id="2" name="标题 1"/>
+          <p:cNvSpPr>
+            <a:spLocks noGrp="1"/>
+          </p:cNvSpPr>
+          <p:nvPr>
+            <p:ph type="title"/>
+          </p:nvPr>
+        </p:nvSpPr>
+        <p:spPr/>
+        <p:txBody>
+          <a:bodyPr/>
+          <a:lstStyle/>
+          <a:p>
+            <a:r>
+              <a:rPr kumimoji="1" lang="zh-CN" altLang="en-US"/>
+              <a:t>单击此处编辑母版标题样式</a:t>
+            </a:r>
+            <a:endParaRPr kumimoji="1" lang="zh-CN" altLang="en-US"/>
+          </a:p>
+        </p:txBody>
+      </p:sp>
+      <p:sp>
+        <p:nvSpPr>
+          <p:cNvPr id="3" name="竖排文字占位符 2"/>
+          <p:cNvSpPr>
+            <a:spLocks noGrp="1"/>
+          </p:cNvSpPr>
+          <p:nvPr>
+            <p:ph type="body" orient="vert" idx="1"/>
+          </p:nvPr>
+        </p:nvSpPr>
+        <p:spPr/>
+        <p:txBody>
+          <a:bodyPr vert="eaVert"/>
+          <a:lstStyle/>
+          <a:p>
+            <a:pPr lvl="0"/>
+            <a:r>
+              <a:rPr kumimoji="1" lang="zh-CN" altLang="en-US"/>
+              <a:t>单击此处编辑母版文本样式</a:t>
+            </a:r>
+            <a:endParaRPr kumimoji="1" lang="zh-CN" altLang="en-US"/>
+          </a:p>
+          <a:p>
+            <a:pPr lvl="1"/>
+            <a:r>
+              <a:rPr kumimoji="1" lang="zh-CN" altLang="en-US"/>
+              <a:t>二级</a:t>
+            </a:r>
+            <a:endParaRPr kumimoji="1" lang="zh-CN" altLang="en-US"/>
+          </a:p>
+          <a:p>
+            <a:pPr lvl="2"/>
+            <a:r>
+              <a:rPr kumimoji="1" lang="zh-CN" altLang="en-US"/>
+              <a:t>三级</a:t>
+            </a:r>
+            <a:endParaRPr kumimoji="1" lang="zh-CN" altLang="en-US"/>
+          </a:p>
+          <a:p>
+            <a:pPr lvl="3"/>
+            <a:r>
+              <a:rPr kumimoji="1" lang="zh-CN" altLang="en-US"/>
+              <a:t>四级</a:t>
+            </a:r>
+            <a:endParaRPr kumimoji="1" lang="zh-CN" altLang="en-US"/>
+          </a:p>
+          <a:p>
+            <a:pPr lvl="4"/>
+            <a:r>
+              <a:rPr kumimoji="1" lang="zh-CN" altLang="en-US"/>
+              <a:t>五级</a:t>
+            </a:r>
+            <a:endParaRPr kumimoji="1" lang="zh-CN" altLang="en-US"/>
+          </a:p>
+        </p:txBody>
+      </p:sp>
+      <p:sp>
+        <p:nvSpPr>
+          <p:cNvPr id="4" name="日期占位符 3"/>
+          <p:cNvSpPr>
+            <a:spLocks noGrp="1"/>
+          </p:cNvSpPr>
+          <p:nvPr>
+            <p:ph type="dt" sz="half" idx="10"/>
+          </p:nvPr>
+        </p:nvSpPr>
+        <p:spPr/>
+        <p:txBody>
+          <a:bodyPr/>
+          <a:lstStyle/>
+          <a:p>
+            <a:fld id="{CEACFE95-6B98-F540-A12D-334F116059E1}" type="datetimeFigureOut">
+              <a:rPr kumimoji="1" lang="zh-CN" altLang="en-US" smtClean="0"/>
+            </a:fld>
+            <a:endParaRPr kumimoji="1" lang="zh-CN" altLang="en-US"/>
+          </a:p>
+        </p:txBody>
+      </p:sp>
+      <p:sp>
+        <p:nvSpPr>
+          <p:cNvPr id="5" name="页脚占位符 4"/>
+          <p:cNvSpPr>
+            <a:spLocks noGrp="1"/>
+          </p:cNvSpPr>
+          <p:nvPr>
+            <p:ph type="ftr" sz="quarter" idx="11"/>
+          </p:nvPr>
+        </p:nvSpPr>
+        <p:spPr/>
+        <p:txBody>
+          <a:bodyPr/>
+          <a:lstStyle/>
+          <a:p>
+            <a:endParaRPr kumimoji="1" lang="zh-CN" altLang="en-US"/>
+          </a:p>
+        </p:txBody>
+      </p:sp>
+      <p:sp>
+        <p:nvSpPr>
+          <p:cNvPr id="6" name="灯片编号占位符 5"/>
+          <p:cNvSpPr>
+            <a:spLocks noGrp="1"/>
+          </p:cNvSpPr>
+          <p:nvPr>
+            <p:ph type="sldNum" sz="quarter" idx="12"/>
+          </p:nvPr>
+        </p:nvSpPr>
+        <p:spPr/>
+        <p:txBody>
+          <a:bodyPr/>
+          <a:lstStyle/>
+          <a:p>
+            <a:fld id="{CC55A09D-DCDD-CD48-83A9-605BCBE4E252}" type="slidenum">
+              <a:rPr kumimoji="1" lang="zh-CN" altLang="en-US" smtClean="0"/>
+            </a:fld>
+            <a:endParaRPr kumimoji="1" lang="zh-CN" altLang="en-US"/>
+          </a:p>
+        </p:txBody>
+      </p:sp>
+    </p:spTree>
+  </p:cSld>
+  <p:clrMapOvr>
+    <a:masterClrMapping/>
+  </p:clrMapOvr>
+</p:sldLayout>
+</file>
+
+<file path=ppt/slideLayouts/slideLayout22.xml><?xml version="1.0" encoding="utf-8"?>
+<p:sldLayout xmlns:a="http://schemas.openxmlformats.org/drawingml/2006/main" xmlns:r="http://schemas.openxmlformats.org/officeDocument/2006/relationships" xmlns:p="http://schemas.openxmlformats.org/presentationml/2006/main" type="vertTitleAndTx" preserve="1">
+  <p:cSld name="竖排标题与文本">
+    <p:spTree>
+      <p:nvGrpSpPr>
+        <p:cNvPr id="1" name=""/>
+        <p:cNvGrpSpPr/>
+        <p:nvPr/>
+      </p:nvGrpSpPr>
+      <p:grpSpPr>
+        <a:xfrm>
+          <a:off x="0" y="0"/>
+          <a:ext cx="0" cy="0"/>
+          <a:chOff x="0" y="0"/>
+          <a:chExt cx="0" cy="0"/>
+        </a:xfrm>
+      </p:grpSpPr>
+      <p:sp>
+        <p:nvSpPr>
+          <p:cNvPr id="2" name="竖排标题 1"/>
+          <p:cNvSpPr>
+            <a:spLocks noGrp="1"/>
+          </p:cNvSpPr>
+          <p:nvPr>
+            <p:ph type="title" orient="vert"/>
+          </p:nvPr>
+        </p:nvSpPr>
+        <p:spPr>
+          <a:xfrm>
+            <a:off x="8724900" y="365125"/>
+            <a:ext cx="2628900" cy="5811838"/>
+          </a:xfrm>
+        </p:spPr>
+        <p:txBody>
+          <a:bodyPr vert="eaVert"/>
+          <a:lstStyle/>
+          <a:p>
+            <a:r>
+              <a:rPr kumimoji="1" lang="zh-CN" altLang="en-US"/>
+              <a:t>单击此处编辑母版标题样式</a:t>
+            </a:r>
+            <a:endParaRPr kumimoji="1" lang="zh-CN" altLang="en-US"/>
+          </a:p>
+        </p:txBody>
+      </p:sp>
+      <p:sp>
+        <p:nvSpPr>
+          <p:cNvPr id="3" name="竖排文字占位符 2"/>
+          <p:cNvSpPr>
+            <a:spLocks noGrp="1"/>
+          </p:cNvSpPr>
+          <p:nvPr>
+            <p:ph type="body" orient="vert" idx="1"/>
+          </p:nvPr>
+        </p:nvSpPr>
+        <p:spPr>
+          <a:xfrm>
+            <a:off x="838200" y="365125"/>
+            <a:ext cx="7734300" cy="5811838"/>
+          </a:xfrm>
+        </p:spPr>
+        <p:txBody>
+          <a:bodyPr vert="eaVert"/>
+          <a:lstStyle/>
+          <a:p>
+            <a:pPr lvl="0"/>
+            <a:r>
+              <a:rPr kumimoji="1" lang="zh-CN" altLang="en-US"/>
+              <a:t>单击此处编辑母版文本样式</a:t>
+            </a:r>
+            <a:endParaRPr kumimoji="1" lang="zh-CN" altLang="en-US"/>
+          </a:p>
+          <a:p>
+            <a:pPr lvl="1"/>
+            <a:r>
+              <a:rPr kumimoji="1" lang="zh-CN" altLang="en-US"/>
+              <a:t>二级</a:t>
+            </a:r>
+            <a:endParaRPr kumimoji="1" lang="zh-CN" altLang="en-US"/>
+          </a:p>
+          <a:p>
+            <a:pPr lvl="2"/>
+            <a:r>
+              <a:rPr kumimoji="1" lang="zh-CN" altLang="en-US"/>
+              <a:t>三级</a:t>
+            </a:r>
+            <a:endParaRPr kumimoji="1" lang="zh-CN" altLang="en-US"/>
+          </a:p>
+          <a:p>
+            <a:pPr lvl="3"/>
+            <a:r>
+              <a:rPr kumimoji="1" lang="zh-CN" altLang="en-US"/>
+              <a:t>四级</a:t>
+            </a:r>
+            <a:endParaRPr kumimoji="1" lang="zh-CN" altLang="en-US"/>
+          </a:p>
+          <a:p>
+            <a:pPr lvl="4"/>
+            <a:r>
+              <a:rPr kumimoji="1" lang="zh-CN" altLang="en-US"/>
+              <a:t>五级</a:t>
+            </a:r>
+            <a:endParaRPr kumimoji="1" lang="zh-CN" altLang="en-US"/>
+          </a:p>
+        </p:txBody>
+      </p:sp>
+      <p:sp>
+        <p:nvSpPr>
+          <p:cNvPr id="4" name="日期占位符 3"/>
+          <p:cNvSpPr>
+            <a:spLocks noGrp="1"/>
+          </p:cNvSpPr>
+          <p:nvPr>
+            <p:ph type="dt" sz="half" idx="10"/>
+          </p:nvPr>
+        </p:nvSpPr>
+        <p:spPr/>
+        <p:txBody>
+          <a:bodyPr/>
+          <a:lstStyle/>
+          <a:p>
+            <a:fld id="{CEACFE95-6B98-F540-A12D-334F116059E1}" type="datetimeFigureOut">
+              <a:rPr kumimoji="1" lang="zh-CN" altLang="en-US" smtClean="0"/>
+            </a:fld>
+            <a:endParaRPr kumimoji="1" lang="zh-CN" altLang="en-US"/>
+          </a:p>
+        </p:txBody>
+      </p:sp>
+      <p:sp>
+        <p:nvSpPr>
+          <p:cNvPr id="5" name="页脚占位符 4"/>
+          <p:cNvSpPr>
+            <a:spLocks noGrp="1"/>
+          </p:cNvSpPr>
+          <p:nvPr>
+            <p:ph type="ftr" sz="quarter" idx="11"/>
+          </p:nvPr>
+        </p:nvSpPr>
+        <p:spPr/>
+        <p:txBody>
+          <a:bodyPr/>
+          <a:lstStyle/>
+          <a:p>
+            <a:endParaRPr kumimoji="1" lang="zh-CN" altLang="en-US"/>
+          </a:p>
+        </p:txBody>
+      </p:sp>
+      <p:sp>
+        <p:nvSpPr>
+          <p:cNvPr id="6" name="灯片编号占位符 5"/>
+          <p:cNvSpPr>
+            <a:spLocks noGrp="1"/>
+          </p:cNvSpPr>
+          <p:nvPr>
+            <p:ph type="sldNum" sz="quarter" idx="12"/>
+          </p:nvPr>
+        </p:nvSpPr>
+        <p:spPr/>
+        <p:txBody>
+          <a:bodyPr/>
+          <a:lstStyle/>
+          <a:p>
+            <a:fld id="{CC55A09D-DCDD-CD48-83A9-605BCBE4E252}" type="slidenum">
+              <a:rPr kumimoji="1" lang="zh-CN" altLang="en-US" smtClean="0"/>
+            </a:fld>
+            <a:endParaRPr kumimoji="1" lang="zh-CN" altLang="en-US"/>
+          </a:p>
+        </p:txBody>
+      </p:sp>
+    </p:spTree>
+  </p:cSld>
+  <p:clrMapOvr>
+    <a:masterClrMapping/>
+  </p:clrMapOvr>
+</p:sldLayout>
+</file>
+
+<file path=ppt/slideLayouts/slideLayout3.xml><?xml version="1.0" encoding="utf-8"?>
+<p:sldLayout xmlns:a="http://schemas.openxmlformats.org/drawingml/2006/main" xmlns:r="http://schemas.openxmlformats.org/officeDocument/2006/relationships" xmlns:p="http://schemas.openxmlformats.org/presentationml/2006/main" type="secHead" preserve="1">
+  <p:cSld name="节标题">
+    <p:spTree>
+      <p:nvGrpSpPr>
+        <p:cNvPr id="1" name=""/>
+        <p:cNvGrpSpPr/>
+        <p:nvPr/>
+      </p:nvGrpSpPr>
+      <p:grpSpPr>
+        <a:xfrm>
+          <a:off x="0" y="0"/>
+          <a:ext cx="0" cy="0"/>
+          <a:chOff x="0" y="0"/>
+          <a:chExt cx="0" cy="0"/>
+        </a:xfrm>
+      </p:grpSpPr>
+      <p:sp>
+        <p:nvSpPr>
+          <p:cNvPr id="2" name="标题 1"/>
+          <p:cNvSpPr>
+            <a:spLocks noGrp="1"/>
+          </p:cNvSpPr>
+          <p:nvPr>
+            <p:ph type="title"/>
+          </p:nvPr>
+        </p:nvSpPr>
+        <p:spPr>
+          <a:xfrm>
+            <a:off x="831850" y="1709738"/>
+            <a:ext cx="10515600" cy="2852737"/>
+          </a:xfrm>
+        </p:spPr>
+        <p:txBody>
+          <a:bodyPr anchor="b"/>
+          <a:lstStyle>
+            <a:lvl1pPr>
+              <a:defRPr sz="6000"/>
+            </a:lvl1pPr>
+          </a:lstStyle>
+          <a:p>
+            <a:r>
+              <a:rPr kumimoji="1" lang="zh-CN" altLang="en-US"/>
+              <a:t>单击此处编辑母版标题样式</a:t>
+            </a:r>
+            <a:endParaRPr kumimoji="1" lang="zh-CN" altLang="en-US"/>
+          </a:p>
+        </p:txBody>
+      </p:sp>
+      <p:sp>
+        <p:nvSpPr>
+          <p:cNvPr id="3" name="文本占位符 2"/>
+          <p:cNvSpPr>
+            <a:spLocks noGrp="1"/>
+          </p:cNvSpPr>
+          <p:nvPr>
+            <p:ph type="body" idx="1"/>
+          </p:nvPr>
+        </p:nvSpPr>
+        <p:spPr>
+          <a:xfrm>
+            <a:off x="831850" y="4589463"/>
+            <a:ext cx="10515600" cy="1500187"/>
+          </a:xfrm>
+        </p:spPr>
+        <p:txBody>
+          <a:bodyPr/>
+          <a:lstStyle>
+            <a:lvl1pPr marL="0" indent="0">
+              <a:buNone/>
+              <a:defRPr sz="2400">
+                <a:solidFill>
+                  <a:schemeClr val="tx1">
+                    <a:tint val="75000"/>
+                  </a:schemeClr>
+                </a:solidFill>
+              </a:defRPr>
+            </a:lvl1pPr>
+            <a:lvl2pPr marL="457200" indent="0">
+              <a:buNone/>
+              <a:defRPr sz="2000">
+                <a:solidFill>
+                  <a:schemeClr val="tx1">
+                    <a:tint val="75000"/>
+                  </a:schemeClr>
+                </a:solidFill>
+              </a:defRPr>
+            </a:lvl2pPr>
+            <a:lvl3pPr marL="914400" indent="0">
+              <a:buNone/>
+              <a:defRPr sz="1800">
+                <a:solidFill>
+                  <a:schemeClr val="tx1">
+                    <a:tint val="75000"/>
+                  </a:schemeClr>
+                </a:solidFill>
+              </a:defRPr>
+            </a:lvl3pPr>
+            <a:lvl4pPr marL="1371600" indent="0">
+              <a:buNone/>
+              <a:defRPr sz="1600">
+                <a:solidFill>
+                  <a:schemeClr val="tx1">
+                    <a:tint val="75000"/>
+                  </a:schemeClr>
+                </a:solidFill>
+              </a:defRPr>
+            </a:lvl4pPr>
+            <a:lvl5pPr marL="1828800" indent="0">
+              <a:buNone/>
+              <a:defRPr sz="1600">
+                <a:solidFill>
+                  <a:schemeClr val="tx1">
+                    <a:tint val="75000"/>
+                  </a:schemeClr>
+                </a:solidFill>
+              </a:defRPr>
+            </a:lvl5pPr>
+            <a:lvl6pPr marL="2286000" indent="0">
+              <a:buNone/>
+              <a:defRPr sz="1600">
+                <a:solidFill>
+                  <a:schemeClr val="tx1">
+                    <a:tint val="75000"/>
+                  </a:schemeClr>
+                </a:solidFill>
+              </a:defRPr>
+            </a:lvl6pPr>
+            <a:lvl7pPr marL="2743200" indent="0">
+              <a:buNone/>
+              <a:defRPr sz="1600">
+                <a:solidFill>
+                  <a:schemeClr val="tx1">
+                    <a:tint val="75000"/>
+                  </a:schemeClr>
+                </a:solidFill>
+              </a:defRPr>
+            </a:lvl7pPr>
+            <a:lvl8pPr marL="3200400" indent="0">
+              <a:buNone/>
+              <a:defRPr sz="1600">
+                <a:solidFill>
+                  <a:schemeClr val="tx1">
+                    <a:tint val="75000"/>
+                  </a:schemeClr>
+                </a:solidFill>
+              </a:defRPr>
+            </a:lvl8pPr>
+            <a:lvl9pPr marL="3657600" indent="0">
+              <a:buNone/>
+              <a:defRPr sz="1600">
+                <a:solidFill>
+                  <a:schemeClr val="tx1">
+                    <a:tint val="75000"/>
+                  </a:schemeClr>
+                </a:solidFill>
+              </a:defRPr>
+            </a:lvl9pPr>
+          </a:lstStyle>
+          <a:p>
+            <a:pPr lvl="0"/>
+            <a:r>
+              <a:rPr kumimoji="1" lang="zh-CN" altLang="en-US"/>
+              <a:t>单击此处编辑母版文本样式</a:t>
+            </a:r>
+            <a:endParaRPr kumimoji="1" lang="zh-CN" altLang="en-US"/>
+          </a:p>
+        </p:txBody>
+      </p:sp>
+      <p:sp>
+        <p:nvSpPr>
+          <p:cNvPr id="4" name="日期占位符 3"/>
+          <p:cNvSpPr>
+            <a:spLocks noGrp="1"/>
+          </p:cNvSpPr>
+          <p:nvPr>
+            <p:ph type="dt" sz="half" idx="10"/>
+          </p:nvPr>
+        </p:nvSpPr>
+        <p:spPr/>
+        <p:txBody>
+          <a:bodyPr/>
+          <a:lstStyle/>
+          <a:p>
+            <a:fld id="{CEACFE95-6B98-F540-A12D-334F116059E1}" type="datetimeFigureOut">
+              <a:rPr kumimoji="1" lang="zh-CN" altLang="en-US" smtClean="0"/>
+            </a:fld>
+            <a:endParaRPr kumimoji="1" lang="zh-CN" altLang="en-US"/>
+          </a:p>
+        </p:txBody>
+      </p:sp>
+      <p:sp>
+        <p:nvSpPr>
+          <p:cNvPr id="5" name="页脚占位符 4"/>
+          <p:cNvSpPr>
+            <a:spLocks noGrp="1"/>
+          </p:cNvSpPr>
+          <p:nvPr>
+            <p:ph type="ftr" sz="quarter" idx="11"/>
+          </p:nvPr>
+        </p:nvSpPr>
+        <p:spPr/>
+        <p:txBody>
+          <a:bodyPr/>
+          <a:lstStyle/>
+          <a:p>
+            <a:endParaRPr kumimoji="1" lang="zh-CN" altLang="en-US"/>
+          </a:p>
+        </p:txBody>
+      </p:sp>
+      <p:sp>
+        <p:nvSpPr>
+          <p:cNvPr id="6" name="灯片编号占位符 5"/>
+          <p:cNvSpPr>
+            <a:spLocks noGrp="1"/>
+          </p:cNvSpPr>
+          <p:nvPr>
+            <p:ph type="sldNum" sz="quarter" idx="12"/>
+          </p:nvPr>
+        </p:nvSpPr>
+        <p:spPr/>
+        <p:txBody>
+          <a:bodyPr/>
+          <a:lstStyle/>
+          <a:p>
+            <a:fld id="{CC55A09D-DCDD-CD48-83A9-605BCBE4E252}" type="slidenum">
+              <a:rPr kumimoji="1" lang="zh-CN" altLang="en-US" smtClean="0"/>
+            </a:fld>
+            <a:endParaRPr kumimoji="1" lang="zh-CN" altLang="en-US"/>
+          </a:p>
+        </p:txBody>
+      </p:sp>
+    </p:spTree>
+  </p:cSld>
+  <p:clrMapOvr>
+    <a:masterClrMapping/>
+  </p:clrMapOvr>
+</p:sldLayout>
+</file>
+
+<file path=ppt/slideLayouts/slideLayout4.xml><?xml version="1.0" encoding="utf-8"?>
+<p:sldLayout xmlns:a="http://schemas.openxmlformats.org/drawingml/2006/main" xmlns:r="http://schemas.openxmlformats.org/officeDocument/2006/relationships" xmlns:p="http://schemas.openxmlformats.org/presentationml/2006/main" type="twoObj" preserve="1">
+  <p:cSld name="两栏内容">
+    <p:spTree>
+      <p:nvGrpSpPr>
+        <p:cNvPr id="1" name=""/>
+        <p:cNvGrpSpPr/>
+        <p:nvPr/>
+      </p:nvGrpSpPr>
+      <p:grpSpPr>
+        <a:xfrm>
+          <a:off x="0" y="0"/>
+          <a:ext cx="0" cy="0"/>
+          <a:chOff x="0" y="0"/>
+          <a:chExt cx="0" cy="0"/>
+        </a:xfrm>
+      </p:grpSpPr>
+      <p:sp>
+        <p:nvSpPr>
+          <p:cNvPr id="2" name="标题 1"/>
+          <p:cNvSpPr>
+            <a:spLocks noGrp="1"/>
+          </p:cNvSpPr>
+          <p:nvPr>
+            <p:ph type="title"/>
+          </p:nvPr>
+        </p:nvSpPr>
+        <p:spPr/>
+        <p:txBody>
+          <a:bodyPr/>
+          <a:lstStyle/>
+          <a:p>
+            <a:r>
+              <a:rPr kumimoji="1" lang="zh-CN" altLang="en-US"/>
+              <a:t>单击此处编辑母版标题样式</a:t>
+            </a:r>
+            <a:endParaRPr kumimoji="1" lang="zh-CN" altLang="en-US"/>
+          </a:p>
+        </p:txBody>
+      </p:sp>
+      <p:sp>
+        <p:nvSpPr>
+          <p:cNvPr id="3" name="内容占位符 2"/>
+          <p:cNvSpPr>
+            <a:spLocks noGrp="1"/>
+          </p:cNvSpPr>
+          <p:nvPr>
+            <p:ph sz="half" idx="1"/>
+          </p:nvPr>
+        </p:nvSpPr>
+        <p:spPr>
+          <a:xfrm>
+            <a:off x="838200" y="1825625"/>
+            <a:ext cx="5181600" cy="4351338"/>
+          </a:xfrm>
+        </p:spPr>
+        <p:txBody>
+          <a:bodyPr/>
+          <a:lstStyle/>
+          <a:p>
+            <a:pPr lvl="0"/>
+            <a:r>
+              <a:rPr kumimoji="1" lang="zh-CN" altLang="en-US"/>
+              <a:t>单击此处编辑母版文本样式</a:t>
+            </a:r>
+            <a:endParaRPr kumimoji="1" lang="zh-CN" altLang="en-US"/>
+          </a:p>
+          <a:p>
+            <a:pPr lvl="1"/>
+            <a:r>
+              <a:rPr kumimoji="1" lang="zh-CN" altLang="en-US"/>
+              <a:t>二级</a:t>
+            </a:r>
+            <a:endParaRPr kumimoji="1" lang="zh-CN" altLang="en-US"/>
+          </a:p>
+          <a:p>
+            <a:pPr lvl="2"/>
+            <a:r>
+              <a:rPr kumimoji="1" lang="zh-CN" altLang="en-US"/>
+              <a:t>三级</a:t>
+            </a:r>
+            <a:endParaRPr kumimoji="1" lang="zh-CN" altLang="en-US"/>
+          </a:p>
+          <a:p>
+            <a:pPr lvl="3"/>
+            <a:r>
+              <a:rPr kumimoji="1" lang="zh-CN" altLang="en-US"/>
+              <a:t>四级</a:t>
+            </a:r>
+            <a:endParaRPr kumimoji="1" lang="zh-CN" altLang="en-US"/>
+          </a:p>
+          <a:p>
+            <a:pPr lvl="4"/>
+            <a:r>
+              <a:rPr kumimoji="1" lang="zh-CN" altLang="en-US"/>
+              <a:t>五级</a:t>
+            </a:r>
+            <a:endParaRPr kumimoji="1" lang="zh-CN" altLang="en-US"/>
+          </a:p>
+        </p:txBody>
+      </p:sp>
+      <p:sp>
+        <p:nvSpPr>
+          <p:cNvPr id="4" name="内容占位符 3"/>
+          <p:cNvSpPr>
+            <a:spLocks noGrp="1"/>
+          </p:cNvSpPr>
+          <p:nvPr>
+            <p:ph sz="half" idx="2"/>
+          </p:nvPr>
+        </p:nvSpPr>
+        <p:spPr>
+          <a:xfrm>
+            <a:off x="6172200" y="1825625"/>
+            <a:ext cx="5181600" cy="4351338"/>
+          </a:xfrm>
+        </p:spPr>
+        <p:txBody>
+          <a:bodyPr/>
+          <a:lstStyle/>
+          <a:p>
+            <a:pPr lvl="0"/>
+            <a:r>
+              <a:rPr kumimoji="1" lang="zh-CN" altLang="en-US"/>
+              <a:t>单击此处编辑母版文本样式</a:t>
+            </a:r>
+            <a:endParaRPr kumimoji="1" lang="zh-CN" altLang="en-US"/>
+          </a:p>
+          <a:p>
+            <a:pPr lvl="1"/>
+            <a:r>
+              <a:rPr kumimoji="1" lang="zh-CN" altLang="en-US"/>
+              <a:t>二级</a:t>
+            </a:r>
+            <a:endParaRPr kumimoji="1" lang="zh-CN" altLang="en-US"/>
+          </a:p>
+          <a:p>
+            <a:pPr lvl="2"/>
+            <a:r>
+              <a:rPr kumimoji="1" lang="zh-CN" altLang="en-US"/>
+              <a:t>三级</a:t>
+            </a:r>
+            <a:endParaRPr kumimoji="1" lang="zh-CN" altLang="en-US"/>
+          </a:p>
+          <a:p>
+            <a:pPr lvl="3"/>
+            <a:r>
+              <a:rPr kumimoji="1" lang="zh-CN" altLang="en-US"/>
+              <a:t>四级</a:t>
+            </a:r>
+            <a:endParaRPr kumimoji="1" lang="zh-CN" altLang="en-US"/>
+          </a:p>
+          <a:p>
+            <a:pPr lvl="4"/>
+            <a:r>
+              <a:rPr kumimoji="1" lang="zh-CN" altLang="en-US"/>
+              <a:t>五级</a:t>
+            </a:r>
+            <a:endParaRPr kumimoji="1" lang="zh-CN" altLang="en-US"/>
+          </a:p>
+        </p:txBody>
+      </p:sp>
+      <p:sp>
+        <p:nvSpPr>
+          <p:cNvPr id="5" name="日期占位符 4"/>
+          <p:cNvSpPr>
+            <a:spLocks noGrp="1"/>
+          </p:cNvSpPr>
+          <p:nvPr>
+            <p:ph type="dt" sz="half" idx="10"/>
+          </p:nvPr>
+        </p:nvSpPr>
+        <p:spPr/>
+        <p:txBody>
+          <a:bodyPr/>
+          <a:lstStyle/>
+          <a:p>
+            <a:fld id="{CEACFE95-6B98-F540-A12D-334F116059E1}" type="datetimeFigureOut">
+              <a:rPr kumimoji="1" lang="zh-CN" altLang="en-US" smtClean="0"/>
+            </a:fld>
+            <a:endParaRPr kumimoji="1" lang="zh-CN" altLang="en-US"/>
+          </a:p>
+        </p:txBody>
+      </p:sp>
+      <p:sp>
+        <p:nvSpPr>
+          <p:cNvPr id="6" name="页脚占位符 5"/>
+          <p:cNvSpPr>
+            <a:spLocks noGrp="1"/>
+          </p:cNvSpPr>
+          <p:nvPr>
+            <p:ph type="ftr" sz="quarter" idx="11"/>
+          </p:nvPr>
+        </p:nvSpPr>
+        <p:spPr/>
+        <p:txBody>
+          <a:bodyPr/>
+          <a:lstStyle/>
+          <a:p>
+            <a:endParaRPr kumimoji="1" lang="zh-CN" altLang="en-US"/>
+          </a:p>
+        </p:txBody>
+      </p:sp>
+      <p:sp>
+        <p:nvSpPr>
+          <p:cNvPr id="7" name="灯片编号占位符 6"/>
+          <p:cNvSpPr>
+            <a:spLocks noGrp="1"/>
+          </p:cNvSpPr>
+          <p:nvPr>
+            <p:ph type="sldNum" sz="quarter" idx="12"/>
+          </p:nvPr>
+        </p:nvSpPr>
+        <p:spPr/>
+        <p:txBody>
+          <a:bodyPr/>
+          <a:lstStyle/>
+          <a:p>
+            <a:fld id="{CC55A09D-DCDD-CD48-83A9-605BCBE4E252}" type="slidenum">
+              <a:rPr kumimoji="1" lang="zh-CN" altLang="en-US" smtClean="0"/>
+            </a:fld>
+            <a:endParaRPr kumimoji="1" lang="zh-CN" altLang="en-US"/>
+          </a:p>
+        </p:txBody>
+      </p:sp>
+    </p:spTree>
+  </p:cSld>
+  <p:clrMapOvr>
+    <a:masterClrMapping/>
+  </p:clrMapOvr>
+</p:sldLayout>
+</file>
+
+<file path=ppt/slideLayouts/slideLayout5.xml><?xml version="1.0" encoding="utf-8"?>
+<p:sldLayout xmlns:a="http://schemas.openxmlformats.org/drawingml/2006/main" xmlns:r="http://schemas.openxmlformats.org/officeDocument/2006/relationships" xmlns:p="http://schemas.openxmlformats.org/presentationml/2006/main" type="twoTxTwoObj" preserve="1">
+  <p:cSld name="比较">
+    <p:spTree>
+      <p:nvGrpSpPr>
+        <p:cNvPr id="1" name=""/>
+        <p:cNvGrpSpPr/>
+        <p:nvPr/>
+      </p:nvGrpSpPr>
+      <p:grpSpPr>
+        <a:xfrm>
+          <a:off x="0" y="0"/>
+          <a:ext cx="0" cy="0"/>
+          <a:chOff x="0" y="0"/>
+          <a:chExt cx="0" cy="0"/>
+        </a:xfrm>
+      </p:grpSpPr>
+      <p:sp>
+        <p:nvSpPr>
+          <p:cNvPr id="2" name="标题 1"/>
+          <p:cNvSpPr>
+            <a:spLocks noGrp="1"/>
+          </p:cNvSpPr>
+          <p:nvPr>
+            <p:ph type="title"/>
+          </p:nvPr>
+        </p:nvSpPr>
+        <p:spPr>
+          <a:xfrm>
+            <a:off x="839788" y="365125"/>
+            <a:ext cx="10515600" cy="1325563"/>
+          </a:xfrm>
+        </p:spPr>
+        <p:txBody>
+          <a:bodyPr/>
+          <a:lstStyle/>
+          <a:p>
+            <a:r>
+              <a:rPr kumimoji="1" lang="zh-CN" altLang="en-US"/>
+              <a:t>单击此处编辑母版标题样式</a:t>
+            </a:r>
+            <a:endParaRPr kumimoji="1" lang="zh-CN" altLang="en-US"/>
+          </a:p>
+        </p:txBody>
+      </p:sp>
+      <p:sp>
+        <p:nvSpPr>
+          <p:cNvPr id="3" name="文本占位符 2"/>
+          <p:cNvSpPr>
+            <a:spLocks noGrp="1"/>
+          </p:cNvSpPr>
+          <p:nvPr>
+            <p:ph type="body" idx="1"/>
+          </p:nvPr>
+        </p:nvSpPr>
+        <p:spPr>
+          <a:xfrm>
+            <a:off x="839788" y="1681163"/>
+            <a:ext cx="5157787" cy="823912"/>
+          </a:xfrm>
+        </p:spPr>
+        <p:txBody>
+          <a:bodyPr anchor="b"/>
+          <a:lstStyle>
+            <a:lvl1pPr marL="0" indent="0">
+              <a:buNone/>
+              <a:defRPr sz="2400" b="1"/>
+            </a:lvl1pPr>
+            <a:lvl2pPr marL="457200" indent="0">
+              <a:buNone/>
+              <a:defRPr sz="2000" b="1"/>
+            </a:lvl2pPr>
+            <a:lvl3pPr marL="914400" indent="0">
+              <a:buNone/>
+              <a:defRPr sz="1800" b="1"/>
+            </a:lvl3pPr>
+            <a:lvl4pPr marL="1371600" indent="0">
+              <a:buNone/>
+              <a:defRPr sz="1600" b="1"/>
+            </a:lvl4pPr>
+            <a:lvl5pPr marL="1828800" indent="0">
+              <a:buNone/>
+              <a:defRPr sz="1600" b="1"/>
+            </a:lvl5pPr>
+            <a:lvl6pPr marL="2286000" indent="0">
+              <a:buNone/>
+              <a:defRPr sz="1600" b="1"/>
+            </a:lvl6pPr>
+            <a:lvl7pPr marL="2743200" indent="0">
+              <a:buNone/>
+              <a:defRPr sz="1600" b="1"/>
+            </a:lvl7pPr>
+            <a:lvl8pPr marL="3200400" indent="0">
+              <a:buNone/>
+              <a:defRPr sz="1600" b="1"/>
+            </a:lvl8pPr>
+            <a:lvl9pPr marL="3657600" indent="0">
+              <a:buNone/>
+              <a:defRPr sz="1600" b="1"/>
+            </a:lvl9pPr>
+          </a:lstStyle>
+          <a:p>
+            <a:pPr lvl="0"/>
+            <a:r>
+              <a:rPr kumimoji="1" lang="zh-CN" altLang="en-US"/>
+              <a:t>单击此处编辑母版文本样式</a:t>
+            </a:r>
+            <a:endParaRPr kumimoji="1" lang="zh-CN" altLang="en-US"/>
+          </a:p>
+        </p:txBody>
+      </p:sp>
+      <p:sp>
+        <p:nvSpPr>
+          <p:cNvPr id="4" name="内容占位符 3"/>
+          <p:cNvSpPr>
+            <a:spLocks noGrp="1"/>
+          </p:cNvSpPr>
+          <p:nvPr>
+            <p:ph sz="half" idx="2"/>
+          </p:nvPr>
+        </p:nvSpPr>
+        <p:spPr>
+          <a:xfrm>
+            <a:off x="839788" y="2505075"/>
+            <a:ext cx="5157787" cy="3684588"/>
+          </a:xfrm>
+        </p:spPr>
+        <p:txBody>
+          <a:bodyPr/>
+          <a:lstStyle/>
+          <a:p>
+            <a:pPr lvl="0"/>
+            <a:r>
+              <a:rPr kumimoji="1" lang="zh-CN" altLang="en-US"/>
+              <a:t>单击此处编辑母版文本样式</a:t>
+            </a:r>
+            <a:endParaRPr kumimoji="1" lang="zh-CN" altLang="en-US"/>
+          </a:p>
+          <a:p>
+            <a:pPr lvl="1"/>
+            <a:r>
+              <a:rPr kumimoji="1" lang="zh-CN" altLang="en-US"/>
+              <a:t>二级</a:t>
+            </a:r>
+            <a:endParaRPr kumimoji="1" lang="zh-CN" altLang="en-US"/>
+          </a:p>
+          <a:p>
+            <a:pPr lvl="2"/>
+            <a:r>
+              <a:rPr kumimoji="1" lang="zh-CN" altLang="en-US"/>
+              <a:t>三级</a:t>
+            </a:r>
+            <a:endParaRPr kumimoji="1" lang="zh-CN" altLang="en-US"/>
+          </a:p>
+          <a:p>
+            <a:pPr lvl="3"/>
+            <a:r>
+              <a:rPr kumimoji="1" lang="zh-CN" altLang="en-US"/>
+              <a:t>四级</a:t>
+            </a:r>
+            <a:endParaRPr kumimoji="1" lang="zh-CN" altLang="en-US"/>
+          </a:p>
+          <a:p>
+            <a:pPr lvl="4"/>
+            <a:r>
+              <a:rPr kumimoji="1" lang="zh-CN" altLang="en-US"/>
+              <a:t>五级</a:t>
+            </a:r>
+            <a:endParaRPr kumimoji="1" lang="zh-CN" altLang="en-US"/>
+          </a:p>
+        </p:txBody>
+      </p:sp>
+      <p:sp>
+        <p:nvSpPr>
+          <p:cNvPr id="5" name="文本占位符 4"/>
+          <p:cNvSpPr>
+            <a:spLocks noGrp="1"/>
+          </p:cNvSpPr>
+          <p:nvPr>
+            <p:ph type="body" sz="quarter" idx="3"/>
+          </p:nvPr>
+        </p:nvSpPr>
+        <p:spPr>
+          <a:xfrm>
+            <a:off x="6172200" y="1681163"/>
+            <a:ext cx="5183188" cy="823912"/>
+          </a:xfrm>
+        </p:spPr>
+        <p:txBody>
+          <a:bodyPr anchor="b"/>
+          <a:lstStyle>
+            <a:lvl1pPr marL="0" indent="0">
+              <a:buNone/>
+              <a:defRPr sz="2400" b="1"/>
+            </a:lvl1pPr>
+            <a:lvl2pPr marL="457200" indent="0">
+              <a:buNone/>
+              <a:defRPr sz="2000" b="1"/>
+            </a:lvl2pPr>
+            <a:lvl3pPr marL="914400" indent="0">
+              <a:buNone/>
+              <a:defRPr sz="1800" b="1"/>
+            </a:lvl3pPr>
+            <a:lvl4pPr marL="1371600" indent="0">
+              <a:buNone/>
+              <a:defRPr sz="1600" b="1"/>
+            </a:lvl4pPr>
+            <a:lvl5pPr marL="1828800" indent="0">
+              <a:buNone/>
+              <a:defRPr sz="1600" b="1"/>
+            </a:lvl5pPr>
+            <a:lvl6pPr marL="2286000" indent="0">
+              <a:buNone/>
+              <a:defRPr sz="1600" b="1"/>
+            </a:lvl6pPr>
+            <a:lvl7pPr marL="2743200" indent="0">
+              <a:buNone/>
+              <a:defRPr sz="1600" b="1"/>
+            </a:lvl7pPr>
+            <a:lvl8pPr marL="3200400" indent="0">
+              <a:buNone/>
+              <a:defRPr sz="1600" b="1"/>
+            </a:lvl8pPr>
+            <a:lvl9pPr marL="3657600" indent="0">
+              <a:buNone/>
+              <a:defRPr sz="1600" b="1"/>
+            </a:lvl9pPr>
+          </a:lstStyle>
+          <a:p>
+            <a:pPr lvl="0"/>
+            <a:r>
+              <a:rPr kumimoji="1" lang="zh-CN" altLang="en-US"/>
+              <a:t>单击此处编辑母版文本样式</a:t>
+            </a:r>
+            <a:endParaRPr kumimoji="1" lang="zh-CN" altLang="en-US"/>
+          </a:p>
+        </p:txBody>
+      </p:sp>
+      <p:sp>
+        <p:nvSpPr>
+          <p:cNvPr id="6" name="内容占位符 5"/>
+          <p:cNvSpPr>
+            <a:spLocks noGrp="1"/>
+          </p:cNvSpPr>
+          <p:nvPr>
+            <p:ph sz="quarter" idx="4"/>
+          </p:nvPr>
+        </p:nvSpPr>
+        <p:spPr>
+          <a:xfrm>
+            <a:off x="6172200" y="2505075"/>
+            <a:ext cx="5183188" cy="3684588"/>
+          </a:xfrm>
+        </p:spPr>
+        <p:txBody>
+          <a:bodyPr/>
+          <a:lstStyle/>
+          <a:p>
+            <a:pPr lvl="0"/>
+            <a:r>
+              <a:rPr kumimoji="1" lang="zh-CN" altLang="en-US"/>
+              <a:t>单击此处编辑母版文本样式</a:t>
+            </a:r>
+            <a:endParaRPr kumimoji="1" lang="zh-CN" altLang="en-US"/>
+          </a:p>
+          <a:p>
+            <a:pPr lvl="1"/>
+            <a:r>
+              <a:rPr kumimoji="1" lang="zh-CN" altLang="en-US"/>
+              <a:t>二级</a:t>
+            </a:r>
+            <a:endParaRPr kumimoji="1" lang="zh-CN" altLang="en-US"/>
+          </a:p>
+          <a:p>
+            <a:pPr lvl="2"/>
+            <a:r>
+              <a:rPr kumimoji="1" lang="zh-CN" altLang="en-US"/>
+              <a:t>三级</a:t>
+            </a:r>
+            <a:endParaRPr kumimoji="1" lang="zh-CN" altLang="en-US"/>
+          </a:p>
+          <a:p>
+            <a:pPr lvl="3"/>
+            <a:r>
+              <a:rPr kumimoji="1" lang="zh-CN" altLang="en-US"/>
+              <a:t>四级</a:t>
+            </a:r>
+            <a:endParaRPr kumimoji="1" lang="zh-CN" altLang="en-US"/>
+          </a:p>
+          <a:p>
+            <a:pPr lvl="4"/>
+            <a:r>
+              <a:rPr kumimoji="1" lang="zh-CN" altLang="en-US"/>
+              <a:t>五级</a:t>
+            </a:r>
+            <a:endParaRPr kumimoji="1" lang="zh-CN" altLang="en-US"/>
+          </a:p>
+        </p:txBody>
+      </p:sp>
+      <p:sp>
+        <p:nvSpPr>
+          <p:cNvPr id="7" name="日期占位符 6"/>
+          <p:cNvSpPr>
+            <a:spLocks noGrp="1"/>
+          </p:cNvSpPr>
+          <p:nvPr>
+            <p:ph type="dt" sz="half" idx="10"/>
+          </p:nvPr>
+        </p:nvSpPr>
+        <p:spPr/>
+        <p:txBody>
+          <a:bodyPr/>
+          <a:lstStyle/>
+          <a:p>
+            <a:fld id="{CEACFE95-6B98-F540-A12D-334F116059E1}" type="datetimeFigureOut">
+              <a:rPr kumimoji="1" lang="zh-CN" altLang="en-US" smtClean="0"/>
+            </a:fld>
+            <a:endParaRPr kumimoji="1" lang="zh-CN" altLang="en-US"/>
+          </a:p>
+        </p:txBody>
+      </p:sp>
+      <p:sp>
+        <p:nvSpPr>
+          <p:cNvPr id="8" name="页脚占位符 7"/>
+          <p:cNvSpPr>
+            <a:spLocks noGrp="1"/>
+          </p:cNvSpPr>
+          <p:nvPr>
+            <p:ph type="ftr" sz="quarter" idx="11"/>
+          </p:nvPr>
+        </p:nvSpPr>
+        <p:spPr/>
+        <p:txBody>
+          <a:bodyPr/>
+          <a:lstStyle/>
+          <a:p>
+            <a:endParaRPr kumimoji="1" lang="zh-CN" altLang="en-US"/>
+          </a:p>
+        </p:txBody>
+      </p:sp>
+      <p:sp>
+        <p:nvSpPr>
+          <p:cNvPr id="9" name="灯片编号占位符 8"/>
+          <p:cNvSpPr>
+            <a:spLocks noGrp="1"/>
+          </p:cNvSpPr>
+          <p:nvPr>
+            <p:ph type="sldNum" sz="quarter" idx="12"/>
+          </p:nvPr>
+        </p:nvSpPr>
+        <p:spPr/>
+        <p:txBody>
+          <a:bodyPr/>
+          <a:lstStyle/>
+          <a:p>
+            <a:fld id="{CC55A09D-DCDD-CD48-83A9-605BCBE4E252}" type="slidenum">
+              <a:rPr kumimoji="1" lang="zh-CN" altLang="en-US" smtClean="0"/>
+            </a:fld>
+            <a:endParaRPr kumimoji="1" lang="zh-CN" altLang="en-US"/>
+          </a:p>
+        </p:txBody>
+      </p:sp>
+    </p:spTree>
+  </p:cSld>
+  <p:clrMapOvr>
+    <a:masterClrMapping/>
+  </p:clrMapOvr>
+</p:sldLayout>
+</file>
+
+<file path=ppt/slideLayouts/slideLayout6.xml><?xml version="1.0" encoding="utf-8"?>
+<p:sldLayout xmlns:a="http://schemas.openxmlformats.org/drawingml/2006/main" xmlns:r="http://schemas.openxmlformats.org/officeDocument/2006/relationships" xmlns:p="http://schemas.openxmlformats.org/presentationml/2006/main" type="titleOnly" preserve="1">
+  <p:cSld name="仅标题">
+    <p:spTree>
+      <p:nvGrpSpPr>
+        <p:cNvPr id="1" name=""/>
+        <p:cNvGrpSpPr/>
+        <p:nvPr/>
+      </p:nvGrpSpPr>
+      <p:grpSpPr>
+        <a:xfrm>
+          <a:off x="0" y="0"/>
+          <a:ext cx="0" cy="0"/>
+          <a:chOff x="0" y="0"/>
+          <a:chExt cx="0" cy="0"/>
+        </a:xfrm>
+      </p:grpSpPr>
+      <p:sp>
+        <p:nvSpPr>
+          <p:cNvPr id="2" name="标题 1"/>
+          <p:cNvSpPr>
+            <a:spLocks noGrp="1"/>
+          </p:cNvSpPr>
+          <p:nvPr>
+            <p:ph type="title"/>
+          </p:nvPr>
+        </p:nvSpPr>
+        <p:spPr/>
+        <p:txBody>
+          <a:bodyPr/>
+          <a:lstStyle/>
+          <a:p>
+            <a:r>
+              <a:rPr kumimoji="1" lang="zh-CN" altLang="en-US"/>
+              <a:t>单击此处编辑母版标题样式</a:t>
+            </a:r>
+            <a:endParaRPr kumimoji="1" lang="zh-CN" altLang="en-US"/>
+          </a:p>
+        </p:txBody>
+      </p:sp>
+      <p:sp>
+        <p:nvSpPr>
+          <p:cNvPr id="3" name="日期占位符 2"/>
+          <p:cNvSpPr>
+            <a:spLocks noGrp="1"/>
+          </p:cNvSpPr>
+          <p:nvPr>
+            <p:ph type="dt" sz="half" idx="10"/>
+          </p:nvPr>
+        </p:nvSpPr>
+        <p:spPr/>
+        <p:txBody>
+          <a:bodyPr/>
+          <a:lstStyle/>
+          <a:p>
+            <a:fld id="{CEACFE95-6B98-F540-A12D-334F116059E1}" type="datetimeFigureOut">
+              <a:rPr kumimoji="1" lang="zh-CN" altLang="en-US" smtClean="0"/>
+            </a:fld>
+            <a:endParaRPr kumimoji="1" lang="zh-CN" altLang="en-US"/>
+          </a:p>
+        </p:txBody>
+      </p:sp>
+      <p:sp>
+        <p:nvSpPr>
+          <p:cNvPr id="4" name="页脚占位符 3"/>
+          <p:cNvSpPr>
+            <a:spLocks noGrp="1"/>
+          </p:cNvSpPr>
+          <p:nvPr>
+            <p:ph type="ftr" sz="quarter" idx="11"/>
+          </p:nvPr>
+        </p:nvSpPr>
+        <p:spPr/>
+        <p:txBody>
+          <a:bodyPr/>
+          <a:lstStyle/>
+          <a:p>
+            <a:endParaRPr kumimoji="1" lang="zh-CN" altLang="en-US"/>
+          </a:p>
+        </p:txBody>
+      </p:sp>
+      <p:sp>
+        <p:nvSpPr>
+          <p:cNvPr id="5" name="灯片编号占位符 4"/>
+          <p:cNvSpPr>
+            <a:spLocks noGrp="1"/>
+          </p:cNvSpPr>
+          <p:nvPr>
+            <p:ph type="sldNum" sz="quarter" idx="12"/>
+          </p:nvPr>
+        </p:nvSpPr>
+        <p:spPr/>
+        <p:txBody>
+          <a:bodyPr/>
+          <a:lstStyle/>
+          <a:p>
+            <a:fld id="{CC55A09D-DCDD-CD48-83A9-605BCBE4E252}" type="slidenum">
+              <a:rPr kumimoji="1" lang="zh-CN" altLang="en-US" smtClean="0"/>
+            </a:fld>
+            <a:endParaRPr kumimoji="1" lang="zh-CN" altLang="en-US"/>
+          </a:p>
+        </p:txBody>
+      </p:sp>
+    </p:spTree>
+  </p:cSld>
+  <p:clrMapOvr>
+    <a:masterClrMapping/>
+  </p:clrMapOvr>
+</p:sldLayout>
+</file>
+
+<file path=ppt/slideLayouts/slideLayout7.xml><?xml version="1.0" encoding="utf-8"?>
+<p:sldLayout xmlns:a="http://schemas.openxmlformats.org/drawingml/2006/main" xmlns:r="http://schemas.openxmlformats.org/officeDocument/2006/relationships" xmlns:p="http://schemas.openxmlformats.org/presentationml/2006/main" type="blank" preserve="1">
+  <p:cSld name="空白">
+    <p:spTree>
+      <p:nvGrpSpPr>
+        <p:cNvPr id="1" name=""/>
+        <p:cNvGrpSpPr/>
+        <p:nvPr/>
+      </p:nvGrpSpPr>
+      <p:grpSpPr>
+        <a:xfrm>
+          <a:off x="0" y="0"/>
+          <a:ext cx="0" cy="0"/>
+          <a:chOff x="0" y="0"/>
+          <a:chExt cx="0" cy="0"/>
+        </a:xfrm>
+      </p:grpSpPr>
+      <p:sp>
+        <p:nvSpPr>
+          <p:cNvPr id="2" name="日期占位符 1"/>
+          <p:cNvSpPr>
+            <a:spLocks noGrp="1"/>
+          </p:cNvSpPr>
+          <p:nvPr>
+            <p:ph type="dt" sz="half" idx="10"/>
+          </p:nvPr>
+        </p:nvSpPr>
+        <p:spPr/>
+        <p:txBody>
+          <a:bodyPr/>
+          <a:lstStyle/>
+          <a:p>
+            <a:fld id="{CEACFE95-6B98-F540-A12D-334F116059E1}" type="datetimeFigureOut">
+              <a:rPr kumimoji="1" lang="zh-CN" altLang="en-US" smtClean="0"/>
+            </a:fld>
+            <a:endParaRPr kumimoji="1" lang="zh-CN" altLang="en-US"/>
+          </a:p>
+        </p:txBody>
+      </p:sp>
+      <p:sp>
+        <p:nvSpPr>
+          <p:cNvPr id="3" name="页脚占位符 2"/>
+          <p:cNvSpPr>
+            <a:spLocks noGrp="1"/>
+          </p:cNvSpPr>
+          <p:nvPr>
+            <p:ph type="ftr" sz="quarter" idx="11"/>
+          </p:nvPr>
+        </p:nvSpPr>
+        <p:spPr/>
+        <p:txBody>
+          <a:bodyPr/>
+          <a:lstStyle/>
+          <a:p>
+            <a:endParaRPr kumimoji="1" lang="zh-CN" altLang="en-US"/>
+          </a:p>
+        </p:txBody>
+      </p:sp>
+      <p:sp>
+        <p:nvSpPr>
+          <p:cNvPr id="4" name="灯片编号占位符 3"/>
+          <p:cNvSpPr>
+            <a:spLocks noGrp="1"/>
+          </p:cNvSpPr>
+          <p:nvPr>
+            <p:ph type="sldNum" sz="quarter" idx="12"/>
+          </p:nvPr>
+        </p:nvSpPr>
+        <p:spPr/>
+        <p:txBody>
+          <a:bodyPr/>
+          <a:lstStyle/>
+          <a:p>
+            <a:fld id="{CC55A09D-DCDD-CD48-83A9-605BCBE4E252}" type="slidenum">
+              <a:rPr kumimoji="1" lang="zh-CN" altLang="en-US" smtClean="0"/>
+            </a:fld>
+            <a:endParaRPr kumimoji="1" lang="zh-CN" altLang="en-US"/>
+          </a:p>
+        </p:txBody>
+      </p:sp>
+    </p:spTree>
+  </p:cSld>
+  <p:clrMapOvr>
+    <a:masterClrMapping/>
+  </p:clrMapOvr>
+</p:sldLayout>
+</file>
+
+<file path=ppt/slideLayouts/slideLayout8.xml><?xml version="1.0" encoding="utf-8"?>
+<p:sldLayout xmlns:a="http://schemas.openxmlformats.org/drawingml/2006/main" xmlns:r="http://schemas.openxmlformats.org/officeDocument/2006/relationships" xmlns:p="http://schemas.openxmlformats.org/presentationml/2006/main" type="objTx" preserve="1">
+  <p:cSld name="内容与标题">
+    <p:spTree>
+      <p:nvGrpSpPr>
+        <p:cNvPr id="1" name=""/>
+        <p:cNvGrpSpPr/>
+        <p:nvPr/>
+      </p:nvGrpSpPr>
+      <p:grpSpPr>
+        <a:xfrm>
+          <a:off x="0" y="0"/>
+          <a:ext cx="0" cy="0"/>
+          <a:chOff x="0" y="0"/>
+          <a:chExt cx="0" cy="0"/>
+        </a:xfrm>
+      </p:grpSpPr>
+      <p:sp>
+        <p:nvSpPr>
+          <p:cNvPr id="2" name="标题 1"/>
+          <p:cNvSpPr>
+            <a:spLocks noGrp="1"/>
+          </p:cNvSpPr>
+          <p:nvPr>
+            <p:ph type="title"/>
+          </p:nvPr>
+        </p:nvSpPr>
+        <p:spPr>
+          <a:xfrm>
+            <a:off x="839788" y="457200"/>
+            <a:ext cx="3932237" cy="1600200"/>
+          </a:xfrm>
+        </p:spPr>
+        <p:txBody>
+          <a:bodyPr anchor="b"/>
+          <a:lstStyle>
+            <a:lvl1pPr>
+              <a:defRPr sz="3200"/>
+            </a:lvl1pPr>
+          </a:lstStyle>
+          <a:p>
+            <a:r>
+              <a:rPr kumimoji="1" lang="zh-CN" altLang="en-US"/>
+              <a:t>单击此处编辑母版标题样式</a:t>
+            </a:r>
+            <a:endParaRPr kumimoji="1" lang="zh-CN" altLang="en-US"/>
+          </a:p>
+        </p:txBody>
+      </p:sp>
+      <p:sp>
+        <p:nvSpPr>
+          <p:cNvPr id="3" name="内容占位符 2"/>
+          <p:cNvSpPr>
+            <a:spLocks noGrp="1"/>
+          </p:cNvSpPr>
+          <p:nvPr>
+            <p:ph idx="1"/>
+          </p:nvPr>
+        </p:nvSpPr>
+        <p:spPr>
+          <a:xfrm>
+            <a:off x="5183188" y="987425"/>
+            <a:ext cx="6172200" cy="4873625"/>
+          </a:xfrm>
+        </p:spPr>
+        <p:txBody>
+          <a:bodyPr/>
+          <a:lstStyle>
+            <a:lvl1pPr>
+              <a:defRPr sz="3200"/>
+            </a:lvl1pPr>
+            <a:lvl2pPr>
+              <a:defRPr sz="2800"/>
+            </a:lvl2pPr>
+            <a:lvl3pPr>
+              <a:defRPr sz="2400"/>
+            </a:lvl3pPr>
+            <a:lvl4pPr>
+              <a:defRPr sz="2000"/>
+            </a:lvl4pPr>
+            <a:lvl5pPr>
+              <a:defRPr sz="2000"/>
+            </a:lvl5pPr>
+            <a:lvl6pPr>
+              <a:defRPr sz="2000"/>
+            </a:lvl6pPr>
+            <a:lvl7pPr>
+              <a:defRPr sz="2000"/>
+            </a:lvl7pPr>
+            <a:lvl8pPr>
+              <a:defRPr sz="2000"/>
+            </a:lvl8pPr>
+            <a:lvl9pPr>
+              <a:defRPr sz="2000"/>
+            </a:lvl9pPr>
+          </a:lstStyle>
+          <a:p>
+            <a:pPr lvl="0"/>
+            <a:r>
+              <a:rPr kumimoji="1" lang="zh-CN" altLang="en-US"/>
+              <a:t>单击此处编辑母版文本样式</a:t>
+            </a:r>
+            <a:endParaRPr kumimoji="1" lang="zh-CN" altLang="en-US"/>
+          </a:p>
+          <a:p>
+            <a:pPr lvl="1"/>
+            <a:r>
+              <a:rPr kumimoji="1" lang="zh-CN" altLang="en-US"/>
+              <a:t>二级</a:t>
+            </a:r>
+            <a:endParaRPr kumimoji="1" lang="zh-CN" altLang="en-US"/>
+          </a:p>
+          <a:p>
+            <a:pPr lvl="2"/>
+            <a:r>
+              <a:rPr kumimoji="1" lang="zh-CN" altLang="en-US"/>
+              <a:t>三级</a:t>
+            </a:r>
+            <a:endParaRPr kumimoji="1" lang="zh-CN" altLang="en-US"/>
+          </a:p>
+          <a:p>
+            <a:pPr lvl="3"/>
+            <a:r>
+              <a:rPr kumimoji="1" lang="zh-CN" altLang="en-US"/>
+              <a:t>四级</a:t>
+            </a:r>
+            <a:endParaRPr kumimoji="1" lang="zh-CN" altLang="en-US"/>
+          </a:p>
+          <a:p>
+            <a:pPr lvl="4"/>
+            <a:r>
+              <a:rPr kumimoji="1" lang="zh-CN" altLang="en-US"/>
+              <a:t>五级</a:t>
+            </a:r>
+            <a:endParaRPr kumimoji="1" lang="zh-CN" altLang="en-US"/>
+          </a:p>
+        </p:txBody>
+      </p:sp>
+      <p:sp>
+        <p:nvSpPr>
+          <p:cNvPr id="4" name="文本占位符 3"/>
+          <p:cNvSpPr>
+            <a:spLocks noGrp="1"/>
+          </p:cNvSpPr>
+          <p:nvPr>
+            <p:ph type="body" sz="half" idx="2"/>
+          </p:nvPr>
+        </p:nvSpPr>
+        <p:spPr>
+          <a:xfrm>
+            <a:off x="839788" y="2057400"/>
+            <a:ext cx="3932237" cy="3811588"/>
+          </a:xfrm>
+        </p:spPr>
+        <p:txBody>
+          <a:bodyPr/>
+          <a:lstStyle>
+            <a:lvl1pPr marL="0" indent="0">
+              <a:buNone/>
+              <a:defRPr sz="1600"/>
+            </a:lvl1pPr>
+            <a:lvl2pPr marL="457200" indent="0">
+              <a:buNone/>
+              <a:defRPr sz="1400"/>
+            </a:lvl2pPr>
+            <a:lvl3pPr marL="914400" indent="0">
+              <a:buNone/>
+              <a:defRPr sz="1200"/>
+            </a:lvl3pPr>
+            <a:lvl4pPr marL="1371600" indent="0">
+              <a:buNone/>
+              <a:defRPr sz="1000"/>
+            </a:lvl4pPr>
+            <a:lvl5pPr marL="1828800" indent="0">
+              <a:buNone/>
+              <a:defRPr sz="1000"/>
+            </a:lvl5pPr>
+            <a:lvl6pPr marL="2286000" indent="0">
+              <a:buNone/>
+              <a:defRPr sz="1000"/>
+            </a:lvl6pPr>
+            <a:lvl7pPr marL="2743200" indent="0">
+              <a:buNone/>
+              <a:defRPr sz="1000"/>
+            </a:lvl7pPr>
+            <a:lvl8pPr marL="3200400" indent="0">
+              <a:buNone/>
+              <a:defRPr sz="1000"/>
+            </a:lvl8pPr>
+            <a:lvl9pPr marL="3657600" indent="0">
+              <a:buNone/>
+              <a:defRPr sz="1000"/>
+            </a:lvl9pPr>
+          </a:lstStyle>
+          <a:p>
+            <a:pPr lvl="0"/>
+            <a:r>
+              <a:rPr kumimoji="1" lang="zh-CN" altLang="en-US"/>
+              <a:t>单击此处编辑母版文本样式</a:t>
+            </a:r>
+            <a:endParaRPr kumimoji="1" lang="zh-CN" altLang="en-US"/>
+          </a:p>
+        </p:txBody>
+      </p:sp>
+      <p:sp>
+        <p:nvSpPr>
+          <p:cNvPr id="5" name="日期占位符 4"/>
+          <p:cNvSpPr>
+            <a:spLocks noGrp="1"/>
+          </p:cNvSpPr>
+          <p:nvPr>
+            <p:ph type="dt" sz="half" idx="10"/>
+          </p:nvPr>
+        </p:nvSpPr>
+        <p:spPr/>
+        <p:txBody>
+          <a:bodyPr/>
+          <a:lstStyle/>
+          <a:p>
+            <a:fld id="{CEACFE95-6B98-F540-A12D-334F116059E1}" type="datetimeFigureOut">
+              <a:rPr kumimoji="1" lang="zh-CN" altLang="en-US" smtClean="0"/>
+            </a:fld>
+            <a:endParaRPr kumimoji="1" lang="zh-CN" altLang="en-US"/>
+          </a:p>
+        </p:txBody>
+      </p:sp>
+      <p:sp>
+        <p:nvSpPr>
+          <p:cNvPr id="6" name="页脚占位符 5"/>
+          <p:cNvSpPr>
+            <a:spLocks noGrp="1"/>
+          </p:cNvSpPr>
+          <p:nvPr>
+            <p:ph type="ftr" sz="quarter" idx="11"/>
+          </p:nvPr>
+        </p:nvSpPr>
+        <p:spPr/>
+        <p:txBody>
+          <a:bodyPr/>
+          <a:lstStyle/>
+          <a:p>
+            <a:endParaRPr kumimoji="1" lang="zh-CN" altLang="en-US"/>
+          </a:p>
+        </p:txBody>
+      </p:sp>
+      <p:sp>
+        <p:nvSpPr>
+          <p:cNvPr id="7" name="灯片编号占位符 6"/>
+          <p:cNvSpPr>
+            <a:spLocks noGrp="1"/>
+          </p:cNvSpPr>
+          <p:nvPr>
+            <p:ph type="sldNum" sz="quarter" idx="12"/>
+          </p:nvPr>
+        </p:nvSpPr>
+        <p:spPr/>
+        <p:txBody>
+          <a:bodyPr/>
+          <a:lstStyle/>
+          <a:p>
+            <a:fld id="{CC55A09D-DCDD-CD48-83A9-605BCBE4E252}" type="slidenum">
+              <a:rPr kumimoji="1" lang="zh-CN" altLang="en-US" smtClean="0"/>
+            </a:fld>
+            <a:endParaRPr kumimoji="1" lang="zh-CN" altLang="en-US"/>
+          </a:p>
+        </p:txBody>
+      </p:sp>
+    </p:spTree>
   </p:cSld>
   <p:clrMapOvr>
     <a:masterClrMapping/>
@@ -2511,13 +5166,7 @@
       </p:grpSpPr>
       <p:sp>
         <p:nvSpPr>
-          <p:cNvPr id="2" name="标题 1">
-            <a:extLst>
-              <a:ext uri="{FF2B5EF4-FFF2-40B4-BE49-F238E27FC236}">
-                <a16:creationId xmlns:a16="http://schemas.microsoft.com/office/drawing/2014/main" id="{52B7DF0C-2636-124B-9C54-543A5E3BFF50}"/>
-              </a:ext>
-            </a:extLst>
-          </p:cNvPr>
+          <p:cNvPr id="2" name="标题 1"/>
           <p:cNvSpPr>
             <a:spLocks noGrp="1"/>
           </p:cNvSpPr>
@@ -2543,18 +5192,13 @@
               <a:rPr kumimoji="1" lang="zh-CN" altLang="en-US"/>
               <a:t>单击此处编辑母版标题样式</a:t>
             </a:r>
-          </a:p>
-        </p:txBody>
-      </p:sp>
-      <p:sp>
-        <p:nvSpPr>
-          <p:cNvPr id="3" name="图片占位符 2">
-            <a:extLst>
-              <a:ext uri="{FF2B5EF4-FFF2-40B4-BE49-F238E27FC236}">
-                <a16:creationId xmlns:a16="http://schemas.microsoft.com/office/drawing/2014/main" id="{18DF0181-8250-FE43-9EC9-C60FE63E2B69}"/>
-              </a:ext>
-            </a:extLst>
-          </p:cNvPr>
+            <a:endParaRPr kumimoji="1" lang="zh-CN" altLang="en-US"/>
+          </a:p>
+        </p:txBody>
+      </p:sp>
+      <p:sp>
+        <p:nvSpPr>
+          <p:cNvPr id="3" name="图片占位符 2"/>
           <p:cNvSpPr>
             <a:spLocks noGrp="1"/>
           </p:cNvSpPr>
@@ -2615,13 +5259,7 @@
       </p:sp>
       <p:sp>
         <p:nvSpPr>
-          <p:cNvPr id="4" name="文本占位符 3">
-            <a:extLst>
-              <a:ext uri="{FF2B5EF4-FFF2-40B4-BE49-F238E27FC236}">
-                <a16:creationId xmlns:a16="http://schemas.microsoft.com/office/drawing/2014/main" id="{5C27D812-055E-6549-A84D-5FCD150D2BA2}"/>
-              </a:ext>
-            </a:extLst>
-          </p:cNvPr>
+          <p:cNvPr id="4" name="文本占位符 3"/>
           <p:cNvSpPr>
             <a:spLocks noGrp="1"/>
           </p:cNvSpPr>
@@ -2681,18 +5319,13 @@
               <a:rPr kumimoji="1" lang="zh-CN" altLang="en-US"/>
               <a:t>单击此处编辑母版文本样式</a:t>
             </a:r>
-          </a:p>
-        </p:txBody>
-      </p:sp>
-      <p:sp>
-        <p:nvSpPr>
-          <p:cNvPr id="5" name="日期占位符 4">
-            <a:extLst>
-              <a:ext uri="{FF2B5EF4-FFF2-40B4-BE49-F238E27FC236}">
-                <a16:creationId xmlns:a16="http://schemas.microsoft.com/office/drawing/2014/main" id="{DFEAB1C6-B5A1-244A-AA87-BD746DD3611E}"/>
-              </a:ext>
-            </a:extLst>
-          </p:cNvPr>
+            <a:endParaRPr kumimoji="1" lang="zh-CN" altLang="en-US"/>
+          </a:p>
+        </p:txBody>
+      </p:sp>
+      <p:sp>
+        <p:nvSpPr>
+          <p:cNvPr id="5" name="日期占位符 4"/>
           <p:cNvSpPr>
             <a:spLocks noGrp="1"/>
           </p:cNvSpPr>
@@ -2707,7 +5340,6 @@
           <a:p>
             <a:fld id="{CEACFE95-6B98-F540-A12D-334F116059E1}" type="datetimeFigureOut">
               <a:rPr kumimoji="1" lang="zh-CN" altLang="en-US" smtClean="0"/>
-              <a:t>2021/12/13</a:t>
             </a:fld>
             <a:endParaRPr kumimoji="1" lang="zh-CN" altLang="en-US"/>
           </a:p>
@@ -2715,13 +5347,7 @@
       </p:sp>
       <p:sp>
         <p:nvSpPr>
-          <p:cNvPr id="6" name="页脚占位符 5">
-            <a:extLst>
-              <a:ext uri="{FF2B5EF4-FFF2-40B4-BE49-F238E27FC236}">
-                <a16:creationId xmlns:a16="http://schemas.microsoft.com/office/drawing/2014/main" id="{6D25B305-57F7-704D-AA76-AC73211AB5C0}"/>
-              </a:ext>
-            </a:extLst>
-          </p:cNvPr>
+          <p:cNvPr id="6" name="页脚占位符 5"/>
           <p:cNvSpPr>
             <a:spLocks noGrp="1"/>
           </p:cNvSpPr>
@@ -2740,13 +5366,7 @@
       </p:sp>
       <p:sp>
         <p:nvSpPr>
-          <p:cNvPr id="7" name="灯片编号占位符 6">
-            <a:extLst>
-              <a:ext uri="{FF2B5EF4-FFF2-40B4-BE49-F238E27FC236}">
-                <a16:creationId xmlns:a16="http://schemas.microsoft.com/office/drawing/2014/main" id="{E37A06E9-54F3-6240-8DE0-3FF68B87FD3C}"/>
-              </a:ext>
-            </a:extLst>
-          </p:cNvPr>
+          <p:cNvPr id="7" name="灯片编号占位符 6"/>
           <p:cNvSpPr>
             <a:spLocks noGrp="1"/>
           </p:cNvSpPr>
@@ -2761,18 +5381,12 @@
           <a:p>
             <a:fld id="{CC55A09D-DCDD-CD48-83A9-605BCBE4E252}" type="slidenum">
               <a:rPr kumimoji="1" lang="zh-CN" altLang="en-US" smtClean="0"/>
-              <a:t>‹#›</a:t>
             </a:fld>
             <a:endParaRPr kumimoji="1" lang="zh-CN" altLang="en-US"/>
           </a:p>
         </p:txBody>
       </p:sp>
     </p:spTree>
-    <p:extLst>
-      <p:ext uri="{BB962C8B-B14F-4D97-AF65-F5344CB8AC3E}">
-        <p14:creationId xmlns:p14="http://schemas.microsoft.com/office/powerpoint/2010/main" val="3182356939"/>
-      </p:ext>
-    </p:extLst>
   </p:cSld>
   <p:clrMapOvr>
     <a:masterClrMapping/>
@@ -2804,13 +5418,7 @@
       </p:grpSpPr>
       <p:sp>
         <p:nvSpPr>
-          <p:cNvPr id="2" name="标题占位符 1">
-            <a:extLst>
-              <a:ext uri="{FF2B5EF4-FFF2-40B4-BE49-F238E27FC236}">
-                <a16:creationId xmlns:a16="http://schemas.microsoft.com/office/drawing/2014/main" id="{9BAC17E2-051C-A741-8ACF-F2659B9A019C}"/>
-              </a:ext>
-            </a:extLst>
-          </p:cNvPr>
+          <p:cNvPr id="2" name="标题占位符 1"/>
           <p:cNvSpPr>
             <a:spLocks noGrp="1"/>
           </p:cNvSpPr>
@@ -2837,18 +5445,13 @@
               <a:rPr kumimoji="1" lang="zh-CN" altLang="en-US"/>
               <a:t>单击此处编辑母版标题样式</a:t>
             </a:r>
-          </a:p>
-        </p:txBody>
-      </p:sp>
-      <p:sp>
-        <p:nvSpPr>
-          <p:cNvPr id="3" name="文本占位符 2">
-            <a:extLst>
-              <a:ext uri="{FF2B5EF4-FFF2-40B4-BE49-F238E27FC236}">
-                <a16:creationId xmlns:a16="http://schemas.microsoft.com/office/drawing/2014/main" id="{6771A68C-A0E3-E24D-B1A8-9237A500317C}"/>
-              </a:ext>
-            </a:extLst>
-          </p:cNvPr>
+            <a:endParaRPr kumimoji="1" lang="zh-CN" altLang="en-US"/>
+          </a:p>
+        </p:txBody>
+      </p:sp>
+      <p:sp>
+        <p:nvSpPr>
+          <p:cNvPr id="3" name="文本占位符 2"/>
           <p:cNvSpPr>
             <a:spLocks noGrp="1"/>
           </p:cNvSpPr>
@@ -2876,6 +5479,7 @@
               <a:rPr kumimoji="1" lang="zh-CN" altLang="en-US"/>
               <a:t>单击此处编辑母版文本样式</a:t>
             </a:r>
+            <a:endParaRPr kumimoji="1" lang="zh-CN" altLang="en-US"/>
           </a:p>
           <a:p>
             <a:pPr lvl="1"/>
@@ -2883,6 +5487,7 @@
               <a:rPr kumimoji="1" lang="zh-CN" altLang="en-US"/>
               <a:t>二级</a:t>
             </a:r>
+            <a:endParaRPr kumimoji="1" lang="zh-CN" altLang="en-US"/>
           </a:p>
           <a:p>
             <a:pPr lvl="2"/>
@@ -2890,6 +5495,7 @@
               <a:rPr kumimoji="1" lang="zh-CN" altLang="en-US"/>
               <a:t>三级</a:t>
             </a:r>
+            <a:endParaRPr kumimoji="1" lang="zh-CN" altLang="en-US"/>
           </a:p>
           <a:p>
             <a:pPr lvl="3"/>
@@ -2897,6 +5503,7 @@
               <a:rPr kumimoji="1" lang="zh-CN" altLang="en-US"/>
               <a:t>四级</a:t>
             </a:r>
+            <a:endParaRPr kumimoji="1" lang="zh-CN" altLang="en-US"/>
           </a:p>
           <a:p>
             <a:pPr lvl="4"/>
@@ -2904,18 +5511,13 @@
               <a:rPr kumimoji="1" lang="zh-CN" altLang="en-US"/>
               <a:t>五级</a:t>
             </a:r>
-          </a:p>
-        </p:txBody>
-      </p:sp>
-      <p:sp>
-        <p:nvSpPr>
-          <p:cNvPr id="4" name="日期占位符 3">
-            <a:extLst>
-              <a:ext uri="{FF2B5EF4-FFF2-40B4-BE49-F238E27FC236}">
-                <a16:creationId xmlns:a16="http://schemas.microsoft.com/office/drawing/2014/main" id="{D4D1B491-2A30-0548-9803-C7E0478BBC9A}"/>
-              </a:ext>
-            </a:extLst>
-          </p:cNvPr>
+            <a:endParaRPr kumimoji="1" lang="zh-CN" altLang="en-US"/>
+          </a:p>
+        </p:txBody>
+      </p:sp>
+      <p:sp>
+        <p:nvSpPr>
+          <p:cNvPr id="4" name="日期占位符 3"/>
           <p:cNvSpPr>
             <a:spLocks noGrp="1"/>
           </p:cNvSpPr>
@@ -2948,7 +5550,6 @@
           <a:p>
             <a:fld id="{CEACFE95-6B98-F540-A12D-334F116059E1}" type="datetimeFigureOut">
               <a:rPr kumimoji="1" lang="zh-CN" altLang="en-US" smtClean="0"/>
-              <a:t>2021/12/13</a:t>
             </a:fld>
             <a:endParaRPr kumimoji="1" lang="zh-CN" altLang="en-US"/>
           </a:p>
@@ -2956,13 +5557,7 @@
       </p:sp>
       <p:sp>
         <p:nvSpPr>
-          <p:cNvPr id="5" name="页脚占位符 4">
-            <a:extLst>
-              <a:ext uri="{FF2B5EF4-FFF2-40B4-BE49-F238E27FC236}">
-                <a16:creationId xmlns:a16="http://schemas.microsoft.com/office/drawing/2014/main" id="{CFA0B1E9-E95C-FF41-A32C-F5996244268C}"/>
-              </a:ext>
-            </a:extLst>
-          </p:cNvPr>
+          <p:cNvPr id="5" name="页脚占位符 4"/>
           <p:cNvSpPr>
             <a:spLocks noGrp="1"/>
           </p:cNvSpPr>
@@ -2999,13 +5594,7 @@
       </p:sp>
       <p:sp>
         <p:nvSpPr>
-          <p:cNvPr id="6" name="灯片编号占位符 5">
-            <a:extLst>
-              <a:ext uri="{FF2B5EF4-FFF2-40B4-BE49-F238E27FC236}">
-                <a16:creationId xmlns:a16="http://schemas.microsoft.com/office/drawing/2014/main" id="{DFE0A37D-EC65-5E45-AAF4-E4CC4A2513F6}"/>
-              </a:ext>
-            </a:extLst>
-          </p:cNvPr>
+          <p:cNvPr id="6" name="灯片编号占位符 5"/>
           <p:cNvSpPr>
             <a:spLocks noGrp="1"/>
           </p:cNvSpPr>
@@ -3038,18 +5627,12 @@
           <a:p>
             <a:fld id="{CC55A09D-DCDD-CD48-83A9-605BCBE4E252}" type="slidenum">
               <a:rPr kumimoji="1" lang="zh-CN" altLang="en-US" smtClean="0"/>
-              <a:t>‹#›</a:t>
             </a:fld>
             <a:endParaRPr kumimoji="1" lang="zh-CN" altLang="en-US"/>
           </a:p>
         </p:txBody>
       </p:sp>
     </p:spTree>
-    <p:extLst>
-      <p:ext uri="{BB962C8B-B14F-4D97-AF65-F5344CB8AC3E}">
-        <p14:creationId xmlns:p14="http://schemas.microsoft.com/office/powerpoint/2010/main" val="3698131204"/>
-      </p:ext>
-    </p:extLst>
   </p:cSld>
   <p:clrMap bg1="lt1" tx1="dk1" bg2="lt2" tx2="dk2" accent1="accent1" accent2="accent2" accent3="accent3" accent4="accent4" accent5="accent5" accent6="accent6" hlink="hlink" folHlink="folHlink"/>
   <p:sldLayoutIdLst>
@@ -3064,6 +5647,543 @@
     <p:sldLayoutId id="2147483657" r:id="rId9"/>
     <p:sldLayoutId id="2147483658" r:id="rId10"/>
     <p:sldLayoutId id="2147483659" r:id="rId11"/>
+  </p:sldLayoutIdLst>
+  <p:txStyles>
+    <p:titleStyle>
+      <a:lvl1pPr algn="l" defTabSz="914400" rtl="0" eaLnBrk="1" latinLnBrk="0" hangingPunct="1">
+        <a:lnSpc>
+          <a:spcPct val="90000"/>
+        </a:lnSpc>
+        <a:spcBef>
+          <a:spcPct val="0"/>
+        </a:spcBef>
+        <a:buNone/>
+        <a:defRPr sz="4400" kern="1200">
+          <a:solidFill>
+            <a:schemeClr val="tx1"/>
+          </a:solidFill>
+          <a:latin typeface="+mj-lt"/>
+          <a:ea typeface="+mj-ea"/>
+          <a:cs typeface="+mj-cs"/>
+        </a:defRPr>
+      </a:lvl1pPr>
+    </p:titleStyle>
+    <p:bodyStyle>
+      <a:lvl1pPr marL="228600" indent="-228600" algn="l" defTabSz="914400" rtl="0" eaLnBrk="1" latinLnBrk="0" hangingPunct="1">
+        <a:lnSpc>
+          <a:spcPct val="90000"/>
+        </a:lnSpc>
+        <a:spcBef>
+          <a:spcPts val="1000"/>
+        </a:spcBef>
+        <a:buFont typeface="Arial" panose="020B0604020202020204" pitchFamily="34" charset="0"/>
+        <a:buChar char="•"/>
+        <a:defRPr sz="2800" kern="1200">
+          <a:solidFill>
+            <a:schemeClr val="tx1"/>
+          </a:solidFill>
+          <a:latin typeface="+mn-lt"/>
+          <a:ea typeface="+mn-ea"/>
+          <a:cs typeface="+mn-cs"/>
+        </a:defRPr>
+      </a:lvl1pPr>
+      <a:lvl2pPr marL="685800" indent="-228600" algn="l" defTabSz="914400" rtl="0" eaLnBrk="1" latinLnBrk="0" hangingPunct="1">
+        <a:lnSpc>
+          <a:spcPct val="90000"/>
+        </a:lnSpc>
+        <a:spcBef>
+          <a:spcPts val="500"/>
+        </a:spcBef>
+        <a:buFont typeface="Arial" panose="020B0604020202020204" pitchFamily="34" charset="0"/>
+        <a:buChar char="•"/>
+        <a:defRPr sz="2400" kern="1200">
+          <a:solidFill>
+            <a:schemeClr val="tx1"/>
+          </a:solidFill>
+          <a:latin typeface="+mn-lt"/>
+          <a:ea typeface="+mn-ea"/>
+          <a:cs typeface="+mn-cs"/>
+        </a:defRPr>
+      </a:lvl2pPr>
+      <a:lvl3pPr marL="1143000" indent="-228600" algn="l" defTabSz="914400" rtl="0" eaLnBrk="1" latinLnBrk="0" hangingPunct="1">
+        <a:lnSpc>
+          <a:spcPct val="90000"/>
+        </a:lnSpc>
+        <a:spcBef>
+          <a:spcPts val="500"/>
+        </a:spcBef>
+        <a:buFont typeface="Arial" panose="020B0604020202020204" pitchFamily="34" charset="0"/>
+        <a:buChar char="•"/>
+        <a:defRPr sz="2000" kern="1200">
+          <a:solidFill>
+            <a:schemeClr val="tx1"/>
+          </a:solidFill>
+          <a:latin typeface="+mn-lt"/>
+          <a:ea typeface="+mn-ea"/>
+          <a:cs typeface="+mn-cs"/>
+        </a:defRPr>
+      </a:lvl3pPr>
+      <a:lvl4pPr marL="1600200" indent="-228600" algn="l" defTabSz="914400" rtl="0" eaLnBrk="1" latinLnBrk="0" hangingPunct="1">
+        <a:lnSpc>
+          <a:spcPct val="90000"/>
+        </a:lnSpc>
+        <a:spcBef>
+          <a:spcPts val="500"/>
+        </a:spcBef>
+        <a:buFont typeface="Arial" panose="020B0604020202020204" pitchFamily="34" charset="0"/>
+        <a:buChar char="•"/>
+        <a:defRPr sz="1800" kern="1200">
+          <a:solidFill>
+            <a:schemeClr val="tx1"/>
+          </a:solidFill>
+          <a:latin typeface="+mn-lt"/>
+          <a:ea typeface="+mn-ea"/>
+          <a:cs typeface="+mn-cs"/>
+        </a:defRPr>
+      </a:lvl4pPr>
+      <a:lvl5pPr marL="2057400" indent="-228600" algn="l" defTabSz="914400" rtl="0" eaLnBrk="1" latinLnBrk="0" hangingPunct="1">
+        <a:lnSpc>
+          <a:spcPct val="90000"/>
+        </a:lnSpc>
+        <a:spcBef>
+          <a:spcPts val="500"/>
+        </a:spcBef>
+        <a:buFont typeface="Arial" panose="020B0604020202020204" pitchFamily="34" charset="0"/>
+        <a:buChar char="•"/>
+        <a:defRPr sz="1800" kern="1200">
+          <a:solidFill>
+            <a:schemeClr val="tx1"/>
+          </a:solidFill>
+          <a:latin typeface="+mn-lt"/>
+          <a:ea typeface="+mn-ea"/>
+          <a:cs typeface="+mn-cs"/>
+        </a:defRPr>
+      </a:lvl5pPr>
+      <a:lvl6pPr marL="2514600" indent="-228600" algn="l" defTabSz="914400" rtl="0" eaLnBrk="1" latinLnBrk="0" hangingPunct="1">
+        <a:lnSpc>
+          <a:spcPct val="90000"/>
+        </a:lnSpc>
+        <a:spcBef>
+          <a:spcPts val="500"/>
+        </a:spcBef>
+        <a:buFont typeface="Arial" panose="020B0604020202020204" pitchFamily="34" charset="0"/>
+        <a:buChar char="•"/>
+        <a:defRPr sz="1800" kern="1200">
+          <a:solidFill>
+            <a:schemeClr val="tx1"/>
+          </a:solidFill>
+          <a:latin typeface="+mn-lt"/>
+          <a:ea typeface="+mn-ea"/>
+          <a:cs typeface="+mn-cs"/>
+        </a:defRPr>
+      </a:lvl6pPr>
+      <a:lvl7pPr marL="2971800" indent="-228600" algn="l" defTabSz="914400" rtl="0" eaLnBrk="1" latinLnBrk="0" hangingPunct="1">
+        <a:lnSpc>
+          <a:spcPct val="90000"/>
+        </a:lnSpc>
+        <a:spcBef>
+          <a:spcPts val="500"/>
+        </a:spcBef>
+        <a:buFont typeface="Arial" panose="020B0604020202020204" pitchFamily="34" charset="0"/>
+        <a:buChar char="•"/>
+        <a:defRPr sz="1800" kern="1200">
+          <a:solidFill>
+            <a:schemeClr val="tx1"/>
+          </a:solidFill>
+          <a:latin typeface="+mn-lt"/>
+          <a:ea typeface="+mn-ea"/>
+          <a:cs typeface="+mn-cs"/>
+        </a:defRPr>
+      </a:lvl7pPr>
+      <a:lvl8pPr marL="3429000" indent="-228600" algn="l" defTabSz="914400" rtl="0" eaLnBrk="1" latinLnBrk="0" hangingPunct="1">
+        <a:lnSpc>
+          <a:spcPct val="90000"/>
+        </a:lnSpc>
+        <a:spcBef>
+          <a:spcPts val="500"/>
+        </a:spcBef>
+        <a:buFont typeface="Arial" panose="020B0604020202020204" pitchFamily="34" charset="0"/>
+        <a:buChar char="•"/>
+        <a:defRPr sz="1800" kern="1200">
+          <a:solidFill>
+            <a:schemeClr val="tx1"/>
+          </a:solidFill>
+          <a:latin typeface="+mn-lt"/>
+          <a:ea typeface="+mn-ea"/>
+          <a:cs typeface="+mn-cs"/>
+        </a:defRPr>
+      </a:lvl8pPr>
+      <a:lvl9pPr marL="3886200" indent="-228600" algn="l" defTabSz="914400" rtl="0" eaLnBrk="1" latinLnBrk="0" hangingPunct="1">
+        <a:lnSpc>
+          <a:spcPct val="90000"/>
+        </a:lnSpc>
+        <a:spcBef>
+          <a:spcPts val="500"/>
+        </a:spcBef>
+        <a:buFont typeface="Arial" panose="020B0604020202020204" pitchFamily="34" charset="0"/>
+        <a:buChar char="•"/>
+        <a:defRPr sz="1800" kern="1200">
+          <a:solidFill>
+            <a:schemeClr val="tx1"/>
+          </a:solidFill>
+          <a:latin typeface="+mn-lt"/>
+          <a:ea typeface="+mn-ea"/>
+          <a:cs typeface="+mn-cs"/>
+        </a:defRPr>
+      </a:lvl9pPr>
+    </p:bodyStyle>
+    <p:otherStyle>
+      <a:defPPr>
+        <a:defRPr lang="zh-CN"/>
+      </a:defPPr>
+      <a:lvl1pPr marL="0" algn="l" defTabSz="914400" rtl="0" eaLnBrk="1" latinLnBrk="0" hangingPunct="1">
+        <a:defRPr sz="1800" kern="1200">
+          <a:solidFill>
+            <a:schemeClr val="tx1"/>
+          </a:solidFill>
+          <a:latin typeface="+mn-lt"/>
+          <a:ea typeface="+mn-ea"/>
+          <a:cs typeface="+mn-cs"/>
+        </a:defRPr>
+      </a:lvl1pPr>
+      <a:lvl2pPr marL="457200" algn="l" defTabSz="914400" rtl="0" eaLnBrk="1" latinLnBrk="0" hangingPunct="1">
+        <a:defRPr sz="1800" kern="1200">
+          <a:solidFill>
+            <a:schemeClr val="tx1"/>
+          </a:solidFill>
+          <a:latin typeface="+mn-lt"/>
+          <a:ea typeface="+mn-ea"/>
+          <a:cs typeface="+mn-cs"/>
+        </a:defRPr>
+      </a:lvl2pPr>
+      <a:lvl3pPr marL="914400" algn="l" defTabSz="914400" rtl="0" eaLnBrk="1" latinLnBrk="0" hangingPunct="1">
+        <a:defRPr sz="1800" kern="1200">
+          <a:solidFill>
+            <a:schemeClr val="tx1"/>
+          </a:solidFill>
+          <a:latin typeface="+mn-lt"/>
+          <a:ea typeface="+mn-ea"/>
+          <a:cs typeface="+mn-cs"/>
+        </a:defRPr>
+      </a:lvl3pPr>
+      <a:lvl4pPr marL="1371600" algn="l" defTabSz="914400" rtl="0" eaLnBrk="1" latinLnBrk="0" hangingPunct="1">
+        <a:defRPr sz="1800" kern="1200">
+          <a:solidFill>
+            <a:schemeClr val="tx1"/>
+          </a:solidFill>
+          <a:latin typeface="+mn-lt"/>
+          <a:ea typeface="+mn-ea"/>
+          <a:cs typeface="+mn-cs"/>
+        </a:defRPr>
+      </a:lvl4pPr>
+      <a:lvl5pPr marL="1828800" algn="l" defTabSz="914400" rtl="0" eaLnBrk="1" latinLnBrk="0" hangingPunct="1">
+        <a:defRPr sz="1800" kern="1200">
+          <a:solidFill>
+            <a:schemeClr val="tx1"/>
+          </a:solidFill>
+          <a:latin typeface="+mn-lt"/>
+          <a:ea typeface="+mn-ea"/>
+          <a:cs typeface="+mn-cs"/>
+        </a:defRPr>
+      </a:lvl5pPr>
+      <a:lvl6pPr marL="2286000" algn="l" defTabSz="914400" rtl="0" eaLnBrk="1" latinLnBrk="0" hangingPunct="1">
+        <a:defRPr sz="1800" kern="1200">
+          <a:solidFill>
+            <a:schemeClr val="tx1"/>
+          </a:solidFill>
+          <a:latin typeface="+mn-lt"/>
+          <a:ea typeface="+mn-ea"/>
+          <a:cs typeface="+mn-cs"/>
+        </a:defRPr>
+      </a:lvl6pPr>
+      <a:lvl7pPr marL="2743200" algn="l" defTabSz="914400" rtl="0" eaLnBrk="1" latinLnBrk="0" hangingPunct="1">
+        <a:defRPr sz="1800" kern="1200">
+          <a:solidFill>
+            <a:schemeClr val="tx1"/>
+          </a:solidFill>
+          <a:latin typeface="+mn-lt"/>
+          <a:ea typeface="+mn-ea"/>
+          <a:cs typeface="+mn-cs"/>
+        </a:defRPr>
+      </a:lvl7pPr>
+      <a:lvl8pPr marL="3200400" algn="l" defTabSz="914400" rtl="0" eaLnBrk="1" latinLnBrk="0" hangingPunct="1">
+        <a:defRPr sz="1800" kern="1200">
+          <a:solidFill>
+            <a:schemeClr val="tx1"/>
+          </a:solidFill>
+          <a:latin typeface="+mn-lt"/>
+          <a:ea typeface="+mn-ea"/>
+          <a:cs typeface="+mn-cs"/>
+        </a:defRPr>
+      </a:lvl8pPr>
+      <a:lvl9pPr marL="3657600" algn="l" defTabSz="914400" rtl="0" eaLnBrk="1" latinLnBrk="0" hangingPunct="1">
+        <a:defRPr sz="1800" kern="1200">
+          <a:solidFill>
+            <a:schemeClr val="tx1"/>
+          </a:solidFill>
+          <a:latin typeface="+mn-lt"/>
+          <a:ea typeface="+mn-ea"/>
+          <a:cs typeface="+mn-cs"/>
+        </a:defRPr>
+      </a:lvl9pPr>
+    </p:otherStyle>
+  </p:txStyles>
+</p:sldMaster>
+</file>
+
+<file path=ppt/slideMasters/slideMaster2.xml><?xml version="1.0" encoding="utf-8"?>
+<p:sldMaster xmlns:a="http://schemas.openxmlformats.org/drawingml/2006/main" xmlns:r="http://schemas.openxmlformats.org/officeDocument/2006/relationships" xmlns:p="http://schemas.openxmlformats.org/presentationml/2006/main">
+  <p:cSld>
+    <p:bg>
+      <p:bgRef idx="1001">
+        <a:schemeClr val="bg1"/>
+      </p:bgRef>
+    </p:bg>
+    <p:spTree>
+      <p:nvGrpSpPr>
+        <p:cNvPr id="1" name=""/>
+        <p:cNvGrpSpPr/>
+        <p:nvPr/>
+      </p:nvGrpSpPr>
+      <p:grpSpPr>
+        <a:xfrm>
+          <a:off x="0" y="0"/>
+          <a:ext cx="0" cy="0"/>
+          <a:chOff x="0" y="0"/>
+          <a:chExt cx="0" cy="0"/>
+        </a:xfrm>
+      </p:grpSpPr>
+      <p:sp>
+        <p:nvSpPr>
+          <p:cNvPr id="2" name="标题占位符 1"/>
+          <p:cNvSpPr>
+            <a:spLocks noGrp="1"/>
+          </p:cNvSpPr>
+          <p:nvPr>
+            <p:ph type="title"/>
+          </p:nvPr>
+        </p:nvSpPr>
+        <p:spPr>
+          <a:xfrm>
+            <a:off x="838200" y="365125"/>
+            <a:ext cx="10515600" cy="1325563"/>
+          </a:xfrm>
+          <a:prstGeom prst="rect">
+            <a:avLst/>
+          </a:prstGeom>
+        </p:spPr>
+        <p:txBody>
+          <a:bodyPr vert="horz" lIns="91440" tIns="45720" rIns="91440" bIns="45720" rtlCol="0" anchor="ctr">
+            <a:normAutofit/>
+          </a:bodyPr>
+          <a:lstStyle/>
+          <a:p>
+            <a:r>
+              <a:rPr kumimoji="1" lang="zh-CN" altLang="en-US"/>
+              <a:t>单击此处编辑母版标题样式</a:t>
+            </a:r>
+            <a:endParaRPr kumimoji="1" lang="zh-CN" altLang="en-US"/>
+          </a:p>
+        </p:txBody>
+      </p:sp>
+      <p:sp>
+        <p:nvSpPr>
+          <p:cNvPr id="3" name="文本占位符 2"/>
+          <p:cNvSpPr>
+            <a:spLocks noGrp="1"/>
+          </p:cNvSpPr>
+          <p:nvPr>
+            <p:ph type="body" idx="1"/>
+          </p:nvPr>
+        </p:nvSpPr>
+        <p:spPr>
+          <a:xfrm>
+            <a:off x="838200" y="1825625"/>
+            <a:ext cx="10515600" cy="4351338"/>
+          </a:xfrm>
+          <a:prstGeom prst="rect">
+            <a:avLst/>
+          </a:prstGeom>
+        </p:spPr>
+        <p:txBody>
+          <a:bodyPr vert="horz" lIns="91440" tIns="45720" rIns="91440" bIns="45720" rtlCol="0">
+            <a:normAutofit/>
+          </a:bodyPr>
+          <a:lstStyle/>
+          <a:p>
+            <a:pPr lvl="0"/>
+            <a:r>
+              <a:rPr kumimoji="1" lang="zh-CN" altLang="en-US"/>
+              <a:t>单击此处编辑母版文本样式</a:t>
+            </a:r>
+            <a:endParaRPr kumimoji="1" lang="zh-CN" altLang="en-US"/>
+          </a:p>
+          <a:p>
+            <a:pPr lvl="1"/>
+            <a:r>
+              <a:rPr kumimoji="1" lang="zh-CN" altLang="en-US"/>
+              <a:t>二级</a:t>
+            </a:r>
+            <a:endParaRPr kumimoji="1" lang="zh-CN" altLang="en-US"/>
+          </a:p>
+          <a:p>
+            <a:pPr lvl="2"/>
+            <a:r>
+              <a:rPr kumimoji="1" lang="zh-CN" altLang="en-US"/>
+              <a:t>三级</a:t>
+            </a:r>
+            <a:endParaRPr kumimoji="1" lang="zh-CN" altLang="en-US"/>
+          </a:p>
+          <a:p>
+            <a:pPr lvl="3"/>
+            <a:r>
+              <a:rPr kumimoji="1" lang="zh-CN" altLang="en-US"/>
+              <a:t>四级</a:t>
+            </a:r>
+            <a:endParaRPr kumimoji="1" lang="zh-CN" altLang="en-US"/>
+          </a:p>
+          <a:p>
+            <a:pPr lvl="4"/>
+            <a:r>
+              <a:rPr kumimoji="1" lang="zh-CN" altLang="en-US"/>
+              <a:t>五级</a:t>
+            </a:r>
+            <a:endParaRPr kumimoji="1" lang="zh-CN" altLang="en-US"/>
+          </a:p>
+        </p:txBody>
+      </p:sp>
+      <p:sp>
+        <p:nvSpPr>
+          <p:cNvPr id="4" name="日期占位符 3"/>
+          <p:cNvSpPr>
+            <a:spLocks noGrp="1"/>
+          </p:cNvSpPr>
+          <p:nvPr>
+            <p:ph type="dt" sz="half" idx="2"/>
+          </p:nvPr>
+        </p:nvSpPr>
+        <p:spPr>
+          <a:xfrm>
+            <a:off x="838200" y="6356350"/>
+            <a:ext cx="2743200" cy="365125"/>
+          </a:xfrm>
+          <a:prstGeom prst="rect">
+            <a:avLst/>
+          </a:prstGeom>
+        </p:spPr>
+        <p:txBody>
+          <a:bodyPr vert="horz" lIns="91440" tIns="45720" rIns="91440" bIns="45720" rtlCol="0" anchor="ctr"/>
+          <a:lstStyle>
+            <a:lvl1pPr algn="l">
+              <a:defRPr sz="1200">
+                <a:solidFill>
+                  <a:schemeClr val="tx1">
+                    <a:tint val="75000"/>
+                  </a:schemeClr>
+                </a:solidFill>
+              </a:defRPr>
+            </a:lvl1pPr>
+          </a:lstStyle>
+          <a:p>
+            <a:fld id="{CEACFE95-6B98-F540-A12D-334F116059E1}" type="datetimeFigureOut">
+              <a:rPr kumimoji="1" lang="zh-CN" altLang="en-US" smtClean="0"/>
+            </a:fld>
+            <a:endParaRPr kumimoji="1" lang="zh-CN" altLang="en-US"/>
+          </a:p>
+        </p:txBody>
+      </p:sp>
+      <p:sp>
+        <p:nvSpPr>
+          <p:cNvPr id="5" name="页脚占位符 4"/>
+          <p:cNvSpPr>
+            <a:spLocks noGrp="1"/>
+          </p:cNvSpPr>
+          <p:nvPr>
+            <p:ph type="ftr" sz="quarter" idx="3"/>
+          </p:nvPr>
+        </p:nvSpPr>
+        <p:spPr>
+          <a:xfrm>
+            <a:off x="4038600" y="6356350"/>
+            <a:ext cx="4114800" cy="365125"/>
+          </a:xfrm>
+          <a:prstGeom prst="rect">
+            <a:avLst/>
+          </a:prstGeom>
+        </p:spPr>
+        <p:txBody>
+          <a:bodyPr vert="horz" lIns="91440" tIns="45720" rIns="91440" bIns="45720" rtlCol="0" anchor="ctr"/>
+          <a:lstStyle>
+            <a:lvl1pPr algn="ctr">
+              <a:defRPr sz="1200">
+                <a:solidFill>
+                  <a:schemeClr val="tx1">
+                    <a:tint val="75000"/>
+                  </a:schemeClr>
+                </a:solidFill>
+              </a:defRPr>
+            </a:lvl1pPr>
+          </a:lstStyle>
+          <a:p>
+            <a:endParaRPr kumimoji="1" lang="zh-CN" altLang="en-US"/>
+          </a:p>
+        </p:txBody>
+      </p:sp>
+      <p:sp>
+        <p:nvSpPr>
+          <p:cNvPr id="6" name="灯片编号占位符 5"/>
+          <p:cNvSpPr>
+            <a:spLocks noGrp="1"/>
+          </p:cNvSpPr>
+          <p:nvPr>
+            <p:ph type="sldNum" sz="quarter" idx="4"/>
+          </p:nvPr>
+        </p:nvSpPr>
+        <p:spPr>
+          <a:xfrm>
+            <a:off x="8610600" y="6356350"/>
+            <a:ext cx="2743200" cy="365125"/>
+          </a:xfrm>
+          <a:prstGeom prst="rect">
+            <a:avLst/>
+          </a:prstGeom>
+        </p:spPr>
+        <p:txBody>
+          <a:bodyPr vert="horz" lIns="91440" tIns="45720" rIns="91440" bIns="45720" rtlCol="0" anchor="ctr"/>
+          <a:lstStyle>
+            <a:lvl1pPr algn="r">
+              <a:defRPr sz="1200">
+                <a:solidFill>
+                  <a:schemeClr val="tx1">
+                    <a:tint val="75000"/>
+                  </a:schemeClr>
+                </a:solidFill>
+              </a:defRPr>
+            </a:lvl1pPr>
+          </a:lstStyle>
+          <a:p>
+            <a:fld id="{CC55A09D-DCDD-CD48-83A9-605BCBE4E252}" type="slidenum">
+              <a:rPr kumimoji="1" lang="zh-CN" altLang="en-US" smtClean="0"/>
+            </a:fld>
+            <a:endParaRPr kumimoji="1" lang="zh-CN" altLang="en-US"/>
+          </a:p>
+        </p:txBody>
+      </p:sp>
+    </p:spTree>
+  </p:cSld>
+  <p:clrMap bg1="lt1" tx1="dk1" bg2="lt2" tx2="dk2" accent1="accent1" accent2="accent2" accent3="accent3" accent4="accent4" accent5="accent5" accent6="accent6" hlink="hlink" folHlink="folHlink"/>
+  <p:sldLayoutIdLst>
+    <p:sldLayoutId id="2147483661" r:id="rId1"/>
+    <p:sldLayoutId id="2147483662" r:id="rId2"/>
+    <p:sldLayoutId id="2147483663" r:id="rId3"/>
+    <p:sldLayoutId id="2147483664" r:id="rId4"/>
+    <p:sldLayoutId id="2147483665" r:id="rId5"/>
+    <p:sldLayoutId id="2147483666" r:id="rId6"/>
+    <p:sldLayoutId id="2147483667" r:id="rId7"/>
+    <p:sldLayoutId id="2147483668" r:id="rId8"/>
+    <p:sldLayoutId id="2147483669" r:id="rId9"/>
+    <p:sldLayoutId id="2147483670" r:id="rId10"/>
+    <p:sldLayoutId id="2147483671" r:id="rId11"/>
   </p:sldLayoutIdLst>
   <p:txStyles>
     <p:titleStyle>
@@ -3367,20 +6487,14 @@
       </p:grpSpPr>
       <p:pic>
         <p:nvPicPr>
-          <p:cNvPr id="5" name="图片 4">
-            <a:extLst>
-              <a:ext uri="{FF2B5EF4-FFF2-40B4-BE49-F238E27FC236}">
-                <a16:creationId xmlns:a16="http://schemas.microsoft.com/office/drawing/2014/main" id="{982CFE4F-2CF8-CA4F-A8F2-A062E58C7376}"/>
-              </a:ext>
-            </a:extLst>
-          </p:cNvPr>
+          <p:cNvPr id="5" name="图片 4"/>
           <p:cNvPicPr>
             <a:picLocks noChangeAspect="1"/>
           </p:cNvPicPr>
           <p:nvPr/>
         </p:nvPicPr>
         <p:blipFill>
-          <a:blip r:embed="rId2"/>
+          <a:blip r:embed="rId1"/>
           <a:stretch>
             <a:fillRect/>
           </a:stretch>
@@ -3397,13 +6511,7 @@
       </p:pic>
       <p:sp>
         <p:nvSpPr>
-          <p:cNvPr id="4" name="文本框 3">
-            <a:extLst>
-              <a:ext uri="{FF2B5EF4-FFF2-40B4-BE49-F238E27FC236}">
-                <a16:creationId xmlns:a16="http://schemas.microsoft.com/office/drawing/2014/main" id="{E9623502-6045-0F4A-876A-A9DF1359F3C0}"/>
-              </a:ext>
-            </a:extLst>
-          </p:cNvPr>
+          <p:cNvPr id="4" name="文本框 3"/>
           <p:cNvSpPr txBox="1"/>
           <p:nvPr/>
         </p:nvSpPr>
@@ -3431,15 +6539,11 @@
               <a:rPr kumimoji="1" lang="zh-CN" altLang="en-US" dirty="0"/>
               <a:t>  何峙</a:t>
             </a:r>
+            <a:endParaRPr kumimoji="1" lang="zh-CN" altLang="en-US" dirty="0"/>
           </a:p>
         </p:txBody>
       </p:sp>
     </p:spTree>
-    <p:extLst>
-      <p:ext uri="{BB962C8B-B14F-4D97-AF65-F5344CB8AC3E}">
-        <p14:creationId xmlns:p14="http://schemas.microsoft.com/office/powerpoint/2010/main" val="4008642100"/>
-      </p:ext>
-    </p:extLst>
   </p:cSld>
   <p:clrMapOvr>
     <a:masterClrMapping/>
@@ -3466,13 +6570,7 @@
       </p:grpSpPr>
       <p:sp>
         <p:nvSpPr>
-          <p:cNvPr id="2" name="标题 1">
-            <a:extLst>
-              <a:ext uri="{FF2B5EF4-FFF2-40B4-BE49-F238E27FC236}">
-                <a16:creationId xmlns:a16="http://schemas.microsoft.com/office/drawing/2014/main" id="{DC05C88B-7B95-684A-8FE7-05FA708D2A42}"/>
-              </a:ext>
-            </a:extLst>
-          </p:cNvPr>
+          <p:cNvPr id="2" name="标题 1"/>
           <p:cNvSpPr>
             <a:spLocks noGrp="1"/>
           </p:cNvSpPr>
@@ -3489,18 +6587,13 @@
               <a:rPr kumimoji="1" lang="zh-CN" altLang="en-US" dirty="0"/>
               <a:t>研究结论</a:t>
             </a:r>
-          </a:p>
-        </p:txBody>
-      </p:sp>
-      <p:sp>
-        <p:nvSpPr>
-          <p:cNvPr id="3" name="文本框 2">
-            <a:extLst>
-              <a:ext uri="{FF2B5EF4-FFF2-40B4-BE49-F238E27FC236}">
-                <a16:creationId xmlns:a16="http://schemas.microsoft.com/office/drawing/2014/main" id="{C2A1FC20-E447-0E40-BDA5-E3EA72BA2C02}"/>
-              </a:ext>
-            </a:extLst>
-          </p:cNvPr>
+            <a:endParaRPr kumimoji="1" lang="zh-CN" altLang="en-US" dirty="0"/>
+          </a:p>
+        </p:txBody>
+      </p:sp>
+      <p:sp>
+        <p:nvSpPr>
+          <p:cNvPr id="3" name="文本框 2"/>
           <p:cNvSpPr txBox="1"/>
           <p:nvPr/>
         </p:nvSpPr>
@@ -3524,18 +6617,13 @@
               <a:rPr kumimoji="1" lang="zh-CN" altLang="en-US" sz="2800" dirty="0"/>
               <a:t>不足</a:t>
             </a:r>
-          </a:p>
-        </p:txBody>
-      </p:sp>
-      <p:sp>
-        <p:nvSpPr>
-          <p:cNvPr id="6" name="文本框 5">
-            <a:extLst>
-              <a:ext uri="{FF2B5EF4-FFF2-40B4-BE49-F238E27FC236}">
-                <a16:creationId xmlns:a16="http://schemas.microsoft.com/office/drawing/2014/main" id="{08CDF7B8-3C58-644A-B1DB-5517F9FE4A5D}"/>
-              </a:ext>
-            </a:extLst>
-          </p:cNvPr>
+            <a:endParaRPr kumimoji="1" lang="zh-CN" altLang="en-US" sz="2800" dirty="0"/>
+          </a:p>
+        </p:txBody>
+      </p:sp>
+      <p:sp>
+        <p:nvSpPr>
+          <p:cNvPr id="6" name="文本框 5"/>
           <p:cNvSpPr txBox="1"/>
           <p:nvPr/>
         </p:nvSpPr>
@@ -3564,7 +6652,7 @@
               <a:t>只能处理</a:t>
             </a:r>
             <a:r>
-              <a:rPr lang="en" altLang="zh-CN" dirty="0"/>
+              <a:rPr lang="en-GB" altLang="zh-CN" dirty="0"/>
               <a:t>C/C++</a:t>
             </a:r>
             <a:r>
@@ -3587,7 +6675,7 @@
               <a:t>/</a:t>
             </a:r>
             <a:r>
-              <a:rPr lang="en" altLang="zh-CN" dirty="0"/>
+              <a:rPr lang="en-GB" altLang="zh-CN" dirty="0"/>
               <a:t>API</a:t>
             </a:r>
             <a:r>
@@ -3595,9 +6683,10 @@
               <a:t>调用的</a:t>
             </a:r>
             <a:r>
-              <a:rPr lang="en" altLang="zh-CN" dirty="0"/>
+              <a:rPr lang="en-GB" altLang="zh-CN" dirty="0"/>
               <a:t>Bug</a:t>
             </a:r>
+            <a:endParaRPr lang="en-GB" altLang="zh-CN" dirty="0"/>
           </a:p>
           <a:p>
             <a:pPr marL="285750" indent="-285750">
@@ -3608,6 +6697,7 @@
               <a:rPr lang="zh-CN" altLang="en-US" dirty="0"/>
               <a:t>暂时只能基于数据流分析，而不能基于控制流</a:t>
             </a:r>
+            <a:endParaRPr lang="zh-CN" altLang="en-US" dirty="0"/>
           </a:p>
           <a:p>
             <a:pPr marL="285750" indent="-285750">
@@ -3619,7 +6709,7 @@
               <a:t>将可变长的</a:t>
             </a:r>
             <a:r>
-              <a:rPr lang="en" altLang="zh-CN" dirty="0"/>
+              <a:rPr lang="en-GB" altLang="zh-CN" dirty="0"/>
               <a:t>code gadget</a:t>
             </a:r>
             <a:r>
@@ -3638,10 +6728,10 @@
               <a:t>只能使用</a:t>
             </a:r>
             <a:r>
-              <a:rPr lang="en" altLang="zh-CN" dirty="0" err="1"/>
+              <a:rPr lang="en-GB" altLang="zh-CN" dirty="0" err="1"/>
               <a:t>BiLSTM</a:t>
             </a:r>
-            <a:endParaRPr lang="en" altLang="zh-CN" dirty="0"/>
+            <a:endParaRPr lang="en-GB" altLang="zh-CN" dirty="0"/>
           </a:p>
           <a:p>
             <a:pPr marL="285750" indent="-285750">
@@ -3653,9 +6743,10 @@
               <a:t>使用的数据集只包含缓存错误和资源管理错误两类</a:t>
             </a:r>
             <a:r>
-              <a:rPr lang="en" altLang="zh-CN" dirty="0"/>
+              <a:rPr lang="en-GB" altLang="zh-CN" dirty="0"/>
               <a:t>Bug</a:t>
             </a:r>
+            <a:endParaRPr lang="en-GB" altLang="zh-CN" dirty="0"/>
           </a:p>
           <a:p>
             <a:pPr marL="285750" indent="-285750">
@@ -3665,7 +6756,7 @@
             <a:r>
               <a:rPr lang="zh-CN" altLang="en-US" dirty="0">
                 <a:solidFill>
-                  <a:srgbClr val="FF0000"/>
+                  <a:schemeClr val="accent2"/>
                 </a:solidFill>
               </a:rPr>
               <a:t>实验中只区分了有</a:t>
@@ -3673,7 +6764,7 @@
             <a:r>
               <a:rPr lang="en-US" altLang="zh-CN" dirty="0">
                 <a:solidFill>
-                  <a:srgbClr val="FF0000"/>
+                  <a:schemeClr val="accent2"/>
                 </a:solidFill>
               </a:rPr>
               <a:t>/</a:t>
@@ -3681,14 +6772,14 @@
             <a:r>
               <a:rPr lang="zh-CN" altLang="en-US" dirty="0">
                 <a:solidFill>
-                  <a:srgbClr val="FF0000"/>
+                  <a:schemeClr val="accent2"/>
                 </a:solidFill>
               </a:rPr>
               <a:t>无漏洞（二分类问题），没进一步对多分类方面给出验证；</a:t>
             </a:r>
             <a:endParaRPr lang="en-US" altLang="zh-CN" dirty="0">
               <a:solidFill>
-                <a:srgbClr val="FF0000"/>
+                <a:schemeClr val="accent2"/>
               </a:solidFill>
             </a:endParaRPr>
           </a:p>
@@ -3700,23 +6791,23 @@
             <a:r>
               <a:rPr lang="zh-CN" altLang="en-US" dirty="0">
                 <a:solidFill>
-                  <a:srgbClr val="FF0000"/>
+                  <a:schemeClr val="accent2"/>
                 </a:solidFill>
               </a:rPr>
               <a:t>只发现代码段是有</a:t>
             </a:r>
             <a:r>
-              <a:rPr lang="en" altLang="zh-CN" dirty="0">
+              <a:rPr lang="en-GB" altLang="zh-CN" dirty="0">
                 <a:solidFill>
-                  <a:srgbClr val="FF0000"/>
+                  <a:schemeClr val="accent2"/>
                 </a:solidFill>
               </a:rPr>
               <a:t>Bug</a:t>
             </a:r>
             <a:r>
-              <a:rPr lang="zh-CN" altLang="en" dirty="0">
+              <a:rPr lang="zh-CN" altLang="en-GB" dirty="0">
                 <a:solidFill>
-                  <a:srgbClr val="FF0000"/>
+                  <a:schemeClr val="accent2"/>
                 </a:solidFill>
               </a:rPr>
               <a:t>，</a:t>
@@ -3724,15 +6815,15 @@
             <a:r>
               <a:rPr lang="zh-CN" altLang="en-US" dirty="0">
                 <a:solidFill>
-                  <a:srgbClr val="FF0000"/>
+                  <a:schemeClr val="accent2"/>
                 </a:solidFill>
               </a:rPr>
               <a:t>但不能定位到</a:t>
             </a:r>
             <a:r>
-              <a:rPr lang="en" altLang="zh-CN" dirty="0">
+              <a:rPr lang="en-GB" altLang="zh-CN" dirty="0">
                 <a:solidFill>
-                  <a:srgbClr val="FF0000"/>
+                  <a:schemeClr val="accent2"/>
                 </a:solidFill>
               </a:rPr>
               <a:t>Bug</a:t>
@@ -3740,11 +6831,16 @@
             <a:r>
               <a:rPr lang="zh-CN" altLang="en-US" dirty="0">
                 <a:solidFill>
-                  <a:srgbClr val="FF0000"/>
+                  <a:schemeClr val="accent2"/>
                 </a:solidFill>
               </a:rPr>
               <a:t>发生的具体位置，如代码行。</a:t>
             </a:r>
+            <a:endParaRPr lang="zh-CN" altLang="en-US" dirty="0">
+              <a:solidFill>
+                <a:schemeClr val="accent2"/>
+              </a:solidFill>
+            </a:endParaRPr>
           </a:p>
           <a:p>
             <a:br>
@@ -3758,11 +6854,6 @@
         </p:txBody>
       </p:sp>
     </p:spTree>
-    <p:extLst>
-      <p:ext uri="{BB962C8B-B14F-4D97-AF65-F5344CB8AC3E}">
-        <p14:creationId xmlns:p14="http://schemas.microsoft.com/office/powerpoint/2010/main" val="1076787584"/>
-      </p:ext>
-    </p:extLst>
   </p:cSld>
   <p:clrMapOvr>
     <a:masterClrMapping/>
@@ -3789,20 +6880,14 @@
       </p:grpSpPr>
       <p:pic>
         <p:nvPicPr>
-          <p:cNvPr id="5" name="图片 4">
-            <a:extLst>
-              <a:ext uri="{FF2B5EF4-FFF2-40B4-BE49-F238E27FC236}">
-                <a16:creationId xmlns:a16="http://schemas.microsoft.com/office/drawing/2014/main" id="{DDA36287-A97A-9A40-9461-172C4504C3CD}"/>
-              </a:ext>
-            </a:extLst>
-          </p:cNvPr>
+          <p:cNvPr id="5" name="图片 4"/>
           <p:cNvPicPr>
             <a:picLocks noChangeAspect="1"/>
           </p:cNvPicPr>
           <p:nvPr/>
         </p:nvPicPr>
         <p:blipFill>
-          <a:blip r:embed="rId2"/>
+          <a:blip r:embed="rId1"/>
           <a:stretch>
             <a:fillRect/>
           </a:stretch>
@@ -3817,63 +6902,52 @@
           </a:prstGeom>
         </p:spPr>
       </p:pic>
-      <mc:AlternateContent xmlns:mc="http://schemas.openxmlformats.org/markup-compatibility/2006">
-        <mc:Choice xmlns:p14="http://schemas.microsoft.com/office/powerpoint/2010/main" Requires="p14">
-          <p:contentPart p14:bwMode="auto" r:id="rId3">
-            <p14:nvContentPartPr>
-              <p14:cNvPr id="7" name="墨迹 6">
-                <a:extLst>
-                  <a:ext uri="{FF2B5EF4-FFF2-40B4-BE49-F238E27FC236}">
-                    <a16:creationId xmlns:a16="http://schemas.microsoft.com/office/drawing/2014/main" id="{0C9A9409-D09C-E749-9186-E9010AC2B6DC}"/>
-                  </a:ext>
-                </a:extLst>
-              </p14:cNvPr>
-              <p14:cNvContentPartPr/>
-              <p14:nvPr/>
-            </p14:nvContentPartPr>
-            <p14:xfrm>
-              <a:off x="4462147" y="4003803"/>
-              <a:ext cx="3939480" cy="50040"/>
-            </p14:xfrm>
-          </p:contentPart>
-        </mc:Choice>
-        <mc:Fallback>
-          <p:pic>
-            <p:nvPicPr>
-              <p:cNvPr id="7" name="墨迹 6">
-                <a:extLst>
-                  <a:ext uri="{FF2B5EF4-FFF2-40B4-BE49-F238E27FC236}">
-                    <a16:creationId xmlns:a16="http://schemas.microsoft.com/office/drawing/2014/main" id="{0C9A9409-D09C-E749-9186-E9010AC2B6DC}"/>
-                  </a:ext>
-                </a:extLst>
-              </p:cNvPr>
-              <p:cNvPicPr/>
-              <p:nvPr/>
-            </p:nvPicPr>
-            <p:blipFill>
-              <a:blip r:embed="rId4"/>
-              <a:stretch>
-                <a:fillRect/>
-              </a:stretch>
-            </p:blipFill>
-            <p:spPr>
-              <a:xfrm>
-                <a:off x="4453147" y="3995163"/>
-                <a:ext cx="3957120" cy="67680"/>
-              </a:xfrm>
-              <a:prstGeom prst="rect">
-                <a:avLst/>
-              </a:prstGeom>
-            </p:spPr>
-          </p:pic>
-        </mc:Fallback>
-      </mc:AlternateContent>
+      <p:sp>
+        <p:nvSpPr>
+          <p:cNvPr id="2" name="圆角矩形 1"/>
+          <p:cNvSpPr/>
+          <p:nvPr/>
+        </p:nvSpPr>
+        <p:spPr>
+          <a:xfrm>
+            <a:off x="4399915" y="3888105"/>
+            <a:ext cx="4070985" cy="147320"/>
+          </a:xfrm>
+          <a:prstGeom prst="roundRect">
+            <a:avLst/>
+          </a:prstGeom>
+          <a:noFill/>
+          <a:ln>
+            <a:solidFill>
+              <a:schemeClr val="accent2"/>
+            </a:solidFill>
+          </a:ln>
+        </p:spPr>
+        <p:style>
+          <a:lnRef idx="2">
+            <a:schemeClr val="accent1">
+              <a:shade val="50000"/>
+            </a:schemeClr>
+          </a:lnRef>
+          <a:fillRef idx="1">
+            <a:schemeClr val="accent1"/>
+          </a:fillRef>
+          <a:effectRef idx="0">
+            <a:schemeClr val="accent1"/>
+          </a:effectRef>
+          <a:fontRef idx="minor">
+            <a:schemeClr val="lt1"/>
+          </a:fontRef>
+        </p:style>
+        <p:txBody>
+          <a:bodyPr rtlCol="0" anchor="ctr"/>
+          <a:p>
+            <a:pPr algn="ctr"/>
+            <a:endParaRPr lang="zh-CN" altLang="en-US"/>
+          </a:p>
+        </p:txBody>
+      </p:sp>
     </p:spTree>
-    <p:extLst>
-      <p:ext uri="{BB962C8B-B14F-4D97-AF65-F5344CB8AC3E}">
-        <p14:creationId xmlns:p14="http://schemas.microsoft.com/office/powerpoint/2010/main" val="2450177262"/>
-      </p:ext>
-    </p:extLst>
   </p:cSld>
   <p:clrMapOvr>
     <a:masterClrMapping/>
@@ -3900,13 +6974,7 @@
       </p:grpSpPr>
       <p:sp>
         <p:nvSpPr>
-          <p:cNvPr id="2" name="标题 1">
-            <a:extLst>
-              <a:ext uri="{FF2B5EF4-FFF2-40B4-BE49-F238E27FC236}">
-                <a16:creationId xmlns:a16="http://schemas.microsoft.com/office/drawing/2014/main" id="{F798ECE4-7376-084D-921A-0937857A5E3F}"/>
-              </a:ext>
-            </a:extLst>
-          </p:cNvPr>
+          <p:cNvPr id="2" name="标题 1"/>
           <p:cNvSpPr>
             <a:spLocks noGrp="1"/>
           </p:cNvSpPr>
@@ -3923,18 +6991,13 @@
               <a:rPr kumimoji="1" lang="zh-CN" altLang="en-US" dirty="0"/>
               <a:t>研究方法</a:t>
             </a:r>
-          </a:p>
-        </p:txBody>
-      </p:sp>
-      <p:sp>
-        <p:nvSpPr>
-          <p:cNvPr id="8" name="文本框 7">
-            <a:extLst>
-              <a:ext uri="{FF2B5EF4-FFF2-40B4-BE49-F238E27FC236}">
-                <a16:creationId xmlns:a16="http://schemas.microsoft.com/office/drawing/2014/main" id="{96438B86-518B-9840-A4B4-E23268486CFD}"/>
-              </a:ext>
-            </a:extLst>
-          </p:cNvPr>
+            <a:endParaRPr kumimoji="1" lang="zh-CN" altLang="en-US" dirty="0"/>
+          </a:p>
+        </p:txBody>
+      </p:sp>
+      <p:sp>
+        <p:nvSpPr>
+          <p:cNvPr id="8" name="文本框 7"/>
           <p:cNvSpPr txBox="1"/>
           <p:nvPr/>
         </p:nvSpPr>
@@ -3958,22 +7021,138 @@
               <a:rPr kumimoji="1" lang="zh-CN" altLang="en-US" dirty="0"/>
               <a:t>借鉴图像检测的经验</a:t>
             </a:r>
+            <a:endParaRPr kumimoji="1" lang="zh-CN" altLang="en-US" dirty="0"/>
           </a:p>
         </p:txBody>
       </p:sp>
       <p:pic>
         <p:nvPicPr>
-          <p:cNvPr id="10" name="图片 9">
-            <a:extLst>
-              <a:ext uri="{FF2B5EF4-FFF2-40B4-BE49-F238E27FC236}">
-                <a16:creationId xmlns:a16="http://schemas.microsoft.com/office/drawing/2014/main" id="{3B53DF5B-4F78-4847-8A72-C7BE585726C1}"/>
-              </a:ext>
-            </a:extLst>
-          </p:cNvPr>
+          <p:cNvPr id="10" name="图片 9"/>
           <p:cNvPicPr>
             <a:picLocks noChangeAspect="1"/>
           </p:cNvPicPr>
           <p:nvPr/>
+        </p:nvPicPr>
+        <p:blipFill>
+          <a:blip r:embed="rId1"/>
+          <a:stretch>
+            <a:fillRect/>
+          </a:stretch>
+        </p:blipFill>
+        <p:spPr>
+          <a:xfrm>
+            <a:off x="1825303" y="2326793"/>
+            <a:ext cx="7824119" cy="3118510"/>
+          </a:xfrm>
+          <a:prstGeom prst="rect">
+            <a:avLst/>
+          </a:prstGeom>
+        </p:spPr>
+      </p:pic>
+    </p:spTree>
+  </p:cSld>
+  <p:clrMapOvr>
+    <a:masterClrMapping/>
+  </p:clrMapOvr>
+</p:sld>
+</file>
+
+<file path=ppt/slides/slide13.xml><?xml version="1.0" encoding="utf-8"?>
+<p:sld xmlns:a="http://schemas.openxmlformats.org/drawingml/2006/main" xmlns:r="http://schemas.openxmlformats.org/officeDocument/2006/relationships" xmlns:p="http://schemas.openxmlformats.org/presentationml/2006/main">
+  <p:cSld>
+    <p:spTree>
+      <p:nvGrpSpPr>
+        <p:cNvPr id="1" name=""/>
+        <p:cNvGrpSpPr/>
+        <p:nvPr/>
+      </p:nvGrpSpPr>
+      <p:grpSpPr>
+        <a:xfrm>
+          <a:off x="0" y="0"/>
+          <a:ext cx="0" cy="0"/>
+          <a:chOff x="0" y="0"/>
+          <a:chExt cx="0" cy="0"/>
+        </a:xfrm>
+      </p:grpSpPr>
+      <p:sp>
+        <p:nvSpPr>
+          <p:cNvPr id="13" name="圆角矩形 12"/>
+          <p:cNvSpPr/>
+          <p:nvPr/>
+        </p:nvSpPr>
+        <p:spPr>
+          <a:xfrm>
+            <a:off x="5370830" y="5697855"/>
+            <a:ext cx="1318260" cy="159385"/>
+          </a:xfrm>
+          <a:prstGeom prst="roundRect">
+            <a:avLst/>
+          </a:prstGeom>
+          <a:noFill/>
+          <a:ln>
+            <a:solidFill>
+              <a:schemeClr val="accent2"/>
+            </a:solidFill>
+          </a:ln>
+        </p:spPr>
+        <p:style>
+          <a:lnRef idx="2">
+            <a:schemeClr val="accent1">
+              <a:shade val="50000"/>
+            </a:schemeClr>
+          </a:lnRef>
+          <a:fillRef idx="1">
+            <a:schemeClr val="accent1"/>
+          </a:fillRef>
+          <a:effectRef idx="0">
+            <a:schemeClr val="accent1"/>
+          </a:effectRef>
+          <a:fontRef idx="minor">
+            <a:schemeClr val="lt1"/>
+          </a:fontRef>
+        </p:style>
+        <p:txBody>
+          <a:bodyPr rtlCol="0" anchor="ctr"/>
+          <a:p>
+            <a:pPr algn="ctr"/>
+            <a:endParaRPr lang="zh-CN" altLang="en-US"/>
+          </a:p>
+        </p:txBody>
+      </p:sp>
+      <p:sp>
+        <p:nvSpPr>
+          <p:cNvPr id="2" name="标题 1"/>
+          <p:cNvSpPr>
+            <a:spLocks noGrp="1"/>
+          </p:cNvSpPr>
+          <p:nvPr>
+            <p:ph type="title"/>
+          </p:nvPr>
+        </p:nvSpPr>
+        <p:spPr/>
+        <p:txBody>
+          <a:bodyPr/>
+          <a:lstStyle/>
+          <a:p>
+            <a:r>
+              <a:rPr kumimoji="1" lang="zh-CN" altLang="en-US" dirty="0"/>
+              <a:t>研究方法</a:t>
+            </a:r>
+            <a:endParaRPr kumimoji="1" lang="zh-CN" altLang="en-US" dirty="0"/>
+          </a:p>
+        </p:txBody>
+      </p:sp>
+      <p:pic>
+        <p:nvPicPr>
+          <p:cNvPr id="3" name="图片 2"/>
+          <p:cNvPicPr>
+            <a:picLocks noChangeAspect="1"/>
+          </p:cNvPicPr>
+          <p:nvPr>
+            <p:custDataLst>
+              <p:tags r:id="rId1"/>
+            </p:custDataLst>
+          </p:nvPr>
         </p:nvPicPr>
         <p:blipFill>
           <a:blip r:embed="rId2"/>
@@ -3983,20 +7162,1653 @@
         </p:blipFill>
         <p:spPr>
           <a:xfrm>
-            <a:off x="1825303" y="2326793"/>
-            <a:ext cx="7824119" cy="3118510"/>
+            <a:off x="2350135" y="1268730"/>
+            <a:ext cx="7492365" cy="3255645"/>
           </a:xfrm>
           <a:prstGeom prst="rect">
             <a:avLst/>
           </a:prstGeom>
         </p:spPr>
       </p:pic>
+      <p:sp>
+        <p:nvSpPr>
+          <p:cNvPr id="5" name="文本框 4"/>
+          <p:cNvSpPr txBox="1"/>
+          <p:nvPr/>
+        </p:nvSpPr>
+        <p:spPr>
+          <a:xfrm>
+            <a:off x="5244465" y="4904105"/>
+            <a:ext cx="2593975" cy="1599565"/>
+          </a:xfrm>
+          <a:prstGeom prst="rect">
+            <a:avLst/>
+          </a:prstGeom>
+          <a:noFill/>
+          <a:ln w="12700">
+            <a:solidFill>
+              <a:schemeClr val="accent1"/>
+            </a:solidFill>
+          </a:ln>
+        </p:spPr>
+        <p:txBody>
+          <a:bodyPr wrap="square" rtlCol="0">
+            <a:spAutoFit/>
+          </a:bodyPr>
+          <a:p>
+            <a:r>
+              <a:rPr lang="zh-CN" altLang="en-US" sz="1000"/>
+              <a:t>用静态分析工具（如Checkmatrx）生成漏洞语法特征（vulnerability syntax characteristics）</a:t>
+            </a:r>
+            <a:r>
+              <a:rPr lang="zh-CN" altLang="en-US" sz="1000">
+                <a:solidFill>
+                  <a:schemeClr val="accent2"/>
+                </a:solidFill>
+                <a:sym typeface="+mn-ea"/>
+              </a:rPr>
+              <a:t>（可能是以</a:t>
+            </a:r>
+            <a:r>
+              <a:rPr lang="en-US" altLang="zh-CN" sz="1000">
+                <a:solidFill>
+                  <a:schemeClr val="accent2"/>
+                </a:solidFill>
+                <a:sym typeface="+mn-ea"/>
+              </a:rPr>
+              <a:t>AST</a:t>
+            </a:r>
+            <a:r>
+              <a:rPr lang="zh-CN" altLang="en-US" sz="1000">
+                <a:solidFill>
+                  <a:schemeClr val="accent2"/>
+                </a:solidFill>
+                <a:sym typeface="+mn-ea"/>
+              </a:rPr>
+              <a:t>展现的数据结构）</a:t>
+            </a:r>
+            <a:r>
+              <a:rPr lang="zh-CN" altLang="en-US" sz="1000"/>
+              <a:t>，如：</a:t>
+            </a:r>
+            <a:endParaRPr lang="zh-CN" altLang="en-US" sz="1000"/>
+          </a:p>
+          <a:p>
+            <a:r>
+              <a:rPr lang="zh-CN" altLang="en-US" sz="1000"/>
+              <a:t>* 函数/API调用（简称FC）</a:t>
+            </a:r>
+            <a:endParaRPr lang="zh-CN" altLang="en-US" sz="1000"/>
+          </a:p>
+          <a:p>
+            <a:r>
+              <a:rPr lang="zh-CN" altLang="en-US" sz="1000"/>
+              <a:t>* 数组使用（简称AU）</a:t>
+            </a:r>
+            <a:endParaRPr lang="zh-CN" altLang="en-US" sz="1000"/>
+          </a:p>
+          <a:p>
+            <a:r>
+              <a:rPr lang="zh-CN" altLang="en-US" sz="1000"/>
+              <a:t>* 指针使用（简称PU）</a:t>
+            </a:r>
+            <a:endParaRPr lang="zh-CN" altLang="en-US" sz="1000"/>
+          </a:p>
+          <a:p>
+            <a:r>
+              <a:rPr lang="zh-CN" altLang="en-US" sz="1000"/>
+              <a:t>* 算术表达式（简称AE）</a:t>
+            </a:r>
+            <a:endParaRPr lang="zh-CN" altLang="en-US" sz="1000"/>
+          </a:p>
+          <a:p>
+            <a:endParaRPr lang="zh-CN" altLang="en-US" sz="1000"/>
+          </a:p>
+          <a:p>
+            <a:endParaRPr lang="zh-CN" altLang="en-US" sz="800">
+              <a:solidFill>
+                <a:srgbClr val="FF0000"/>
+              </a:solidFill>
+            </a:endParaRPr>
+          </a:p>
+        </p:txBody>
+      </p:sp>
+      <p:sp>
+        <p:nvSpPr>
+          <p:cNvPr id="7" name="右箭头 6"/>
+          <p:cNvSpPr/>
+          <p:nvPr/>
+        </p:nvSpPr>
+        <p:spPr>
+          <a:xfrm>
+            <a:off x="4729480" y="5494020"/>
+            <a:ext cx="365760" cy="203835"/>
+          </a:xfrm>
+          <a:prstGeom prst="rightArrow">
+            <a:avLst/>
+          </a:prstGeom>
+        </p:spPr>
+        <p:style>
+          <a:lnRef idx="2">
+            <a:schemeClr val="accent1">
+              <a:shade val="50000"/>
+            </a:schemeClr>
+          </a:lnRef>
+          <a:fillRef idx="1">
+            <a:schemeClr val="accent1"/>
+          </a:fillRef>
+          <a:effectRef idx="0">
+            <a:schemeClr val="accent1"/>
+          </a:effectRef>
+          <a:fontRef idx="minor">
+            <a:schemeClr val="lt1"/>
+          </a:fontRef>
+        </p:style>
+        <p:txBody>
+          <a:bodyPr rtlCol="0" anchor="ctr"/>
+          <a:p>
+            <a:pPr algn="ctr"/>
+            <a:endParaRPr lang="zh-CN" altLang="en-US"/>
+          </a:p>
+        </p:txBody>
+      </p:sp>
+      <p:pic>
+        <p:nvPicPr>
+          <p:cNvPr id="11" name="图片 10"/>
+          <p:cNvPicPr>
+            <a:picLocks noChangeAspect="1"/>
+          </p:cNvPicPr>
+          <p:nvPr/>
+        </p:nvPicPr>
+        <p:blipFill>
+          <a:blip r:embed="rId3"/>
+          <a:stretch>
+            <a:fillRect/>
+          </a:stretch>
+        </p:blipFill>
+        <p:spPr>
+          <a:xfrm>
+            <a:off x="2200910" y="4801870"/>
+            <a:ext cx="2190115" cy="1968500"/>
+          </a:xfrm>
+          <a:prstGeom prst="rect">
+            <a:avLst/>
+          </a:prstGeom>
+          <a:noFill/>
+          <a:ln w="12700" cmpd="sng">
+            <a:solidFill>
+              <a:schemeClr val="accent1">
+                <a:shade val="50000"/>
+              </a:schemeClr>
+            </a:solidFill>
+            <a:prstDash val="solid"/>
+          </a:ln>
+        </p:spPr>
+      </p:pic>
+      <p:sp>
+        <p:nvSpPr>
+          <p:cNvPr id="14" name="下箭头 13"/>
+          <p:cNvSpPr/>
+          <p:nvPr/>
+        </p:nvSpPr>
+        <p:spPr>
+          <a:xfrm>
+            <a:off x="3389630" y="4497705"/>
+            <a:ext cx="182245" cy="233680"/>
+          </a:xfrm>
+          <a:prstGeom prst="downArrow">
+            <a:avLst/>
+          </a:prstGeom>
+        </p:spPr>
+        <p:style>
+          <a:lnRef idx="2">
+            <a:schemeClr val="accent1">
+              <a:shade val="50000"/>
+            </a:schemeClr>
+          </a:lnRef>
+          <a:fillRef idx="1">
+            <a:schemeClr val="accent1"/>
+          </a:fillRef>
+          <a:effectRef idx="0">
+            <a:schemeClr val="accent1"/>
+          </a:effectRef>
+          <a:fontRef idx="minor">
+            <a:schemeClr val="lt1"/>
+          </a:fontRef>
+        </p:style>
+        <p:txBody>
+          <a:bodyPr rtlCol="0" anchor="ctr"/>
+          <a:p>
+            <a:pPr algn="ctr"/>
+            <a:endParaRPr lang="zh-CN" altLang="en-US"/>
+          </a:p>
+        </p:txBody>
+      </p:sp>
+      <p:sp>
+        <p:nvSpPr>
+          <p:cNvPr id="15" name="上箭头 14"/>
+          <p:cNvSpPr/>
+          <p:nvPr/>
+        </p:nvSpPr>
+        <p:spPr>
+          <a:xfrm>
+            <a:off x="5574030" y="4524375"/>
+            <a:ext cx="168910" cy="207010"/>
+          </a:xfrm>
+          <a:prstGeom prst="upArrow">
+            <a:avLst/>
+          </a:prstGeom>
+        </p:spPr>
+        <p:style>
+          <a:lnRef idx="2">
+            <a:schemeClr val="accent1">
+              <a:shade val="50000"/>
+            </a:schemeClr>
+          </a:lnRef>
+          <a:fillRef idx="1">
+            <a:schemeClr val="accent1"/>
+          </a:fillRef>
+          <a:effectRef idx="0">
+            <a:schemeClr val="accent1"/>
+          </a:effectRef>
+          <a:fontRef idx="minor">
+            <a:schemeClr val="lt1"/>
+          </a:fontRef>
+        </p:style>
+        <p:txBody>
+          <a:bodyPr rtlCol="0" anchor="ctr"/>
+          <a:p>
+            <a:pPr algn="ctr"/>
+            <a:endParaRPr lang="zh-CN" altLang="en-US"/>
+          </a:p>
+        </p:txBody>
+      </p:sp>
+      <p:sp>
+        <p:nvSpPr>
+          <p:cNvPr id="16" name="文本框 15"/>
+          <p:cNvSpPr txBox="1"/>
+          <p:nvPr/>
+        </p:nvSpPr>
+        <p:spPr>
+          <a:xfrm>
+            <a:off x="6148070" y="4569460"/>
+            <a:ext cx="2146300" cy="245110"/>
+          </a:xfrm>
+          <a:prstGeom prst="rect">
+            <a:avLst/>
+          </a:prstGeom>
+          <a:noFill/>
+          <a:ln w="12700">
+            <a:solidFill>
+              <a:schemeClr val="accent1"/>
+            </a:solidFill>
+          </a:ln>
+        </p:spPr>
+        <p:txBody>
+          <a:bodyPr wrap="square" rtlCol="0">
+            <a:spAutoFit/>
+          </a:bodyPr>
+          <a:p>
+            <a:r>
+              <a:rPr lang="en-US" altLang="zh-CN" sz="1000">
+                <a:solidFill>
+                  <a:schemeClr val="accent2"/>
+                </a:solidFill>
+              </a:rPr>
+              <a:t>(</a:t>
+            </a:r>
+            <a:r>
+              <a:rPr lang="zh-CN" altLang="en-US" sz="1000">
+                <a:solidFill>
+                  <a:schemeClr val="accent2"/>
+                </a:solidFill>
+              </a:rPr>
+              <a:t>下页</a:t>
+            </a:r>
+            <a:r>
+              <a:rPr lang="en-US" altLang="zh-CN" sz="1000">
+                <a:solidFill>
+                  <a:schemeClr val="accent2"/>
+                </a:solidFill>
+              </a:rPr>
+              <a:t>PDG</a:t>
+            </a:r>
+            <a:r>
+              <a:rPr lang="zh-CN" altLang="en-US" sz="1000">
+                <a:solidFill>
+                  <a:schemeClr val="accent2"/>
+                </a:solidFill>
+              </a:rPr>
+              <a:t>线</a:t>
+            </a:r>
+            <a:r>
+              <a:rPr lang="en-US" altLang="zh-CN" sz="1000">
+                <a:solidFill>
+                  <a:schemeClr val="accent2"/>
+                </a:solidFill>
+              </a:rPr>
+              <a:t>....)</a:t>
+            </a:r>
+            <a:endParaRPr lang="en-US" altLang="zh-CN" sz="1000">
+              <a:solidFill>
+                <a:schemeClr val="accent2"/>
+              </a:solidFill>
+            </a:endParaRPr>
+          </a:p>
+        </p:txBody>
+      </p:sp>
+      <p:cxnSp>
+        <p:nvCxnSpPr>
+          <p:cNvPr id="19" name="直接箭头连接符 18"/>
+          <p:cNvCxnSpPr/>
+          <p:nvPr/>
+        </p:nvCxnSpPr>
+        <p:spPr>
+          <a:xfrm>
+            <a:off x="6148070" y="4337050"/>
+            <a:ext cx="189230" cy="187325"/>
+          </a:xfrm>
+          <a:prstGeom prst="straightConnector1">
+            <a:avLst/>
+          </a:prstGeom>
+          <a:ln w="31750">
+            <a:tailEnd type="arrow"/>
+          </a:ln>
+        </p:spPr>
+        <p:style>
+          <a:lnRef idx="1">
+            <a:schemeClr val="accent1"/>
+          </a:lnRef>
+          <a:fillRef idx="0">
+            <a:schemeClr val="accent1"/>
+          </a:fillRef>
+          <a:effectRef idx="0">
+            <a:schemeClr val="accent1"/>
+          </a:effectRef>
+          <a:fontRef idx="minor">
+            <a:schemeClr val="tx1"/>
+          </a:fontRef>
+        </p:style>
+      </p:cxnSp>
+      <p:cxnSp>
+        <p:nvCxnSpPr>
+          <p:cNvPr id="20" name="直接箭头连接符 19"/>
+          <p:cNvCxnSpPr/>
+          <p:nvPr/>
+        </p:nvCxnSpPr>
+        <p:spPr>
+          <a:xfrm flipV="1">
+            <a:off x="7025005" y="4337050"/>
+            <a:ext cx="0" cy="219710"/>
+          </a:xfrm>
+          <a:prstGeom prst="straightConnector1">
+            <a:avLst/>
+          </a:prstGeom>
+          <a:ln w="19050">
+            <a:tailEnd type="arrow"/>
+          </a:ln>
+        </p:spPr>
+        <p:style>
+          <a:lnRef idx="1">
+            <a:schemeClr val="accent1"/>
+          </a:lnRef>
+          <a:fillRef idx="0">
+            <a:schemeClr val="accent1"/>
+          </a:fillRef>
+          <a:effectRef idx="0">
+            <a:schemeClr val="accent1"/>
+          </a:effectRef>
+          <a:fontRef idx="minor">
+            <a:schemeClr val="tx1"/>
+          </a:fontRef>
+        </p:style>
+      </p:cxnSp>
+      <p:sp>
+        <p:nvSpPr>
+          <p:cNvPr id="21" name="文本框 20"/>
+          <p:cNvSpPr txBox="1"/>
+          <p:nvPr/>
+        </p:nvSpPr>
+        <p:spPr>
+          <a:xfrm>
+            <a:off x="2307590" y="1212850"/>
+            <a:ext cx="419735" cy="368300"/>
+          </a:xfrm>
+          <a:prstGeom prst="rect">
+            <a:avLst/>
+          </a:prstGeom>
+          <a:noFill/>
+        </p:spPr>
+        <p:txBody>
+          <a:bodyPr wrap="square" rtlCol="0">
+            <a:spAutoFit/>
+          </a:bodyPr>
+          <a:p>
+            <a:r>
+              <a:rPr lang="en-US" altLang="zh-CN">
+                <a:solidFill>
+                  <a:srgbClr val="FF0000"/>
+                </a:solidFill>
+              </a:rPr>
+              <a:t>(1)</a:t>
+            </a:r>
+            <a:endParaRPr lang="en-US" altLang="zh-CN">
+              <a:solidFill>
+                <a:srgbClr val="FF0000"/>
+              </a:solidFill>
+            </a:endParaRPr>
+          </a:p>
+        </p:txBody>
+      </p:sp>
+      <p:sp>
+        <p:nvSpPr>
+          <p:cNvPr id="22" name="文本框 21"/>
+          <p:cNvSpPr txBox="1"/>
+          <p:nvPr/>
+        </p:nvSpPr>
+        <p:spPr>
+          <a:xfrm>
+            <a:off x="1845310" y="4556760"/>
+            <a:ext cx="419735" cy="368300"/>
+          </a:xfrm>
+          <a:prstGeom prst="rect">
+            <a:avLst/>
+          </a:prstGeom>
+          <a:noFill/>
+        </p:spPr>
+        <p:txBody>
+          <a:bodyPr wrap="square" rtlCol="0">
+            <a:spAutoFit/>
+          </a:bodyPr>
+          <a:p>
+            <a:r>
+              <a:rPr lang="en-US" altLang="zh-CN">
+                <a:solidFill>
+                  <a:srgbClr val="FF0000"/>
+                </a:solidFill>
+              </a:rPr>
+              <a:t>(2)</a:t>
+            </a:r>
+            <a:endParaRPr lang="en-US" altLang="zh-CN">
+              <a:solidFill>
+                <a:srgbClr val="FF0000"/>
+              </a:solidFill>
+            </a:endParaRPr>
+          </a:p>
+        </p:txBody>
+      </p:sp>
+      <p:sp>
+        <p:nvSpPr>
+          <p:cNvPr id="23" name="文本框 22"/>
+          <p:cNvSpPr txBox="1"/>
+          <p:nvPr/>
+        </p:nvSpPr>
+        <p:spPr>
+          <a:xfrm>
+            <a:off x="4860290" y="4731385"/>
+            <a:ext cx="419735" cy="368300"/>
+          </a:xfrm>
+          <a:prstGeom prst="rect">
+            <a:avLst/>
+          </a:prstGeom>
+          <a:noFill/>
+        </p:spPr>
+        <p:txBody>
+          <a:bodyPr wrap="square" rtlCol="0">
+            <a:spAutoFit/>
+          </a:bodyPr>
+          <a:p>
+            <a:r>
+              <a:rPr lang="en-US" altLang="zh-CN">
+                <a:solidFill>
+                  <a:srgbClr val="FF0000"/>
+                </a:solidFill>
+              </a:rPr>
+              <a:t>(3)</a:t>
+            </a:r>
+            <a:endParaRPr lang="en-US" altLang="zh-CN">
+              <a:solidFill>
+                <a:srgbClr val="FF0000"/>
+              </a:solidFill>
+            </a:endParaRPr>
+          </a:p>
+        </p:txBody>
+      </p:sp>
+      <p:sp>
+        <p:nvSpPr>
+          <p:cNvPr id="24" name="文本框 23"/>
+          <p:cNvSpPr txBox="1"/>
+          <p:nvPr/>
+        </p:nvSpPr>
+        <p:spPr>
+          <a:xfrm>
+            <a:off x="4309745" y="1079500"/>
+            <a:ext cx="419735" cy="368300"/>
+          </a:xfrm>
+          <a:prstGeom prst="rect">
+            <a:avLst/>
+          </a:prstGeom>
+          <a:noFill/>
+        </p:spPr>
+        <p:txBody>
+          <a:bodyPr wrap="square" rtlCol="0">
+            <a:spAutoFit/>
+          </a:bodyPr>
+          <a:p>
+            <a:r>
+              <a:rPr lang="en-US" altLang="zh-CN">
+                <a:solidFill>
+                  <a:srgbClr val="FF0000"/>
+                </a:solidFill>
+              </a:rPr>
+              <a:t>(4)</a:t>
+            </a:r>
+            <a:endParaRPr lang="en-US" altLang="zh-CN">
+              <a:solidFill>
+                <a:srgbClr val="FF0000"/>
+              </a:solidFill>
+            </a:endParaRPr>
+          </a:p>
+        </p:txBody>
+      </p:sp>
+      <p:sp>
+        <p:nvSpPr>
+          <p:cNvPr id="25" name="文本框 24"/>
+          <p:cNvSpPr txBox="1"/>
+          <p:nvPr/>
+        </p:nvSpPr>
+        <p:spPr>
+          <a:xfrm>
+            <a:off x="5820410" y="4443730"/>
+            <a:ext cx="419735" cy="368300"/>
+          </a:xfrm>
+          <a:prstGeom prst="rect">
+            <a:avLst/>
+          </a:prstGeom>
+          <a:noFill/>
+        </p:spPr>
+        <p:txBody>
+          <a:bodyPr wrap="square" rtlCol="0">
+            <a:spAutoFit/>
+          </a:bodyPr>
+          <a:p>
+            <a:r>
+              <a:rPr lang="en-US" altLang="zh-CN">
+                <a:solidFill>
+                  <a:srgbClr val="FF0000"/>
+                </a:solidFill>
+              </a:rPr>
+              <a:t>(5)</a:t>
+            </a:r>
+            <a:endParaRPr lang="en-US" altLang="zh-CN">
+              <a:solidFill>
+                <a:srgbClr val="FF0000"/>
+              </a:solidFill>
+            </a:endParaRPr>
+          </a:p>
+        </p:txBody>
+      </p:sp>
+      <p:sp>
+        <p:nvSpPr>
+          <p:cNvPr id="26" name="文本框 25"/>
+          <p:cNvSpPr txBox="1"/>
+          <p:nvPr/>
+        </p:nvSpPr>
+        <p:spPr>
+          <a:xfrm>
+            <a:off x="6083935" y="1079500"/>
+            <a:ext cx="419735" cy="368300"/>
+          </a:xfrm>
+          <a:prstGeom prst="rect">
+            <a:avLst/>
+          </a:prstGeom>
+          <a:noFill/>
+        </p:spPr>
+        <p:txBody>
+          <a:bodyPr wrap="square" rtlCol="0">
+            <a:spAutoFit/>
+          </a:bodyPr>
+          <a:p>
+            <a:r>
+              <a:rPr lang="en-US" altLang="zh-CN">
+                <a:solidFill>
+                  <a:srgbClr val="FF0000"/>
+                </a:solidFill>
+              </a:rPr>
+              <a:t>(6)</a:t>
+            </a:r>
+            <a:endParaRPr lang="en-US" altLang="zh-CN">
+              <a:solidFill>
+                <a:srgbClr val="FF0000"/>
+              </a:solidFill>
+            </a:endParaRPr>
+          </a:p>
+        </p:txBody>
+      </p:sp>
+      <p:sp>
+        <p:nvSpPr>
+          <p:cNvPr id="27" name="文本框 26"/>
+          <p:cNvSpPr txBox="1"/>
+          <p:nvPr/>
+        </p:nvSpPr>
+        <p:spPr>
+          <a:xfrm>
+            <a:off x="7936865" y="1079500"/>
+            <a:ext cx="419735" cy="368300"/>
+          </a:xfrm>
+          <a:prstGeom prst="rect">
+            <a:avLst/>
+          </a:prstGeom>
+          <a:noFill/>
+        </p:spPr>
+        <p:txBody>
+          <a:bodyPr wrap="square" rtlCol="0">
+            <a:spAutoFit/>
+          </a:bodyPr>
+          <a:p>
+            <a:r>
+              <a:rPr lang="en-US" altLang="zh-CN">
+                <a:solidFill>
+                  <a:srgbClr val="FF0000"/>
+                </a:solidFill>
+              </a:rPr>
+              <a:t>(7)</a:t>
+            </a:r>
+            <a:endParaRPr lang="en-US" altLang="zh-CN">
+              <a:solidFill>
+                <a:srgbClr val="FF0000"/>
+              </a:solidFill>
+            </a:endParaRPr>
+          </a:p>
+        </p:txBody>
+      </p:sp>
     </p:spTree>
-    <p:extLst>
-      <p:ext uri="{BB962C8B-B14F-4D97-AF65-F5344CB8AC3E}">
-        <p14:creationId xmlns:p14="http://schemas.microsoft.com/office/powerpoint/2010/main" val="2250445749"/>
-      </p:ext>
-    </p:extLst>
+  </p:cSld>
+  <p:clrMapOvr>
+    <a:masterClrMapping/>
+  </p:clrMapOvr>
+</p:sld>
+</file>
+
+<file path=ppt/slides/slide14.xml><?xml version="1.0" encoding="utf-8"?>
+<p:sld xmlns:a="http://schemas.openxmlformats.org/drawingml/2006/main" xmlns:r="http://schemas.openxmlformats.org/officeDocument/2006/relationships" xmlns:p="http://schemas.openxmlformats.org/presentationml/2006/main">
+  <p:cSld>
+    <p:spTree>
+      <p:nvGrpSpPr>
+        <p:cNvPr id="1" name=""/>
+        <p:cNvGrpSpPr/>
+        <p:nvPr/>
+      </p:nvGrpSpPr>
+      <p:grpSpPr>
+        <a:xfrm>
+          <a:off x="0" y="0"/>
+          <a:ext cx="0" cy="0"/>
+          <a:chOff x="0" y="0"/>
+          <a:chExt cx="0" cy="0"/>
+        </a:xfrm>
+      </p:grpSpPr>
+      <p:sp>
+        <p:nvSpPr>
+          <p:cNvPr id="2" name="标题 1"/>
+          <p:cNvSpPr>
+            <a:spLocks noGrp="1"/>
+          </p:cNvSpPr>
+          <p:nvPr>
+            <p:ph type="title"/>
+          </p:nvPr>
+        </p:nvSpPr>
+        <p:spPr/>
+        <p:txBody>
+          <a:bodyPr/>
+          <a:lstStyle/>
+          <a:p>
+            <a:r>
+              <a:rPr kumimoji="1" lang="zh-CN" altLang="en-US" dirty="0"/>
+              <a:t>研究方法</a:t>
+            </a:r>
+            <a:endParaRPr kumimoji="1" lang="zh-CN" altLang="en-US" dirty="0"/>
+          </a:p>
+        </p:txBody>
+      </p:sp>
+      <p:sp>
+        <p:nvSpPr>
+          <p:cNvPr id="4" name="文本框 3"/>
+          <p:cNvSpPr txBox="1"/>
+          <p:nvPr/>
+        </p:nvSpPr>
+        <p:spPr>
+          <a:xfrm>
+            <a:off x="1386205" y="1520825"/>
+            <a:ext cx="9324975" cy="1630045"/>
+          </a:xfrm>
+          <a:prstGeom prst="rect">
+            <a:avLst/>
+          </a:prstGeom>
+          <a:noFill/>
+        </p:spPr>
+        <p:txBody>
+          <a:bodyPr wrap="square" rtlCol="0" anchor="t">
+            <a:spAutoFit/>
+          </a:bodyPr>
+          <a:p>
+            <a:r>
+              <a:rPr lang="zh-CN" altLang="en-US" sz="1000"/>
+              <a:t>先定义一些概念：</a:t>
+            </a:r>
+            <a:endParaRPr lang="zh-CN" altLang="en-US" sz="1000"/>
+          </a:p>
+          <a:p>
+            <a:r>
+              <a:rPr lang="zh-CN" altLang="en-US" sz="1000"/>
+              <a:t>* 控制流图（CFG）: 它的节点是函数语句，边表示相邻语句间的运行先后关系。</a:t>
+            </a:r>
+            <a:endParaRPr lang="zh-CN" altLang="en-US" sz="1000"/>
+          </a:p>
+          <a:p>
+            <a:r>
+              <a:rPr lang="zh-CN" altLang="en-US" sz="1000"/>
+              <a:t>* 数据依赖（data dependency）：如果CFG中有一条A-&gt;B的路径，且在A语句中计算得到的值会在B语句中使用，则称B数据依赖A。</a:t>
+            </a:r>
+            <a:endParaRPr lang="zh-CN" altLang="en-US" sz="1000"/>
+          </a:p>
+          <a:p>
+            <a:r>
+              <a:rPr lang="zh-CN" altLang="en-US" sz="1000"/>
+              <a:t>* 控制依赖（control dependency）：如果CFG中有一条A-&gt;B的路径，且B是否执行需要看A执行的结果, 则称B控制依赖A。</a:t>
+            </a:r>
+            <a:endParaRPr lang="zh-CN" altLang="en-US" sz="1000"/>
+          </a:p>
+          <a:p>
+            <a:r>
+              <a:rPr lang="zh-CN" altLang="en-US" sz="1000"/>
+              <a:t>* 程序依赖图（PDG）: 它的节点与CFG中节点表示意义意义，边为表示相邻语句间的数据依赖或控制依赖</a:t>
+            </a:r>
+            <a:endParaRPr lang="zh-CN" altLang="en-US" sz="1000"/>
+          </a:p>
+          <a:p>
+            <a:r>
+              <a:rPr lang="zh-CN" altLang="en-US" sz="1000"/>
+              <a:t>* 前向切片（forward slice）：PDG中从SyVC节点出发所有可达节点的语句集合</a:t>
+            </a:r>
+            <a:endParaRPr lang="zh-CN" altLang="en-US" sz="1000"/>
+          </a:p>
+          <a:p>
+            <a:r>
+              <a:rPr lang="zh-CN" altLang="en-US" sz="1000"/>
+              <a:t>* 过程间前向切片（interprocedural forward slice）：包含前向切片的所有语句，以及PDG中SyVC节点通过函数调用可以到达SyVC节点的语句</a:t>
+            </a:r>
+            <a:endParaRPr lang="zh-CN" altLang="en-US" sz="1000"/>
+          </a:p>
+          <a:p>
+            <a:r>
+              <a:rPr lang="zh-CN" altLang="en-US" sz="1000"/>
+              <a:t>* 后向切片（backward slice）：PDG中所有可达SyVC节点的且以该节点为终点的语句集合</a:t>
+            </a:r>
+            <a:endParaRPr lang="zh-CN" altLang="en-US" sz="1000"/>
+          </a:p>
+          <a:p>
+            <a:r>
+              <a:rPr lang="zh-CN" altLang="en-US" sz="1000"/>
+              <a:t>* 过程间后向切片（interprocedural backward slice）：包含后向切片的所有语句，以及PDG中通过函数调用可到达SyVC节点的语句</a:t>
+            </a:r>
+            <a:endParaRPr lang="zh-CN" altLang="en-US" sz="1000"/>
+          </a:p>
+          <a:p>
+            <a:r>
+              <a:rPr lang="zh-CN" altLang="en-US" sz="1000"/>
+              <a:t>* 程序切片（program slice）：过程间前向切片和过程间后向切片的语句删除其中重复的部分的组合</a:t>
+            </a:r>
+            <a:endParaRPr lang="zh-CN" altLang="en-US" sz="1000"/>
+          </a:p>
+        </p:txBody>
+      </p:sp>
+      <p:pic>
+        <p:nvPicPr>
+          <p:cNvPr id="6" name="图片 5"/>
+          <p:cNvPicPr>
+            <a:picLocks noChangeAspect="1"/>
+          </p:cNvPicPr>
+          <p:nvPr/>
+        </p:nvPicPr>
+        <p:blipFill>
+          <a:blip r:embed="rId1"/>
+          <a:stretch>
+            <a:fillRect/>
+          </a:stretch>
+        </p:blipFill>
+        <p:spPr>
+          <a:xfrm>
+            <a:off x="1475105" y="3150870"/>
+            <a:ext cx="8012430" cy="3252470"/>
+          </a:xfrm>
+          <a:prstGeom prst="rect">
+            <a:avLst/>
+          </a:prstGeom>
+        </p:spPr>
+      </p:pic>
+      <p:sp>
+        <p:nvSpPr>
+          <p:cNvPr id="8" name="文本框 7"/>
+          <p:cNvSpPr txBox="1"/>
+          <p:nvPr/>
+        </p:nvSpPr>
+        <p:spPr>
+          <a:xfrm>
+            <a:off x="2533015" y="6450330"/>
+            <a:ext cx="5744210" cy="245110"/>
+          </a:xfrm>
+          <a:prstGeom prst="rect">
+            <a:avLst/>
+          </a:prstGeom>
+          <a:noFill/>
+        </p:spPr>
+        <p:txBody>
+          <a:bodyPr wrap="none" rtlCol="0">
+            <a:spAutoFit/>
+          </a:bodyPr>
+          <a:p>
+            <a:pPr algn="l"/>
+            <a:r>
+              <a:rPr lang="zh-CN" altLang="en-US" sz="1000">
+                <a:solidFill>
+                  <a:schemeClr val="accent2"/>
+                </a:solidFill>
+              </a:rPr>
+              <a:t>（</a:t>
+            </a:r>
+            <a:r>
+              <a:rPr lang="en-US" altLang="zh-CN" sz="1000">
+                <a:solidFill>
+                  <a:schemeClr val="accent2"/>
+                </a:solidFill>
+              </a:rPr>
+              <a:t>PDG</a:t>
+            </a:r>
+            <a:r>
+              <a:rPr lang="zh-CN" altLang="en-US" sz="1000">
+                <a:solidFill>
+                  <a:schemeClr val="accent2"/>
+                </a:solidFill>
+              </a:rPr>
+              <a:t>生成：https://www.cc.gatech.edu/~harrold/6340/cs6340_fall2009/Readings/ferrante87jul.pdf）</a:t>
+            </a:r>
+            <a:endParaRPr lang="zh-CN" altLang="en-US" sz="1000">
+              <a:solidFill>
+                <a:schemeClr val="accent2"/>
+              </a:solidFill>
+            </a:endParaRPr>
+          </a:p>
+        </p:txBody>
+      </p:sp>
+      <p:sp>
+        <p:nvSpPr>
+          <p:cNvPr id="9" name="文本框 8"/>
+          <p:cNvSpPr txBox="1"/>
+          <p:nvPr/>
+        </p:nvSpPr>
+        <p:spPr>
+          <a:xfrm>
+            <a:off x="9487535" y="4485640"/>
+            <a:ext cx="1437005" cy="245110"/>
+          </a:xfrm>
+          <a:prstGeom prst="rect">
+            <a:avLst/>
+          </a:prstGeom>
+          <a:noFill/>
+          <a:ln w="12700">
+            <a:solidFill>
+              <a:schemeClr val="accent1"/>
+            </a:solidFill>
+          </a:ln>
+        </p:spPr>
+        <p:txBody>
+          <a:bodyPr wrap="square" rtlCol="0">
+            <a:spAutoFit/>
+          </a:bodyPr>
+          <a:p>
+            <a:r>
+              <a:rPr lang="en-US" altLang="zh-CN" sz="1000"/>
+              <a:t>word2vec</a:t>
+            </a:r>
+            <a:r>
+              <a:rPr lang="en-US" altLang="zh-CN" sz="1000">
+                <a:solidFill>
+                  <a:srgbClr val="FF0000"/>
+                </a:solidFill>
+              </a:rPr>
+              <a:t> </a:t>
+            </a:r>
+            <a:r>
+              <a:rPr lang="en-US" altLang="zh-CN" sz="1000">
+                <a:solidFill>
+                  <a:schemeClr val="accent2"/>
+                </a:solidFill>
+              </a:rPr>
+              <a:t>(</a:t>
+            </a:r>
+            <a:r>
+              <a:rPr lang="zh-CN" altLang="en-US" sz="1000">
+                <a:solidFill>
+                  <a:schemeClr val="accent2"/>
+                </a:solidFill>
+              </a:rPr>
+              <a:t>接上页末尾</a:t>
+            </a:r>
+            <a:r>
+              <a:rPr lang="en-US" altLang="zh-CN" sz="1000">
+                <a:solidFill>
+                  <a:schemeClr val="accent2"/>
+                </a:solidFill>
+              </a:rPr>
+              <a:t>)</a:t>
+            </a:r>
+            <a:endParaRPr lang="en-US" altLang="zh-CN" sz="1000">
+              <a:solidFill>
+                <a:schemeClr val="accent2"/>
+              </a:solidFill>
+            </a:endParaRPr>
+          </a:p>
+        </p:txBody>
+      </p:sp>
+      <p:sp>
+        <p:nvSpPr>
+          <p:cNvPr id="10" name="右箭头 9"/>
+          <p:cNvSpPr/>
+          <p:nvPr/>
+        </p:nvSpPr>
+        <p:spPr>
+          <a:xfrm>
+            <a:off x="9194165" y="4549775"/>
+            <a:ext cx="175260" cy="117475"/>
+          </a:xfrm>
+          <a:prstGeom prst="rightArrow">
+            <a:avLst/>
+          </a:prstGeom>
+        </p:spPr>
+        <p:style>
+          <a:lnRef idx="2">
+            <a:schemeClr val="accent1">
+              <a:shade val="50000"/>
+            </a:schemeClr>
+          </a:lnRef>
+          <a:fillRef idx="1">
+            <a:schemeClr val="accent1"/>
+          </a:fillRef>
+          <a:effectRef idx="0">
+            <a:schemeClr val="accent1"/>
+          </a:effectRef>
+          <a:fontRef idx="minor">
+            <a:schemeClr val="lt1"/>
+          </a:fontRef>
+        </p:style>
+        <p:txBody>
+          <a:bodyPr rtlCol="0" anchor="ctr"/>
+          <a:p>
+            <a:pPr algn="ctr"/>
+            <a:endParaRPr lang="zh-CN" altLang="en-US"/>
+          </a:p>
+        </p:txBody>
+      </p:sp>
+      <p:sp>
+        <p:nvSpPr>
+          <p:cNvPr id="12" name="文本框 11"/>
+          <p:cNvSpPr txBox="1"/>
+          <p:nvPr/>
+        </p:nvSpPr>
+        <p:spPr>
+          <a:xfrm>
+            <a:off x="9487535" y="4920615"/>
+            <a:ext cx="2504440" cy="553085"/>
+          </a:xfrm>
+          <a:prstGeom prst="rect">
+            <a:avLst/>
+          </a:prstGeom>
+          <a:noFill/>
+        </p:spPr>
+        <p:txBody>
+          <a:bodyPr wrap="none" rtlCol="0">
+            <a:spAutoFit/>
+          </a:bodyPr>
+          <a:p>
+            <a:pPr algn="l"/>
+            <a:r>
+              <a:rPr lang="en-US" altLang="zh-CN" sz="1000">
+                <a:solidFill>
+                  <a:schemeClr val="accent2"/>
+                </a:solidFill>
+              </a:rPr>
+              <a:t>Q</a:t>
+            </a:r>
+            <a:r>
+              <a:rPr lang="zh-CN" altLang="en-US" sz="1000">
+                <a:solidFill>
+                  <a:schemeClr val="accent2"/>
+                </a:solidFill>
+              </a:rPr>
+              <a:t>：</a:t>
+            </a:r>
+            <a:endParaRPr lang="zh-CN" altLang="en-US" sz="1000">
+              <a:solidFill>
+                <a:schemeClr val="accent2"/>
+              </a:solidFill>
+            </a:endParaRPr>
+          </a:p>
+          <a:p>
+            <a:pPr algn="l"/>
+            <a:r>
+              <a:rPr lang="en-US" altLang="zh-CN" sz="1000">
+                <a:solidFill>
+                  <a:schemeClr val="accent2"/>
+                </a:solidFill>
+              </a:rPr>
+              <a:t>1. </a:t>
+            </a:r>
+            <a:r>
+              <a:rPr lang="zh-CN" altLang="en-US" sz="1000">
+                <a:solidFill>
+                  <a:schemeClr val="accent2"/>
+                </a:solidFill>
+              </a:rPr>
+              <a:t>还是没提如何切</a:t>
+            </a:r>
+            <a:endParaRPr lang="zh-CN" altLang="en-US" sz="1000">
+              <a:solidFill>
+                <a:schemeClr val="accent2"/>
+              </a:solidFill>
+            </a:endParaRPr>
+          </a:p>
+          <a:p>
+            <a:pPr algn="l"/>
+            <a:r>
+              <a:rPr lang="en-US" altLang="zh-CN" sz="1000">
+                <a:solidFill>
+                  <a:schemeClr val="accent2"/>
+                </a:solidFill>
+              </a:rPr>
+              <a:t>2. 不同的SeVC</a:t>
+            </a:r>
+            <a:r>
+              <a:rPr lang="zh-CN" altLang="en-US" sz="1000">
+                <a:solidFill>
+                  <a:schemeClr val="accent2"/>
+                </a:solidFill>
+              </a:rPr>
+              <a:t>转成</a:t>
+            </a:r>
+            <a:r>
+              <a:rPr lang="en-US" altLang="zh-CN" sz="1000">
+                <a:solidFill>
+                  <a:schemeClr val="accent2"/>
+                </a:solidFill>
+              </a:rPr>
+              <a:t>导致相同的符号表示</a:t>
+            </a:r>
+            <a:r>
+              <a:rPr lang="zh-CN" altLang="en-US" sz="1000">
+                <a:solidFill>
+                  <a:schemeClr val="accent2"/>
+                </a:solidFill>
+              </a:rPr>
+              <a:t>？</a:t>
+            </a:r>
+            <a:endParaRPr lang="zh-CN" altLang="en-US" sz="1000">
+              <a:solidFill>
+                <a:schemeClr val="accent2"/>
+              </a:solidFill>
+            </a:endParaRPr>
+          </a:p>
+        </p:txBody>
+      </p:sp>
+    </p:spTree>
+  </p:cSld>
+  <p:clrMapOvr>
+    <a:masterClrMapping/>
+  </p:clrMapOvr>
+</p:sld>
+</file>
+
+<file path=ppt/slides/slide15.xml><?xml version="1.0" encoding="utf-8"?>
+<p:sld xmlns:a="http://schemas.openxmlformats.org/drawingml/2006/main" xmlns:r="http://schemas.openxmlformats.org/officeDocument/2006/relationships" xmlns:p="http://schemas.openxmlformats.org/presentationml/2006/main">
+  <p:cSld>
+    <p:spTree>
+      <p:nvGrpSpPr>
+        <p:cNvPr id="1" name=""/>
+        <p:cNvGrpSpPr/>
+        <p:nvPr/>
+      </p:nvGrpSpPr>
+      <p:grpSpPr>
+        <a:xfrm>
+          <a:off x="0" y="0"/>
+          <a:ext cx="0" cy="0"/>
+          <a:chOff x="0" y="0"/>
+          <a:chExt cx="0" cy="0"/>
+        </a:xfrm>
+      </p:grpSpPr>
+      <p:sp>
+        <p:nvSpPr>
+          <p:cNvPr id="2" name="标题 1"/>
+          <p:cNvSpPr>
+            <a:spLocks noGrp="1"/>
+          </p:cNvSpPr>
+          <p:nvPr>
+            <p:ph type="title"/>
+          </p:nvPr>
+        </p:nvSpPr>
+        <p:spPr/>
+        <p:txBody>
+          <a:bodyPr/>
+          <a:lstStyle/>
+          <a:p>
+            <a:r>
+              <a:rPr kumimoji="1" lang="zh-CN" altLang="en-US" dirty="0"/>
+              <a:t>研究</a:t>
+            </a:r>
+            <a:r>
+              <a:rPr kumimoji="1" lang="zh-CN" altLang="en-US" dirty="0"/>
+              <a:t>结论</a:t>
+            </a:r>
+            <a:endParaRPr kumimoji="1" lang="zh-CN" altLang="en-US" dirty="0"/>
+          </a:p>
+        </p:txBody>
+      </p:sp>
+      <p:pic>
+        <p:nvPicPr>
+          <p:cNvPr id="3" name="图片 2" descr="1639270926039"/>
+          <p:cNvPicPr>
+            <a:picLocks noChangeAspect="1"/>
+          </p:cNvPicPr>
+          <p:nvPr/>
+        </p:nvPicPr>
+        <p:blipFill>
+          <a:blip r:embed="rId1"/>
+          <a:stretch>
+            <a:fillRect/>
+          </a:stretch>
+        </p:blipFill>
+        <p:spPr>
+          <a:xfrm>
+            <a:off x="3067050" y="2919730"/>
+            <a:ext cx="5334000" cy="2834640"/>
+          </a:xfrm>
+          <a:prstGeom prst="rect">
+            <a:avLst/>
+          </a:prstGeom>
+        </p:spPr>
+      </p:pic>
+      <p:sp>
+        <p:nvSpPr>
+          <p:cNvPr id="5" name="文本框 4"/>
+          <p:cNvSpPr txBox="1"/>
+          <p:nvPr/>
+        </p:nvSpPr>
+        <p:spPr>
+          <a:xfrm>
+            <a:off x="3010535" y="2049145"/>
+            <a:ext cx="4804410" cy="368300"/>
+          </a:xfrm>
+          <a:prstGeom prst="rect">
+            <a:avLst/>
+          </a:prstGeom>
+          <a:noFill/>
+        </p:spPr>
+        <p:txBody>
+          <a:bodyPr wrap="none" rtlCol="0">
+            <a:spAutoFit/>
+          </a:bodyPr>
+          <a:p>
+            <a:pPr marL="285750" indent="-285750" algn="l">
+              <a:buFont typeface="Arial" panose="020B0604020202020204" pitchFamily="34" charset="0"/>
+              <a:buChar char="•"/>
+            </a:pPr>
+            <a:r>
+              <a:rPr lang="zh-CN" altLang="en-US"/>
+              <a:t>能识别多类漏洞，且表现优于VulDeepecker</a:t>
+            </a:r>
+            <a:endParaRPr lang="zh-CN" altLang="en-US"/>
+          </a:p>
+        </p:txBody>
+      </p:sp>
+    </p:spTree>
+  </p:cSld>
+  <p:clrMapOvr>
+    <a:masterClrMapping/>
+  </p:clrMapOvr>
+</p:sld>
+</file>
+
+<file path=ppt/slides/slide16.xml><?xml version="1.0" encoding="utf-8"?>
+<p:sld xmlns:a="http://schemas.openxmlformats.org/drawingml/2006/main" xmlns:r="http://schemas.openxmlformats.org/officeDocument/2006/relationships" xmlns:p="http://schemas.openxmlformats.org/presentationml/2006/main">
+  <p:cSld>
+    <p:spTree>
+      <p:nvGrpSpPr>
+        <p:cNvPr id="1" name=""/>
+        <p:cNvGrpSpPr/>
+        <p:nvPr/>
+      </p:nvGrpSpPr>
+      <p:grpSpPr>
+        <a:xfrm>
+          <a:off x="0" y="0"/>
+          <a:ext cx="0" cy="0"/>
+          <a:chOff x="0" y="0"/>
+          <a:chExt cx="0" cy="0"/>
+        </a:xfrm>
+      </p:grpSpPr>
+      <p:sp>
+        <p:nvSpPr>
+          <p:cNvPr id="2" name="标题 1"/>
+          <p:cNvSpPr>
+            <a:spLocks noGrp="1"/>
+          </p:cNvSpPr>
+          <p:nvPr>
+            <p:ph type="title"/>
+          </p:nvPr>
+        </p:nvSpPr>
+        <p:spPr/>
+        <p:txBody>
+          <a:bodyPr/>
+          <a:lstStyle/>
+          <a:p>
+            <a:r>
+              <a:rPr kumimoji="1" lang="zh-CN" altLang="en-US" dirty="0"/>
+              <a:t>研究</a:t>
+            </a:r>
+            <a:r>
+              <a:rPr kumimoji="1" lang="zh-CN" altLang="en-US" dirty="0"/>
+              <a:t>结论</a:t>
+            </a:r>
+            <a:endParaRPr kumimoji="1" lang="zh-CN" altLang="en-US" dirty="0"/>
+          </a:p>
+        </p:txBody>
+      </p:sp>
+      <p:sp>
+        <p:nvSpPr>
+          <p:cNvPr id="5" name="文本框 4"/>
+          <p:cNvSpPr txBox="1"/>
+          <p:nvPr/>
+        </p:nvSpPr>
+        <p:spPr>
+          <a:xfrm>
+            <a:off x="3586480" y="2182495"/>
+            <a:ext cx="4583430" cy="368300"/>
+          </a:xfrm>
+          <a:prstGeom prst="rect">
+            <a:avLst/>
+          </a:prstGeom>
+          <a:noFill/>
+        </p:spPr>
+        <p:txBody>
+          <a:bodyPr wrap="none" rtlCol="0">
+            <a:spAutoFit/>
+          </a:bodyPr>
+          <a:p>
+            <a:pPr marL="285750" indent="-285750" algn="l">
+              <a:buFont typeface="Arial" panose="020B0604020202020204" pitchFamily="34" charset="0"/>
+              <a:buChar char="•"/>
+            </a:pPr>
+            <a:r>
+              <a:rPr lang="zh-CN" altLang="en-US"/>
+              <a:t>算法</a:t>
+            </a:r>
+            <a:r>
+              <a:rPr lang="zh-CN" altLang="en-US"/>
+              <a:t>独立，但每个算法得到的效果有差异</a:t>
+            </a:r>
+            <a:endParaRPr lang="zh-CN" altLang="en-US"/>
+          </a:p>
+        </p:txBody>
+      </p:sp>
+      <p:pic>
+        <p:nvPicPr>
+          <p:cNvPr id="4" name="图片 3" descr="1639271021938"/>
+          <p:cNvPicPr>
+            <a:picLocks noChangeAspect="1"/>
+          </p:cNvPicPr>
+          <p:nvPr/>
+        </p:nvPicPr>
+        <p:blipFill>
+          <a:blip r:embed="rId1"/>
+          <a:stretch>
+            <a:fillRect/>
+          </a:stretch>
+        </p:blipFill>
+        <p:spPr>
+          <a:xfrm>
+            <a:off x="3269615" y="2775585"/>
+            <a:ext cx="5379720" cy="2727960"/>
+          </a:xfrm>
+          <a:prstGeom prst="rect">
+            <a:avLst/>
+          </a:prstGeom>
+        </p:spPr>
+      </p:pic>
+    </p:spTree>
+  </p:cSld>
+  <p:clrMapOvr>
+    <a:masterClrMapping/>
+  </p:clrMapOvr>
+</p:sld>
+</file>
+
+<file path=ppt/slides/slide17.xml><?xml version="1.0" encoding="utf-8"?>
+<p:sld xmlns:a="http://schemas.openxmlformats.org/drawingml/2006/main" xmlns:r="http://schemas.openxmlformats.org/officeDocument/2006/relationships" xmlns:p="http://schemas.openxmlformats.org/presentationml/2006/main">
+  <p:cSld>
+    <p:spTree>
+      <p:nvGrpSpPr>
+        <p:cNvPr id="1" name=""/>
+        <p:cNvGrpSpPr/>
+        <p:nvPr/>
+      </p:nvGrpSpPr>
+      <p:grpSpPr>
+        <a:xfrm>
+          <a:off x="0" y="0"/>
+          <a:ext cx="0" cy="0"/>
+          <a:chOff x="0" y="0"/>
+          <a:chExt cx="0" cy="0"/>
+        </a:xfrm>
+      </p:grpSpPr>
+      <p:sp>
+        <p:nvSpPr>
+          <p:cNvPr id="2" name="标题 1"/>
+          <p:cNvSpPr>
+            <a:spLocks noGrp="1"/>
+          </p:cNvSpPr>
+          <p:nvPr>
+            <p:ph type="title"/>
+          </p:nvPr>
+        </p:nvSpPr>
+        <p:spPr/>
+        <p:txBody>
+          <a:bodyPr/>
+          <a:lstStyle/>
+          <a:p>
+            <a:r>
+              <a:rPr kumimoji="1" lang="zh-CN" altLang="en-US" dirty="0"/>
+              <a:t>研究</a:t>
+            </a:r>
+            <a:r>
+              <a:rPr kumimoji="1" lang="zh-CN" altLang="en-US" dirty="0"/>
+              <a:t>结论</a:t>
+            </a:r>
+            <a:endParaRPr kumimoji="1" lang="zh-CN" altLang="en-US" dirty="0"/>
+          </a:p>
+        </p:txBody>
+      </p:sp>
+      <p:sp>
+        <p:nvSpPr>
+          <p:cNvPr id="5" name="文本框 4"/>
+          <p:cNvSpPr txBox="1"/>
+          <p:nvPr/>
+        </p:nvSpPr>
+        <p:spPr>
+          <a:xfrm>
+            <a:off x="3656965" y="1516380"/>
+            <a:ext cx="5269230" cy="368300"/>
+          </a:xfrm>
+          <a:prstGeom prst="rect">
+            <a:avLst/>
+          </a:prstGeom>
+          <a:noFill/>
+        </p:spPr>
+        <p:txBody>
+          <a:bodyPr wrap="none" rtlCol="0">
+            <a:spAutoFit/>
+          </a:bodyPr>
+          <a:p>
+            <a:pPr marL="285750" indent="-285750" algn="l">
+              <a:buFont typeface="Arial" panose="020B0604020202020204" pitchFamily="34" charset="0"/>
+              <a:buChar char="•"/>
+            </a:pPr>
+            <a:r>
+              <a:rPr lang="zh-CN" altLang="en-US"/>
+              <a:t>捕获越多的语义信息，系统检测漏洞的性能越高</a:t>
+            </a:r>
+            <a:endParaRPr lang="zh-CN" altLang="en-US"/>
+          </a:p>
+        </p:txBody>
+      </p:sp>
+      <p:pic>
+        <p:nvPicPr>
+          <p:cNvPr id="3" name="图片 2" descr="1639272562900"/>
+          <p:cNvPicPr>
+            <a:picLocks noChangeAspect="1"/>
+          </p:cNvPicPr>
+          <p:nvPr/>
+        </p:nvPicPr>
+        <p:blipFill>
+          <a:blip r:embed="rId1"/>
+          <a:stretch>
+            <a:fillRect/>
+          </a:stretch>
+        </p:blipFill>
+        <p:spPr>
+          <a:xfrm>
+            <a:off x="3698875" y="2101850"/>
+            <a:ext cx="5227320" cy="4511040"/>
+          </a:xfrm>
+          <a:prstGeom prst="rect">
+            <a:avLst/>
+          </a:prstGeom>
+        </p:spPr>
+      </p:pic>
+    </p:spTree>
+  </p:cSld>
+  <p:clrMapOvr>
+    <a:masterClrMapping/>
+  </p:clrMapOvr>
+</p:sld>
+</file>
+
+<file path=ppt/slides/slide18.xml><?xml version="1.0" encoding="utf-8"?>
+<p:sld xmlns:a="http://schemas.openxmlformats.org/drawingml/2006/main" xmlns:r="http://schemas.openxmlformats.org/officeDocument/2006/relationships" xmlns:p="http://schemas.openxmlformats.org/presentationml/2006/main">
+  <p:cSld>
+    <p:spTree>
+      <p:nvGrpSpPr>
+        <p:cNvPr id="1" name=""/>
+        <p:cNvGrpSpPr/>
+        <p:nvPr/>
+      </p:nvGrpSpPr>
+      <p:grpSpPr>
+        <a:xfrm>
+          <a:off x="0" y="0"/>
+          <a:ext cx="0" cy="0"/>
+          <a:chOff x="0" y="0"/>
+          <a:chExt cx="0" cy="0"/>
+        </a:xfrm>
+      </p:grpSpPr>
+      <p:sp>
+        <p:nvSpPr>
+          <p:cNvPr id="2" name="标题 1"/>
+          <p:cNvSpPr>
+            <a:spLocks noGrp="1"/>
+          </p:cNvSpPr>
+          <p:nvPr>
+            <p:ph type="title"/>
+          </p:nvPr>
+        </p:nvSpPr>
+        <p:spPr/>
+        <p:txBody>
+          <a:bodyPr/>
+          <a:lstStyle/>
+          <a:p>
+            <a:r>
+              <a:rPr kumimoji="1" lang="zh-CN" altLang="en-US" dirty="0"/>
+              <a:t>研究</a:t>
+            </a:r>
+            <a:r>
+              <a:rPr kumimoji="1" lang="zh-CN" altLang="en-US" dirty="0"/>
+              <a:t>结论</a:t>
+            </a:r>
+            <a:endParaRPr kumimoji="1" lang="zh-CN" altLang="en-US" dirty="0"/>
+          </a:p>
+        </p:txBody>
+      </p:sp>
+      <p:sp>
+        <p:nvSpPr>
+          <p:cNvPr id="5" name="文本框 4"/>
+          <p:cNvSpPr txBox="1"/>
+          <p:nvPr/>
+        </p:nvSpPr>
+        <p:spPr>
+          <a:xfrm>
+            <a:off x="3656965" y="1516380"/>
+            <a:ext cx="5269230" cy="368300"/>
+          </a:xfrm>
+          <a:prstGeom prst="rect">
+            <a:avLst/>
+          </a:prstGeom>
+          <a:noFill/>
+        </p:spPr>
+        <p:txBody>
+          <a:bodyPr wrap="none" rtlCol="0">
+            <a:spAutoFit/>
+          </a:bodyPr>
+          <a:p>
+            <a:pPr marL="285750" indent="-285750" algn="l">
+              <a:buFont typeface="Arial" panose="020B0604020202020204" pitchFamily="34" charset="0"/>
+              <a:buChar char="•"/>
+            </a:pPr>
+            <a:r>
+              <a:rPr lang="zh-CN" altLang="en-US"/>
+              <a:t>捕获越多的语义信息，系统检测漏洞的性能越高</a:t>
+            </a:r>
+            <a:endParaRPr lang="zh-CN" altLang="en-US"/>
+          </a:p>
+        </p:txBody>
+      </p:sp>
+      <p:pic>
+        <p:nvPicPr>
+          <p:cNvPr id="3" name="图片 2" descr="1639272562900"/>
+          <p:cNvPicPr>
+            <a:picLocks noChangeAspect="1"/>
+          </p:cNvPicPr>
+          <p:nvPr/>
+        </p:nvPicPr>
+        <p:blipFill>
+          <a:blip r:embed="rId1"/>
+          <a:stretch>
+            <a:fillRect/>
+          </a:stretch>
+        </p:blipFill>
+        <p:spPr>
+          <a:xfrm>
+            <a:off x="3698875" y="2101850"/>
+            <a:ext cx="5227320" cy="4511040"/>
+          </a:xfrm>
+          <a:prstGeom prst="rect">
+            <a:avLst/>
+          </a:prstGeom>
+        </p:spPr>
+      </p:pic>
+    </p:spTree>
+  </p:cSld>
+  <p:clrMapOvr>
+    <a:masterClrMapping/>
+  </p:clrMapOvr>
+</p:sld>
+</file>
+
+<file path=ppt/slides/slide19.xml><?xml version="1.0" encoding="utf-8"?>
+<p:sld xmlns:a="http://schemas.openxmlformats.org/drawingml/2006/main" xmlns:r="http://schemas.openxmlformats.org/officeDocument/2006/relationships" xmlns:p="http://schemas.openxmlformats.org/presentationml/2006/main">
+  <p:cSld>
+    <p:spTree>
+      <p:nvGrpSpPr>
+        <p:cNvPr id="1" name=""/>
+        <p:cNvGrpSpPr/>
+        <p:nvPr/>
+      </p:nvGrpSpPr>
+      <p:grpSpPr>
+        <a:xfrm>
+          <a:off x="0" y="0"/>
+          <a:ext cx="0" cy="0"/>
+          <a:chOff x="0" y="0"/>
+          <a:chExt cx="0" cy="0"/>
+        </a:xfrm>
+      </p:grpSpPr>
+      <p:sp>
+        <p:nvSpPr>
+          <p:cNvPr id="2" name="标题 1"/>
+          <p:cNvSpPr>
+            <a:spLocks noGrp="1"/>
+          </p:cNvSpPr>
+          <p:nvPr>
+            <p:ph type="title"/>
+          </p:nvPr>
+        </p:nvSpPr>
+        <p:spPr/>
+        <p:txBody>
+          <a:bodyPr/>
+          <a:lstStyle/>
+          <a:p>
+            <a:r>
+              <a:rPr kumimoji="1" lang="zh-CN" altLang="en-US" dirty="0"/>
+              <a:t>研究</a:t>
+            </a:r>
+            <a:r>
+              <a:rPr kumimoji="1" lang="zh-CN" altLang="en-US" dirty="0"/>
+              <a:t>结论</a:t>
+            </a:r>
+            <a:endParaRPr kumimoji="1" lang="zh-CN" altLang="en-US" dirty="0"/>
+          </a:p>
+        </p:txBody>
+      </p:sp>
+      <p:sp>
+        <p:nvSpPr>
+          <p:cNvPr id="5" name="文本框 4"/>
+          <p:cNvSpPr txBox="1"/>
+          <p:nvPr/>
+        </p:nvSpPr>
+        <p:spPr>
+          <a:xfrm>
+            <a:off x="3340735" y="1642745"/>
+            <a:ext cx="5955030" cy="368300"/>
+          </a:xfrm>
+          <a:prstGeom prst="rect">
+            <a:avLst/>
+          </a:prstGeom>
+          <a:noFill/>
+        </p:spPr>
+        <p:txBody>
+          <a:bodyPr wrap="none" rtlCol="0">
+            <a:spAutoFit/>
+          </a:bodyPr>
+          <a:p>
+            <a:pPr marL="285750" indent="-285750" algn="l">
+              <a:buFont typeface="Arial" panose="020B0604020202020204" pitchFamily="34" charset="0"/>
+              <a:buChar char="•"/>
+            </a:pPr>
+            <a:r>
+              <a:rPr lang="zh-CN" altLang="en-US"/>
+              <a:t>跟现有漏洞检测工具的对比，目前该系统性能也是最高</a:t>
+            </a:r>
+            <a:endParaRPr lang="zh-CN" altLang="en-US"/>
+          </a:p>
+        </p:txBody>
+      </p:sp>
+      <p:pic>
+        <p:nvPicPr>
+          <p:cNvPr id="4" name="图片 3" descr="1639273027915"/>
+          <p:cNvPicPr>
+            <a:picLocks noChangeAspect="1"/>
+          </p:cNvPicPr>
+          <p:nvPr/>
+        </p:nvPicPr>
+        <p:blipFill>
+          <a:blip r:embed="rId1"/>
+          <a:stretch>
+            <a:fillRect/>
+          </a:stretch>
+        </p:blipFill>
+        <p:spPr>
+          <a:xfrm>
+            <a:off x="4029075" y="2484755"/>
+            <a:ext cx="4998720" cy="2209800"/>
+          </a:xfrm>
+          <a:prstGeom prst="rect">
+            <a:avLst/>
+          </a:prstGeom>
+        </p:spPr>
+      </p:pic>
+    </p:spTree>
   </p:cSld>
   <p:clrMapOvr>
     <a:masterClrMapping/>
@@ -4023,13 +8835,7 @@
       </p:grpSpPr>
       <p:sp>
         <p:nvSpPr>
-          <p:cNvPr id="2" name="标题 1">
-            <a:extLst>
-              <a:ext uri="{FF2B5EF4-FFF2-40B4-BE49-F238E27FC236}">
-                <a16:creationId xmlns:a16="http://schemas.microsoft.com/office/drawing/2014/main" id="{CA03B5D6-2731-654B-8A5F-5ECDA8DF08C5}"/>
-              </a:ext>
-            </a:extLst>
-          </p:cNvPr>
+          <p:cNvPr id="2" name="标题 1"/>
           <p:cNvSpPr>
             <a:spLocks noGrp="1"/>
           </p:cNvSpPr>
@@ -4046,18 +8852,13 @@
               <a:rPr kumimoji="1" lang="zh-CN" altLang="en-US" dirty="0"/>
               <a:t>研究现状</a:t>
             </a:r>
-          </a:p>
-        </p:txBody>
-      </p:sp>
-      <p:sp>
-        <p:nvSpPr>
-          <p:cNvPr id="3" name="内容占位符 2">
-            <a:extLst>
-              <a:ext uri="{FF2B5EF4-FFF2-40B4-BE49-F238E27FC236}">
-                <a16:creationId xmlns:a16="http://schemas.microsoft.com/office/drawing/2014/main" id="{8CCFB443-475C-1443-AD3E-6BBDE3B038BD}"/>
-              </a:ext>
-            </a:extLst>
-          </p:cNvPr>
+            <a:endParaRPr kumimoji="1" lang="zh-CN" altLang="en-US" dirty="0"/>
+          </a:p>
+        </p:txBody>
+      </p:sp>
+      <p:sp>
+        <p:nvSpPr>
+          <p:cNvPr id="3" name="内容占位符 2"/>
           <p:cNvSpPr>
             <a:spLocks noGrp="1"/>
           </p:cNvSpPr>
@@ -4091,20 +8892,14 @@
       </p:sp>
       <p:pic>
         <p:nvPicPr>
-          <p:cNvPr id="8" name="图片 7">
-            <a:extLst>
-              <a:ext uri="{FF2B5EF4-FFF2-40B4-BE49-F238E27FC236}">
-                <a16:creationId xmlns:a16="http://schemas.microsoft.com/office/drawing/2014/main" id="{DA2F1263-4339-564F-A00E-E287FF298FFE}"/>
-              </a:ext>
-            </a:extLst>
-          </p:cNvPr>
+          <p:cNvPr id="8" name="图片 7"/>
           <p:cNvPicPr>
             <a:picLocks noChangeAspect="1"/>
           </p:cNvPicPr>
           <p:nvPr/>
         </p:nvPicPr>
         <p:blipFill>
-          <a:blip r:embed="rId2"/>
+          <a:blip r:embed="rId1"/>
           <a:stretch>
             <a:fillRect/>
           </a:stretch>
@@ -4120,11 +8915,297 @@
         </p:spPr>
       </p:pic>
     </p:spTree>
-    <p:extLst>
-      <p:ext uri="{BB962C8B-B14F-4D97-AF65-F5344CB8AC3E}">
-        <p14:creationId xmlns:p14="http://schemas.microsoft.com/office/powerpoint/2010/main" val="2639243420"/>
-      </p:ext>
-    </p:extLst>
+  </p:cSld>
+  <p:clrMapOvr>
+    <a:masterClrMapping/>
+  </p:clrMapOvr>
+</p:sld>
+</file>
+
+<file path=ppt/slides/slide20.xml><?xml version="1.0" encoding="utf-8"?>
+<p:sld xmlns:a="http://schemas.openxmlformats.org/drawingml/2006/main" xmlns:r="http://schemas.openxmlformats.org/officeDocument/2006/relationships" xmlns:p="http://schemas.openxmlformats.org/presentationml/2006/main">
+  <p:cSld>
+    <p:spTree>
+      <p:nvGrpSpPr>
+        <p:cNvPr id="1" name=""/>
+        <p:cNvGrpSpPr/>
+        <p:nvPr/>
+      </p:nvGrpSpPr>
+      <p:grpSpPr>
+        <a:xfrm>
+          <a:off x="0" y="0"/>
+          <a:ext cx="0" cy="0"/>
+          <a:chOff x="0" y="0"/>
+          <a:chExt cx="0" cy="0"/>
+        </a:xfrm>
+      </p:grpSpPr>
+      <p:sp>
+        <p:nvSpPr>
+          <p:cNvPr id="2" name="标题 1"/>
+          <p:cNvSpPr>
+            <a:spLocks noGrp="1"/>
+          </p:cNvSpPr>
+          <p:nvPr>
+            <p:ph type="title"/>
+          </p:nvPr>
+        </p:nvSpPr>
+        <p:spPr/>
+        <p:txBody>
+          <a:bodyPr/>
+          <a:lstStyle/>
+          <a:p>
+            <a:r>
+              <a:rPr kumimoji="1" lang="zh-CN" altLang="en-US" dirty="0"/>
+              <a:t>启发</a:t>
+            </a:r>
+            <a:endParaRPr kumimoji="1" lang="zh-CN" altLang="en-US" dirty="0"/>
+          </a:p>
+        </p:txBody>
+      </p:sp>
+      <p:sp>
+        <p:nvSpPr>
+          <p:cNvPr id="5" name="文本框 4"/>
+          <p:cNvSpPr txBox="1"/>
+          <p:nvPr/>
+        </p:nvSpPr>
+        <p:spPr>
+          <a:xfrm>
+            <a:off x="1494155" y="1789430"/>
+            <a:ext cx="5130165" cy="521970"/>
+          </a:xfrm>
+          <a:prstGeom prst="rect">
+            <a:avLst/>
+          </a:prstGeom>
+          <a:noFill/>
+        </p:spPr>
+        <p:txBody>
+          <a:bodyPr wrap="square" rtlCol="0">
+            <a:spAutoFit/>
+          </a:bodyPr>
+          <a:p>
+            <a:pPr marL="285750" indent="-285750" algn="l">
+              <a:buFont typeface="Arial" panose="020B0604020202020204" pitchFamily="34" charset="0"/>
+              <a:buChar char="•"/>
+            </a:pPr>
+            <a:r>
+              <a:rPr lang="zh-CN" altLang="en-US" sz="2800">
+                <a:solidFill>
+                  <a:schemeClr val="accent2"/>
+                </a:solidFill>
+              </a:rPr>
+              <a:t>程序</a:t>
+            </a:r>
+            <a:r>
+              <a:rPr lang="zh-CN" altLang="en-US" sz="2800">
+                <a:solidFill>
+                  <a:schemeClr val="accent2"/>
+                </a:solidFill>
+              </a:rPr>
+              <a:t>代码语义</a:t>
+            </a:r>
+            <a:endParaRPr lang="zh-CN" altLang="en-US" sz="2800">
+              <a:solidFill>
+                <a:schemeClr val="accent2"/>
+              </a:solidFill>
+            </a:endParaRPr>
+          </a:p>
+        </p:txBody>
+      </p:sp>
+      <p:sp>
+        <p:nvSpPr>
+          <p:cNvPr id="3" name="文本框 2"/>
+          <p:cNvSpPr txBox="1"/>
+          <p:nvPr/>
+        </p:nvSpPr>
+        <p:spPr>
+          <a:xfrm>
+            <a:off x="1494155" y="3637915"/>
+            <a:ext cx="2602230" cy="521970"/>
+          </a:xfrm>
+          <a:prstGeom prst="rect">
+            <a:avLst/>
+          </a:prstGeom>
+          <a:noFill/>
+        </p:spPr>
+        <p:txBody>
+          <a:bodyPr wrap="none" rtlCol="0" anchor="t">
+            <a:spAutoFit/>
+          </a:bodyPr>
+          <a:p>
+            <a:pPr marL="285750" indent="-285750" algn="l">
+              <a:buFont typeface="Arial" panose="020B0604020202020204" pitchFamily="34" charset="0"/>
+              <a:buChar char="•"/>
+            </a:pPr>
+            <a:r>
+              <a:rPr lang="zh-CN" altLang="en-US" sz="2800">
+                <a:solidFill>
+                  <a:schemeClr val="accent2"/>
+                </a:solidFill>
+                <a:sym typeface="+mn-ea"/>
+              </a:rPr>
+              <a:t>漏洞定位粒度</a:t>
+            </a:r>
+            <a:endParaRPr lang="zh-CN" altLang="en-US" sz="2800">
+              <a:solidFill>
+                <a:schemeClr val="accent2"/>
+              </a:solidFill>
+              <a:sym typeface="+mn-ea"/>
+            </a:endParaRPr>
+          </a:p>
+        </p:txBody>
+      </p:sp>
+      <p:sp>
+        <p:nvSpPr>
+          <p:cNvPr id="6" name="文本框 5"/>
+          <p:cNvSpPr txBox="1"/>
+          <p:nvPr/>
+        </p:nvSpPr>
+        <p:spPr>
+          <a:xfrm>
+            <a:off x="1494155" y="2664460"/>
+            <a:ext cx="5130165" cy="521970"/>
+          </a:xfrm>
+          <a:prstGeom prst="rect">
+            <a:avLst/>
+          </a:prstGeom>
+          <a:noFill/>
+        </p:spPr>
+        <p:txBody>
+          <a:bodyPr wrap="square" rtlCol="0">
+            <a:spAutoFit/>
+          </a:bodyPr>
+          <a:p>
+            <a:pPr marL="285750" indent="-285750" algn="l">
+              <a:buFont typeface="Arial" panose="020B0604020202020204" pitchFamily="34" charset="0"/>
+              <a:buChar char="•"/>
+            </a:pPr>
+            <a:r>
+              <a:rPr lang="en-US" altLang="zh-CN" sz="2800">
+                <a:solidFill>
+                  <a:schemeClr val="accent2"/>
+                </a:solidFill>
+              </a:rPr>
+              <a:t>code2vec</a:t>
+            </a:r>
+            <a:r>
+              <a:rPr lang="zh-CN" altLang="en-US" sz="2800">
+                <a:solidFill>
+                  <a:schemeClr val="accent2"/>
+                </a:solidFill>
+              </a:rPr>
+              <a:t>方法</a:t>
+            </a:r>
+            <a:endParaRPr lang="zh-CN" altLang="en-US" sz="2800">
+              <a:solidFill>
+                <a:schemeClr val="accent2"/>
+              </a:solidFill>
+            </a:endParaRPr>
+          </a:p>
+        </p:txBody>
+      </p:sp>
+    </p:spTree>
+  </p:cSld>
+  <p:clrMapOvr>
+    <a:masterClrMapping/>
+  </p:clrMapOvr>
+</p:sld>
+</file>
+
+<file path=ppt/slides/slide21.xml><?xml version="1.0" encoding="utf-8"?>
+<p:sld xmlns:a="http://schemas.openxmlformats.org/drawingml/2006/main" xmlns:r="http://schemas.openxmlformats.org/officeDocument/2006/relationships" xmlns:p="http://schemas.openxmlformats.org/presentationml/2006/main">
+  <p:cSld>
+    <p:spTree>
+      <p:nvGrpSpPr>
+        <p:cNvPr id="1" name=""/>
+        <p:cNvGrpSpPr/>
+        <p:nvPr/>
+      </p:nvGrpSpPr>
+      <p:grpSpPr>
+        <a:xfrm>
+          <a:off x="0" y="0"/>
+          <a:ext cx="0" cy="0"/>
+          <a:chOff x="0" y="0"/>
+          <a:chExt cx="0" cy="0"/>
+        </a:xfrm>
+      </p:grpSpPr>
+      <p:sp>
+        <p:nvSpPr>
+          <p:cNvPr id="2" name="标题 1"/>
+          <p:cNvSpPr>
+            <a:spLocks noGrp="1"/>
+          </p:cNvSpPr>
+          <p:nvPr>
+            <p:ph type="title"/>
+          </p:nvPr>
+        </p:nvSpPr>
+        <p:spPr/>
+        <p:txBody>
+          <a:bodyPr/>
+          <a:lstStyle/>
+          <a:p>
+            <a:r>
+              <a:rPr kumimoji="1" lang="zh-CN" altLang="en-US" dirty="0"/>
+              <a:t>启发</a:t>
+            </a:r>
+            <a:endParaRPr kumimoji="1" lang="zh-CN" altLang="en-US" dirty="0"/>
+          </a:p>
+        </p:txBody>
+      </p:sp>
+      <p:pic>
+        <p:nvPicPr>
+          <p:cNvPr id="4" name="图片 3" descr="hoho"/>
+          <p:cNvPicPr>
+            <a:picLocks noChangeAspect="1"/>
+          </p:cNvPicPr>
+          <p:nvPr/>
+        </p:nvPicPr>
+        <p:blipFill>
+          <a:blip r:embed="rId1"/>
+          <a:stretch>
+            <a:fillRect/>
+          </a:stretch>
+        </p:blipFill>
+        <p:spPr>
+          <a:xfrm>
+            <a:off x="1824990" y="2085975"/>
+            <a:ext cx="7980045" cy="3755390"/>
+          </a:xfrm>
+          <a:prstGeom prst="rect">
+            <a:avLst/>
+          </a:prstGeom>
+        </p:spPr>
+      </p:pic>
+      <p:sp>
+        <p:nvSpPr>
+          <p:cNvPr id="7" name="文本框 6"/>
+          <p:cNvSpPr txBox="1"/>
+          <p:nvPr/>
+        </p:nvSpPr>
+        <p:spPr>
+          <a:xfrm>
+            <a:off x="10191750" y="6527165"/>
+            <a:ext cx="1689735" cy="245110"/>
+          </a:xfrm>
+          <a:prstGeom prst="rect">
+            <a:avLst/>
+          </a:prstGeom>
+          <a:noFill/>
+        </p:spPr>
+        <p:txBody>
+          <a:bodyPr wrap="none" rtlCol="0">
+            <a:spAutoFit/>
+          </a:bodyPr>
+          <a:p>
+            <a:pPr algn="l"/>
+            <a:r>
+              <a:rPr lang="zh-CN" altLang="en-US" sz="1000"/>
+              <a:t>from: https://code2vec.org/</a:t>
+            </a:r>
+            <a:endParaRPr lang="zh-CN" altLang="en-US" sz="1000"/>
+          </a:p>
+        </p:txBody>
+      </p:sp>
+    </p:spTree>
   </p:cSld>
   <p:clrMapOvr>
     <a:masterClrMapping/>
@@ -4151,13 +9232,7 @@
       </p:grpSpPr>
       <p:sp>
         <p:nvSpPr>
-          <p:cNvPr id="2" name="标题 1">
-            <a:extLst>
-              <a:ext uri="{FF2B5EF4-FFF2-40B4-BE49-F238E27FC236}">
-                <a16:creationId xmlns:a16="http://schemas.microsoft.com/office/drawing/2014/main" id="{A7BC3C28-216F-B94F-BFA8-1CB7B75F5685}"/>
-              </a:ext>
-            </a:extLst>
-          </p:cNvPr>
+          <p:cNvPr id="2" name="标题 1"/>
           <p:cNvSpPr>
             <a:spLocks noGrp="1"/>
           </p:cNvSpPr>
@@ -4174,18 +9249,13 @@
               <a:rPr kumimoji="1" lang="zh-CN" altLang="en-US" dirty="0"/>
               <a:t>研究目标</a:t>
             </a:r>
-          </a:p>
-        </p:txBody>
-      </p:sp>
-      <p:sp>
-        <p:nvSpPr>
-          <p:cNvPr id="6" name="矩形 5">
-            <a:extLst>
-              <a:ext uri="{FF2B5EF4-FFF2-40B4-BE49-F238E27FC236}">
-                <a16:creationId xmlns:a16="http://schemas.microsoft.com/office/drawing/2014/main" id="{FA19C5DD-CADA-F44A-818E-C8EDAB1C37C0}"/>
-              </a:ext>
-            </a:extLst>
-          </p:cNvPr>
+            <a:endParaRPr kumimoji="1" lang="zh-CN" altLang="en-US" dirty="0"/>
+          </a:p>
+        </p:txBody>
+      </p:sp>
+      <p:sp>
+        <p:nvSpPr>
+          <p:cNvPr id="6" name="矩形 5"/>
           <p:cNvSpPr/>
           <p:nvPr/>
         </p:nvSpPr>
@@ -4224,15 +9294,11 @@
               <a:rPr kumimoji="1" lang="zh-CN" altLang="en-US" sz="6000" dirty="0"/>
               <a:t>方案</a:t>
             </a:r>
+            <a:endParaRPr kumimoji="1" lang="zh-CN" altLang="en-US" sz="6000" dirty="0"/>
           </a:p>
         </p:txBody>
       </p:sp>
     </p:spTree>
-    <p:extLst>
-      <p:ext uri="{BB962C8B-B14F-4D97-AF65-F5344CB8AC3E}">
-        <p14:creationId xmlns:p14="http://schemas.microsoft.com/office/powerpoint/2010/main" val="3149638742"/>
-      </p:ext>
-    </p:extLst>
   </p:cSld>
   <p:clrMapOvr>
     <a:masterClrMapping/>
@@ -4259,13 +9325,7 @@
       </p:grpSpPr>
       <p:sp>
         <p:nvSpPr>
-          <p:cNvPr id="2" name="标题 1">
-            <a:extLst>
-              <a:ext uri="{FF2B5EF4-FFF2-40B4-BE49-F238E27FC236}">
-                <a16:creationId xmlns:a16="http://schemas.microsoft.com/office/drawing/2014/main" id="{DC05C88B-7B95-684A-8FE7-05FA708D2A42}"/>
-              </a:ext>
-            </a:extLst>
-          </p:cNvPr>
+          <p:cNvPr id="2" name="标题 1"/>
           <p:cNvSpPr>
             <a:spLocks noGrp="1"/>
           </p:cNvSpPr>
@@ -4282,18 +9342,13 @@
               <a:rPr kumimoji="1" lang="zh-CN" altLang="en-US" dirty="0"/>
               <a:t>研究方法</a:t>
             </a:r>
-          </a:p>
-        </p:txBody>
-      </p:sp>
-      <p:sp>
-        <p:nvSpPr>
-          <p:cNvPr id="3" name="内容占位符 2">
-            <a:extLst>
-              <a:ext uri="{FF2B5EF4-FFF2-40B4-BE49-F238E27FC236}">
-                <a16:creationId xmlns:a16="http://schemas.microsoft.com/office/drawing/2014/main" id="{7F7C9673-6AA5-0646-9B8D-EC781B6423FD}"/>
-              </a:ext>
-            </a:extLst>
-          </p:cNvPr>
+            <a:endParaRPr kumimoji="1" lang="zh-CN" altLang="en-US" dirty="0"/>
+          </a:p>
+        </p:txBody>
+      </p:sp>
+      <p:sp>
+        <p:nvSpPr>
+          <p:cNvPr id="3" name="内容占位符 2"/>
           <p:cNvSpPr>
             <a:spLocks noGrp="1"/>
           </p:cNvSpPr>
@@ -4345,13 +9400,14 @@
               <a:t>触发</a:t>
             </a:r>
             <a:r>
-              <a:rPr lang="en" altLang="zh-CN" dirty="0"/>
+              <a:rPr lang="en-GB" altLang="zh-CN" dirty="0"/>
               <a:t>Bug</a:t>
             </a:r>
             <a:r>
               <a:rPr lang="zh-CN" altLang="en-US" dirty="0"/>
               <a:t>的相关函数调用、数据结构等。如：函数调用、数组的使用、指针的使用等</a:t>
             </a:r>
+            <a:endParaRPr lang="zh-CN" altLang="en-US" dirty="0"/>
           </a:p>
           <a:p>
             <a:endParaRPr lang="zh-CN" altLang="en-US" dirty="0"/>
@@ -4379,15 +9435,11 @@
               <a:rPr kumimoji="1" lang="zh-CN" altLang="en-US" dirty="0"/>
               <a:t>函数调用</a:t>
             </a:r>
+            <a:endParaRPr kumimoji="1" lang="zh-CN" altLang="en-US" dirty="0"/>
           </a:p>
         </p:txBody>
       </p:sp>
     </p:spTree>
-    <p:extLst>
-      <p:ext uri="{BB962C8B-B14F-4D97-AF65-F5344CB8AC3E}">
-        <p14:creationId xmlns:p14="http://schemas.microsoft.com/office/powerpoint/2010/main" val="850854208"/>
-      </p:ext>
-    </p:extLst>
   </p:cSld>
   <p:clrMapOvr>
     <a:masterClrMapping/>
@@ -4414,20 +9466,14 @@
       </p:grpSpPr>
       <p:pic>
         <p:nvPicPr>
-          <p:cNvPr id="7" name="图片 6">
-            <a:extLst>
-              <a:ext uri="{FF2B5EF4-FFF2-40B4-BE49-F238E27FC236}">
-                <a16:creationId xmlns:a16="http://schemas.microsoft.com/office/drawing/2014/main" id="{9B7EBA48-0C0D-D641-A060-55F750B28DC5}"/>
-              </a:ext>
-            </a:extLst>
-          </p:cNvPr>
+          <p:cNvPr id="7" name="图片 6"/>
           <p:cNvPicPr>
             <a:picLocks noChangeAspect="1"/>
           </p:cNvPicPr>
           <p:nvPr/>
         </p:nvPicPr>
         <p:blipFill>
-          <a:blip r:embed="rId2"/>
+          <a:blip r:embed="rId1"/>
           <a:stretch>
             <a:fillRect/>
           </a:stretch>
@@ -4444,13 +9490,7 @@
       </p:pic>
       <p:sp>
         <p:nvSpPr>
-          <p:cNvPr id="8" name="文本框 7">
-            <a:extLst>
-              <a:ext uri="{FF2B5EF4-FFF2-40B4-BE49-F238E27FC236}">
-                <a16:creationId xmlns:a16="http://schemas.microsoft.com/office/drawing/2014/main" id="{68832B6B-4C4D-4043-BB88-A4AE9A0029CE}"/>
-              </a:ext>
-            </a:extLst>
-          </p:cNvPr>
+          <p:cNvPr id="8" name="文本框 7"/>
           <p:cNvSpPr txBox="1"/>
           <p:nvPr/>
         </p:nvSpPr>
@@ -4496,13 +9536,7 @@
       </p:sp>
       <p:sp>
         <p:nvSpPr>
-          <p:cNvPr id="9" name="标题 1">
-            <a:extLst>
-              <a:ext uri="{FF2B5EF4-FFF2-40B4-BE49-F238E27FC236}">
-                <a16:creationId xmlns:a16="http://schemas.microsoft.com/office/drawing/2014/main" id="{AC09B636-B1AE-2D49-A3AE-4092A3D7A981}"/>
-              </a:ext>
-            </a:extLst>
-          </p:cNvPr>
+          <p:cNvPr id="9" name="标题 1"/>
           <p:cNvSpPr>
             <a:spLocks noGrp="1"/>
           </p:cNvSpPr>
@@ -4524,15 +9558,11 @@
               <a:rPr kumimoji="1" lang="zh-CN" altLang="en-US" dirty="0"/>
               <a:t>研究方法</a:t>
             </a:r>
+            <a:endParaRPr kumimoji="1" lang="zh-CN" altLang="en-US" dirty="0"/>
           </a:p>
         </p:txBody>
       </p:sp>
     </p:spTree>
-    <p:extLst>
-      <p:ext uri="{BB962C8B-B14F-4D97-AF65-F5344CB8AC3E}">
-        <p14:creationId xmlns:p14="http://schemas.microsoft.com/office/powerpoint/2010/main" val="2837353434"/>
-      </p:ext>
-    </p:extLst>
   </p:cSld>
   <p:clrMapOvr>
     <a:masterClrMapping/>
@@ -4559,13 +9589,7 @@
       </p:grpSpPr>
       <p:sp>
         <p:nvSpPr>
-          <p:cNvPr id="12" name="矩形 11">
-            <a:extLst>
-              <a:ext uri="{FF2B5EF4-FFF2-40B4-BE49-F238E27FC236}">
-                <a16:creationId xmlns:a16="http://schemas.microsoft.com/office/drawing/2014/main" id="{99A9FEA5-AFB6-8B4E-BDE8-4038E8B0CD3B}"/>
-              </a:ext>
-            </a:extLst>
-          </p:cNvPr>
+          <p:cNvPr id="12" name="矩形 11"/>
           <p:cNvSpPr/>
           <p:nvPr/>
         </p:nvSpPr>
@@ -4606,13 +9630,7 @@
       </p:sp>
       <p:sp>
         <p:nvSpPr>
-          <p:cNvPr id="8" name="文本框 7">
-            <a:extLst>
-              <a:ext uri="{FF2B5EF4-FFF2-40B4-BE49-F238E27FC236}">
-                <a16:creationId xmlns:a16="http://schemas.microsoft.com/office/drawing/2014/main" id="{68832B6B-4C4D-4043-BB88-A4AE9A0029CE}"/>
-              </a:ext>
-            </a:extLst>
-          </p:cNvPr>
+          <p:cNvPr id="8" name="文本框 7"/>
           <p:cNvSpPr txBox="1"/>
           <p:nvPr/>
         </p:nvSpPr>
@@ -4658,13 +9676,31 @@
       </p:sp>
       <p:pic>
         <p:nvPicPr>
-          <p:cNvPr id="3" name="图片 2">
-            <a:extLst>
-              <a:ext uri="{FF2B5EF4-FFF2-40B4-BE49-F238E27FC236}">
-                <a16:creationId xmlns:a16="http://schemas.microsoft.com/office/drawing/2014/main" id="{A0B993D4-8710-1F4E-B55C-9E23AF26E616}"/>
-              </a:ext>
-            </a:extLst>
-          </p:cNvPr>
+          <p:cNvPr id="3" name="图片 2"/>
+          <p:cNvPicPr>
+            <a:picLocks noChangeAspect="1"/>
+          </p:cNvPicPr>
+          <p:nvPr/>
+        </p:nvPicPr>
+        <p:blipFill>
+          <a:blip r:embed="rId1"/>
+          <a:stretch>
+            <a:fillRect/>
+          </a:stretch>
+        </p:blipFill>
+        <p:spPr>
+          <a:xfrm>
+            <a:off x="784721" y="2267658"/>
+            <a:ext cx="5622104" cy="3909624"/>
+          </a:xfrm>
+          <a:prstGeom prst="rect">
+            <a:avLst/>
+          </a:prstGeom>
+        </p:spPr>
+      </p:pic>
+      <p:pic>
+        <p:nvPicPr>
+          <p:cNvPr id="5" name="图片 4"/>
           <p:cNvPicPr>
             <a:picLocks noChangeAspect="1"/>
           </p:cNvPicPr>
@@ -4678,8 +9714,8 @@
         </p:blipFill>
         <p:spPr>
           <a:xfrm>
-            <a:off x="784721" y="2267658"/>
-            <a:ext cx="5622104" cy="3909624"/>
+            <a:off x="8106404" y="3024832"/>
+            <a:ext cx="2030274" cy="385495"/>
           </a:xfrm>
           <a:prstGeom prst="rect">
             <a:avLst/>
@@ -4688,13 +9724,7 @@
       </p:pic>
       <p:pic>
         <p:nvPicPr>
-          <p:cNvPr id="5" name="图片 4">
-            <a:extLst>
-              <a:ext uri="{FF2B5EF4-FFF2-40B4-BE49-F238E27FC236}">
-                <a16:creationId xmlns:a16="http://schemas.microsoft.com/office/drawing/2014/main" id="{0EDD17C8-C9F8-1C4A-B69F-F90359147BF1}"/>
-              </a:ext>
-            </a:extLst>
-          </p:cNvPr>
+          <p:cNvPr id="9" name="图片 8"/>
           <p:cNvPicPr>
             <a:picLocks noChangeAspect="1"/>
           </p:cNvPicPr>
@@ -4708,53 +9738,17 @@
         </p:blipFill>
         <p:spPr>
           <a:xfrm>
-            <a:off x="8106404" y="3024832"/>
-            <a:ext cx="2030274" cy="385495"/>
+            <a:off x="7430229" y="4280852"/>
+            <a:ext cx="3992616" cy="385494"/>
           </a:xfrm>
           <a:prstGeom prst="rect">
             <a:avLst/>
           </a:prstGeom>
         </p:spPr>
       </p:pic>
-      <p:pic>
-        <p:nvPicPr>
-          <p:cNvPr id="9" name="图片 8">
-            <a:extLst>
-              <a:ext uri="{FF2B5EF4-FFF2-40B4-BE49-F238E27FC236}">
-                <a16:creationId xmlns:a16="http://schemas.microsoft.com/office/drawing/2014/main" id="{7097FDBE-214C-5440-AD5C-D888F7F3C852}"/>
-              </a:ext>
-            </a:extLst>
-          </p:cNvPr>
-          <p:cNvPicPr>
-            <a:picLocks noChangeAspect="1"/>
-          </p:cNvPicPr>
-          <p:nvPr/>
-        </p:nvPicPr>
-        <p:blipFill>
-          <a:blip r:embed="rId4"/>
-          <a:stretch>
-            <a:fillRect/>
-          </a:stretch>
-        </p:blipFill>
-        <p:spPr>
-          <a:xfrm>
-            <a:off x="7430229" y="4280852"/>
-            <a:ext cx="3992616" cy="385494"/>
-          </a:xfrm>
-          <a:prstGeom prst="rect">
-            <a:avLst/>
-          </a:prstGeom>
-        </p:spPr>
-      </p:pic>
-      <p:sp>
-        <p:nvSpPr>
-          <p:cNvPr id="10" name="右箭头 9">
-            <a:extLst>
-              <a:ext uri="{FF2B5EF4-FFF2-40B4-BE49-F238E27FC236}">
-                <a16:creationId xmlns:a16="http://schemas.microsoft.com/office/drawing/2014/main" id="{E34602FC-7CFA-AE48-B013-76FCA0817EFD}"/>
-              </a:ext>
-            </a:extLst>
-          </p:cNvPr>
+      <p:sp>
+        <p:nvSpPr>
+          <p:cNvPr id="10" name="右箭头 9"/>
           <p:cNvSpPr/>
           <p:nvPr/>
         </p:nvSpPr>
@@ -4794,13 +9788,7 @@
       </p:sp>
       <p:sp>
         <p:nvSpPr>
-          <p:cNvPr id="11" name="下箭头 10">
-            <a:extLst>
-              <a:ext uri="{FF2B5EF4-FFF2-40B4-BE49-F238E27FC236}">
-                <a16:creationId xmlns:a16="http://schemas.microsoft.com/office/drawing/2014/main" id="{F71F7E07-215D-2F46-823E-0CE09513056B}"/>
-              </a:ext>
-            </a:extLst>
-          </p:cNvPr>
+          <p:cNvPr id="11" name="下箭头 10"/>
           <p:cNvSpPr/>
           <p:nvPr/>
         </p:nvSpPr>
@@ -4840,13 +9828,7 @@
       </p:sp>
       <p:sp>
         <p:nvSpPr>
-          <p:cNvPr id="14" name="文本框 13">
-            <a:extLst>
-              <a:ext uri="{FF2B5EF4-FFF2-40B4-BE49-F238E27FC236}">
-                <a16:creationId xmlns:a16="http://schemas.microsoft.com/office/drawing/2014/main" id="{A6336A21-58E2-BA41-AD61-79CF72177FD9}"/>
-              </a:ext>
-            </a:extLst>
-          </p:cNvPr>
+          <p:cNvPr id="14" name="文本框 13"/>
           <p:cNvSpPr txBox="1"/>
           <p:nvPr/>
         </p:nvSpPr>
@@ -4876,13 +9858,7 @@
       </p:sp>
       <p:sp>
         <p:nvSpPr>
-          <p:cNvPr id="15" name="下箭头 14">
-            <a:extLst>
-              <a:ext uri="{FF2B5EF4-FFF2-40B4-BE49-F238E27FC236}">
-                <a16:creationId xmlns:a16="http://schemas.microsoft.com/office/drawing/2014/main" id="{4A838546-A4DE-E341-91B0-FCFA1674BDDD}"/>
-              </a:ext>
-            </a:extLst>
-          </p:cNvPr>
+          <p:cNvPr id="15" name="下箭头 14"/>
           <p:cNvSpPr/>
           <p:nvPr/>
         </p:nvSpPr>
@@ -4922,20 +9898,14 @@
       </p:sp>
       <p:sp>
         <p:nvSpPr>
-          <p:cNvPr id="17" name="文本框 16">
-            <a:extLst>
-              <a:ext uri="{FF2B5EF4-FFF2-40B4-BE49-F238E27FC236}">
-                <a16:creationId xmlns:a16="http://schemas.microsoft.com/office/drawing/2014/main" id="{82203F26-866F-D342-92B1-39CB97FE3321}"/>
-              </a:ext>
-            </a:extLst>
-          </p:cNvPr>
+          <p:cNvPr id="17" name="文本框 16"/>
           <p:cNvSpPr txBox="1"/>
           <p:nvPr/>
         </p:nvSpPr>
         <p:spPr>
           <a:xfrm>
-            <a:off x="7501283" y="6365102"/>
-            <a:ext cx="3320140" cy="369332"/>
+            <a:off x="8393458" y="6074907"/>
+            <a:ext cx="2066290" cy="245110"/>
           </a:xfrm>
           <a:prstGeom prst="rect">
             <a:avLst/>
@@ -4949,32 +9919,32 @@
           <a:lstStyle/>
           <a:p>
             <a:r>
-              <a:rPr kumimoji="1" lang="en-US" altLang="zh-CN" dirty="0">
+              <a:rPr kumimoji="1" lang="en-US" altLang="zh-CN" sz="1000" dirty="0">
                 <a:solidFill>
-                  <a:srgbClr val="FF0000"/>
+                  <a:schemeClr val="accent2"/>
                 </a:solidFill>
               </a:rPr>
-              <a:t>(</a:t>
-            </a:r>
-            <a:r>
-              <a:rPr kumimoji="1" lang="zh-CN" altLang="en-US" dirty="0">
+              <a:t>(Q: </a:t>
+            </a:r>
+            <a:r>
+              <a:rPr kumimoji="1" lang="zh-CN" altLang="en-US" sz="1000" dirty="0">
                 <a:solidFill>
-                  <a:srgbClr val="FF0000"/>
+                  <a:schemeClr val="accent2"/>
                 </a:solidFill>
               </a:rPr>
               <a:t>如何切分代码语句各种符号？</a:t>
             </a:r>
             <a:r>
-              <a:rPr kumimoji="1" lang="en-US" altLang="zh-CN" dirty="0">
+              <a:rPr kumimoji="1" lang="en-US" altLang="zh-CN" sz="1000" dirty="0">
                 <a:solidFill>
-                  <a:srgbClr val="FF0000"/>
+                  <a:schemeClr val="accent2"/>
                 </a:solidFill>
               </a:rPr>
               <a:t>)</a:t>
             </a:r>
-            <a:endParaRPr kumimoji="1" lang="zh-CN" altLang="en-US" dirty="0">
+            <a:endParaRPr kumimoji="1" lang="en-US" altLang="zh-CN" sz="1000" dirty="0">
               <a:solidFill>
-                <a:srgbClr val="FF0000"/>
+                <a:schemeClr val="accent2"/>
               </a:solidFill>
             </a:endParaRPr>
           </a:p>
@@ -4982,13 +9952,7 @@
       </p:sp>
       <p:sp>
         <p:nvSpPr>
-          <p:cNvPr id="18" name="标题 1">
-            <a:extLst>
-              <a:ext uri="{FF2B5EF4-FFF2-40B4-BE49-F238E27FC236}">
-                <a16:creationId xmlns:a16="http://schemas.microsoft.com/office/drawing/2014/main" id="{FFE444FF-A07A-A943-8F15-51373D025383}"/>
-              </a:ext>
-            </a:extLst>
-          </p:cNvPr>
+          <p:cNvPr id="18" name="标题 1"/>
           <p:cNvSpPr>
             <a:spLocks noGrp="1"/>
           </p:cNvSpPr>
@@ -5010,15 +9974,11 @@
               <a:rPr kumimoji="1" lang="zh-CN" altLang="en-US" dirty="0"/>
               <a:t>研究方法</a:t>
             </a:r>
+            <a:endParaRPr kumimoji="1" lang="zh-CN" altLang="en-US" dirty="0"/>
           </a:p>
         </p:txBody>
       </p:sp>
     </p:spTree>
-    <p:extLst>
-      <p:ext uri="{BB962C8B-B14F-4D97-AF65-F5344CB8AC3E}">
-        <p14:creationId xmlns:p14="http://schemas.microsoft.com/office/powerpoint/2010/main" val="2617214910"/>
-      </p:ext>
-    </p:extLst>
   </p:cSld>
   <p:clrMapOvr>
     <a:masterClrMapping/>
@@ -5045,13 +10005,7 @@
       </p:grpSpPr>
       <p:sp>
         <p:nvSpPr>
-          <p:cNvPr id="8" name="文本框 7">
-            <a:extLst>
-              <a:ext uri="{FF2B5EF4-FFF2-40B4-BE49-F238E27FC236}">
-                <a16:creationId xmlns:a16="http://schemas.microsoft.com/office/drawing/2014/main" id="{68832B6B-4C4D-4043-BB88-A4AE9A0029CE}"/>
-              </a:ext>
-            </a:extLst>
-          </p:cNvPr>
+          <p:cNvPr id="8" name="文本框 7"/>
           <p:cNvSpPr txBox="1"/>
           <p:nvPr/>
         </p:nvSpPr>
@@ -5075,25 +10029,20 @@
               <a:rPr kumimoji="1" lang="zh-CN" altLang="en-US" sz="2800" dirty="0"/>
               <a:t>总览</a:t>
             </a:r>
+            <a:endParaRPr kumimoji="1" lang="zh-CN" altLang="en-US" sz="2800" dirty="0"/>
           </a:p>
         </p:txBody>
       </p:sp>
       <p:pic>
         <p:nvPicPr>
-          <p:cNvPr id="4" name="图片 3">
-            <a:extLst>
-              <a:ext uri="{FF2B5EF4-FFF2-40B4-BE49-F238E27FC236}">
-                <a16:creationId xmlns:a16="http://schemas.microsoft.com/office/drawing/2014/main" id="{FE2BD706-3E1B-B94F-9211-50598CAC3CC6}"/>
-              </a:ext>
-            </a:extLst>
-          </p:cNvPr>
+          <p:cNvPr id="4" name="图片 3"/>
           <p:cNvPicPr>
             <a:picLocks noChangeAspect="1"/>
           </p:cNvPicPr>
           <p:nvPr/>
         </p:nvPicPr>
         <p:blipFill>
-          <a:blip r:embed="rId2"/>
+          <a:blip r:embed="rId1"/>
           <a:stretch>
             <a:fillRect/>
           </a:stretch>
@@ -5110,13 +10059,7 @@
       </p:pic>
       <p:sp>
         <p:nvSpPr>
-          <p:cNvPr id="16" name="标题 1">
-            <a:extLst>
-              <a:ext uri="{FF2B5EF4-FFF2-40B4-BE49-F238E27FC236}">
-                <a16:creationId xmlns:a16="http://schemas.microsoft.com/office/drawing/2014/main" id="{3FF078EF-D9C6-AD4E-A539-617A085973F2}"/>
-              </a:ext>
-            </a:extLst>
-          </p:cNvPr>
+          <p:cNvPr id="16" name="标题 1"/>
           <p:cNvSpPr>
             <a:spLocks noGrp="1"/>
           </p:cNvSpPr>
@@ -5138,15 +10081,11 @@
               <a:rPr kumimoji="1" lang="zh-CN" altLang="en-US" dirty="0"/>
               <a:t>研究方法</a:t>
             </a:r>
+            <a:endParaRPr kumimoji="1" lang="zh-CN" altLang="en-US" dirty="0"/>
           </a:p>
         </p:txBody>
       </p:sp>
     </p:spTree>
-    <p:extLst>
-      <p:ext uri="{BB962C8B-B14F-4D97-AF65-F5344CB8AC3E}">
-        <p14:creationId xmlns:p14="http://schemas.microsoft.com/office/powerpoint/2010/main" val="4193328425"/>
-      </p:ext>
-    </p:extLst>
   </p:cSld>
   <p:clrMapOvr>
     <a:masterClrMapping/>
@@ -5173,13 +10112,7 @@
       </p:grpSpPr>
       <p:sp>
         <p:nvSpPr>
-          <p:cNvPr id="2" name="标题 1">
-            <a:extLst>
-              <a:ext uri="{FF2B5EF4-FFF2-40B4-BE49-F238E27FC236}">
-                <a16:creationId xmlns:a16="http://schemas.microsoft.com/office/drawing/2014/main" id="{DC05C88B-7B95-684A-8FE7-05FA708D2A42}"/>
-              </a:ext>
-            </a:extLst>
-          </p:cNvPr>
+          <p:cNvPr id="2" name="标题 1"/>
           <p:cNvSpPr>
             <a:spLocks noGrp="1"/>
           </p:cNvSpPr>
@@ -5196,18 +10129,37 @@
               <a:rPr kumimoji="1" lang="zh-CN" altLang="en-US" dirty="0"/>
               <a:t>研究结论</a:t>
             </a:r>
+            <a:endParaRPr kumimoji="1" lang="zh-CN" altLang="en-US" dirty="0"/>
           </a:p>
         </p:txBody>
       </p:sp>
       <p:pic>
         <p:nvPicPr>
-          <p:cNvPr id="9" name="图片 8">
-            <a:extLst>
-              <a:ext uri="{FF2B5EF4-FFF2-40B4-BE49-F238E27FC236}">
-                <a16:creationId xmlns:a16="http://schemas.microsoft.com/office/drawing/2014/main" id="{CBEBD0AA-15BD-144F-8D91-40D5DB58D08B}"/>
-              </a:ext>
-            </a:extLst>
-          </p:cNvPr>
+          <p:cNvPr id="9" name="图片 8"/>
+          <p:cNvPicPr>
+            <a:picLocks noChangeAspect="1"/>
+          </p:cNvPicPr>
+          <p:nvPr/>
+        </p:nvPicPr>
+        <p:blipFill>
+          <a:blip r:embed="rId1"/>
+          <a:stretch>
+            <a:fillRect/>
+          </a:stretch>
+        </p:blipFill>
+        <p:spPr>
+          <a:xfrm>
+            <a:off x="437600" y="1844112"/>
+            <a:ext cx="6034878" cy="1754325"/>
+          </a:xfrm>
+          <a:prstGeom prst="rect">
+            <a:avLst/>
+          </a:prstGeom>
+        </p:spPr>
+      </p:pic>
+      <p:pic>
+        <p:nvPicPr>
+          <p:cNvPr id="11" name="图片 10"/>
           <p:cNvPicPr>
             <a:picLocks noChangeAspect="1"/>
           </p:cNvPicPr>
@@ -5221,53 +10173,17 @@
         </p:blipFill>
         <p:spPr>
           <a:xfrm>
-            <a:off x="437600" y="1844112"/>
-            <a:ext cx="6034878" cy="1754325"/>
+            <a:off x="470063" y="4091379"/>
+            <a:ext cx="6264915" cy="1628170"/>
           </a:xfrm>
           <a:prstGeom prst="rect">
             <a:avLst/>
           </a:prstGeom>
         </p:spPr>
       </p:pic>
-      <p:pic>
-        <p:nvPicPr>
-          <p:cNvPr id="11" name="图片 10">
-            <a:extLst>
-              <a:ext uri="{FF2B5EF4-FFF2-40B4-BE49-F238E27FC236}">
-                <a16:creationId xmlns:a16="http://schemas.microsoft.com/office/drawing/2014/main" id="{29A0D19A-4D11-3E40-A4DA-EA6977742AEF}"/>
-              </a:ext>
-            </a:extLst>
-          </p:cNvPr>
-          <p:cNvPicPr>
-            <a:picLocks noChangeAspect="1"/>
-          </p:cNvPicPr>
-          <p:nvPr/>
-        </p:nvPicPr>
-        <p:blipFill>
-          <a:blip r:embed="rId3"/>
-          <a:stretch>
-            <a:fillRect/>
-          </a:stretch>
-        </p:blipFill>
-        <p:spPr>
-          <a:xfrm>
-            <a:off x="470063" y="4091379"/>
-            <a:ext cx="6264915" cy="1628170"/>
-          </a:xfrm>
-          <a:prstGeom prst="rect">
-            <a:avLst/>
-          </a:prstGeom>
-        </p:spPr>
-      </p:pic>
-      <p:sp>
-        <p:nvSpPr>
-          <p:cNvPr id="12" name="文本框 11">
-            <a:extLst>
-              <a:ext uri="{FF2B5EF4-FFF2-40B4-BE49-F238E27FC236}">
-                <a16:creationId xmlns:a16="http://schemas.microsoft.com/office/drawing/2014/main" id="{3B8D021A-AF09-5D4E-B282-D081AAE062C0}"/>
-              </a:ext>
-            </a:extLst>
-          </p:cNvPr>
+      <p:sp>
+        <p:nvSpPr>
+          <p:cNvPr id="12" name="文本框 11"/>
           <p:cNvSpPr txBox="1"/>
           <p:nvPr/>
         </p:nvSpPr>
@@ -5288,13 +10204,14 @@
           <a:lstStyle/>
           <a:p>
             <a:r>
-              <a:rPr lang="en" altLang="zh-CN" dirty="0"/>
+              <a:rPr lang="en-GB" altLang="zh-CN" dirty="0"/>
               <a:t>* BE: Buffer Error</a:t>
             </a:r>
             <a:r>
               <a:rPr lang="zh-CN" altLang="en-US" dirty="0"/>
               <a:t>漏洞</a:t>
             </a:r>
+            <a:endParaRPr lang="zh-CN" altLang="en-US" dirty="0"/>
           </a:p>
           <a:p>
             <a:r>
@@ -5302,13 +10219,14 @@
               <a:t>* </a:t>
             </a:r>
             <a:r>
-              <a:rPr lang="en" altLang="zh-CN" dirty="0"/>
+              <a:rPr lang="en-GB" altLang="zh-CN" dirty="0"/>
               <a:t>RM: Resource Manager</a:t>
             </a:r>
             <a:r>
               <a:rPr lang="zh-CN" altLang="en-US" dirty="0"/>
               <a:t>漏洞</a:t>
             </a:r>
+            <a:endParaRPr lang="zh-CN" altLang="en-US" dirty="0"/>
           </a:p>
           <a:p>
             <a:r>
@@ -5316,13 +10234,14 @@
               <a:t>* </a:t>
             </a:r>
             <a:r>
-              <a:rPr lang="en" altLang="zh-CN" dirty="0"/>
+              <a:rPr lang="en-GB" altLang="zh-CN" dirty="0"/>
               <a:t>HY: BE + RM</a:t>
             </a:r>
-          </a:p>
-          <a:p>
-            <a:r>
-              <a:rPr lang="en" altLang="zh-CN" dirty="0"/>
+            <a:endParaRPr lang="en-GB" altLang="zh-CN" dirty="0"/>
+          </a:p>
+          <a:p>
+            <a:r>
+              <a:rPr lang="en-GB" altLang="zh-CN" dirty="0"/>
               <a:t>* ALL: </a:t>
             </a:r>
             <a:r>
@@ -5334,13 +10253,14 @@
               <a:t>/</a:t>
             </a:r>
             <a:r>
-              <a:rPr lang="en" altLang="zh-CN" dirty="0"/>
+              <a:rPr lang="en-GB" altLang="zh-CN" dirty="0"/>
               <a:t>API</a:t>
             </a:r>
             <a:r>
               <a:rPr lang="zh-CN" altLang="en-US" dirty="0"/>
               <a:t>调用</a:t>
             </a:r>
+            <a:endParaRPr lang="zh-CN" altLang="en-US" dirty="0"/>
           </a:p>
           <a:p>
             <a:r>
@@ -5348,7 +10268,7 @@
               <a:t>* </a:t>
             </a:r>
             <a:r>
-              <a:rPr lang="en" altLang="zh-CN" dirty="0"/>
+              <a:rPr lang="en-GB" altLang="zh-CN" dirty="0"/>
               <a:t>SEL: </a:t>
             </a:r>
             <a:r>
@@ -5360,13 +10280,14 @@
               <a:t>/</a:t>
             </a:r>
             <a:r>
-              <a:rPr lang="en" altLang="zh-CN" dirty="0"/>
+              <a:rPr lang="en-GB" altLang="zh-CN" dirty="0"/>
               <a:t>API</a:t>
             </a:r>
             <a:r>
               <a:rPr lang="zh-CN" altLang="en-US" dirty="0"/>
               <a:t>调用</a:t>
             </a:r>
+            <a:endParaRPr lang="zh-CN" altLang="en-US" dirty="0"/>
           </a:p>
           <a:p>
             <a:endParaRPr kumimoji="1" lang="zh-CN" altLang="en-US" dirty="0"/>
@@ -5374,11 +10295,6 @@
         </p:txBody>
       </p:sp>
     </p:spTree>
-    <p:extLst>
-      <p:ext uri="{BB962C8B-B14F-4D97-AF65-F5344CB8AC3E}">
-        <p14:creationId xmlns:p14="http://schemas.microsoft.com/office/powerpoint/2010/main" val="449091656"/>
-      </p:ext>
-    </p:extLst>
   </p:cSld>
   <p:clrMapOvr>
     <a:masterClrMapping/>
@@ -5405,13 +10321,7 @@
       </p:grpSpPr>
       <p:sp>
         <p:nvSpPr>
-          <p:cNvPr id="2" name="标题 1">
-            <a:extLst>
-              <a:ext uri="{FF2B5EF4-FFF2-40B4-BE49-F238E27FC236}">
-                <a16:creationId xmlns:a16="http://schemas.microsoft.com/office/drawing/2014/main" id="{DC05C88B-7B95-684A-8FE7-05FA708D2A42}"/>
-              </a:ext>
-            </a:extLst>
-          </p:cNvPr>
+          <p:cNvPr id="2" name="标题 1"/>
           <p:cNvSpPr>
             <a:spLocks noGrp="1"/>
           </p:cNvSpPr>
@@ -5428,25 +10338,20 @@
               <a:rPr kumimoji="1" lang="zh-CN" altLang="en-US" dirty="0"/>
               <a:t>研究结论</a:t>
             </a:r>
+            <a:endParaRPr kumimoji="1" lang="zh-CN" altLang="en-US" dirty="0"/>
           </a:p>
         </p:txBody>
       </p:sp>
       <p:pic>
         <p:nvPicPr>
-          <p:cNvPr id="4" name="图片 3">
-            <a:extLst>
-              <a:ext uri="{FF2B5EF4-FFF2-40B4-BE49-F238E27FC236}">
-                <a16:creationId xmlns:a16="http://schemas.microsoft.com/office/drawing/2014/main" id="{9A053394-821D-A44A-AE36-E5C5509B7C67}"/>
-              </a:ext>
-            </a:extLst>
-          </p:cNvPr>
+          <p:cNvPr id="4" name="图片 3"/>
           <p:cNvPicPr>
             <a:picLocks noChangeAspect="1"/>
           </p:cNvPicPr>
           <p:nvPr/>
         </p:nvPicPr>
         <p:blipFill>
-          <a:blip r:embed="rId2"/>
+          <a:blip r:embed="rId1"/>
           <a:stretch>
             <a:fillRect/>
           </a:stretch>
@@ -5463,13 +10368,7 @@
       </p:pic>
       <p:sp>
         <p:nvSpPr>
-          <p:cNvPr id="5" name="文本框 4">
-            <a:extLst>
-              <a:ext uri="{FF2B5EF4-FFF2-40B4-BE49-F238E27FC236}">
-                <a16:creationId xmlns:a16="http://schemas.microsoft.com/office/drawing/2014/main" id="{0957FB99-8FFD-CE4D-A889-9CB45C8B1CAF}"/>
-              </a:ext>
-            </a:extLst>
-          </p:cNvPr>
+          <p:cNvPr id="5" name="文本框 4"/>
           <p:cNvSpPr txBox="1"/>
           <p:nvPr/>
         </p:nvSpPr>
@@ -5509,12 +10408,12 @@
               <a:t> </a:t>
             </a:r>
             <a:r>
-              <a:rPr lang="en" altLang="zh-CN" sz="1600" dirty="0">
-                <a:hlinkClick r:id="rId3"/>
+              <a:rPr lang="en-GB" altLang="zh-CN" sz="1600" dirty="0">
+                <a:hlinkClick r:id="rId2"/>
               </a:rPr>
               <a:t>https://samate.nist.gov/SARD/</a:t>
             </a:r>
-            <a:endParaRPr lang="en" altLang="zh-CN" sz="1600" dirty="0"/>
+            <a:endParaRPr lang="en-GB" altLang="zh-CN" sz="1600" dirty="0"/>
           </a:p>
           <a:p>
             <a:pPr marL="285750" indent="-285750">
@@ -5530,19 +10429,19 @@
               <a:t> </a:t>
             </a:r>
             <a:r>
-              <a:rPr lang="en" altLang="zh-CN" sz="1600" dirty="0">
-                <a:hlinkClick r:id="rId4"/>
+              <a:rPr lang="en-GB" altLang="zh-CN" sz="1600" dirty="0">
+                <a:hlinkClick r:id="rId3"/>
               </a:rPr>
               <a:t>https://nvd.nist.gov/</a:t>
             </a:r>
-            <a:endParaRPr lang="en" altLang="zh-CN" sz="1600" dirty="0"/>
+            <a:endParaRPr lang="en-GB" altLang="zh-CN" sz="1600" dirty="0"/>
           </a:p>
           <a:p>
             <a:pPr marL="285750" indent="-285750">
               <a:buFont typeface="Arial" panose="020B0604020202020204" pitchFamily="34" charset="0"/>
               <a:buChar char="•"/>
             </a:pPr>
-            <a:endParaRPr lang="en" altLang="zh-CN" dirty="0"/>
+            <a:endParaRPr lang="en-GB" altLang="zh-CN" dirty="0"/>
           </a:p>
           <a:p>
             <a:endParaRPr kumimoji="1" lang="zh-CN" altLang="en-US" dirty="0"/>
@@ -5551,13 +10450,31 @@
       </p:sp>
       <p:pic>
         <p:nvPicPr>
-          <p:cNvPr id="7" name="图片 6">
-            <a:extLst>
-              <a:ext uri="{FF2B5EF4-FFF2-40B4-BE49-F238E27FC236}">
-                <a16:creationId xmlns:a16="http://schemas.microsoft.com/office/drawing/2014/main" id="{60B16E2C-9307-5A42-A516-08E9547B60C8}"/>
-              </a:ext>
-            </a:extLst>
-          </p:cNvPr>
+          <p:cNvPr id="7" name="图片 6"/>
+          <p:cNvPicPr>
+            <a:picLocks noChangeAspect="1"/>
+          </p:cNvPicPr>
+          <p:nvPr/>
+        </p:nvPicPr>
+        <p:blipFill>
+          <a:blip r:embed="rId4"/>
+          <a:stretch>
+            <a:fillRect/>
+          </a:stretch>
+        </p:blipFill>
+        <p:spPr>
+          <a:xfrm>
+            <a:off x="1289730" y="2000808"/>
+            <a:ext cx="3884208" cy="1325563"/>
+          </a:xfrm>
+          <a:prstGeom prst="rect">
+            <a:avLst/>
+          </a:prstGeom>
+        </p:spPr>
+      </p:pic>
+      <p:pic>
+        <p:nvPicPr>
+          <p:cNvPr id="10" name="图片 9"/>
           <p:cNvPicPr>
             <a:picLocks noChangeAspect="1"/>
           </p:cNvPicPr>
@@ -5571,55 +10488,26 @@
         </p:blipFill>
         <p:spPr>
           <a:xfrm>
-            <a:off x="1289730" y="2000808"/>
-            <a:ext cx="3884208" cy="1325563"/>
+            <a:off x="1289729" y="3428999"/>
+            <a:ext cx="3884207" cy="1386129"/>
           </a:xfrm>
           <a:prstGeom prst="rect">
             <a:avLst/>
           </a:prstGeom>
         </p:spPr>
       </p:pic>
-      <p:pic>
-        <p:nvPicPr>
-          <p:cNvPr id="10" name="图片 9">
-            <a:extLst>
-              <a:ext uri="{FF2B5EF4-FFF2-40B4-BE49-F238E27FC236}">
-                <a16:creationId xmlns:a16="http://schemas.microsoft.com/office/drawing/2014/main" id="{6198AD5E-6948-9D4E-A1E7-ED2D3D72724B}"/>
-              </a:ext>
-            </a:extLst>
-          </p:cNvPr>
-          <p:cNvPicPr>
-            <a:picLocks noChangeAspect="1"/>
-          </p:cNvPicPr>
-          <p:nvPr/>
-        </p:nvPicPr>
-        <p:blipFill>
-          <a:blip r:embed="rId6"/>
-          <a:stretch>
-            <a:fillRect/>
-          </a:stretch>
-        </p:blipFill>
-        <p:spPr>
-          <a:xfrm>
-            <a:off x="1289729" y="3428999"/>
-            <a:ext cx="3884207" cy="1386129"/>
-          </a:xfrm>
-          <a:prstGeom prst="rect">
-            <a:avLst/>
-          </a:prstGeom>
-        </p:spPr>
-      </p:pic>
     </p:spTree>
-    <p:extLst>
-      <p:ext uri="{BB962C8B-B14F-4D97-AF65-F5344CB8AC3E}">
-        <p14:creationId xmlns:p14="http://schemas.microsoft.com/office/powerpoint/2010/main" val="387732832"/>
-      </p:ext>
-    </p:extLst>
   </p:cSld>
   <p:clrMapOvr>
     <a:masterClrMapping/>
   </p:clrMapOvr>
 </p:sld>
+</file>
+
+<file path=ppt/tags/tag1.xml><?xml version="1.0" encoding="utf-8"?>
+<p:tagLst xmlns:p="http://schemas.openxmlformats.org/presentationml/2006/main">
+  <p:tag name="KSO_WM_UNIT_PLACING_PICTURE_USER_VIEWPORT" val="{&quot;height&quot;:4344,&quot;width&quot;:9996}"/>
+</p:tagLst>
 </file>
 
 <file path=ppt/theme/theme1.xml><?xml version="1.0" encoding="utf-8"?>
@@ -5665,7 +10553,7 @@
     </a:clrScheme>
     <a:fontScheme name="Office">
       <a:majorFont>
-        <a:latin typeface="等线 Light" panose="020F0302020204030204"/>
+        <a:latin typeface="等线 Light"/>
         <a:ea typeface=""/>
         <a:cs typeface=""/>
         <a:font script="Jpan" typeface="游ゴシック Light"/>
@@ -5698,26 +10586,9 @@
         <a:font script="Viet" typeface="Times New Roman"/>
         <a:font script="Uigh" typeface="Microsoft Uighur"/>
         <a:font script="Geor" typeface="Sylfaen"/>
-        <a:font script="Armn" typeface="Arial"/>
-        <a:font script="Bugi" typeface="Leelawadee UI"/>
-        <a:font script="Bopo" typeface="Microsoft JhengHei"/>
-        <a:font script="Java" typeface="Javanese Text"/>
-        <a:font script="Lisu" typeface="Segoe UI"/>
-        <a:font script="Mymr" typeface="Myanmar Text"/>
-        <a:font script="Nkoo" typeface="Ebrima"/>
-        <a:font script="Olck" typeface="Nirmala UI"/>
-        <a:font script="Osma" typeface="Ebrima"/>
-        <a:font script="Phag" typeface="Phagspa"/>
-        <a:font script="Syrn" typeface="Estrangelo Edessa"/>
-        <a:font script="Syrj" typeface="Estrangelo Edessa"/>
-        <a:font script="Syre" typeface="Estrangelo Edessa"/>
-        <a:font script="Sora" typeface="Nirmala UI"/>
-        <a:font script="Tale" typeface="Microsoft Tai Le"/>
-        <a:font script="Talu" typeface="Microsoft New Tai Lue"/>
-        <a:font script="Tfng" typeface="Ebrima"/>
       </a:majorFont>
       <a:minorFont>
-        <a:latin typeface="等线" panose="020F0502020204030204"/>
+        <a:latin typeface="等线"/>
         <a:ea typeface=""/>
         <a:cs typeface=""/>
         <a:font script="Jpan" typeface="游ゴシック"/>
@@ -5750,23 +10621,6 @@
         <a:font script="Viet" typeface="Arial"/>
         <a:font script="Uigh" typeface="Microsoft Uighur"/>
         <a:font script="Geor" typeface="Sylfaen"/>
-        <a:font script="Armn" typeface="Arial"/>
-        <a:font script="Bugi" typeface="Leelawadee UI"/>
-        <a:font script="Bopo" typeface="Microsoft JhengHei"/>
-        <a:font script="Java" typeface="Javanese Text"/>
-        <a:font script="Lisu" typeface="Segoe UI"/>
-        <a:font script="Mymr" typeface="Myanmar Text"/>
-        <a:font script="Nkoo" typeface="Ebrima"/>
-        <a:font script="Olck" typeface="Nirmala UI"/>
-        <a:font script="Osma" typeface="Ebrima"/>
-        <a:font script="Phag" typeface="Phagspa"/>
-        <a:font script="Syrn" typeface="Estrangelo Edessa"/>
-        <a:font script="Syrj" typeface="Estrangelo Edessa"/>
-        <a:font script="Syre" typeface="Estrangelo Edessa"/>
-        <a:font script="Sora" typeface="Nirmala UI"/>
-        <a:font script="Tale" typeface="Microsoft Tai Le"/>
-        <a:font script="Talu" typeface="Microsoft New Tai Lue"/>
-        <a:font script="Tfng" typeface="Ebrima"/>
       </a:minorFont>
     </a:fontScheme>
     <a:fmtScheme name="Office">
@@ -5907,8 +10761,524 @@
       </a:bgFillStyleLst>
     </a:fmtScheme>
   </a:themeElements>
-  <a:objectDefaults/>
-  <a:extraClrSchemeLst/>
+  <a:extLst>
+    <a:ext uri="{05A4C25C-085E-4340-85A3-A5531E510DB2}">
+      <thm15:themeFamily xmlns:thm15="http://schemas.microsoft.com/office/thememl/2012/main" name="Office Theme" id="{62F939B6-93AF-4DB8-9C6B-D6C7DFDC589F}" vid="{4A3C46E8-61CC-4603-A589-7422A47A8E4A}"/>
+    </a:ext>
+  </a:extLst>
+</a:theme>
+</file>
+
+<file path=ppt/theme/theme2.xml><?xml version="1.0" encoding="utf-8"?>
+<a:theme xmlns:a="http://schemas.openxmlformats.org/drawingml/2006/main" name="1_Office 主题​​">
+  <a:themeElements>
+    <a:clrScheme name="Office">
+      <a:dk1>
+        <a:sysClr val="windowText" lastClr="000000"/>
+      </a:dk1>
+      <a:lt1>
+        <a:sysClr val="window" lastClr="FFFFFF"/>
+      </a:lt1>
+      <a:dk2>
+        <a:srgbClr val="44546A"/>
+      </a:dk2>
+      <a:lt2>
+        <a:srgbClr val="E7E6E6"/>
+      </a:lt2>
+      <a:accent1>
+        <a:srgbClr val="4472C4"/>
+      </a:accent1>
+      <a:accent2>
+        <a:srgbClr val="ED7D31"/>
+      </a:accent2>
+      <a:accent3>
+        <a:srgbClr val="A5A5A5"/>
+      </a:accent3>
+      <a:accent4>
+        <a:srgbClr val="FFC000"/>
+      </a:accent4>
+      <a:accent5>
+        <a:srgbClr val="5B9BD5"/>
+      </a:accent5>
+      <a:accent6>
+        <a:srgbClr val="70AD47"/>
+      </a:accent6>
+      <a:hlink>
+        <a:srgbClr val="0563C1"/>
+      </a:hlink>
+      <a:folHlink>
+        <a:srgbClr val="954F72"/>
+      </a:folHlink>
+    </a:clrScheme>
+    <a:fontScheme name="Office">
+      <a:majorFont>
+        <a:latin typeface="等线 Light"/>
+        <a:ea typeface=""/>
+        <a:cs typeface=""/>
+        <a:font script="Jpan" typeface="游ゴシック Light"/>
+        <a:font script="Hang" typeface="맑은 고딕"/>
+        <a:font script="Hans" typeface="等线 Light"/>
+        <a:font script="Hant" typeface="新細明體"/>
+        <a:font script="Arab" typeface="Times New Roman"/>
+        <a:font script="Hebr" typeface="Times New Roman"/>
+        <a:font script="Thai" typeface="Angsana New"/>
+        <a:font script="Ethi" typeface="Nyala"/>
+        <a:font script="Beng" typeface="Vrinda"/>
+        <a:font script="Gujr" typeface="Shruti"/>
+        <a:font script="Khmr" typeface="MoolBoran"/>
+        <a:font script="Knda" typeface="Tunga"/>
+        <a:font script="Guru" typeface="Raavi"/>
+        <a:font script="Cans" typeface="Euphemia"/>
+        <a:font script="Cher" typeface="Plantagenet Cherokee"/>
+        <a:font script="Yiii" typeface="Microsoft Yi Baiti"/>
+        <a:font script="Tibt" typeface="Microsoft Himalaya"/>
+        <a:font script="Thaa" typeface="MV Boli"/>
+        <a:font script="Deva" typeface="Mangal"/>
+        <a:font script="Telu" typeface="Gautami"/>
+        <a:font script="Taml" typeface="Latha"/>
+        <a:font script="Syrc" typeface="Estrangelo Edessa"/>
+        <a:font script="Orya" typeface="Kalinga"/>
+        <a:font script="Mlym" typeface="Kartika"/>
+        <a:font script="Laoo" typeface="DokChampa"/>
+        <a:font script="Sinh" typeface="Iskoola Pota"/>
+        <a:font script="Mong" typeface="Mongolian Baiti"/>
+        <a:font script="Viet" typeface="Times New Roman"/>
+        <a:font script="Uigh" typeface="Microsoft Uighur"/>
+        <a:font script="Geor" typeface="Sylfaen"/>
+      </a:majorFont>
+      <a:minorFont>
+        <a:latin typeface="等线"/>
+        <a:ea typeface=""/>
+        <a:cs typeface=""/>
+        <a:font script="Jpan" typeface="游ゴシック"/>
+        <a:font script="Hang" typeface="맑은 고딕"/>
+        <a:font script="Hans" typeface="等线"/>
+        <a:font script="Hant" typeface="新細明體"/>
+        <a:font script="Arab" typeface="Arial"/>
+        <a:font script="Hebr" typeface="Arial"/>
+        <a:font script="Thai" typeface="Cordia New"/>
+        <a:font script="Ethi" typeface="Nyala"/>
+        <a:font script="Beng" typeface="Vrinda"/>
+        <a:font script="Gujr" typeface="Shruti"/>
+        <a:font script="Khmr" typeface="DaunPenh"/>
+        <a:font script="Knda" typeface="Tunga"/>
+        <a:font script="Guru" typeface="Raavi"/>
+        <a:font script="Cans" typeface="Euphemia"/>
+        <a:font script="Cher" typeface="Plantagenet Cherokee"/>
+        <a:font script="Yiii" typeface="Microsoft Yi Baiti"/>
+        <a:font script="Tibt" typeface="Microsoft Himalaya"/>
+        <a:font script="Thaa" typeface="MV Boli"/>
+        <a:font script="Deva" typeface="Mangal"/>
+        <a:font script="Telu" typeface="Gautami"/>
+        <a:font script="Taml" typeface="Latha"/>
+        <a:font script="Syrc" typeface="Estrangelo Edessa"/>
+        <a:font script="Orya" typeface="Kalinga"/>
+        <a:font script="Mlym" typeface="Kartika"/>
+        <a:font script="Laoo" typeface="DokChampa"/>
+        <a:font script="Sinh" typeface="Iskoola Pota"/>
+        <a:font script="Mong" typeface="Mongolian Baiti"/>
+        <a:font script="Viet" typeface="Arial"/>
+        <a:font script="Uigh" typeface="Microsoft Uighur"/>
+        <a:font script="Geor" typeface="Sylfaen"/>
+      </a:minorFont>
+    </a:fontScheme>
+    <a:fmtScheme name="Office">
+      <a:fillStyleLst>
+        <a:solidFill>
+          <a:schemeClr val="phClr"/>
+        </a:solidFill>
+        <a:gradFill rotWithShape="1">
+          <a:gsLst>
+            <a:gs pos="0">
+              <a:schemeClr val="phClr">
+                <a:lumMod val="110000"/>
+                <a:satMod val="105000"/>
+                <a:tint val="67000"/>
+              </a:schemeClr>
+            </a:gs>
+            <a:gs pos="50000">
+              <a:schemeClr val="phClr">
+                <a:lumMod val="105000"/>
+                <a:satMod val="103000"/>
+                <a:tint val="73000"/>
+              </a:schemeClr>
+            </a:gs>
+            <a:gs pos="100000">
+              <a:schemeClr val="phClr">
+                <a:lumMod val="105000"/>
+                <a:satMod val="109000"/>
+                <a:tint val="81000"/>
+              </a:schemeClr>
+            </a:gs>
+          </a:gsLst>
+          <a:lin ang="5400000" scaled="0"/>
+        </a:gradFill>
+        <a:gradFill rotWithShape="1">
+          <a:gsLst>
+            <a:gs pos="0">
+              <a:schemeClr val="phClr">
+                <a:satMod val="103000"/>
+                <a:lumMod val="102000"/>
+                <a:tint val="94000"/>
+              </a:schemeClr>
+            </a:gs>
+            <a:gs pos="50000">
+              <a:schemeClr val="phClr">
+                <a:satMod val="110000"/>
+                <a:lumMod val="100000"/>
+                <a:shade val="100000"/>
+              </a:schemeClr>
+            </a:gs>
+            <a:gs pos="100000">
+              <a:schemeClr val="phClr">
+                <a:lumMod val="99000"/>
+                <a:satMod val="120000"/>
+                <a:shade val="78000"/>
+              </a:schemeClr>
+            </a:gs>
+          </a:gsLst>
+          <a:lin ang="5400000" scaled="0"/>
+        </a:gradFill>
+      </a:fillStyleLst>
+      <a:lnStyleLst>
+        <a:ln w="6350" cap="flat" cmpd="sng" algn="ctr">
+          <a:solidFill>
+            <a:schemeClr val="phClr"/>
+          </a:solidFill>
+          <a:prstDash val="solid"/>
+          <a:miter lim="800000"/>
+        </a:ln>
+        <a:ln w="12700" cap="flat" cmpd="sng" algn="ctr">
+          <a:solidFill>
+            <a:schemeClr val="phClr"/>
+          </a:solidFill>
+          <a:prstDash val="solid"/>
+          <a:miter lim="800000"/>
+        </a:ln>
+        <a:ln w="19050" cap="flat" cmpd="sng" algn="ctr">
+          <a:solidFill>
+            <a:schemeClr val="phClr"/>
+          </a:solidFill>
+          <a:prstDash val="solid"/>
+          <a:miter lim="800000"/>
+        </a:ln>
+      </a:lnStyleLst>
+      <a:effectStyleLst>
+        <a:effectStyle>
+          <a:effectLst/>
+        </a:effectStyle>
+        <a:effectStyle>
+          <a:effectLst/>
+        </a:effectStyle>
+        <a:effectStyle>
+          <a:effectLst>
+            <a:outerShdw blurRad="57150" dist="19050" dir="5400000" algn="ctr" rotWithShape="0">
+              <a:srgbClr val="000000">
+                <a:alpha val="63000"/>
+              </a:srgbClr>
+            </a:outerShdw>
+          </a:effectLst>
+        </a:effectStyle>
+      </a:effectStyleLst>
+      <a:bgFillStyleLst>
+        <a:solidFill>
+          <a:schemeClr val="phClr"/>
+        </a:solidFill>
+        <a:solidFill>
+          <a:schemeClr val="phClr">
+            <a:tint val="95000"/>
+            <a:satMod val="170000"/>
+          </a:schemeClr>
+        </a:solidFill>
+        <a:gradFill rotWithShape="1">
+          <a:gsLst>
+            <a:gs pos="0">
+              <a:schemeClr val="phClr">
+                <a:tint val="93000"/>
+                <a:satMod val="150000"/>
+                <a:shade val="98000"/>
+                <a:lumMod val="102000"/>
+              </a:schemeClr>
+            </a:gs>
+            <a:gs pos="50000">
+              <a:schemeClr val="phClr">
+                <a:tint val="98000"/>
+                <a:satMod val="130000"/>
+                <a:shade val="90000"/>
+                <a:lumMod val="103000"/>
+              </a:schemeClr>
+            </a:gs>
+            <a:gs pos="100000">
+              <a:schemeClr val="phClr">
+                <a:shade val="63000"/>
+                <a:satMod val="120000"/>
+              </a:schemeClr>
+            </a:gs>
+          </a:gsLst>
+          <a:lin ang="5400000" scaled="0"/>
+        </a:gradFill>
+      </a:bgFillStyleLst>
+    </a:fmtScheme>
+  </a:themeElements>
+  <a:extLst>
+    <a:ext uri="{05A4C25C-085E-4340-85A3-A5531E510DB2}">
+      <thm15:themeFamily xmlns:thm15="http://schemas.microsoft.com/office/thememl/2012/main" name="Office Theme" id="{62F939B6-93AF-4DB8-9C6B-D6C7DFDC589F}" vid="{4A3C46E8-61CC-4603-A589-7422A47A8E4A}"/>
+    </a:ext>
+  </a:extLst>
+</a:theme>
+</file>
+
+<file path=ppt/theme/theme3.xml><?xml version="1.0" encoding="utf-8"?>
+<a:theme xmlns:a="http://schemas.openxmlformats.org/drawingml/2006/main" name="Office 主题">
+  <a:themeElements>
+    <a:clrScheme name="Office">
+      <a:dk1>
+        <a:sysClr val="windowText" lastClr="000000"/>
+      </a:dk1>
+      <a:lt1>
+        <a:sysClr val="window" lastClr="FFFFFF"/>
+      </a:lt1>
+      <a:dk2>
+        <a:srgbClr val="44546A"/>
+      </a:dk2>
+      <a:lt2>
+        <a:srgbClr val="E7E6E6"/>
+      </a:lt2>
+      <a:accent1>
+        <a:srgbClr val="5B9BD5"/>
+      </a:accent1>
+      <a:accent2>
+        <a:srgbClr val="ED7D31"/>
+      </a:accent2>
+      <a:accent3>
+        <a:srgbClr val="A5A5A5"/>
+      </a:accent3>
+      <a:accent4>
+        <a:srgbClr val="FFC000"/>
+      </a:accent4>
+      <a:accent5>
+        <a:srgbClr val="4472C4"/>
+      </a:accent5>
+      <a:accent6>
+        <a:srgbClr val="70AD47"/>
+      </a:accent6>
+      <a:hlink>
+        <a:srgbClr val="0563C1"/>
+      </a:hlink>
+      <a:folHlink>
+        <a:srgbClr val="954F72"/>
+      </a:folHlink>
+    </a:clrScheme>
+    <a:fontScheme name="Office">
+      <a:majorFont>
+        <a:latin typeface="Calibri Light"/>
+        <a:ea typeface=""/>
+        <a:cs typeface=""/>
+        <a:font script="Jpan" typeface="ＭＳ Ｐゴシック"/>
+        <a:font script="Hang" typeface="맑은 고딕"/>
+        <a:font script="Hans" typeface="宋体"/>
+        <a:font script="Hant" typeface="新細明體"/>
+        <a:font script="Arab" typeface="Times New Roman"/>
+        <a:font script="Hebr" typeface="Times New Roman"/>
+        <a:font script="Thai" typeface="Angsana New"/>
+        <a:font script="Ethi" typeface="Nyala"/>
+        <a:font script="Beng" typeface="Vrinda"/>
+        <a:font script="Gujr" typeface="Shruti"/>
+        <a:font script="Khmr" typeface="MoolBoran"/>
+        <a:font script="Knda" typeface="Tunga"/>
+        <a:font script="Guru" typeface="Raavi"/>
+        <a:font script="Cans" typeface="Euphemia"/>
+        <a:font script="Cher" typeface="Plantagenet Cherokee"/>
+        <a:font script="Yiii" typeface="Microsoft Yi Baiti"/>
+        <a:font script="Tibt" typeface="Microsoft Himalaya"/>
+        <a:font script="Thaa" typeface="MV Boli"/>
+        <a:font script="Deva" typeface="Mangal"/>
+        <a:font script="Telu" typeface="Gautami"/>
+        <a:font script="Taml" typeface="Latha"/>
+        <a:font script="Syrc" typeface="Estrangelo Edessa"/>
+        <a:font script="Orya" typeface="Kalinga"/>
+        <a:font script="Mlym" typeface="Kartika"/>
+        <a:font script="Laoo" typeface="DokChampa"/>
+        <a:font script="Sinh" typeface="Iskoola Pota"/>
+        <a:font script="Mong" typeface="Mongolian Baiti"/>
+        <a:font script="Viet" typeface="Times New Roman"/>
+        <a:font script="Uigh" typeface="Microsoft Uighur"/>
+        <a:font script="Geor" typeface="Sylfaen"/>
+      </a:majorFont>
+      <a:minorFont>
+        <a:latin typeface="Calibri"/>
+        <a:ea typeface=""/>
+        <a:cs typeface=""/>
+        <a:font script="Jpan" typeface="ＭＳ Ｐゴシック"/>
+        <a:font script="Hang" typeface="맑은 고딕"/>
+        <a:font script="Hans" typeface="宋体"/>
+        <a:font script="Hant" typeface="新細明體"/>
+        <a:font script="Arab" typeface="Arial"/>
+        <a:font script="Hebr" typeface="Arial"/>
+        <a:font script="Thai" typeface="Cordia New"/>
+        <a:font script="Ethi" typeface="Nyala"/>
+        <a:font script="Beng" typeface="Vrinda"/>
+        <a:font script="Gujr" typeface="Shruti"/>
+        <a:font script="Khmr" typeface="DaunPenh"/>
+        <a:font script="Knda" typeface="Tunga"/>
+        <a:font script="Guru" typeface="Raavi"/>
+        <a:font script="Cans" typeface="Euphemia"/>
+        <a:font script="Cher" typeface="Plantagenet Cherokee"/>
+        <a:font script="Yiii" typeface="Microsoft Yi Baiti"/>
+        <a:font script="Tibt" typeface="Microsoft Himalaya"/>
+        <a:font script="Thaa" typeface="MV Boli"/>
+        <a:font script="Deva" typeface="Mangal"/>
+        <a:font script="Telu" typeface="Gautami"/>
+        <a:font script="Taml" typeface="Latha"/>
+        <a:font script="Syrc" typeface="Estrangelo Edessa"/>
+        <a:font script="Orya" typeface="Kalinga"/>
+        <a:font script="Mlym" typeface="Kartika"/>
+        <a:font script="Laoo" typeface="DokChampa"/>
+        <a:font script="Sinh" typeface="Iskoola Pota"/>
+        <a:font script="Mong" typeface="Mongolian Baiti"/>
+        <a:font script="Viet" typeface="Arial"/>
+        <a:font script="Uigh" typeface="Microsoft Uighur"/>
+        <a:font script="Geor" typeface="Sylfaen"/>
+      </a:minorFont>
+    </a:fontScheme>
+    <a:fmtScheme name="Office">
+      <a:fillStyleLst>
+        <a:solidFill>
+          <a:schemeClr val="phClr"/>
+        </a:solidFill>
+        <a:gradFill rotWithShape="1">
+          <a:gsLst>
+            <a:gs pos="0">
+              <a:schemeClr val="phClr">
+                <a:lumMod val="110000"/>
+                <a:satMod val="105000"/>
+                <a:tint val="67000"/>
+              </a:schemeClr>
+            </a:gs>
+            <a:gs pos="50000">
+              <a:schemeClr val="phClr">
+                <a:lumMod val="105000"/>
+                <a:satMod val="103000"/>
+                <a:tint val="73000"/>
+              </a:schemeClr>
+            </a:gs>
+            <a:gs pos="100000">
+              <a:schemeClr val="phClr">
+                <a:lumMod val="105000"/>
+                <a:satMod val="109000"/>
+                <a:tint val="81000"/>
+              </a:schemeClr>
+            </a:gs>
+          </a:gsLst>
+          <a:lin ang="5400000" scaled="0"/>
+        </a:gradFill>
+        <a:gradFill rotWithShape="1">
+          <a:gsLst>
+            <a:gs pos="0">
+              <a:schemeClr val="phClr">
+                <a:satMod val="103000"/>
+                <a:lumMod val="102000"/>
+                <a:tint val="94000"/>
+              </a:schemeClr>
+            </a:gs>
+            <a:gs pos="50000">
+              <a:schemeClr val="phClr">
+                <a:satMod val="110000"/>
+                <a:lumMod val="100000"/>
+                <a:shade val="100000"/>
+              </a:schemeClr>
+            </a:gs>
+            <a:gs pos="100000">
+              <a:schemeClr val="phClr">
+                <a:lumMod val="99000"/>
+                <a:satMod val="120000"/>
+                <a:shade val="78000"/>
+              </a:schemeClr>
+            </a:gs>
+          </a:gsLst>
+          <a:lin ang="5400000" scaled="0"/>
+        </a:gradFill>
+      </a:fillStyleLst>
+      <a:lnStyleLst>
+        <a:ln w="6350" cap="flat" cmpd="sng" algn="ctr">
+          <a:solidFill>
+            <a:schemeClr val="phClr"/>
+          </a:solidFill>
+          <a:prstDash val="solid"/>
+          <a:miter lim="800000"/>
+        </a:ln>
+        <a:ln w="12700" cap="flat" cmpd="sng" algn="ctr">
+          <a:solidFill>
+            <a:schemeClr val="phClr"/>
+          </a:solidFill>
+          <a:prstDash val="solid"/>
+          <a:miter lim="800000"/>
+        </a:ln>
+        <a:ln w="19050" cap="flat" cmpd="sng" algn="ctr">
+          <a:solidFill>
+            <a:schemeClr val="phClr"/>
+          </a:solidFill>
+          <a:prstDash val="solid"/>
+          <a:miter lim="800000"/>
+        </a:ln>
+      </a:lnStyleLst>
+      <a:effectStyleLst>
+        <a:effectStyle>
+          <a:effectLst/>
+        </a:effectStyle>
+        <a:effectStyle>
+          <a:effectLst/>
+        </a:effectStyle>
+        <a:effectStyle>
+          <a:effectLst>
+            <a:outerShdw blurRad="57150" dist="19050" dir="5400000" algn="ctr" rotWithShape="0">
+              <a:srgbClr val="000000">
+                <a:alpha val="63000"/>
+              </a:srgbClr>
+            </a:outerShdw>
+          </a:effectLst>
+        </a:effectStyle>
+      </a:effectStyleLst>
+      <a:bgFillStyleLst>
+        <a:solidFill>
+          <a:schemeClr val="phClr"/>
+        </a:solidFill>
+        <a:solidFill>
+          <a:schemeClr val="phClr">
+            <a:tint val="95000"/>
+            <a:satMod val="170000"/>
+          </a:schemeClr>
+        </a:solidFill>
+        <a:gradFill rotWithShape="1">
+          <a:gsLst>
+            <a:gs pos="0">
+              <a:schemeClr val="phClr">
+                <a:tint val="93000"/>
+                <a:satMod val="150000"/>
+                <a:shade val="98000"/>
+                <a:lumMod val="102000"/>
+              </a:schemeClr>
+            </a:gs>
+            <a:gs pos="50000">
+              <a:schemeClr val="phClr">
+                <a:tint val="98000"/>
+                <a:satMod val="130000"/>
+                <a:shade val="90000"/>
+                <a:lumMod val="103000"/>
+              </a:schemeClr>
+            </a:gs>
+            <a:gs pos="100000">
+              <a:schemeClr val="phClr">
+                <a:shade val="63000"/>
+                <a:satMod val="120000"/>
+              </a:schemeClr>
+            </a:gs>
+          </a:gsLst>
+          <a:lin ang="5400000" scaled="0"/>
+        </a:gradFill>
+      </a:bgFillStyleLst>
+    </a:fmtScheme>
+  </a:themeElements>
   <a:extLst>
     <a:ext uri="{05A4C25C-085E-4340-85A3-A5531E510DB2}">
       <thm15:themeFamily xmlns:thm15="http://schemas.microsoft.com/office/thememl/2012/main" name="Office Theme" id="{62F939B6-93AF-4DB8-9C6B-D6C7DFDC589F}" vid="{4A3C46E8-61CC-4603-A589-7422A47A8E4A}"/>

--- a/presentation/hezhi_vuldeepecker_sysevr.pptx
+++ b/presentation/hezhi_vuldeepecker_sysevr.pptx
@@ -8209,7 +8209,15 @@
                   <a:schemeClr val="accent2"/>
                 </a:solidFill>
               </a:rPr>
-              <a:t>还是没提如何切</a:t>
+              <a:t>如何切分</a:t>
+            </a:r>
+            <a:r>
+              <a:rPr lang="zh-CN" altLang="en-US" sz="1000">
+                <a:solidFill>
+                  <a:schemeClr val="accent2"/>
+                </a:solidFill>
+              </a:rPr>
+              <a:t>语句？</a:t>
             </a:r>
             <a:endParaRPr lang="zh-CN" altLang="en-US" sz="1000">
               <a:solidFill>

--- a/presentation/hezhi_vuldeepecker_sysevr.pptx
+++ b/presentation/hezhi_vuldeepecker_sysevr.pptx
@@ -6,7 +6,7 @@
     <p:sldMasterId id="2147483660" r:id="rId3"/>
   </p:sldMasterIdLst>
   <p:notesMasterIdLst>
-    <p:notesMasterId r:id="rId17"/>
+    <p:notesMasterId r:id="rId18"/>
   </p:notesMasterIdLst>
   <p:sldIdLst>
     <p:sldId id="256" r:id="rId4"/>
@@ -18,18 +18,19 @@
     <p:sldId id="262" r:id="rId10"/>
     <p:sldId id="263" r:id="rId11"/>
     <p:sldId id="264" r:id="rId12"/>
-    <p:sldId id="265" r:id="rId13"/>
-    <p:sldId id="266" r:id="rId14"/>
-    <p:sldId id="267" r:id="rId15"/>
-    <p:sldId id="268" r:id="rId16"/>
-    <p:sldId id="269" r:id="rId18"/>
-    <p:sldId id="270" r:id="rId19"/>
-    <p:sldId id="271" r:id="rId20"/>
-    <p:sldId id="272" r:id="rId21"/>
-    <p:sldId id="273" r:id="rId22"/>
-    <p:sldId id="274" r:id="rId23"/>
-    <p:sldId id="275" r:id="rId24"/>
-    <p:sldId id="276" r:id="rId25"/>
+    <p:sldId id="277" r:id="rId13"/>
+    <p:sldId id="265" r:id="rId14"/>
+    <p:sldId id="266" r:id="rId15"/>
+    <p:sldId id="267" r:id="rId16"/>
+    <p:sldId id="268" r:id="rId17"/>
+    <p:sldId id="269" r:id="rId19"/>
+    <p:sldId id="270" r:id="rId20"/>
+    <p:sldId id="271" r:id="rId21"/>
+    <p:sldId id="272" r:id="rId22"/>
+    <p:sldId id="273" r:id="rId23"/>
+    <p:sldId id="274" r:id="rId24"/>
+    <p:sldId id="275" r:id="rId25"/>
+    <p:sldId id="276" r:id="rId26"/>
   </p:sldIdLst>
   <p:sldSz cx="12192000" cy="6858000"/>
   <p:notesSz cx="6858000" cy="9144000"/>
@@ -6591,268 +6592,30 @@
           </a:p>
         </p:txBody>
       </p:sp>
-      <p:sp>
-        <p:nvSpPr>
-          <p:cNvPr id="3" name="文本框 2"/>
-          <p:cNvSpPr txBox="1"/>
+      <p:pic>
+        <p:nvPicPr>
+          <p:cNvPr id="4" name="图片 3"/>
+          <p:cNvPicPr>
+            <a:picLocks noChangeAspect="1"/>
+          </p:cNvPicPr>
           <p:nvPr/>
-        </p:nvSpPr>
-        <p:spPr>
-          <a:xfrm>
-            <a:off x="838200" y="1506022"/>
-            <a:ext cx="902811" cy="523220"/>
+        </p:nvPicPr>
+        <p:blipFill>
+          <a:blip r:embed="rId1"/>
+          <a:stretch>
+            <a:fillRect/>
+          </a:stretch>
+        </p:blipFill>
+        <p:spPr>
+          <a:xfrm>
+            <a:off x="2698854" y="1761257"/>
+            <a:ext cx="5499786" cy="4292516"/>
           </a:xfrm>
           <a:prstGeom prst="rect">
             <a:avLst/>
           </a:prstGeom>
-          <a:noFill/>
-        </p:spPr>
-        <p:txBody>
-          <a:bodyPr wrap="none" rtlCol="0">
-            <a:spAutoFit/>
-          </a:bodyPr>
-          <a:lstStyle/>
-          <a:p>
-            <a:r>
-              <a:rPr kumimoji="1" lang="zh-CN" altLang="en-US" sz="2800" dirty="0"/>
-              <a:t>不足</a:t>
-            </a:r>
-            <a:endParaRPr kumimoji="1" lang="zh-CN" altLang="en-US" sz="2800" dirty="0"/>
-          </a:p>
-        </p:txBody>
-      </p:sp>
-      <p:sp>
-        <p:nvSpPr>
-          <p:cNvPr id="6" name="文本框 5"/>
-          <p:cNvSpPr txBox="1"/>
-          <p:nvPr/>
-        </p:nvSpPr>
-        <p:spPr>
-          <a:xfrm>
-            <a:off x="838200" y="2136338"/>
-            <a:ext cx="8408071" cy="3139321"/>
-          </a:xfrm>
-          <a:prstGeom prst="rect">
-            <a:avLst/>
-          </a:prstGeom>
-          <a:noFill/>
-        </p:spPr>
-        <p:txBody>
-          <a:bodyPr wrap="none" rtlCol="0">
-            <a:spAutoFit/>
-          </a:bodyPr>
-          <a:lstStyle/>
-          <a:p>
-            <a:pPr marL="285750" indent="-285750">
-              <a:buFont typeface="Arial" panose="020B0604020202020204" pitchFamily="34" charset="0"/>
-              <a:buChar char="•"/>
-            </a:pPr>
-            <a:r>
-              <a:rPr lang="zh-CN" altLang="en-US" dirty="0"/>
-              <a:t>只能处理</a:t>
-            </a:r>
-            <a:r>
-              <a:rPr lang="en-GB" altLang="zh-CN" dirty="0"/>
-              <a:t>C/C++</a:t>
-            </a:r>
-            <a:r>
-              <a:rPr lang="zh-CN" altLang="en-US" dirty="0"/>
-              <a:t>程序</a:t>
-            </a:r>
-            <a:endParaRPr lang="en-US" altLang="zh-CN" dirty="0"/>
-          </a:p>
-          <a:p>
-            <a:pPr marL="285750" indent="-285750">
-              <a:buFont typeface="Arial" panose="020B0604020202020204" pitchFamily="34" charset="0"/>
-              <a:buChar char="•"/>
-            </a:pPr>
-            <a:r>
-              <a:rPr lang="zh-CN" altLang="en-US" dirty="0"/>
-              <a:t>只能处理基于函数</a:t>
-            </a:r>
-            <a:r>
-              <a:rPr lang="en-US" altLang="zh-CN" dirty="0"/>
-              <a:t>/</a:t>
-            </a:r>
-            <a:r>
-              <a:rPr lang="en-GB" altLang="zh-CN" dirty="0"/>
-              <a:t>API</a:t>
-            </a:r>
-            <a:r>
-              <a:rPr lang="zh-CN" altLang="en-US" dirty="0"/>
-              <a:t>调用的</a:t>
-            </a:r>
-            <a:r>
-              <a:rPr lang="en-GB" altLang="zh-CN" dirty="0"/>
-              <a:t>Bug</a:t>
-            </a:r>
-            <a:endParaRPr lang="en-GB" altLang="zh-CN" dirty="0"/>
-          </a:p>
-          <a:p>
-            <a:pPr marL="285750" indent="-285750">
-              <a:buFont typeface="Arial" panose="020B0604020202020204" pitchFamily="34" charset="0"/>
-              <a:buChar char="•"/>
-            </a:pPr>
-            <a:r>
-              <a:rPr lang="zh-CN" altLang="en-US" dirty="0"/>
-              <a:t>暂时只能基于数据流分析，而不能基于控制流</a:t>
-            </a:r>
-            <a:endParaRPr lang="zh-CN" altLang="en-US" dirty="0"/>
-          </a:p>
-          <a:p>
-            <a:pPr marL="285750" indent="-285750">
-              <a:buFont typeface="Arial" panose="020B0604020202020204" pitchFamily="34" charset="0"/>
-              <a:buChar char="•"/>
-            </a:pPr>
-            <a:r>
-              <a:rPr lang="zh-CN" altLang="en-US" dirty="0"/>
-              <a:t>将可变长的</a:t>
-            </a:r>
-            <a:r>
-              <a:rPr lang="en-GB" altLang="zh-CN" dirty="0"/>
-              <a:t>code gadget</a:t>
-            </a:r>
-            <a:r>
-              <a:rPr lang="zh-CN" altLang="en-US" dirty="0"/>
-              <a:t>编码为定长的向量</a:t>
-            </a:r>
-            <a:endParaRPr lang="en-US" altLang="zh-CN" dirty="0"/>
-          </a:p>
-          <a:p>
-            <a:pPr marL="285750" indent="-285750">
-              <a:buFont typeface="Arial" panose="020B0604020202020204" pitchFamily="34" charset="0"/>
-              <a:buChar char="•"/>
-            </a:pPr>
-            <a:r>
-              <a:rPr lang="zh-CN" altLang="en-US" dirty="0"/>
-              <a:t>只能使用</a:t>
-            </a:r>
-            <a:r>
-              <a:rPr lang="en-GB" altLang="zh-CN" dirty="0" err="1"/>
-              <a:t>BiLSTM</a:t>
-            </a:r>
-            <a:endParaRPr lang="en-GB" altLang="zh-CN" dirty="0"/>
-          </a:p>
-          <a:p>
-            <a:pPr marL="285750" indent="-285750">
-              <a:buFont typeface="Arial" panose="020B0604020202020204" pitchFamily="34" charset="0"/>
-              <a:buChar char="•"/>
-            </a:pPr>
-            <a:r>
-              <a:rPr lang="zh-CN" altLang="en-US" dirty="0"/>
-              <a:t>使用的数据集只包含缓存错误和资源管理错误两类</a:t>
-            </a:r>
-            <a:r>
-              <a:rPr lang="en-GB" altLang="zh-CN" dirty="0"/>
-              <a:t>Bug</a:t>
-            </a:r>
-            <a:endParaRPr lang="en-GB" altLang="zh-CN" dirty="0"/>
-          </a:p>
-          <a:p>
-            <a:pPr marL="285750" indent="-285750">
-              <a:buFont typeface="Arial" panose="020B0604020202020204" pitchFamily="34" charset="0"/>
-              <a:buChar char="•"/>
-            </a:pPr>
-            <a:r>
-              <a:rPr lang="zh-CN" altLang="en-US" dirty="0">
-                <a:solidFill>
-                  <a:schemeClr val="accent2"/>
-                </a:solidFill>
-              </a:rPr>
-              <a:t>实验中只区分了有</a:t>
-            </a:r>
-            <a:r>
-              <a:rPr lang="en-US" altLang="zh-CN" dirty="0">
-                <a:solidFill>
-                  <a:schemeClr val="accent2"/>
-                </a:solidFill>
-              </a:rPr>
-              <a:t>/</a:t>
-            </a:r>
-            <a:r>
-              <a:rPr lang="zh-CN" altLang="en-US" dirty="0">
-                <a:solidFill>
-                  <a:schemeClr val="accent2"/>
-                </a:solidFill>
-              </a:rPr>
-              <a:t>无漏洞（二分类问题），没进一步对多分类方面给出验证；</a:t>
-            </a:r>
-            <a:endParaRPr lang="en-US" altLang="zh-CN" dirty="0">
-              <a:solidFill>
-                <a:schemeClr val="accent2"/>
-              </a:solidFill>
-            </a:endParaRPr>
-          </a:p>
-          <a:p>
-            <a:pPr marL="285750" indent="-285750">
-              <a:buFont typeface="Arial" panose="020B0604020202020204" pitchFamily="34" charset="0"/>
-              <a:buChar char="•"/>
-            </a:pPr>
-            <a:r>
-              <a:rPr lang="zh-CN" altLang="en-US" dirty="0">
-                <a:solidFill>
-                  <a:schemeClr val="accent2"/>
-                </a:solidFill>
-              </a:rPr>
-              <a:t>只发现代码段是有</a:t>
-            </a:r>
-            <a:r>
-              <a:rPr lang="en-GB" altLang="zh-CN" dirty="0">
-                <a:solidFill>
-                  <a:schemeClr val="accent2"/>
-                </a:solidFill>
-              </a:rPr>
-              <a:t>Bug</a:t>
-            </a:r>
-            <a:r>
-              <a:rPr lang="zh-CN" altLang="en-GB" dirty="0">
-                <a:solidFill>
-                  <a:schemeClr val="accent2"/>
-                </a:solidFill>
-              </a:rPr>
-              <a:t>，</a:t>
-            </a:r>
-            <a:r>
-              <a:rPr lang="zh-CN" altLang="en-US" dirty="0">
-                <a:solidFill>
-                  <a:schemeClr val="accent2"/>
-                </a:solidFill>
-              </a:rPr>
-              <a:t>但不能定位到</a:t>
-            </a:r>
-            <a:r>
-              <a:rPr lang="en-GB" altLang="zh-CN" dirty="0">
-                <a:solidFill>
-                  <a:schemeClr val="accent2"/>
-                </a:solidFill>
-              </a:rPr>
-              <a:t>Bug</a:t>
-            </a:r>
-            <a:r>
-              <a:rPr lang="zh-CN" altLang="en-US" dirty="0">
-                <a:solidFill>
-                  <a:schemeClr val="accent2"/>
-                </a:solidFill>
-              </a:rPr>
-              <a:t>发生的具体位置，如代码行。</a:t>
-            </a:r>
-            <a:endParaRPr lang="zh-CN" altLang="en-US" dirty="0">
-              <a:solidFill>
-                <a:schemeClr val="accent2"/>
-              </a:solidFill>
-            </a:endParaRPr>
-          </a:p>
-          <a:p>
-            <a:br>
-              <a:rPr lang="zh-CN" altLang="en-US" dirty="0"/>
-            </a:br>
-            <a:endParaRPr lang="zh-CN" altLang="en-US" dirty="0"/>
-          </a:p>
-          <a:p>
-            <a:endParaRPr kumimoji="1" lang="zh-CN" altLang="en-US" dirty="0"/>
-          </a:p>
-        </p:txBody>
-      </p:sp>
+        </p:spPr>
+      </p:pic>
     </p:spTree>
   </p:cSld>
   <p:clrMapOvr>
@@ -6862,6 +6625,328 @@
 </file>
 
 <file path=ppt/slides/slide11.xml><?xml version="1.0" encoding="utf-8"?>
+<p:sld xmlns:a="http://schemas.openxmlformats.org/drawingml/2006/main" xmlns:r="http://schemas.openxmlformats.org/officeDocument/2006/relationships" xmlns:p="http://schemas.openxmlformats.org/presentationml/2006/main">
+  <p:cSld>
+    <p:spTree>
+      <p:nvGrpSpPr>
+        <p:cNvPr id="1" name=""/>
+        <p:cNvGrpSpPr/>
+        <p:nvPr/>
+      </p:nvGrpSpPr>
+      <p:grpSpPr>
+        <a:xfrm>
+          <a:off x="0" y="0"/>
+          <a:ext cx="0" cy="0"/>
+          <a:chOff x="0" y="0"/>
+          <a:chExt cx="0" cy="0"/>
+        </a:xfrm>
+      </p:grpSpPr>
+      <p:sp>
+        <p:nvSpPr>
+          <p:cNvPr id="2" name="标题 1"/>
+          <p:cNvSpPr>
+            <a:spLocks noGrp="1"/>
+          </p:cNvSpPr>
+          <p:nvPr>
+            <p:ph type="title"/>
+          </p:nvPr>
+        </p:nvSpPr>
+        <p:spPr/>
+        <p:txBody>
+          <a:bodyPr/>
+          <a:lstStyle/>
+          <a:p>
+            <a:r>
+              <a:rPr kumimoji="1" lang="zh-CN" altLang="en-US" dirty="0"/>
+              <a:t>研究结论</a:t>
+            </a:r>
+            <a:endParaRPr kumimoji="1" lang="zh-CN" altLang="en-US" dirty="0"/>
+          </a:p>
+        </p:txBody>
+      </p:sp>
+      <p:sp>
+        <p:nvSpPr>
+          <p:cNvPr id="3" name="文本框 2"/>
+          <p:cNvSpPr txBox="1"/>
+          <p:nvPr/>
+        </p:nvSpPr>
+        <p:spPr>
+          <a:xfrm>
+            <a:off x="838200" y="1506022"/>
+            <a:ext cx="902811" cy="523220"/>
+          </a:xfrm>
+          <a:prstGeom prst="rect">
+            <a:avLst/>
+          </a:prstGeom>
+          <a:noFill/>
+        </p:spPr>
+        <p:txBody>
+          <a:bodyPr wrap="none" rtlCol="0">
+            <a:spAutoFit/>
+          </a:bodyPr>
+          <a:lstStyle/>
+          <a:p>
+            <a:r>
+              <a:rPr kumimoji="1" lang="zh-CN" altLang="en-US" sz="2800" dirty="0"/>
+              <a:t>不足</a:t>
+            </a:r>
+            <a:endParaRPr kumimoji="1" lang="zh-CN" altLang="en-US" sz="2800" dirty="0"/>
+          </a:p>
+        </p:txBody>
+      </p:sp>
+      <p:sp>
+        <p:nvSpPr>
+          <p:cNvPr id="6" name="文本框 5"/>
+          <p:cNvSpPr txBox="1"/>
+          <p:nvPr/>
+        </p:nvSpPr>
+        <p:spPr>
+          <a:xfrm>
+            <a:off x="838200" y="2136338"/>
+            <a:ext cx="8327390" cy="3138170"/>
+          </a:xfrm>
+          <a:prstGeom prst="rect">
+            <a:avLst/>
+          </a:prstGeom>
+          <a:noFill/>
+        </p:spPr>
+        <p:txBody>
+          <a:bodyPr wrap="none" rtlCol="0">
+            <a:spAutoFit/>
+          </a:bodyPr>
+          <a:lstStyle/>
+          <a:p>
+            <a:pPr marL="285750" indent="-285750">
+              <a:buFont typeface="Arial" panose="020B0604020202020204" pitchFamily="34" charset="0"/>
+              <a:buChar char="•"/>
+            </a:pPr>
+            <a:r>
+              <a:rPr lang="zh-CN" altLang="en-US" dirty="0"/>
+              <a:t>只能处理</a:t>
+            </a:r>
+            <a:r>
+              <a:rPr lang="en-GB" altLang="zh-CN" dirty="0"/>
+              <a:t>C/C++</a:t>
+            </a:r>
+            <a:r>
+              <a:rPr lang="zh-CN" altLang="en-US" dirty="0"/>
+              <a:t>程序</a:t>
+            </a:r>
+            <a:endParaRPr lang="en-US" altLang="zh-CN" dirty="0"/>
+          </a:p>
+          <a:p>
+            <a:pPr marL="285750" indent="-285750">
+              <a:buFont typeface="Arial" panose="020B0604020202020204" pitchFamily="34" charset="0"/>
+              <a:buChar char="•"/>
+            </a:pPr>
+            <a:r>
+              <a:rPr lang="zh-CN" altLang="en-US" dirty="0"/>
+              <a:t>只能处理基于函数</a:t>
+            </a:r>
+            <a:r>
+              <a:rPr lang="en-US" altLang="zh-CN" dirty="0"/>
+              <a:t>/</a:t>
+            </a:r>
+            <a:r>
+              <a:rPr lang="en-GB" altLang="zh-CN" dirty="0"/>
+              <a:t>API</a:t>
+            </a:r>
+            <a:r>
+              <a:rPr lang="zh-CN" altLang="en-US" dirty="0"/>
+              <a:t>调用的</a:t>
+            </a:r>
+            <a:r>
+              <a:rPr lang="en-GB" altLang="zh-CN" dirty="0"/>
+              <a:t>Bug</a:t>
+            </a:r>
+            <a:endParaRPr lang="en-GB" altLang="zh-CN" dirty="0"/>
+          </a:p>
+          <a:p>
+            <a:pPr marL="285750" indent="-285750">
+              <a:buFont typeface="Arial" panose="020B0604020202020204" pitchFamily="34" charset="0"/>
+              <a:buChar char="•"/>
+            </a:pPr>
+            <a:r>
+              <a:rPr lang="zh-CN" altLang="en-US" dirty="0"/>
+              <a:t>暂时只能基于数据流分析，而不能基于控制流</a:t>
+            </a:r>
+            <a:endParaRPr lang="zh-CN" altLang="en-US" dirty="0"/>
+          </a:p>
+          <a:p>
+            <a:pPr marL="285750" indent="-285750">
+              <a:buFont typeface="Arial" panose="020B0604020202020204" pitchFamily="34" charset="0"/>
+              <a:buChar char="•"/>
+            </a:pPr>
+            <a:r>
+              <a:rPr lang="zh-CN" altLang="en-US" dirty="0"/>
+              <a:t>将可变长的</a:t>
+            </a:r>
+            <a:r>
+              <a:rPr lang="en-GB" altLang="zh-CN" dirty="0"/>
+              <a:t>code gadget</a:t>
+            </a:r>
+            <a:r>
+              <a:rPr lang="zh-CN" altLang="en-US" dirty="0"/>
+              <a:t>编码为定长的向量</a:t>
+            </a:r>
+            <a:endParaRPr lang="en-US" altLang="zh-CN" dirty="0"/>
+          </a:p>
+          <a:p>
+            <a:pPr marL="285750" indent="-285750">
+              <a:buFont typeface="Arial" panose="020B0604020202020204" pitchFamily="34" charset="0"/>
+              <a:buChar char="•"/>
+            </a:pPr>
+            <a:r>
+              <a:rPr lang="zh-CN" altLang="en-US" dirty="0"/>
+              <a:t>没有对比多个模型（只基于</a:t>
+            </a:r>
+            <a:r>
+              <a:rPr lang="en-GB" altLang="zh-CN" dirty="0" err="1"/>
+              <a:t>BiLSTM</a:t>
+            </a:r>
+            <a:r>
+              <a:rPr lang="zh-CN" altLang="en-GB" dirty="0" err="1"/>
+              <a:t>）</a:t>
+            </a:r>
+            <a:endParaRPr lang="en-GB" altLang="zh-CN" dirty="0" err="1"/>
+          </a:p>
+          <a:p>
+            <a:pPr marL="285750" indent="-285750">
+              <a:buFont typeface="Arial" panose="020B0604020202020204" pitchFamily="34" charset="0"/>
+              <a:buChar char="•"/>
+            </a:pPr>
+            <a:r>
+              <a:rPr lang="zh-CN" altLang="en-US" dirty="0"/>
+              <a:t>使用的数据集只包含缓存错误和资源管理错误两类</a:t>
+            </a:r>
+            <a:r>
+              <a:rPr lang="en-GB" altLang="zh-CN" dirty="0"/>
+              <a:t>Bug</a:t>
+            </a:r>
+            <a:endParaRPr lang="en-GB" altLang="zh-CN" dirty="0"/>
+          </a:p>
+          <a:p>
+            <a:pPr marL="285750" indent="-285750">
+              <a:buFont typeface="Arial" panose="020B0604020202020204" pitchFamily="34" charset="0"/>
+              <a:buChar char="•"/>
+            </a:pPr>
+            <a:r>
+              <a:rPr lang="zh-CN" altLang="en-US" dirty="0">
+                <a:solidFill>
+                  <a:schemeClr val="accent2"/>
+                </a:solidFill>
+              </a:rPr>
+              <a:t>实验中只区分了有</a:t>
+            </a:r>
+            <a:r>
+              <a:rPr lang="en-US" altLang="zh-CN" dirty="0">
+                <a:solidFill>
+                  <a:schemeClr val="accent2"/>
+                </a:solidFill>
+              </a:rPr>
+              <a:t>/</a:t>
+            </a:r>
+            <a:r>
+              <a:rPr lang="zh-CN" altLang="en-US" dirty="0">
+                <a:solidFill>
+                  <a:schemeClr val="accent2"/>
+                </a:solidFill>
+              </a:rPr>
+              <a:t>无漏洞（二分类问题），没进一步对多分类方面给出验证；</a:t>
+            </a:r>
+            <a:endParaRPr lang="en-US" altLang="zh-CN" dirty="0">
+              <a:solidFill>
+                <a:schemeClr val="accent2"/>
+              </a:solidFill>
+            </a:endParaRPr>
+          </a:p>
+          <a:p>
+            <a:pPr marL="285750" indent="-285750">
+              <a:buFont typeface="Arial" panose="020B0604020202020204" pitchFamily="34" charset="0"/>
+              <a:buChar char="•"/>
+            </a:pPr>
+            <a:r>
+              <a:rPr lang="zh-CN" altLang="en-US" dirty="0">
+                <a:solidFill>
+                  <a:schemeClr val="accent2"/>
+                </a:solidFill>
+              </a:rPr>
+              <a:t>只发现代码段是</a:t>
+            </a:r>
+            <a:r>
+              <a:rPr lang="zh-CN" altLang="en-US" dirty="0">
+                <a:solidFill>
+                  <a:schemeClr val="accent2"/>
+                </a:solidFill>
+              </a:rPr>
+              <a:t>否有</a:t>
+            </a:r>
+            <a:r>
+              <a:rPr lang="en-GB" altLang="zh-CN" dirty="0">
+                <a:solidFill>
+                  <a:schemeClr val="accent2"/>
+                </a:solidFill>
+              </a:rPr>
+              <a:t>Bug</a:t>
+            </a:r>
+            <a:r>
+              <a:rPr lang="zh-CN" altLang="en-GB" dirty="0">
+                <a:solidFill>
+                  <a:schemeClr val="accent2"/>
+                </a:solidFill>
+              </a:rPr>
+              <a:t>，</a:t>
+            </a:r>
+            <a:r>
+              <a:rPr lang="zh-CN" altLang="en-US" dirty="0">
+                <a:solidFill>
+                  <a:schemeClr val="accent2"/>
+                </a:solidFill>
+              </a:rPr>
+              <a:t>但不能定位到</a:t>
+            </a:r>
+            <a:r>
+              <a:rPr lang="en-GB" altLang="zh-CN" dirty="0">
+                <a:solidFill>
+                  <a:schemeClr val="accent2"/>
+                </a:solidFill>
+              </a:rPr>
+              <a:t>Bug</a:t>
+            </a:r>
+            <a:r>
+              <a:rPr lang="zh-CN" altLang="en-US" dirty="0">
+                <a:solidFill>
+                  <a:schemeClr val="accent2"/>
+                </a:solidFill>
+              </a:rPr>
+              <a:t>发生的具体位置，如代码行。</a:t>
+            </a:r>
+            <a:endParaRPr lang="zh-CN" altLang="en-US" dirty="0">
+              <a:solidFill>
+                <a:schemeClr val="accent2"/>
+              </a:solidFill>
+            </a:endParaRPr>
+          </a:p>
+          <a:p>
+            <a:br>
+              <a:rPr lang="zh-CN" altLang="en-US" dirty="0"/>
+            </a:br>
+            <a:endParaRPr lang="zh-CN" altLang="en-US" dirty="0"/>
+          </a:p>
+          <a:p>
+            <a:endParaRPr kumimoji="1" lang="zh-CN" altLang="en-US" dirty="0"/>
+          </a:p>
+        </p:txBody>
+      </p:sp>
+    </p:spTree>
+  </p:cSld>
+  <p:clrMapOvr>
+    <a:masterClrMapping/>
+  </p:clrMapOvr>
+</p:sld>
+</file>
+
+<file path=ppt/slides/slide12.xml><?xml version="1.0" encoding="utf-8"?>
 <p:sld xmlns:a="http://schemas.openxmlformats.org/drawingml/2006/main" xmlns:r="http://schemas.openxmlformats.org/officeDocument/2006/relationships" xmlns:p="http://schemas.openxmlformats.org/presentationml/2006/main">
   <p:cSld>
     <p:spTree>
@@ -6955,108 +7040,6 @@
 </p:sld>
 </file>
 
-<file path=ppt/slides/slide12.xml><?xml version="1.0" encoding="utf-8"?>
-<p:sld xmlns:a="http://schemas.openxmlformats.org/drawingml/2006/main" xmlns:r="http://schemas.openxmlformats.org/officeDocument/2006/relationships" xmlns:p="http://schemas.openxmlformats.org/presentationml/2006/main">
-  <p:cSld>
-    <p:spTree>
-      <p:nvGrpSpPr>
-        <p:cNvPr id="1" name=""/>
-        <p:cNvGrpSpPr/>
-        <p:nvPr/>
-      </p:nvGrpSpPr>
-      <p:grpSpPr>
-        <a:xfrm>
-          <a:off x="0" y="0"/>
-          <a:ext cx="0" cy="0"/>
-          <a:chOff x="0" y="0"/>
-          <a:chExt cx="0" cy="0"/>
-        </a:xfrm>
-      </p:grpSpPr>
-      <p:sp>
-        <p:nvSpPr>
-          <p:cNvPr id="2" name="标题 1"/>
-          <p:cNvSpPr>
-            <a:spLocks noGrp="1"/>
-          </p:cNvSpPr>
-          <p:nvPr>
-            <p:ph type="title"/>
-          </p:nvPr>
-        </p:nvSpPr>
-        <p:spPr/>
-        <p:txBody>
-          <a:bodyPr/>
-          <a:lstStyle/>
-          <a:p>
-            <a:r>
-              <a:rPr kumimoji="1" lang="zh-CN" altLang="en-US" dirty="0"/>
-              <a:t>研究方法</a:t>
-            </a:r>
-            <a:endParaRPr kumimoji="1" lang="zh-CN" altLang="en-US" dirty="0"/>
-          </a:p>
-        </p:txBody>
-      </p:sp>
-      <p:sp>
-        <p:nvSpPr>
-          <p:cNvPr id="8" name="文本框 7"/>
-          <p:cNvSpPr txBox="1"/>
-          <p:nvPr/>
-        </p:nvSpPr>
-        <p:spPr>
-          <a:xfrm>
-            <a:off x="838200" y="1690688"/>
-            <a:ext cx="2321469" cy="369332"/>
-          </a:xfrm>
-          <a:prstGeom prst="rect">
-            <a:avLst/>
-          </a:prstGeom>
-          <a:noFill/>
-        </p:spPr>
-        <p:txBody>
-          <a:bodyPr wrap="none" rtlCol="0">
-            <a:spAutoFit/>
-          </a:bodyPr>
-          <a:lstStyle/>
-          <a:p>
-            <a:r>
-              <a:rPr kumimoji="1" lang="zh-CN" altLang="en-US" dirty="0"/>
-              <a:t>借鉴图像检测的经验</a:t>
-            </a:r>
-            <a:endParaRPr kumimoji="1" lang="zh-CN" altLang="en-US" dirty="0"/>
-          </a:p>
-        </p:txBody>
-      </p:sp>
-      <p:pic>
-        <p:nvPicPr>
-          <p:cNvPr id="10" name="图片 9"/>
-          <p:cNvPicPr>
-            <a:picLocks noChangeAspect="1"/>
-          </p:cNvPicPr>
-          <p:nvPr/>
-        </p:nvPicPr>
-        <p:blipFill>
-          <a:blip r:embed="rId1"/>
-          <a:stretch>
-            <a:fillRect/>
-          </a:stretch>
-        </p:blipFill>
-        <p:spPr>
-          <a:xfrm>
-            <a:off x="1825303" y="2326793"/>
-            <a:ext cx="7824119" cy="3118510"/>
-          </a:xfrm>
-          <a:prstGeom prst="rect">
-            <a:avLst/>
-          </a:prstGeom>
-        </p:spPr>
-      </p:pic>
-    </p:spTree>
-  </p:cSld>
-  <p:clrMapOvr>
-    <a:masterClrMapping/>
-  </p:clrMapOvr>
-</p:sld>
-</file>
-
 <file path=ppt/slides/slide13.xml><?xml version="1.0" encoding="utf-8"?>
 <p:sld xmlns:a="http://schemas.openxmlformats.org/drawingml/2006/main" xmlns:r="http://schemas.openxmlformats.org/officeDocument/2006/relationships" xmlns:p="http://schemas.openxmlformats.org/presentationml/2006/main">
   <p:cSld>
@@ -7076,51 +7059,6 @@
       </p:grpSpPr>
       <p:sp>
         <p:nvSpPr>
-          <p:cNvPr id="13" name="圆角矩形 12"/>
-          <p:cNvSpPr/>
-          <p:nvPr/>
-        </p:nvSpPr>
-        <p:spPr>
-          <a:xfrm>
-            <a:off x="5370830" y="5697855"/>
-            <a:ext cx="1318260" cy="159385"/>
-          </a:xfrm>
-          <a:prstGeom prst="roundRect">
-            <a:avLst/>
-          </a:prstGeom>
-          <a:noFill/>
-          <a:ln>
-            <a:solidFill>
-              <a:schemeClr val="accent2"/>
-            </a:solidFill>
-          </a:ln>
-        </p:spPr>
-        <p:style>
-          <a:lnRef idx="2">
-            <a:schemeClr val="accent1">
-              <a:shade val="50000"/>
-            </a:schemeClr>
-          </a:lnRef>
-          <a:fillRef idx="1">
-            <a:schemeClr val="accent1"/>
-          </a:fillRef>
-          <a:effectRef idx="0">
-            <a:schemeClr val="accent1"/>
-          </a:effectRef>
-          <a:fontRef idx="minor">
-            <a:schemeClr val="lt1"/>
-          </a:fontRef>
-        </p:style>
-        <p:txBody>
-          <a:bodyPr rtlCol="0" anchor="ctr"/>
-          <a:p>
-            <a:pPr algn="ctr"/>
-            <a:endParaRPr lang="zh-CN" altLang="en-US"/>
-          </a:p>
-        </p:txBody>
-      </p:sp>
-      <p:sp>
-        <p:nvSpPr>
           <p:cNvPr id="2" name="标题 1"/>
           <p:cNvSpPr>
             <a:spLocks noGrp="1"/>
@@ -7142,686 +7080,60 @@
           </a:p>
         </p:txBody>
       </p:sp>
-      <p:pic>
-        <p:nvPicPr>
-          <p:cNvPr id="3" name="图片 2"/>
-          <p:cNvPicPr>
-            <a:picLocks noChangeAspect="1"/>
-          </p:cNvPicPr>
-          <p:nvPr>
-            <p:custDataLst>
-              <p:tags r:id="rId1"/>
-            </p:custDataLst>
-          </p:nvPr>
-        </p:nvPicPr>
-        <p:blipFill>
-          <a:blip r:embed="rId2"/>
-          <a:stretch>
-            <a:fillRect/>
-          </a:stretch>
-        </p:blipFill>
-        <p:spPr>
-          <a:xfrm>
-            <a:off x="2350135" y="1268730"/>
-            <a:ext cx="7492365" cy="3255645"/>
-          </a:xfrm>
-          <a:prstGeom prst="rect">
-            <a:avLst/>
-          </a:prstGeom>
-        </p:spPr>
-      </p:pic>
-      <p:sp>
-        <p:nvSpPr>
-          <p:cNvPr id="5" name="文本框 4"/>
+      <p:sp>
+        <p:nvSpPr>
+          <p:cNvPr id="8" name="文本框 7"/>
           <p:cNvSpPr txBox="1"/>
           <p:nvPr/>
         </p:nvSpPr>
         <p:spPr>
           <a:xfrm>
-            <a:off x="5244465" y="4904105"/>
-            <a:ext cx="2593975" cy="1599565"/>
+            <a:off x="838200" y="1690688"/>
+            <a:ext cx="2321469" cy="369332"/>
           </a:xfrm>
           <a:prstGeom prst="rect">
             <a:avLst/>
           </a:prstGeom>
           <a:noFill/>
-          <a:ln w="12700">
-            <a:solidFill>
-              <a:schemeClr val="accent1"/>
-            </a:solidFill>
-          </a:ln>
-        </p:spPr>
-        <p:txBody>
-          <a:bodyPr wrap="square" rtlCol="0">
+        </p:spPr>
+        <p:txBody>
+          <a:bodyPr wrap="none" rtlCol="0">
             <a:spAutoFit/>
           </a:bodyPr>
-          <a:p>
-            <a:r>
-              <a:rPr lang="zh-CN" altLang="en-US" sz="1000"/>
-              <a:t>用静态分析工具（如Checkmatrx）生成漏洞语法特征（vulnerability syntax characteristics）</a:t>
-            </a:r>
-            <a:r>
-              <a:rPr lang="zh-CN" altLang="en-US" sz="1000">
-                <a:solidFill>
-                  <a:schemeClr val="accent2"/>
-                </a:solidFill>
-                <a:sym typeface="+mn-ea"/>
-              </a:rPr>
-              <a:t>（可能是以</a:t>
-            </a:r>
-            <a:r>
-              <a:rPr lang="en-US" altLang="zh-CN" sz="1000">
-                <a:solidFill>
-                  <a:schemeClr val="accent2"/>
-                </a:solidFill>
-                <a:sym typeface="+mn-ea"/>
-              </a:rPr>
-              <a:t>AST</a:t>
-            </a:r>
-            <a:r>
-              <a:rPr lang="zh-CN" altLang="en-US" sz="1000">
-                <a:solidFill>
-                  <a:schemeClr val="accent2"/>
-                </a:solidFill>
-                <a:sym typeface="+mn-ea"/>
-              </a:rPr>
-              <a:t>展现的数据结构）</a:t>
-            </a:r>
-            <a:r>
-              <a:rPr lang="zh-CN" altLang="en-US" sz="1000"/>
-              <a:t>，如：</a:t>
-            </a:r>
-            <a:endParaRPr lang="zh-CN" altLang="en-US" sz="1000"/>
-          </a:p>
-          <a:p>
-            <a:r>
-              <a:rPr lang="zh-CN" altLang="en-US" sz="1000"/>
-              <a:t>* 函数/API调用（简称FC）</a:t>
-            </a:r>
-            <a:endParaRPr lang="zh-CN" altLang="en-US" sz="1000"/>
-          </a:p>
-          <a:p>
-            <a:r>
-              <a:rPr lang="zh-CN" altLang="en-US" sz="1000"/>
-              <a:t>* 数组使用（简称AU）</a:t>
-            </a:r>
-            <a:endParaRPr lang="zh-CN" altLang="en-US" sz="1000"/>
-          </a:p>
-          <a:p>
-            <a:r>
-              <a:rPr lang="zh-CN" altLang="en-US" sz="1000"/>
-              <a:t>* 指针使用（简称PU）</a:t>
-            </a:r>
-            <a:endParaRPr lang="zh-CN" altLang="en-US" sz="1000"/>
-          </a:p>
-          <a:p>
-            <a:r>
-              <a:rPr lang="zh-CN" altLang="en-US" sz="1000"/>
-              <a:t>* 算术表达式（简称AE）</a:t>
-            </a:r>
-            <a:endParaRPr lang="zh-CN" altLang="en-US" sz="1000"/>
-          </a:p>
-          <a:p>
-            <a:endParaRPr lang="zh-CN" altLang="en-US" sz="1000"/>
-          </a:p>
-          <a:p>
-            <a:endParaRPr lang="zh-CN" altLang="en-US" sz="800">
-              <a:solidFill>
-                <a:srgbClr val="FF0000"/>
-              </a:solidFill>
-            </a:endParaRPr>
-          </a:p>
-        </p:txBody>
-      </p:sp>
-      <p:sp>
-        <p:nvSpPr>
-          <p:cNvPr id="7" name="右箭头 6"/>
-          <p:cNvSpPr/>
-          <p:nvPr/>
-        </p:nvSpPr>
-        <p:spPr>
-          <a:xfrm>
-            <a:off x="4729480" y="5494020"/>
-            <a:ext cx="365760" cy="203835"/>
-          </a:xfrm>
-          <a:prstGeom prst="rightArrow">
-            <a:avLst/>
-          </a:prstGeom>
-        </p:spPr>
-        <p:style>
-          <a:lnRef idx="2">
-            <a:schemeClr val="accent1">
-              <a:shade val="50000"/>
-            </a:schemeClr>
-          </a:lnRef>
-          <a:fillRef idx="1">
-            <a:schemeClr val="accent1"/>
-          </a:fillRef>
-          <a:effectRef idx="0">
-            <a:schemeClr val="accent1"/>
-          </a:effectRef>
-          <a:fontRef idx="minor">
-            <a:schemeClr val="lt1"/>
-          </a:fontRef>
-        </p:style>
-        <p:txBody>
-          <a:bodyPr rtlCol="0" anchor="ctr"/>
-          <a:p>
-            <a:pPr algn="ctr"/>
-            <a:endParaRPr lang="zh-CN" altLang="en-US"/>
+          <a:lstStyle/>
+          <a:p>
+            <a:r>
+              <a:rPr kumimoji="1" lang="zh-CN" altLang="en-US" dirty="0"/>
+              <a:t>借鉴图像检测的经验</a:t>
+            </a:r>
+            <a:endParaRPr kumimoji="1" lang="zh-CN" altLang="en-US" dirty="0"/>
           </a:p>
         </p:txBody>
       </p:sp>
       <p:pic>
         <p:nvPicPr>
-          <p:cNvPr id="11" name="图片 10"/>
+          <p:cNvPr id="10" name="图片 9"/>
           <p:cNvPicPr>
             <a:picLocks noChangeAspect="1"/>
           </p:cNvPicPr>
           <p:nvPr/>
         </p:nvPicPr>
         <p:blipFill>
-          <a:blip r:embed="rId3"/>
+          <a:blip r:embed="rId1"/>
           <a:stretch>
             <a:fillRect/>
           </a:stretch>
         </p:blipFill>
         <p:spPr>
           <a:xfrm>
-            <a:off x="2200910" y="4801870"/>
-            <a:ext cx="2190115" cy="1968500"/>
+            <a:off x="1825303" y="2326793"/>
+            <a:ext cx="7824119" cy="3118510"/>
           </a:xfrm>
           <a:prstGeom prst="rect">
             <a:avLst/>
           </a:prstGeom>
-          <a:noFill/>
-          <a:ln w="12700" cmpd="sng">
-            <a:solidFill>
-              <a:schemeClr val="accent1">
-                <a:shade val="50000"/>
-              </a:schemeClr>
-            </a:solidFill>
-            <a:prstDash val="solid"/>
-          </a:ln>
         </p:spPr>
       </p:pic>
-      <p:sp>
-        <p:nvSpPr>
-          <p:cNvPr id="14" name="下箭头 13"/>
-          <p:cNvSpPr/>
-          <p:nvPr/>
-        </p:nvSpPr>
-        <p:spPr>
-          <a:xfrm>
-            <a:off x="3389630" y="4497705"/>
-            <a:ext cx="182245" cy="233680"/>
-          </a:xfrm>
-          <a:prstGeom prst="downArrow">
-            <a:avLst/>
-          </a:prstGeom>
-        </p:spPr>
-        <p:style>
-          <a:lnRef idx="2">
-            <a:schemeClr val="accent1">
-              <a:shade val="50000"/>
-            </a:schemeClr>
-          </a:lnRef>
-          <a:fillRef idx="1">
-            <a:schemeClr val="accent1"/>
-          </a:fillRef>
-          <a:effectRef idx="0">
-            <a:schemeClr val="accent1"/>
-          </a:effectRef>
-          <a:fontRef idx="minor">
-            <a:schemeClr val="lt1"/>
-          </a:fontRef>
-        </p:style>
-        <p:txBody>
-          <a:bodyPr rtlCol="0" anchor="ctr"/>
-          <a:p>
-            <a:pPr algn="ctr"/>
-            <a:endParaRPr lang="zh-CN" altLang="en-US"/>
-          </a:p>
-        </p:txBody>
-      </p:sp>
-      <p:sp>
-        <p:nvSpPr>
-          <p:cNvPr id="15" name="上箭头 14"/>
-          <p:cNvSpPr/>
-          <p:nvPr/>
-        </p:nvSpPr>
-        <p:spPr>
-          <a:xfrm>
-            <a:off x="5574030" y="4524375"/>
-            <a:ext cx="168910" cy="207010"/>
-          </a:xfrm>
-          <a:prstGeom prst="upArrow">
-            <a:avLst/>
-          </a:prstGeom>
-        </p:spPr>
-        <p:style>
-          <a:lnRef idx="2">
-            <a:schemeClr val="accent1">
-              <a:shade val="50000"/>
-            </a:schemeClr>
-          </a:lnRef>
-          <a:fillRef idx="1">
-            <a:schemeClr val="accent1"/>
-          </a:fillRef>
-          <a:effectRef idx="0">
-            <a:schemeClr val="accent1"/>
-          </a:effectRef>
-          <a:fontRef idx="minor">
-            <a:schemeClr val="lt1"/>
-          </a:fontRef>
-        </p:style>
-        <p:txBody>
-          <a:bodyPr rtlCol="0" anchor="ctr"/>
-          <a:p>
-            <a:pPr algn="ctr"/>
-            <a:endParaRPr lang="zh-CN" altLang="en-US"/>
-          </a:p>
-        </p:txBody>
-      </p:sp>
-      <p:sp>
-        <p:nvSpPr>
-          <p:cNvPr id="16" name="文本框 15"/>
-          <p:cNvSpPr txBox="1"/>
-          <p:nvPr/>
-        </p:nvSpPr>
-        <p:spPr>
-          <a:xfrm>
-            <a:off x="6148070" y="4569460"/>
-            <a:ext cx="2146300" cy="245110"/>
-          </a:xfrm>
-          <a:prstGeom prst="rect">
-            <a:avLst/>
-          </a:prstGeom>
-          <a:noFill/>
-          <a:ln w="12700">
-            <a:solidFill>
-              <a:schemeClr val="accent1"/>
-            </a:solidFill>
-          </a:ln>
-        </p:spPr>
-        <p:txBody>
-          <a:bodyPr wrap="square" rtlCol="0">
-            <a:spAutoFit/>
-          </a:bodyPr>
-          <a:p>
-            <a:r>
-              <a:rPr lang="en-US" altLang="zh-CN" sz="1000">
-                <a:solidFill>
-                  <a:schemeClr val="accent2"/>
-                </a:solidFill>
-              </a:rPr>
-              <a:t>(</a:t>
-            </a:r>
-            <a:r>
-              <a:rPr lang="zh-CN" altLang="en-US" sz="1000">
-                <a:solidFill>
-                  <a:schemeClr val="accent2"/>
-                </a:solidFill>
-              </a:rPr>
-              <a:t>下页</a:t>
-            </a:r>
-            <a:r>
-              <a:rPr lang="en-US" altLang="zh-CN" sz="1000">
-                <a:solidFill>
-                  <a:schemeClr val="accent2"/>
-                </a:solidFill>
-              </a:rPr>
-              <a:t>PDG</a:t>
-            </a:r>
-            <a:r>
-              <a:rPr lang="zh-CN" altLang="en-US" sz="1000">
-                <a:solidFill>
-                  <a:schemeClr val="accent2"/>
-                </a:solidFill>
-              </a:rPr>
-              <a:t>线</a:t>
-            </a:r>
-            <a:r>
-              <a:rPr lang="en-US" altLang="zh-CN" sz="1000">
-                <a:solidFill>
-                  <a:schemeClr val="accent2"/>
-                </a:solidFill>
-              </a:rPr>
-              <a:t>....)</a:t>
-            </a:r>
-            <a:endParaRPr lang="en-US" altLang="zh-CN" sz="1000">
-              <a:solidFill>
-                <a:schemeClr val="accent2"/>
-              </a:solidFill>
-            </a:endParaRPr>
-          </a:p>
-        </p:txBody>
-      </p:sp>
-      <p:cxnSp>
-        <p:nvCxnSpPr>
-          <p:cNvPr id="19" name="直接箭头连接符 18"/>
-          <p:cNvCxnSpPr/>
-          <p:nvPr/>
-        </p:nvCxnSpPr>
-        <p:spPr>
-          <a:xfrm>
-            <a:off x="6148070" y="4337050"/>
-            <a:ext cx="189230" cy="187325"/>
-          </a:xfrm>
-          <a:prstGeom prst="straightConnector1">
-            <a:avLst/>
-          </a:prstGeom>
-          <a:ln w="31750">
-            <a:tailEnd type="arrow"/>
-          </a:ln>
-        </p:spPr>
-        <p:style>
-          <a:lnRef idx="1">
-            <a:schemeClr val="accent1"/>
-          </a:lnRef>
-          <a:fillRef idx="0">
-            <a:schemeClr val="accent1"/>
-          </a:fillRef>
-          <a:effectRef idx="0">
-            <a:schemeClr val="accent1"/>
-          </a:effectRef>
-          <a:fontRef idx="minor">
-            <a:schemeClr val="tx1"/>
-          </a:fontRef>
-        </p:style>
-      </p:cxnSp>
-      <p:cxnSp>
-        <p:nvCxnSpPr>
-          <p:cNvPr id="20" name="直接箭头连接符 19"/>
-          <p:cNvCxnSpPr/>
-          <p:nvPr/>
-        </p:nvCxnSpPr>
-        <p:spPr>
-          <a:xfrm flipV="1">
-            <a:off x="7025005" y="4337050"/>
-            <a:ext cx="0" cy="219710"/>
-          </a:xfrm>
-          <a:prstGeom prst="straightConnector1">
-            <a:avLst/>
-          </a:prstGeom>
-          <a:ln w="19050">
-            <a:tailEnd type="arrow"/>
-          </a:ln>
-        </p:spPr>
-        <p:style>
-          <a:lnRef idx="1">
-            <a:schemeClr val="accent1"/>
-          </a:lnRef>
-          <a:fillRef idx="0">
-            <a:schemeClr val="accent1"/>
-          </a:fillRef>
-          <a:effectRef idx="0">
-            <a:schemeClr val="accent1"/>
-          </a:effectRef>
-          <a:fontRef idx="minor">
-            <a:schemeClr val="tx1"/>
-          </a:fontRef>
-        </p:style>
-      </p:cxnSp>
-      <p:sp>
-        <p:nvSpPr>
-          <p:cNvPr id="21" name="文本框 20"/>
-          <p:cNvSpPr txBox="1"/>
-          <p:nvPr/>
-        </p:nvSpPr>
-        <p:spPr>
-          <a:xfrm>
-            <a:off x="2307590" y="1212850"/>
-            <a:ext cx="419735" cy="368300"/>
-          </a:xfrm>
-          <a:prstGeom prst="rect">
-            <a:avLst/>
-          </a:prstGeom>
-          <a:noFill/>
-        </p:spPr>
-        <p:txBody>
-          <a:bodyPr wrap="square" rtlCol="0">
-            <a:spAutoFit/>
-          </a:bodyPr>
-          <a:p>
-            <a:r>
-              <a:rPr lang="en-US" altLang="zh-CN">
-                <a:solidFill>
-                  <a:srgbClr val="FF0000"/>
-                </a:solidFill>
-              </a:rPr>
-              <a:t>(1)</a:t>
-            </a:r>
-            <a:endParaRPr lang="en-US" altLang="zh-CN">
-              <a:solidFill>
-                <a:srgbClr val="FF0000"/>
-              </a:solidFill>
-            </a:endParaRPr>
-          </a:p>
-        </p:txBody>
-      </p:sp>
-      <p:sp>
-        <p:nvSpPr>
-          <p:cNvPr id="22" name="文本框 21"/>
-          <p:cNvSpPr txBox="1"/>
-          <p:nvPr/>
-        </p:nvSpPr>
-        <p:spPr>
-          <a:xfrm>
-            <a:off x="1845310" y="4556760"/>
-            <a:ext cx="419735" cy="368300"/>
-          </a:xfrm>
-          <a:prstGeom prst="rect">
-            <a:avLst/>
-          </a:prstGeom>
-          <a:noFill/>
-        </p:spPr>
-        <p:txBody>
-          <a:bodyPr wrap="square" rtlCol="0">
-            <a:spAutoFit/>
-          </a:bodyPr>
-          <a:p>
-            <a:r>
-              <a:rPr lang="en-US" altLang="zh-CN">
-                <a:solidFill>
-                  <a:srgbClr val="FF0000"/>
-                </a:solidFill>
-              </a:rPr>
-              <a:t>(2)</a:t>
-            </a:r>
-            <a:endParaRPr lang="en-US" altLang="zh-CN">
-              <a:solidFill>
-                <a:srgbClr val="FF0000"/>
-              </a:solidFill>
-            </a:endParaRPr>
-          </a:p>
-        </p:txBody>
-      </p:sp>
-      <p:sp>
-        <p:nvSpPr>
-          <p:cNvPr id="23" name="文本框 22"/>
-          <p:cNvSpPr txBox="1"/>
-          <p:nvPr/>
-        </p:nvSpPr>
-        <p:spPr>
-          <a:xfrm>
-            <a:off x="4860290" y="4731385"/>
-            <a:ext cx="419735" cy="368300"/>
-          </a:xfrm>
-          <a:prstGeom prst="rect">
-            <a:avLst/>
-          </a:prstGeom>
-          <a:noFill/>
-        </p:spPr>
-        <p:txBody>
-          <a:bodyPr wrap="square" rtlCol="0">
-            <a:spAutoFit/>
-          </a:bodyPr>
-          <a:p>
-            <a:r>
-              <a:rPr lang="en-US" altLang="zh-CN">
-                <a:solidFill>
-                  <a:srgbClr val="FF0000"/>
-                </a:solidFill>
-              </a:rPr>
-              <a:t>(3)</a:t>
-            </a:r>
-            <a:endParaRPr lang="en-US" altLang="zh-CN">
-              <a:solidFill>
-                <a:srgbClr val="FF0000"/>
-              </a:solidFill>
-            </a:endParaRPr>
-          </a:p>
-        </p:txBody>
-      </p:sp>
-      <p:sp>
-        <p:nvSpPr>
-          <p:cNvPr id="24" name="文本框 23"/>
-          <p:cNvSpPr txBox="1"/>
-          <p:nvPr/>
-        </p:nvSpPr>
-        <p:spPr>
-          <a:xfrm>
-            <a:off x="4309745" y="1079500"/>
-            <a:ext cx="419735" cy="368300"/>
-          </a:xfrm>
-          <a:prstGeom prst="rect">
-            <a:avLst/>
-          </a:prstGeom>
-          <a:noFill/>
-        </p:spPr>
-        <p:txBody>
-          <a:bodyPr wrap="square" rtlCol="0">
-            <a:spAutoFit/>
-          </a:bodyPr>
-          <a:p>
-            <a:r>
-              <a:rPr lang="en-US" altLang="zh-CN">
-                <a:solidFill>
-                  <a:srgbClr val="FF0000"/>
-                </a:solidFill>
-              </a:rPr>
-              <a:t>(4)</a:t>
-            </a:r>
-            <a:endParaRPr lang="en-US" altLang="zh-CN">
-              <a:solidFill>
-                <a:srgbClr val="FF0000"/>
-              </a:solidFill>
-            </a:endParaRPr>
-          </a:p>
-        </p:txBody>
-      </p:sp>
-      <p:sp>
-        <p:nvSpPr>
-          <p:cNvPr id="25" name="文本框 24"/>
-          <p:cNvSpPr txBox="1"/>
-          <p:nvPr/>
-        </p:nvSpPr>
-        <p:spPr>
-          <a:xfrm>
-            <a:off x="5820410" y="4443730"/>
-            <a:ext cx="419735" cy="368300"/>
-          </a:xfrm>
-          <a:prstGeom prst="rect">
-            <a:avLst/>
-          </a:prstGeom>
-          <a:noFill/>
-        </p:spPr>
-        <p:txBody>
-          <a:bodyPr wrap="square" rtlCol="0">
-            <a:spAutoFit/>
-          </a:bodyPr>
-          <a:p>
-            <a:r>
-              <a:rPr lang="en-US" altLang="zh-CN">
-                <a:solidFill>
-                  <a:srgbClr val="FF0000"/>
-                </a:solidFill>
-              </a:rPr>
-              <a:t>(5)</a:t>
-            </a:r>
-            <a:endParaRPr lang="en-US" altLang="zh-CN">
-              <a:solidFill>
-                <a:srgbClr val="FF0000"/>
-              </a:solidFill>
-            </a:endParaRPr>
-          </a:p>
-        </p:txBody>
-      </p:sp>
-      <p:sp>
-        <p:nvSpPr>
-          <p:cNvPr id="26" name="文本框 25"/>
-          <p:cNvSpPr txBox="1"/>
-          <p:nvPr/>
-        </p:nvSpPr>
-        <p:spPr>
-          <a:xfrm>
-            <a:off x="6083935" y="1079500"/>
-            <a:ext cx="419735" cy="368300"/>
-          </a:xfrm>
-          <a:prstGeom prst="rect">
-            <a:avLst/>
-          </a:prstGeom>
-          <a:noFill/>
-        </p:spPr>
-        <p:txBody>
-          <a:bodyPr wrap="square" rtlCol="0">
-            <a:spAutoFit/>
-          </a:bodyPr>
-          <a:p>
-            <a:r>
-              <a:rPr lang="en-US" altLang="zh-CN">
-                <a:solidFill>
-                  <a:srgbClr val="FF0000"/>
-                </a:solidFill>
-              </a:rPr>
-              <a:t>(6)</a:t>
-            </a:r>
-            <a:endParaRPr lang="en-US" altLang="zh-CN">
-              <a:solidFill>
-                <a:srgbClr val="FF0000"/>
-              </a:solidFill>
-            </a:endParaRPr>
-          </a:p>
-        </p:txBody>
-      </p:sp>
-      <p:sp>
-        <p:nvSpPr>
-          <p:cNvPr id="27" name="文本框 26"/>
-          <p:cNvSpPr txBox="1"/>
-          <p:nvPr/>
-        </p:nvSpPr>
-        <p:spPr>
-          <a:xfrm>
-            <a:off x="7936865" y="1079500"/>
-            <a:ext cx="419735" cy="368300"/>
-          </a:xfrm>
-          <a:prstGeom prst="rect">
-            <a:avLst/>
-          </a:prstGeom>
-          <a:noFill/>
-        </p:spPr>
-        <p:txBody>
-          <a:bodyPr wrap="square" rtlCol="0">
-            <a:spAutoFit/>
-          </a:bodyPr>
-          <a:p>
-            <a:r>
-              <a:rPr lang="en-US" altLang="zh-CN">
-                <a:solidFill>
-                  <a:srgbClr val="FF0000"/>
-                </a:solidFill>
-              </a:rPr>
-              <a:t>(7)</a:t>
-            </a:r>
-            <a:endParaRPr lang="en-US" altLang="zh-CN">
-              <a:solidFill>
-                <a:srgbClr val="FF0000"/>
-              </a:solidFill>
-            </a:endParaRPr>
-          </a:p>
-        </p:txBody>
-      </p:sp>
     </p:spTree>
   </p:cSld>
   <p:clrMapOvr>
@@ -7849,281 +7161,24 @@
       </p:grpSpPr>
       <p:sp>
         <p:nvSpPr>
-          <p:cNvPr id="2" name="标题 1"/>
-          <p:cNvSpPr>
-            <a:spLocks noGrp="1"/>
-          </p:cNvSpPr>
-          <p:nvPr>
-            <p:ph type="title"/>
-          </p:nvPr>
-        </p:nvSpPr>
-        <p:spPr/>
-        <p:txBody>
-          <a:bodyPr/>
-          <a:lstStyle/>
-          <a:p>
-            <a:r>
-              <a:rPr kumimoji="1" lang="zh-CN" altLang="en-US" dirty="0"/>
-              <a:t>研究方法</a:t>
-            </a:r>
-            <a:endParaRPr kumimoji="1" lang="zh-CN" altLang="en-US" dirty="0"/>
-          </a:p>
-        </p:txBody>
-      </p:sp>
-      <p:sp>
-        <p:nvSpPr>
-          <p:cNvPr id="4" name="文本框 3"/>
-          <p:cNvSpPr txBox="1"/>
+          <p:cNvPr id="13" name="圆角矩形 12"/>
+          <p:cNvSpPr/>
           <p:nvPr/>
         </p:nvSpPr>
         <p:spPr>
           <a:xfrm>
-            <a:off x="1386205" y="1520825"/>
-            <a:ext cx="9324975" cy="1630045"/>
-          </a:xfrm>
-          <a:prstGeom prst="rect">
+            <a:off x="5370830" y="5697855"/>
+            <a:ext cx="1318260" cy="159385"/>
+          </a:xfrm>
+          <a:prstGeom prst="roundRect">
             <a:avLst/>
           </a:prstGeom>
           <a:noFill/>
-        </p:spPr>
-        <p:txBody>
-          <a:bodyPr wrap="square" rtlCol="0" anchor="t">
-            <a:spAutoFit/>
-          </a:bodyPr>
-          <a:p>
-            <a:r>
-              <a:rPr lang="zh-CN" altLang="en-US" sz="1000"/>
-              <a:t>先定义一些概念：</a:t>
-            </a:r>
-            <a:endParaRPr lang="zh-CN" altLang="en-US" sz="1000"/>
-          </a:p>
-          <a:p>
-            <a:r>
-              <a:rPr lang="zh-CN" altLang="en-US" sz="1000"/>
-              <a:t>* 控制流图（CFG）: 它的节点是函数语句，边表示相邻语句间的运行先后关系。</a:t>
-            </a:r>
-            <a:endParaRPr lang="zh-CN" altLang="en-US" sz="1000"/>
-          </a:p>
-          <a:p>
-            <a:r>
-              <a:rPr lang="zh-CN" altLang="en-US" sz="1000"/>
-              <a:t>* 数据依赖（data dependency）：如果CFG中有一条A-&gt;B的路径，且在A语句中计算得到的值会在B语句中使用，则称B数据依赖A。</a:t>
-            </a:r>
-            <a:endParaRPr lang="zh-CN" altLang="en-US" sz="1000"/>
-          </a:p>
-          <a:p>
-            <a:r>
-              <a:rPr lang="zh-CN" altLang="en-US" sz="1000"/>
-              <a:t>* 控制依赖（control dependency）：如果CFG中有一条A-&gt;B的路径，且B是否执行需要看A执行的结果, 则称B控制依赖A。</a:t>
-            </a:r>
-            <a:endParaRPr lang="zh-CN" altLang="en-US" sz="1000"/>
-          </a:p>
-          <a:p>
-            <a:r>
-              <a:rPr lang="zh-CN" altLang="en-US" sz="1000"/>
-              <a:t>* 程序依赖图（PDG）: 它的节点与CFG中节点表示意义意义，边为表示相邻语句间的数据依赖或控制依赖</a:t>
-            </a:r>
-            <a:endParaRPr lang="zh-CN" altLang="en-US" sz="1000"/>
-          </a:p>
-          <a:p>
-            <a:r>
-              <a:rPr lang="zh-CN" altLang="en-US" sz="1000"/>
-              <a:t>* 前向切片（forward slice）：PDG中从SyVC节点出发所有可达节点的语句集合</a:t>
-            </a:r>
-            <a:endParaRPr lang="zh-CN" altLang="en-US" sz="1000"/>
-          </a:p>
-          <a:p>
-            <a:r>
-              <a:rPr lang="zh-CN" altLang="en-US" sz="1000"/>
-              <a:t>* 过程间前向切片（interprocedural forward slice）：包含前向切片的所有语句，以及PDG中SyVC节点通过函数调用可以到达SyVC节点的语句</a:t>
-            </a:r>
-            <a:endParaRPr lang="zh-CN" altLang="en-US" sz="1000"/>
-          </a:p>
-          <a:p>
-            <a:r>
-              <a:rPr lang="zh-CN" altLang="en-US" sz="1000"/>
-              <a:t>* 后向切片（backward slice）：PDG中所有可达SyVC节点的且以该节点为终点的语句集合</a:t>
-            </a:r>
-            <a:endParaRPr lang="zh-CN" altLang="en-US" sz="1000"/>
-          </a:p>
-          <a:p>
-            <a:r>
-              <a:rPr lang="zh-CN" altLang="en-US" sz="1000"/>
-              <a:t>* 过程间后向切片（interprocedural backward slice）：包含后向切片的所有语句，以及PDG中通过函数调用可到达SyVC节点的语句</a:t>
-            </a:r>
-            <a:endParaRPr lang="zh-CN" altLang="en-US" sz="1000"/>
-          </a:p>
-          <a:p>
-            <a:r>
-              <a:rPr lang="zh-CN" altLang="en-US" sz="1000"/>
-              <a:t>* 程序切片（program slice）：过程间前向切片和过程间后向切片的语句删除其中重复的部分的组合</a:t>
-            </a:r>
-            <a:endParaRPr lang="zh-CN" altLang="en-US" sz="1000"/>
-          </a:p>
-        </p:txBody>
-      </p:sp>
-      <p:pic>
-        <p:nvPicPr>
-          <p:cNvPr id="6" name="图片 5"/>
-          <p:cNvPicPr>
-            <a:picLocks noChangeAspect="1"/>
-          </p:cNvPicPr>
-          <p:nvPr/>
-        </p:nvPicPr>
-        <p:blipFill>
-          <a:blip r:embed="rId1"/>
-          <a:stretch>
-            <a:fillRect/>
-          </a:stretch>
-        </p:blipFill>
-        <p:spPr>
-          <a:xfrm>
-            <a:off x="1475105" y="3150870"/>
-            <a:ext cx="8012430" cy="3252470"/>
-          </a:xfrm>
-          <a:prstGeom prst="rect">
-            <a:avLst/>
-          </a:prstGeom>
-        </p:spPr>
-      </p:pic>
-      <p:sp>
-        <p:nvSpPr>
-          <p:cNvPr id="8" name="文本框 7"/>
-          <p:cNvSpPr txBox="1"/>
-          <p:nvPr/>
-        </p:nvSpPr>
-        <p:spPr>
-          <a:xfrm>
-            <a:off x="2533015" y="6450330"/>
-            <a:ext cx="5744210" cy="245110"/>
-          </a:xfrm>
-          <a:prstGeom prst="rect">
-            <a:avLst/>
-          </a:prstGeom>
-          <a:noFill/>
-        </p:spPr>
-        <p:txBody>
-          <a:bodyPr wrap="none" rtlCol="0">
-            <a:spAutoFit/>
-          </a:bodyPr>
-          <a:p>
-            <a:pPr algn="l"/>
-            <a:r>
-              <a:rPr lang="zh-CN" altLang="en-US" sz="1000">
-                <a:solidFill>
-                  <a:schemeClr val="accent2"/>
-                </a:solidFill>
-              </a:rPr>
-              <a:t>（</a:t>
-            </a:r>
-            <a:r>
-              <a:rPr lang="en-US" altLang="zh-CN" sz="1000">
-                <a:solidFill>
-                  <a:schemeClr val="accent2"/>
-                </a:solidFill>
-              </a:rPr>
-              <a:t>PDG</a:t>
-            </a:r>
-            <a:r>
-              <a:rPr lang="zh-CN" altLang="en-US" sz="1000">
-                <a:solidFill>
-                  <a:schemeClr val="accent2"/>
-                </a:solidFill>
-              </a:rPr>
-              <a:t>生成：https://www.cc.gatech.edu/~harrold/6340/cs6340_fall2009/Readings/ferrante87jul.pdf）</a:t>
-            </a:r>
-            <a:endParaRPr lang="zh-CN" altLang="en-US" sz="1000">
-              <a:solidFill>
-                <a:schemeClr val="accent2"/>
-              </a:solidFill>
-            </a:endParaRPr>
-          </a:p>
-        </p:txBody>
-      </p:sp>
-      <p:sp>
-        <p:nvSpPr>
-          <p:cNvPr id="9" name="文本框 8"/>
-          <p:cNvSpPr txBox="1"/>
-          <p:nvPr/>
-        </p:nvSpPr>
-        <p:spPr>
-          <a:xfrm>
-            <a:off x="9487535" y="4485640"/>
-            <a:ext cx="1437005" cy="245110"/>
-          </a:xfrm>
-          <a:prstGeom prst="rect">
-            <a:avLst/>
-          </a:prstGeom>
-          <a:noFill/>
-          <a:ln w="12700">
+          <a:ln>
             <a:solidFill>
-              <a:schemeClr val="accent1"/>
+              <a:schemeClr val="accent2"/>
             </a:solidFill>
           </a:ln>
-        </p:spPr>
-        <p:txBody>
-          <a:bodyPr wrap="square" rtlCol="0">
-            <a:spAutoFit/>
-          </a:bodyPr>
-          <a:p>
-            <a:r>
-              <a:rPr lang="en-US" altLang="zh-CN" sz="1000"/>
-              <a:t>word2vec</a:t>
-            </a:r>
-            <a:r>
-              <a:rPr lang="en-US" altLang="zh-CN" sz="1000">
-                <a:solidFill>
-                  <a:srgbClr val="FF0000"/>
-                </a:solidFill>
-              </a:rPr>
-              <a:t> </a:t>
-            </a:r>
-            <a:r>
-              <a:rPr lang="en-US" altLang="zh-CN" sz="1000">
-                <a:solidFill>
-                  <a:schemeClr val="accent2"/>
-                </a:solidFill>
-              </a:rPr>
-              <a:t>(</a:t>
-            </a:r>
-            <a:r>
-              <a:rPr lang="zh-CN" altLang="en-US" sz="1000">
-                <a:solidFill>
-                  <a:schemeClr val="accent2"/>
-                </a:solidFill>
-              </a:rPr>
-              <a:t>接上页末尾</a:t>
-            </a:r>
-            <a:r>
-              <a:rPr lang="en-US" altLang="zh-CN" sz="1000">
-                <a:solidFill>
-                  <a:schemeClr val="accent2"/>
-                </a:solidFill>
-              </a:rPr>
-              <a:t>)</a:t>
-            </a:r>
-            <a:endParaRPr lang="en-US" altLang="zh-CN" sz="1000">
-              <a:solidFill>
-                <a:schemeClr val="accent2"/>
-              </a:solidFill>
-            </a:endParaRPr>
-          </a:p>
-        </p:txBody>
-      </p:sp>
-      <p:sp>
-        <p:nvSpPr>
-          <p:cNvPr id="10" name="右箭头 9"/>
-          <p:cNvSpPr/>
-          <p:nvPr/>
-        </p:nvSpPr>
-        <p:spPr>
-          <a:xfrm>
-            <a:off x="9194165" y="4549775"/>
-            <a:ext cx="175260" cy="117475"/>
-          </a:xfrm>
-          <a:prstGeom prst="rightArrow">
-            <a:avLst/>
-          </a:prstGeom>
         </p:spPr>
         <p:style>
           <a:lnRef idx="2">
@@ -8151,33 +7206,341 @@
       </p:sp>
       <p:sp>
         <p:nvSpPr>
-          <p:cNvPr id="12" name="文本框 11"/>
+          <p:cNvPr id="2" name="标题 1"/>
+          <p:cNvSpPr>
+            <a:spLocks noGrp="1"/>
+          </p:cNvSpPr>
+          <p:nvPr>
+            <p:ph type="title"/>
+          </p:nvPr>
+        </p:nvSpPr>
+        <p:spPr/>
+        <p:txBody>
+          <a:bodyPr/>
+          <a:lstStyle/>
+          <a:p>
+            <a:r>
+              <a:rPr kumimoji="1" lang="zh-CN" altLang="en-US" dirty="0"/>
+              <a:t>研究方法</a:t>
+            </a:r>
+            <a:endParaRPr kumimoji="1" lang="zh-CN" altLang="en-US" dirty="0"/>
+          </a:p>
+        </p:txBody>
+      </p:sp>
+      <p:pic>
+        <p:nvPicPr>
+          <p:cNvPr id="3" name="图片 2"/>
+          <p:cNvPicPr>
+            <a:picLocks noChangeAspect="1"/>
+          </p:cNvPicPr>
+          <p:nvPr>
+            <p:custDataLst>
+              <p:tags r:id="rId1"/>
+            </p:custDataLst>
+          </p:nvPr>
+        </p:nvPicPr>
+        <p:blipFill>
+          <a:blip r:embed="rId2"/>
+          <a:stretch>
+            <a:fillRect/>
+          </a:stretch>
+        </p:blipFill>
+        <p:spPr>
+          <a:xfrm>
+            <a:off x="2350135" y="1268730"/>
+            <a:ext cx="7492365" cy="3255645"/>
+          </a:xfrm>
+          <a:prstGeom prst="rect">
+            <a:avLst/>
+          </a:prstGeom>
+        </p:spPr>
+      </p:pic>
+      <p:sp>
+        <p:nvSpPr>
+          <p:cNvPr id="5" name="文本框 4"/>
           <p:cNvSpPr txBox="1"/>
           <p:nvPr/>
         </p:nvSpPr>
         <p:spPr>
           <a:xfrm>
-            <a:off x="9487535" y="4920615"/>
-            <a:ext cx="2504440" cy="553085"/>
+            <a:off x="5244465" y="4904105"/>
+            <a:ext cx="2593975" cy="1599565"/>
           </a:xfrm>
           <a:prstGeom prst="rect">
             <a:avLst/>
           </a:prstGeom>
           <a:noFill/>
-        </p:spPr>
-        <p:txBody>
-          <a:bodyPr wrap="none" rtlCol="0">
+          <a:ln w="12700">
+            <a:solidFill>
+              <a:schemeClr val="accent1"/>
+            </a:solidFill>
+          </a:ln>
+        </p:spPr>
+        <p:txBody>
+          <a:bodyPr wrap="square" rtlCol="0">
             <a:spAutoFit/>
           </a:bodyPr>
           <a:p>
-            <a:pPr algn="l"/>
+            <a:r>
+              <a:rPr lang="zh-CN" altLang="en-US" sz="1000"/>
+              <a:t>用静态分析工具（如Checkmatrx）生成漏洞语法特征（vulnerability syntax characteristics）</a:t>
+            </a:r>
+            <a:r>
+              <a:rPr lang="zh-CN" altLang="en-US" sz="1000">
+                <a:solidFill>
+                  <a:schemeClr val="accent2"/>
+                </a:solidFill>
+                <a:sym typeface="+mn-ea"/>
+              </a:rPr>
+              <a:t>（可能是以</a:t>
+            </a:r>
+            <a:r>
+              <a:rPr lang="en-US" altLang="zh-CN" sz="1000">
+                <a:solidFill>
+                  <a:schemeClr val="accent2"/>
+                </a:solidFill>
+                <a:sym typeface="+mn-ea"/>
+              </a:rPr>
+              <a:t>AST</a:t>
+            </a:r>
+            <a:r>
+              <a:rPr lang="zh-CN" altLang="en-US" sz="1000">
+                <a:solidFill>
+                  <a:schemeClr val="accent2"/>
+                </a:solidFill>
+                <a:sym typeface="+mn-ea"/>
+              </a:rPr>
+              <a:t>展现的数据结构）</a:t>
+            </a:r>
+            <a:r>
+              <a:rPr lang="zh-CN" altLang="en-US" sz="1000"/>
+              <a:t>，如：</a:t>
+            </a:r>
+            <a:endParaRPr lang="zh-CN" altLang="en-US" sz="1000"/>
+          </a:p>
+          <a:p>
+            <a:r>
+              <a:rPr lang="zh-CN" altLang="en-US" sz="1000"/>
+              <a:t>* 函数/API调用（简称FC）</a:t>
+            </a:r>
+            <a:endParaRPr lang="zh-CN" altLang="en-US" sz="1000"/>
+          </a:p>
+          <a:p>
+            <a:r>
+              <a:rPr lang="zh-CN" altLang="en-US" sz="1000"/>
+              <a:t>* 数组使用（简称AU）</a:t>
+            </a:r>
+            <a:endParaRPr lang="zh-CN" altLang="en-US" sz="1000"/>
+          </a:p>
+          <a:p>
+            <a:r>
+              <a:rPr lang="zh-CN" altLang="en-US" sz="1000"/>
+              <a:t>* 指针使用（简称PU）</a:t>
+            </a:r>
+            <a:endParaRPr lang="zh-CN" altLang="en-US" sz="1000"/>
+          </a:p>
+          <a:p>
+            <a:r>
+              <a:rPr lang="zh-CN" altLang="en-US" sz="1000"/>
+              <a:t>* 算术表达式（简称AE）</a:t>
+            </a:r>
+            <a:endParaRPr lang="zh-CN" altLang="en-US" sz="1000"/>
+          </a:p>
+          <a:p>
+            <a:endParaRPr lang="zh-CN" altLang="en-US" sz="1000"/>
+          </a:p>
+          <a:p>
+            <a:endParaRPr lang="zh-CN" altLang="en-US" sz="800">
+              <a:solidFill>
+                <a:srgbClr val="FF0000"/>
+              </a:solidFill>
+            </a:endParaRPr>
+          </a:p>
+        </p:txBody>
+      </p:sp>
+      <p:sp>
+        <p:nvSpPr>
+          <p:cNvPr id="7" name="右箭头 6"/>
+          <p:cNvSpPr/>
+          <p:nvPr/>
+        </p:nvSpPr>
+        <p:spPr>
+          <a:xfrm>
+            <a:off x="4729480" y="5494020"/>
+            <a:ext cx="365760" cy="203835"/>
+          </a:xfrm>
+          <a:prstGeom prst="rightArrow">
+            <a:avLst/>
+          </a:prstGeom>
+        </p:spPr>
+        <p:style>
+          <a:lnRef idx="2">
+            <a:schemeClr val="accent1">
+              <a:shade val="50000"/>
+            </a:schemeClr>
+          </a:lnRef>
+          <a:fillRef idx="1">
+            <a:schemeClr val="accent1"/>
+          </a:fillRef>
+          <a:effectRef idx="0">
+            <a:schemeClr val="accent1"/>
+          </a:effectRef>
+          <a:fontRef idx="minor">
+            <a:schemeClr val="lt1"/>
+          </a:fontRef>
+        </p:style>
+        <p:txBody>
+          <a:bodyPr rtlCol="0" anchor="ctr"/>
+          <a:p>
+            <a:pPr algn="ctr"/>
+            <a:endParaRPr lang="zh-CN" altLang="en-US"/>
+          </a:p>
+        </p:txBody>
+      </p:sp>
+      <p:pic>
+        <p:nvPicPr>
+          <p:cNvPr id="11" name="图片 10"/>
+          <p:cNvPicPr>
+            <a:picLocks noChangeAspect="1"/>
+          </p:cNvPicPr>
+          <p:nvPr/>
+        </p:nvPicPr>
+        <p:blipFill>
+          <a:blip r:embed="rId3"/>
+          <a:stretch>
+            <a:fillRect/>
+          </a:stretch>
+        </p:blipFill>
+        <p:spPr>
+          <a:xfrm>
+            <a:off x="2200910" y="4801870"/>
+            <a:ext cx="2190115" cy="1968500"/>
+          </a:xfrm>
+          <a:prstGeom prst="rect">
+            <a:avLst/>
+          </a:prstGeom>
+          <a:noFill/>
+          <a:ln w="12700" cmpd="sng">
+            <a:solidFill>
+              <a:schemeClr val="accent1">
+                <a:shade val="50000"/>
+              </a:schemeClr>
+            </a:solidFill>
+            <a:prstDash val="solid"/>
+          </a:ln>
+        </p:spPr>
+      </p:pic>
+      <p:sp>
+        <p:nvSpPr>
+          <p:cNvPr id="14" name="下箭头 13"/>
+          <p:cNvSpPr/>
+          <p:nvPr/>
+        </p:nvSpPr>
+        <p:spPr>
+          <a:xfrm>
+            <a:off x="3389630" y="4497705"/>
+            <a:ext cx="182245" cy="233680"/>
+          </a:xfrm>
+          <a:prstGeom prst="downArrow">
+            <a:avLst/>
+          </a:prstGeom>
+        </p:spPr>
+        <p:style>
+          <a:lnRef idx="2">
+            <a:schemeClr val="accent1">
+              <a:shade val="50000"/>
+            </a:schemeClr>
+          </a:lnRef>
+          <a:fillRef idx="1">
+            <a:schemeClr val="accent1"/>
+          </a:fillRef>
+          <a:effectRef idx="0">
+            <a:schemeClr val="accent1"/>
+          </a:effectRef>
+          <a:fontRef idx="minor">
+            <a:schemeClr val="lt1"/>
+          </a:fontRef>
+        </p:style>
+        <p:txBody>
+          <a:bodyPr rtlCol="0" anchor="ctr"/>
+          <a:p>
+            <a:pPr algn="ctr"/>
+            <a:endParaRPr lang="zh-CN" altLang="en-US"/>
+          </a:p>
+        </p:txBody>
+      </p:sp>
+      <p:sp>
+        <p:nvSpPr>
+          <p:cNvPr id="15" name="上箭头 14"/>
+          <p:cNvSpPr/>
+          <p:nvPr/>
+        </p:nvSpPr>
+        <p:spPr>
+          <a:xfrm>
+            <a:off x="5574030" y="4524375"/>
+            <a:ext cx="168910" cy="207010"/>
+          </a:xfrm>
+          <a:prstGeom prst="upArrow">
+            <a:avLst/>
+          </a:prstGeom>
+        </p:spPr>
+        <p:style>
+          <a:lnRef idx="2">
+            <a:schemeClr val="accent1">
+              <a:shade val="50000"/>
+            </a:schemeClr>
+          </a:lnRef>
+          <a:fillRef idx="1">
+            <a:schemeClr val="accent1"/>
+          </a:fillRef>
+          <a:effectRef idx="0">
+            <a:schemeClr val="accent1"/>
+          </a:effectRef>
+          <a:fontRef idx="minor">
+            <a:schemeClr val="lt1"/>
+          </a:fontRef>
+        </p:style>
+        <p:txBody>
+          <a:bodyPr rtlCol="0" anchor="ctr"/>
+          <a:p>
+            <a:pPr algn="ctr"/>
+            <a:endParaRPr lang="zh-CN" altLang="en-US"/>
+          </a:p>
+        </p:txBody>
+      </p:sp>
+      <p:sp>
+        <p:nvSpPr>
+          <p:cNvPr id="16" name="文本框 15"/>
+          <p:cNvSpPr txBox="1"/>
+          <p:nvPr/>
+        </p:nvSpPr>
+        <p:spPr>
+          <a:xfrm>
+            <a:off x="6148070" y="4569460"/>
+            <a:ext cx="2146300" cy="245110"/>
+          </a:xfrm>
+          <a:prstGeom prst="rect">
+            <a:avLst/>
+          </a:prstGeom>
+          <a:noFill/>
+          <a:ln w="12700">
+            <a:solidFill>
+              <a:schemeClr val="accent1"/>
+            </a:solidFill>
+          </a:ln>
+        </p:spPr>
+        <p:txBody>
+          <a:bodyPr wrap="square" rtlCol="0">
+            <a:spAutoFit/>
+          </a:bodyPr>
+          <a:p>
             <a:r>
               <a:rPr lang="en-US" altLang="zh-CN" sz="1000">
                 <a:solidFill>
                   <a:schemeClr val="accent2"/>
                 </a:solidFill>
               </a:rPr>
-              <a:t>Q</a:t>
+              <a:t>(</a:t>
             </a:r>
             <a:r>
               <a:rPr lang="zh-CN" altLang="en-US" sz="1000">
@@ -8185,23 +7548,15 @@
                   <a:schemeClr val="accent2"/>
                 </a:solidFill>
               </a:rPr>
-              <a:t>：</a:t>
-            </a:r>
-            <a:endParaRPr lang="zh-CN" altLang="en-US" sz="1000">
-              <a:solidFill>
-                <a:schemeClr val="accent2"/>
-              </a:solidFill>
-            </a:endParaRPr>
-          </a:p>
-          <a:p>
-            <a:pPr algn="l"/>
+              <a:t>下页</a:t>
+            </a:r>
             <a:r>
               <a:rPr lang="en-US" altLang="zh-CN" sz="1000">
                 <a:solidFill>
                   <a:schemeClr val="accent2"/>
                 </a:solidFill>
               </a:rPr>
-              <a:t>1. </a:t>
+              <a:t>PDG</a:t>
             </a:r>
             <a:r>
               <a:rPr lang="zh-CN" altLang="en-US" sz="1000">
@@ -8209,59 +7564,344 @@
                   <a:schemeClr val="accent2"/>
                 </a:solidFill>
               </a:rPr>
-              <a:t>如何切分</a:t>
-            </a:r>
-            <a:r>
-              <a:rPr lang="zh-CN" altLang="en-US" sz="1000">
-                <a:solidFill>
-                  <a:schemeClr val="accent2"/>
-                </a:solidFill>
-              </a:rPr>
-              <a:t>语句？</a:t>
-            </a:r>
-            <a:endParaRPr lang="zh-CN" altLang="en-US" sz="1000">
-              <a:solidFill>
-                <a:schemeClr val="accent2"/>
-              </a:solidFill>
-            </a:endParaRPr>
-          </a:p>
-          <a:p>
-            <a:pPr algn="l"/>
+              <a:t>线</a:t>
+            </a:r>
             <a:r>
               <a:rPr lang="en-US" altLang="zh-CN" sz="1000">
                 <a:solidFill>
                   <a:schemeClr val="accent2"/>
                 </a:solidFill>
               </a:rPr>
-              <a:t>2. 不同的SeVC</a:t>
-            </a:r>
-            <a:r>
-              <a:rPr lang="zh-CN" altLang="en-US" sz="1000">
+              <a:t>....)</a:t>
+            </a:r>
+            <a:endParaRPr lang="en-US" altLang="zh-CN" sz="1000">
+              <a:solidFill>
+                <a:schemeClr val="accent2"/>
+              </a:solidFill>
+            </a:endParaRPr>
+          </a:p>
+        </p:txBody>
+      </p:sp>
+      <p:cxnSp>
+        <p:nvCxnSpPr>
+          <p:cNvPr id="19" name="直接箭头连接符 18"/>
+          <p:cNvCxnSpPr/>
+          <p:nvPr/>
+        </p:nvCxnSpPr>
+        <p:spPr>
+          <a:xfrm>
+            <a:off x="6148070" y="4337050"/>
+            <a:ext cx="189230" cy="187325"/>
+          </a:xfrm>
+          <a:prstGeom prst="straightConnector1">
+            <a:avLst/>
+          </a:prstGeom>
+          <a:ln w="31750">
+            <a:tailEnd type="arrow"/>
+          </a:ln>
+        </p:spPr>
+        <p:style>
+          <a:lnRef idx="1">
+            <a:schemeClr val="accent1"/>
+          </a:lnRef>
+          <a:fillRef idx="0">
+            <a:schemeClr val="accent1"/>
+          </a:fillRef>
+          <a:effectRef idx="0">
+            <a:schemeClr val="accent1"/>
+          </a:effectRef>
+          <a:fontRef idx="minor">
+            <a:schemeClr val="tx1"/>
+          </a:fontRef>
+        </p:style>
+      </p:cxnSp>
+      <p:cxnSp>
+        <p:nvCxnSpPr>
+          <p:cNvPr id="20" name="直接箭头连接符 19"/>
+          <p:cNvCxnSpPr/>
+          <p:nvPr/>
+        </p:nvCxnSpPr>
+        <p:spPr>
+          <a:xfrm flipV="1">
+            <a:off x="7025005" y="4337050"/>
+            <a:ext cx="0" cy="219710"/>
+          </a:xfrm>
+          <a:prstGeom prst="straightConnector1">
+            <a:avLst/>
+          </a:prstGeom>
+          <a:ln w="19050">
+            <a:tailEnd type="arrow"/>
+          </a:ln>
+        </p:spPr>
+        <p:style>
+          <a:lnRef idx="1">
+            <a:schemeClr val="accent1"/>
+          </a:lnRef>
+          <a:fillRef idx="0">
+            <a:schemeClr val="accent1"/>
+          </a:fillRef>
+          <a:effectRef idx="0">
+            <a:schemeClr val="accent1"/>
+          </a:effectRef>
+          <a:fontRef idx="minor">
+            <a:schemeClr val="tx1"/>
+          </a:fontRef>
+        </p:style>
+      </p:cxnSp>
+      <p:sp>
+        <p:nvSpPr>
+          <p:cNvPr id="21" name="文本框 20"/>
+          <p:cNvSpPr txBox="1"/>
+          <p:nvPr/>
+        </p:nvSpPr>
+        <p:spPr>
+          <a:xfrm>
+            <a:off x="2307590" y="1212850"/>
+            <a:ext cx="419735" cy="368300"/>
+          </a:xfrm>
+          <a:prstGeom prst="rect">
+            <a:avLst/>
+          </a:prstGeom>
+          <a:noFill/>
+        </p:spPr>
+        <p:txBody>
+          <a:bodyPr wrap="square" rtlCol="0">
+            <a:spAutoFit/>
+          </a:bodyPr>
+          <a:p>
+            <a:r>
+              <a:rPr lang="en-US" altLang="zh-CN">
                 <a:solidFill>
-                  <a:schemeClr val="accent2"/>
+                  <a:srgbClr val="FF0000"/>
                 </a:solidFill>
               </a:rPr>
-              <a:t>转成</a:t>
-            </a:r>
-            <a:r>
-              <a:rPr lang="en-US" altLang="zh-CN" sz="1000">
+              <a:t>(1)</a:t>
+            </a:r>
+            <a:endParaRPr lang="en-US" altLang="zh-CN">
+              <a:solidFill>
+                <a:srgbClr val="FF0000"/>
+              </a:solidFill>
+            </a:endParaRPr>
+          </a:p>
+        </p:txBody>
+      </p:sp>
+      <p:sp>
+        <p:nvSpPr>
+          <p:cNvPr id="22" name="文本框 21"/>
+          <p:cNvSpPr txBox="1"/>
+          <p:nvPr/>
+        </p:nvSpPr>
+        <p:spPr>
+          <a:xfrm>
+            <a:off x="1845310" y="4556760"/>
+            <a:ext cx="419735" cy="368300"/>
+          </a:xfrm>
+          <a:prstGeom prst="rect">
+            <a:avLst/>
+          </a:prstGeom>
+          <a:noFill/>
+        </p:spPr>
+        <p:txBody>
+          <a:bodyPr wrap="square" rtlCol="0">
+            <a:spAutoFit/>
+          </a:bodyPr>
+          <a:p>
+            <a:r>
+              <a:rPr lang="en-US" altLang="zh-CN">
                 <a:solidFill>
-                  <a:schemeClr val="accent2"/>
+                  <a:srgbClr val="FF0000"/>
                 </a:solidFill>
               </a:rPr>
-              <a:t>导致相同的符号表示</a:t>
-            </a:r>
-            <a:r>
-              <a:rPr lang="zh-CN" altLang="en-US" sz="1000">
+              <a:t>(2)</a:t>
+            </a:r>
+            <a:endParaRPr lang="en-US" altLang="zh-CN">
+              <a:solidFill>
+                <a:srgbClr val="FF0000"/>
+              </a:solidFill>
+            </a:endParaRPr>
+          </a:p>
+        </p:txBody>
+      </p:sp>
+      <p:sp>
+        <p:nvSpPr>
+          <p:cNvPr id="23" name="文本框 22"/>
+          <p:cNvSpPr txBox="1"/>
+          <p:nvPr/>
+        </p:nvSpPr>
+        <p:spPr>
+          <a:xfrm>
+            <a:off x="4860290" y="4731385"/>
+            <a:ext cx="419735" cy="368300"/>
+          </a:xfrm>
+          <a:prstGeom prst="rect">
+            <a:avLst/>
+          </a:prstGeom>
+          <a:noFill/>
+        </p:spPr>
+        <p:txBody>
+          <a:bodyPr wrap="square" rtlCol="0">
+            <a:spAutoFit/>
+          </a:bodyPr>
+          <a:p>
+            <a:r>
+              <a:rPr lang="en-US" altLang="zh-CN">
                 <a:solidFill>
-                  <a:schemeClr val="accent2"/>
+                  <a:srgbClr val="FF0000"/>
                 </a:solidFill>
               </a:rPr>
-              <a:t>？</a:t>
-            </a:r>
-            <a:endParaRPr lang="zh-CN" altLang="en-US" sz="1000">
+              <a:t>(3)</a:t>
+            </a:r>
+            <a:endParaRPr lang="en-US" altLang="zh-CN">
               <a:solidFill>
-                <a:schemeClr val="accent2"/>
+                <a:srgbClr val="FF0000"/>
+              </a:solidFill>
+            </a:endParaRPr>
+          </a:p>
+        </p:txBody>
+      </p:sp>
+      <p:sp>
+        <p:nvSpPr>
+          <p:cNvPr id="24" name="文本框 23"/>
+          <p:cNvSpPr txBox="1"/>
+          <p:nvPr/>
+        </p:nvSpPr>
+        <p:spPr>
+          <a:xfrm>
+            <a:off x="4309745" y="1079500"/>
+            <a:ext cx="419735" cy="368300"/>
+          </a:xfrm>
+          <a:prstGeom prst="rect">
+            <a:avLst/>
+          </a:prstGeom>
+          <a:noFill/>
+        </p:spPr>
+        <p:txBody>
+          <a:bodyPr wrap="square" rtlCol="0">
+            <a:spAutoFit/>
+          </a:bodyPr>
+          <a:p>
+            <a:r>
+              <a:rPr lang="en-US" altLang="zh-CN">
+                <a:solidFill>
+                  <a:srgbClr val="FF0000"/>
+                </a:solidFill>
+              </a:rPr>
+              <a:t>(4)</a:t>
+            </a:r>
+            <a:endParaRPr lang="en-US" altLang="zh-CN">
+              <a:solidFill>
+                <a:srgbClr val="FF0000"/>
+              </a:solidFill>
+            </a:endParaRPr>
+          </a:p>
+        </p:txBody>
+      </p:sp>
+      <p:sp>
+        <p:nvSpPr>
+          <p:cNvPr id="25" name="文本框 24"/>
+          <p:cNvSpPr txBox="1"/>
+          <p:nvPr/>
+        </p:nvSpPr>
+        <p:spPr>
+          <a:xfrm>
+            <a:off x="5820410" y="4443730"/>
+            <a:ext cx="419735" cy="368300"/>
+          </a:xfrm>
+          <a:prstGeom prst="rect">
+            <a:avLst/>
+          </a:prstGeom>
+          <a:noFill/>
+        </p:spPr>
+        <p:txBody>
+          <a:bodyPr wrap="square" rtlCol="0">
+            <a:spAutoFit/>
+          </a:bodyPr>
+          <a:p>
+            <a:r>
+              <a:rPr lang="en-US" altLang="zh-CN">
+                <a:solidFill>
+                  <a:srgbClr val="FF0000"/>
+                </a:solidFill>
+              </a:rPr>
+              <a:t>(5)</a:t>
+            </a:r>
+            <a:endParaRPr lang="en-US" altLang="zh-CN">
+              <a:solidFill>
+                <a:srgbClr val="FF0000"/>
+              </a:solidFill>
+            </a:endParaRPr>
+          </a:p>
+        </p:txBody>
+      </p:sp>
+      <p:sp>
+        <p:nvSpPr>
+          <p:cNvPr id="26" name="文本框 25"/>
+          <p:cNvSpPr txBox="1"/>
+          <p:nvPr/>
+        </p:nvSpPr>
+        <p:spPr>
+          <a:xfrm>
+            <a:off x="6083935" y="1079500"/>
+            <a:ext cx="419735" cy="368300"/>
+          </a:xfrm>
+          <a:prstGeom prst="rect">
+            <a:avLst/>
+          </a:prstGeom>
+          <a:noFill/>
+        </p:spPr>
+        <p:txBody>
+          <a:bodyPr wrap="square" rtlCol="0">
+            <a:spAutoFit/>
+          </a:bodyPr>
+          <a:p>
+            <a:r>
+              <a:rPr lang="en-US" altLang="zh-CN">
+                <a:solidFill>
+                  <a:srgbClr val="FF0000"/>
+                </a:solidFill>
+              </a:rPr>
+              <a:t>(6)</a:t>
+            </a:r>
+            <a:endParaRPr lang="en-US" altLang="zh-CN">
+              <a:solidFill>
+                <a:srgbClr val="FF0000"/>
+              </a:solidFill>
+            </a:endParaRPr>
+          </a:p>
+        </p:txBody>
+      </p:sp>
+      <p:sp>
+        <p:nvSpPr>
+          <p:cNvPr id="27" name="文本框 26"/>
+          <p:cNvSpPr txBox="1"/>
+          <p:nvPr/>
+        </p:nvSpPr>
+        <p:spPr>
+          <a:xfrm>
+            <a:off x="7936865" y="1079500"/>
+            <a:ext cx="419735" cy="368300"/>
+          </a:xfrm>
+          <a:prstGeom prst="rect">
+            <a:avLst/>
+          </a:prstGeom>
+          <a:noFill/>
+        </p:spPr>
+        <p:txBody>
+          <a:bodyPr wrap="square" rtlCol="0">
+            <a:spAutoFit/>
+          </a:bodyPr>
+          <a:p>
+            <a:r>
+              <a:rPr lang="en-US" altLang="zh-CN">
+                <a:solidFill>
+                  <a:srgbClr val="FF0000"/>
+                </a:solidFill>
+              </a:rPr>
+              <a:t>(7)</a:t>
+            </a:r>
+            <a:endParaRPr lang="en-US" altLang="zh-CN">
+              <a:solidFill>
+                <a:srgbClr val="FF0000"/>
               </a:solidFill>
             </a:endParaRPr>
           </a:p>
@@ -8309,19 +7949,107 @@
           <a:p>
             <a:r>
               <a:rPr kumimoji="1" lang="zh-CN" altLang="en-US" dirty="0"/>
-              <a:t>研究</a:t>
-            </a:r>
-            <a:r>
-              <a:rPr kumimoji="1" lang="zh-CN" altLang="en-US" dirty="0"/>
-              <a:t>结论</a:t>
+              <a:t>研究方法</a:t>
             </a:r>
             <a:endParaRPr kumimoji="1" lang="zh-CN" altLang="en-US" dirty="0"/>
+          </a:p>
+        </p:txBody>
+      </p:sp>
+      <p:sp>
+        <p:nvSpPr>
+          <p:cNvPr id="4" name="文本框 3"/>
+          <p:cNvSpPr txBox="1"/>
+          <p:nvPr/>
+        </p:nvSpPr>
+        <p:spPr>
+          <a:xfrm>
+            <a:off x="1386205" y="1520825"/>
+            <a:ext cx="9324975" cy="1630045"/>
+          </a:xfrm>
+          <a:prstGeom prst="rect">
+            <a:avLst/>
+          </a:prstGeom>
+          <a:noFill/>
+        </p:spPr>
+        <p:txBody>
+          <a:bodyPr wrap="square" rtlCol="0" anchor="t">
+            <a:spAutoFit/>
+          </a:bodyPr>
+          <a:p>
+            <a:r>
+              <a:rPr lang="zh-CN" altLang="en-US" sz="1000"/>
+              <a:t>先定义一些概念：</a:t>
+            </a:r>
+            <a:endParaRPr lang="zh-CN" altLang="en-US" sz="1000"/>
+          </a:p>
+          <a:p>
+            <a:r>
+              <a:rPr lang="zh-CN" altLang="en-US" sz="1000"/>
+              <a:t>* 控制流图（CFG）: 它的节点是函数语句，边表示相邻语句间的运行先后关系。</a:t>
+            </a:r>
+            <a:endParaRPr lang="zh-CN" altLang="en-US" sz="1000"/>
+          </a:p>
+          <a:p>
+            <a:r>
+              <a:rPr lang="zh-CN" altLang="en-US" sz="1000"/>
+              <a:t>* 数据依赖（data dependency）：如果CFG中有一条A-&gt;B的路径，且在A语句中计算得到的值会在B语句中使用，则称B数据依赖A。</a:t>
+            </a:r>
+            <a:endParaRPr lang="zh-CN" altLang="en-US" sz="1000"/>
+          </a:p>
+          <a:p>
+            <a:r>
+              <a:rPr lang="zh-CN" altLang="en-US" sz="1000"/>
+              <a:t>* 控制依赖（control dependency）：如果CFG中有一条A-&gt;B的路径，且B是否执行需要看A执行的结果, 则称B控制依赖A。</a:t>
+            </a:r>
+            <a:endParaRPr lang="zh-CN" altLang="en-US" sz="1000"/>
+          </a:p>
+          <a:p>
+            <a:r>
+              <a:rPr lang="zh-CN" altLang="en-US" sz="1000"/>
+              <a:t>* 程序依赖图（PDG）: 它的节点与CFG中节点表示意义意义，边为表示相邻语句间的数据依赖或控制依赖</a:t>
+            </a:r>
+            <a:endParaRPr lang="zh-CN" altLang="en-US" sz="1000"/>
+          </a:p>
+          <a:p>
+            <a:r>
+              <a:rPr lang="zh-CN" altLang="en-US" sz="1000"/>
+              <a:t>* 前向切片（forward slice）：PDG中从SyVC节点出发所有可达节点的语句集合</a:t>
+            </a:r>
+            <a:endParaRPr lang="zh-CN" altLang="en-US" sz="1000"/>
+          </a:p>
+          <a:p>
+            <a:r>
+              <a:rPr lang="zh-CN" altLang="en-US" sz="1000"/>
+              <a:t>* 过程间前向切片（interprocedural forward slice）：包含前向切片的所有语句，以及PDG中SyVC节点通过函数调用可以到达SyVC节点的语句</a:t>
+            </a:r>
+            <a:endParaRPr lang="zh-CN" altLang="en-US" sz="1000"/>
+          </a:p>
+          <a:p>
+            <a:r>
+              <a:rPr lang="zh-CN" altLang="en-US" sz="1000"/>
+              <a:t>* 后向切片（backward slice）：PDG中所有可达SyVC节点的且以该节点为终点的语句集合</a:t>
+            </a:r>
+            <a:endParaRPr lang="zh-CN" altLang="en-US" sz="1000"/>
+          </a:p>
+          <a:p>
+            <a:r>
+              <a:rPr lang="zh-CN" altLang="en-US" sz="1000"/>
+              <a:t>* 过程间后向切片（interprocedural backward slice）：包含后向切片的所有语句，以及PDG中通过函数调用可到达SyVC节点的语句</a:t>
+            </a:r>
+            <a:endParaRPr lang="zh-CN" altLang="en-US" sz="1000"/>
+          </a:p>
+          <a:p>
+            <a:r>
+              <a:rPr lang="zh-CN" altLang="en-US" sz="1000"/>
+              <a:t>* 程序切片（program slice）：过程间前向切片和过程间后向切片的语句删除其中重复的部分的组合</a:t>
+            </a:r>
+            <a:endParaRPr lang="zh-CN" altLang="en-US" sz="1000"/>
           </a:p>
         </p:txBody>
       </p:sp>
       <p:pic>
         <p:nvPicPr>
-          <p:cNvPr id="3" name="图片 2" descr="1639270926039"/>
+          <p:cNvPr id="6" name="图片 5"/>
           <p:cNvPicPr>
             <a:picLocks noChangeAspect="1"/>
           </p:cNvPicPr>
@@ -8335,8 +8063,8 @@
         </p:blipFill>
         <p:spPr>
           <a:xfrm>
-            <a:off x="3067050" y="2919730"/>
-            <a:ext cx="5334000" cy="2834640"/>
+            <a:off x="1475105" y="3150870"/>
+            <a:ext cx="8012430" cy="3252470"/>
           </a:xfrm>
           <a:prstGeom prst="rect">
             <a:avLst/>
@@ -8345,14 +8073,14 @@
       </p:pic>
       <p:sp>
         <p:nvSpPr>
-          <p:cNvPr id="5" name="文本框 4"/>
+          <p:cNvPr id="8" name="文本框 7"/>
           <p:cNvSpPr txBox="1"/>
           <p:nvPr/>
         </p:nvSpPr>
         <p:spPr>
           <a:xfrm>
-            <a:off x="3010535" y="2049145"/>
-            <a:ext cx="4804410" cy="368300"/>
+            <a:off x="2533015" y="6450330"/>
+            <a:ext cx="5744210" cy="245110"/>
           </a:xfrm>
           <a:prstGeom prst="rect">
             <a:avLst/>
@@ -8364,15 +8092,263 @@
             <a:spAutoFit/>
           </a:bodyPr>
           <a:p>
-            <a:pPr marL="285750" indent="-285750" algn="l">
-              <a:buFont typeface="Arial" panose="020B0604020202020204" pitchFamily="34" charset="0"/>
-              <a:buChar char="•"/>
-            </a:pPr>
-            <a:r>
-              <a:rPr lang="zh-CN" altLang="en-US"/>
-              <a:t>能识别多类漏洞，且表现优于VulDeepecker</a:t>
-            </a:r>
+            <a:pPr algn="l"/>
+            <a:r>
+              <a:rPr lang="zh-CN" altLang="en-US" sz="1000">
+                <a:solidFill>
+                  <a:schemeClr val="accent2"/>
+                </a:solidFill>
+              </a:rPr>
+              <a:t>（</a:t>
+            </a:r>
+            <a:r>
+              <a:rPr lang="en-US" altLang="zh-CN" sz="1000">
+                <a:solidFill>
+                  <a:schemeClr val="accent2"/>
+                </a:solidFill>
+              </a:rPr>
+              <a:t>PDG</a:t>
+            </a:r>
+            <a:r>
+              <a:rPr lang="zh-CN" altLang="en-US" sz="1000">
+                <a:solidFill>
+                  <a:schemeClr val="accent2"/>
+                </a:solidFill>
+              </a:rPr>
+              <a:t>生成：https://www.cc.gatech.edu/~harrold/6340/cs6340_fall2009/Readings/ferrante87jul.pdf）</a:t>
+            </a:r>
+            <a:endParaRPr lang="zh-CN" altLang="en-US" sz="1000">
+              <a:solidFill>
+                <a:schemeClr val="accent2"/>
+              </a:solidFill>
+            </a:endParaRPr>
+          </a:p>
+        </p:txBody>
+      </p:sp>
+      <p:sp>
+        <p:nvSpPr>
+          <p:cNvPr id="9" name="文本框 8"/>
+          <p:cNvSpPr txBox="1"/>
+          <p:nvPr/>
+        </p:nvSpPr>
+        <p:spPr>
+          <a:xfrm>
+            <a:off x="9487535" y="4485640"/>
+            <a:ext cx="1437005" cy="245110"/>
+          </a:xfrm>
+          <a:prstGeom prst="rect">
+            <a:avLst/>
+          </a:prstGeom>
+          <a:noFill/>
+          <a:ln w="12700">
+            <a:solidFill>
+              <a:schemeClr val="accent1"/>
+            </a:solidFill>
+          </a:ln>
+        </p:spPr>
+        <p:txBody>
+          <a:bodyPr wrap="square" rtlCol="0">
+            <a:spAutoFit/>
+          </a:bodyPr>
+          <a:p>
+            <a:r>
+              <a:rPr lang="en-US" altLang="zh-CN" sz="1000"/>
+              <a:t>word2vec</a:t>
+            </a:r>
+            <a:r>
+              <a:rPr lang="en-US" altLang="zh-CN" sz="1000">
+                <a:solidFill>
+                  <a:srgbClr val="FF0000"/>
+                </a:solidFill>
+              </a:rPr>
+              <a:t> </a:t>
+            </a:r>
+            <a:r>
+              <a:rPr lang="en-US" altLang="zh-CN" sz="1000">
+                <a:solidFill>
+                  <a:schemeClr val="accent2"/>
+                </a:solidFill>
+              </a:rPr>
+              <a:t>(</a:t>
+            </a:r>
+            <a:r>
+              <a:rPr lang="zh-CN" altLang="en-US" sz="1000">
+                <a:solidFill>
+                  <a:schemeClr val="accent2"/>
+                </a:solidFill>
+              </a:rPr>
+              <a:t>接上页末尾</a:t>
+            </a:r>
+            <a:r>
+              <a:rPr lang="en-US" altLang="zh-CN" sz="1000">
+                <a:solidFill>
+                  <a:schemeClr val="accent2"/>
+                </a:solidFill>
+              </a:rPr>
+              <a:t>)</a:t>
+            </a:r>
+            <a:endParaRPr lang="en-US" altLang="zh-CN" sz="1000">
+              <a:solidFill>
+                <a:schemeClr val="accent2"/>
+              </a:solidFill>
+            </a:endParaRPr>
+          </a:p>
+        </p:txBody>
+      </p:sp>
+      <p:sp>
+        <p:nvSpPr>
+          <p:cNvPr id="10" name="右箭头 9"/>
+          <p:cNvSpPr/>
+          <p:nvPr/>
+        </p:nvSpPr>
+        <p:spPr>
+          <a:xfrm>
+            <a:off x="9194165" y="4549775"/>
+            <a:ext cx="175260" cy="117475"/>
+          </a:xfrm>
+          <a:prstGeom prst="rightArrow">
+            <a:avLst/>
+          </a:prstGeom>
+        </p:spPr>
+        <p:style>
+          <a:lnRef idx="2">
+            <a:schemeClr val="accent1">
+              <a:shade val="50000"/>
+            </a:schemeClr>
+          </a:lnRef>
+          <a:fillRef idx="1">
+            <a:schemeClr val="accent1"/>
+          </a:fillRef>
+          <a:effectRef idx="0">
+            <a:schemeClr val="accent1"/>
+          </a:effectRef>
+          <a:fontRef idx="minor">
+            <a:schemeClr val="lt1"/>
+          </a:fontRef>
+        </p:style>
+        <p:txBody>
+          <a:bodyPr rtlCol="0" anchor="ctr"/>
+          <a:p>
+            <a:pPr algn="ctr"/>
             <a:endParaRPr lang="zh-CN" altLang="en-US"/>
+          </a:p>
+        </p:txBody>
+      </p:sp>
+      <p:sp>
+        <p:nvSpPr>
+          <p:cNvPr id="12" name="文本框 11"/>
+          <p:cNvSpPr txBox="1"/>
+          <p:nvPr/>
+        </p:nvSpPr>
+        <p:spPr>
+          <a:xfrm>
+            <a:off x="9487535" y="4920615"/>
+            <a:ext cx="2504440" cy="553085"/>
+          </a:xfrm>
+          <a:prstGeom prst="rect">
+            <a:avLst/>
+          </a:prstGeom>
+          <a:noFill/>
+        </p:spPr>
+        <p:txBody>
+          <a:bodyPr wrap="none" rtlCol="0">
+            <a:spAutoFit/>
+          </a:bodyPr>
+          <a:p>
+            <a:pPr algn="l"/>
+            <a:r>
+              <a:rPr lang="en-US" altLang="zh-CN" sz="1000">
+                <a:solidFill>
+                  <a:schemeClr val="accent2"/>
+                </a:solidFill>
+              </a:rPr>
+              <a:t>Q</a:t>
+            </a:r>
+            <a:r>
+              <a:rPr lang="zh-CN" altLang="en-US" sz="1000">
+                <a:solidFill>
+                  <a:schemeClr val="accent2"/>
+                </a:solidFill>
+              </a:rPr>
+              <a:t>：</a:t>
+            </a:r>
+            <a:endParaRPr lang="zh-CN" altLang="en-US" sz="1000">
+              <a:solidFill>
+                <a:schemeClr val="accent2"/>
+              </a:solidFill>
+            </a:endParaRPr>
+          </a:p>
+          <a:p>
+            <a:pPr algn="l"/>
+            <a:r>
+              <a:rPr lang="en-US" altLang="zh-CN" sz="1000">
+                <a:solidFill>
+                  <a:schemeClr val="accent2"/>
+                </a:solidFill>
+              </a:rPr>
+              <a:t>1. </a:t>
+            </a:r>
+            <a:r>
+              <a:rPr lang="zh-CN" altLang="en-US" sz="1000">
+                <a:solidFill>
+                  <a:schemeClr val="accent2"/>
+                </a:solidFill>
+              </a:rPr>
+              <a:t>如何切分</a:t>
+            </a:r>
+            <a:r>
+              <a:rPr lang="zh-CN" altLang="en-US" sz="1000">
+                <a:solidFill>
+                  <a:schemeClr val="accent2"/>
+                </a:solidFill>
+              </a:rPr>
+              <a:t>语句？</a:t>
+            </a:r>
+            <a:endParaRPr lang="zh-CN" altLang="en-US" sz="1000">
+              <a:solidFill>
+                <a:schemeClr val="accent2"/>
+              </a:solidFill>
+            </a:endParaRPr>
+          </a:p>
+          <a:p>
+            <a:pPr algn="l"/>
+            <a:r>
+              <a:rPr lang="en-US" altLang="zh-CN" sz="1000">
+                <a:solidFill>
+                  <a:schemeClr val="accent2"/>
+                </a:solidFill>
+              </a:rPr>
+              <a:t>2. 不同的SeVC</a:t>
+            </a:r>
+            <a:r>
+              <a:rPr lang="zh-CN" altLang="en-US" sz="1000">
+                <a:solidFill>
+                  <a:schemeClr val="accent2"/>
+                </a:solidFill>
+              </a:rPr>
+              <a:t>转成</a:t>
+            </a:r>
+            <a:r>
+              <a:rPr lang="en-US" altLang="zh-CN" sz="1000">
+                <a:solidFill>
+                  <a:schemeClr val="accent2"/>
+                </a:solidFill>
+              </a:rPr>
+              <a:t>导致相同的符号表示</a:t>
+            </a:r>
+            <a:r>
+              <a:rPr lang="zh-CN" altLang="en-US" sz="1000">
+                <a:solidFill>
+                  <a:schemeClr val="accent2"/>
+                </a:solidFill>
+              </a:rPr>
+              <a:t>？</a:t>
+            </a:r>
+            <a:endParaRPr lang="zh-CN" altLang="en-US" sz="1000">
+              <a:solidFill>
+                <a:schemeClr val="accent2"/>
+              </a:solidFill>
+            </a:endParaRPr>
           </a:p>
         </p:txBody>
       </p:sp>
@@ -8428,46 +8404,9 @@
           </a:p>
         </p:txBody>
       </p:sp>
-      <p:sp>
-        <p:nvSpPr>
-          <p:cNvPr id="5" name="文本框 4"/>
-          <p:cNvSpPr txBox="1"/>
-          <p:nvPr/>
-        </p:nvSpPr>
-        <p:spPr>
-          <a:xfrm>
-            <a:off x="3586480" y="2182495"/>
-            <a:ext cx="4583430" cy="368300"/>
-          </a:xfrm>
-          <a:prstGeom prst="rect">
-            <a:avLst/>
-          </a:prstGeom>
-          <a:noFill/>
-        </p:spPr>
-        <p:txBody>
-          <a:bodyPr wrap="none" rtlCol="0">
-            <a:spAutoFit/>
-          </a:bodyPr>
-          <a:p>
-            <a:pPr marL="285750" indent="-285750" algn="l">
-              <a:buFont typeface="Arial" panose="020B0604020202020204" pitchFamily="34" charset="0"/>
-              <a:buChar char="•"/>
-            </a:pPr>
-            <a:r>
-              <a:rPr lang="zh-CN" altLang="en-US"/>
-              <a:t>算法</a:t>
-            </a:r>
-            <a:r>
-              <a:rPr lang="zh-CN" altLang="en-US"/>
-              <a:t>独立，但每个算法得到的效果有差异</a:t>
-            </a:r>
-            <a:endParaRPr lang="zh-CN" altLang="en-US"/>
-          </a:p>
-        </p:txBody>
-      </p:sp>
       <p:pic>
         <p:nvPicPr>
-          <p:cNvPr id="4" name="图片 3" descr="1639271021938"/>
+          <p:cNvPr id="3" name="图片 2" descr="1639270926039"/>
           <p:cNvPicPr>
             <a:picLocks noChangeAspect="1"/>
           </p:cNvPicPr>
@@ -8481,14 +8420,47 @@
         </p:blipFill>
         <p:spPr>
           <a:xfrm>
-            <a:off x="3269615" y="2775585"/>
-            <a:ext cx="5379720" cy="2727960"/>
+            <a:off x="3067050" y="2919730"/>
+            <a:ext cx="5334000" cy="2834640"/>
           </a:xfrm>
           <a:prstGeom prst="rect">
             <a:avLst/>
           </a:prstGeom>
         </p:spPr>
       </p:pic>
+      <p:sp>
+        <p:nvSpPr>
+          <p:cNvPr id="5" name="文本框 4"/>
+          <p:cNvSpPr txBox="1"/>
+          <p:nvPr/>
+        </p:nvSpPr>
+        <p:spPr>
+          <a:xfrm>
+            <a:off x="3010535" y="2049145"/>
+            <a:ext cx="4804410" cy="368300"/>
+          </a:xfrm>
+          <a:prstGeom prst="rect">
+            <a:avLst/>
+          </a:prstGeom>
+          <a:noFill/>
+        </p:spPr>
+        <p:txBody>
+          <a:bodyPr wrap="none" rtlCol="0">
+            <a:spAutoFit/>
+          </a:bodyPr>
+          <a:p>
+            <a:pPr marL="285750" indent="-285750" algn="l">
+              <a:buFont typeface="Arial" panose="020B0604020202020204" pitchFamily="34" charset="0"/>
+              <a:buChar char="•"/>
+            </a:pPr>
+            <a:r>
+              <a:rPr lang="zh-CN" altLang="en-US"/>
+              <a:t>能识别多类漏洞，且表现优于VulDeepecker</a:t>
+            </a:r>
+            <a:endParaRPr lang="zh-CN" altLang="en-US"/>
+          </a:p>
+        </p:txBody>
+      </p:sp>
     </p:spTree>
   </p:cSld>
   <p:clrMapOvr>
@@ -8549,8 +8521,8 @@
         </p:nvSpPr>
         <p:spPr>
           <a:xfrm>
-            <a:off x="3656965" y="1516380"/>
-            <a:ext cx="5269230" cy="368300"/>
+            <a:off x="3586480" y="2182495"/>
+            <a:ext cx="4583430" cy="368300"/>
           </a:xfrm>
           <a:prstGeom prst="rect">
             <a:avLst/>
@@ -8568,7 +8540,11 @@
             </a:pPr>
             <a:r>
               <a:rPr lang="zh-CN" altLang="en-US"/>
-              <a:t>捕获越多的语义信息，系统检测漏洞的性能越高</a:t>
+              <a:t>算法</a:t>
+            </a:r>
+            <a:r>
+              <a:rPr lang="zh-CN" altLang="en-US"/>
+              <a:t>独立，但每个算法得到的效果有差异</a:t>
             </a:r>
             <a:endParaRPr lang="zh-CN" altLang="en-US"/>
           </a:p>
@@ -8576,7 +8552,7 @@
       </p:sp>
       <p:pic>
         <p:nvPicPr>
-          <p:cNvPr id="3" name="图片 2" descr="1639272562900"/>
+          <p:cNvPr id="4" name="图片 3" descr="1639271021938"/>
           <p:cNvPicPr>
             <a:picLocks noChangeAspect="1"/>
           </p:cNvPicPr>
@@ -8590,8 +8566,8 @@
         </p:blipFill>
         <p:spPr>
           <a:xfrm>
-            <a:off x="3698875" y="2101850"/>
-            <a:ext cx="5227320" cy="4511040"/>
+            <a:off x="3269615" y="2775585"/>
+            <a:ext cx="5379720" cy="2727960"/>
           </a:xfrm>
           <a:prstGeom prst="rect">
             <a:avLst/>
@@ -8767,8 +8743,8 @@
         </p:nvSpPr>
         <p:spPr>
           <a:xfrm>
-            <a:off x="3340735" y="1642745"/>
-            <a:ext cx="5955030" cy="368300"/>
+            <a:off x="3656965" y="1516380"/>
+            <a:ext cx="5269230" cy="368300"/>
           </a:xfrm>
           <a:prstGeom prst="rect">
             <a:avLst/>
@@ -8786,7 +8762,7 @@
             </a:pPr>
             <a:r>
               <a:rPr lang="zh-CN" altLang="en-US"/>
-              <a:t>跟现有漏洞检测工具的对比，目前该系统性能也是最高</a:t>
+              <a:t>捕获越多的语义信息，系统检测漏洞的性能越高</a:t>
             </a:r>
             <a:endParaRPr lang="zh-CN" altLang="en-US"/>
           </a:p>
@@ -8794,7 +8770,7 @@
       </p:sp>
       <p:pic>
         <p:nvPicPr>
-          <p:cNvPr id="4" name="图片 3" descr="1639273027915"/>
+          <p:cNvPr id="3" name="图片 2" descr="1639272562900"/>
           <p:cNvPicPr>
             <a:picLocks noChangeAspect="1"/>
           </p:cNvPicPr>
@@ -8808,8 +8784,8 @@
         </p:blipFill>
         <p:spPr>
           <a:xfrm>
-            <a:off x="4029075" y="2484755"/>
-            <a:ext cx="4998720" cy="2209800"/>
+            <a:off x="3698875" y="2101850"/>
+            <a:ext cx="5227320" cy="4511040"/>
           </a:xfrm>
           <a:prstGeom prst="rect">
             <a:avLst/>
@@ -8880,6 +8856,12 @@
           <a:lstStyle/>
           <a:p>
             <a:r>
+              <a:rPr kumimoji="1" lang="zh-CN" altLang="en-US" dirty="0">
+                <a:sym typeface="+mn-ea"/>
+              </a:rPr>
+              <a:t>静态、</a:t>
+            </a:r>
+            <a:r>
               <a:rPr kumimoji="1" lang="zh-CN" altLang="en-US" dirty="0"/>
               <a:t>人力干预多</a:t>
             </a:r>
@@ -8888,13 +8870,65 @@
           <a:p>
             <a:r>
               <a:rPr kumimoji="1" lang="zh-CN" altLang="en-US" dirty="0"/>
-              <a:t>静态、高</a:t>
-            </a:r>
-            <a:r>
-              <a:rPr kumimoji="1" lang="en-US" altLang="zh-CN" dirty="0"/>
+              <a:t>重视少误报</a:t>
+            </a:r>
+            <a:r>
+              <a:rPr kumimoji="1" lang="zh-CN" altLang="en-US" dirty="0">
+                <a:solidFill>
+                  <a:schemeClr val="accent2"/>
+                </a:solidFill>
+              </a:rPr>
+              <a:t>（低</a:t>
+            </a:r>
+            <a:r>
+              <a:rPr kumimoji="1" lang="en-US" altLang="zh-CN" dirty="0">
+                <a:solidFill>
+                  <a:schemeClr val="accent2"/>
+                </a:solidFill>
+              </a:rPr>
+              <a:t>FP</a:t>
+            </a:r>
+            <a:r>
+              <a:rPr kumimoji="1" lang="zh-CN" altLang="en-US" dirty="0">
+                <a:solidFill>
+                  <a:schemeClr val="accent2"/>
+                </a:solidFill>
+              </a:rPr>
+              <a:t>）</a:t>
+            </a:r>
+            <a:r>
+              <a:rPr kumimoji="1" lang="zh-CN" altLang="en-US" dirty="0"/>
+              <a:t>，忽视少漏报</a:t>
+            </a:r>
+            <a:r>
+              <a:rPr kumimoji="1" lang="zh-CN" altLang="en-US" dirty="0">
+                <a:solidFill>
+                  <a:schemeClr val="accent2"/>
+                </a:solidFill>
+              </a:rPr>
+              <a:t>（低</a:t>
+            </a:r>
+            <a:r>
+              <a:rPr kumimoji="1" lang="en-US" altLang="zh-CN" dirty="0">
+                <a:solidFill>
+                  <a:schemeClr val="accent2"/>
+                </a:solidFill>
+              </a:rPr>
               <a:t>FN</a:t>
             </a:r>
-            <a:endParaRPr kumimoji="1" lang="zh-CN" altLang="en-US" dirty="0"/>
+            <a:r>
+              <a:rPr kumimoji="1" lang="zh-CN" altLang="en-US" dirty="0">
+                <a:solidFill>
+                  <a:schemeClr val="accent2"/>
+                </a:solidFill>
+              </a:rPr>
+              <a:t>）</a:t>
+            </a:r>
+            <a:endParaRPr kumimoji="1" lang="zh-CN" altLang="en-US" dirty="0">
+              <a:solidFill>
+                <a:schemeClr val="accent2"/>
+              </a:solidFill>
+            </a:endParaRPr>
           </a:p>
         </p:txBody>
       </p:sp>
@@ -8914,12 +8948,17 @@
         </p:blipFill>
         <p:spPr>
           <a:xfrm>
-            <a:off x="3420510" y="2694826"/>
-            <a:ext cx="3750852" cy="3839735"/>
+            <a:off x="4396105" y="3173730"/>
+            <a:ext cx="3399790" cy="3480435"/>
           </a:xfrm>
           <a:prstGeom prst="rect">
             <a:avLst/>
           </a:prstGeom>
+          <a:ln w="12700">
+            <a:solidFill>
+              <a:schemeClr val="accent1"/>
+            </a:solidFill>
+          </a:ln>
         </p:spPr>
       </p:pic>
     </p:spTree>
@@ -8964,7 +9003,11 @@
           <a:p>
             <a:r>
               <a:rPr kumimoji="1" lang="zh-CN" altLang="en-US" dirty="0"/>
-              <a:t>启发</a:t>
+              <a:t>研究</a:t>
+            </a:r>
+            <a:r>
+              <a:rPr kumimoji="1" lang="zh-CN" altLang="en-US" dirty="0"/>
+              <a:t>结论</a:t>
             </a:r>
             <a:endParaRPr kumimoji="1" lang="zh-CN" altLang="en-US" dirty="0"/>
           </a:p>
@@ -8978,8 +9021,8 @@
         </p:nvSpPr>
         <p:spPr>
           <a:xfrm>
-            <a:off x="1494155" y="1789430"/>
-            <a:ext cx="5130165" cy="521970"/>
+            <a:off x="3340735" y="1642745"/>
+            <a:ext cx="5955030" cy="368300"/>
           </a:xfrm>
           <a:prstGeom prst="rect">
             <a:avLst/>
@@ -8987,7 +9030,7 @@
           <a:noFill/>
         </p:spPr>
         <p:txBody>
-          <a:bodyPr wrap="square" rtlCol="0">
+          <a:bodyPr wrap="none" rtlCol="0">
             <a:spAutoFit/>
           </a:bodyPr>
           <a:p>
@@ -8996,121 +9039,37 @@
               <a:buChar char="•"/>
             </a:pPr>
             <a:r>
-              <a:rPr lang="zh-CN" altLang="en-US" sz="2800">
-                <a:solidFill>
-                  <a:schemeClr val="accent2"/>
-                </a:solidFill>
-              </a:rPr>
-              <a:t>程序</a:t>
-            </a:r>
-            <a:r>
-              <a:rPr lang="zh-CN" altLang="en-US" sz="2800">
-                <a:solidFill>
-                  <a:schemeClr val="accent2"/>
-                </a:solidFill>
-              </a:rPr>
-              <a:t>代码语义</a:t>
-            </a:r>
-            <a:endParaRPr lang="zh-CN" altLang="en-US" sz="2800">
-              <a:solidFill>
-                <a:schemeClr val="accent2"/>
-              </a:solidFill>
-            </a:endParaRPr>
-          </a:p>
-        </p:txBody>
-      </p:sp>
-      <p:sp>
-        <p:nvSpPr>
-          <p:cNvPr id="3" name="文本框 2"/>
-          <p:cNvSpPr txBox="1"/>
+              <a:rPr lang="zh-CN" altLang="en-US"/>
+              <a:t>跟现有漏洞检测工具的对比，目前该系统性能也是最高</a:t>
+            </a:r>
+            <a:endParaRPr lang="zh-CN" altLang="en-US"/>
+          </a:p>
+        </p:txBody>
+      </p:sp>
+      <p:pic>
+        <p:nvPicPr>
+          <p:cNvPr id="4" name="图片 3" descr="1639273027915"/>
+          <p:cNvPicPr>
+            <a:picLocks noChangeAspect="1"/>
+          </p:cNvPicPr>
           <p:nvPr/>
-        </p:nvSpPr>
-        <p:spPr>
-          <a:xfrm>
-            <a:off x="1494155" y="3637915"/>
-            <a:ext cx="2602230" cy="521970"/>
+        </p:nvPicPr>
+        <p:blipFill>
+          <a:blip r:embed="rId1"/>
+          <a:stretch>
+            <a:fillRect/>
+          </a:stretch>
+        </p:blipFill>
+        <p:spPr>
+          <a:xfrm>
+            <a:off x="4029075" y="2484755"/>
+            <a:ext cx="4998720" cy="2209800"/>
           </a:xfrm>
           <a:prstGeom prst="rect">
             <a:avLst/>
           </a:prstGeom>
-          <a:noFill/>
-        </p:spPr>
-        <p:txBody>
-          <a:bodyPr wrap="none" rtlCol="0" anchor="t">
-            <a:spAutoFit/>
-          </a:bodyPr>
-          <a:p>
-            <a:pPr marL="285750" indent="-285750" algn="l">
-              <a:buFont typeface="Arial" panose="020B0604020202020204" pitchFamily="34" charset="0"/>
-              <a:buChar char="•"/>
-            </a:pPr>
-            <a:r>
-              <a:rPr lang="zh-CN" altLang="en-US" sz="2800">
-                <a:solidFill>
-                  <a:schemeClr val="accent2"/>
-                </a:solidFill>
-                <a:sym typeface="+mn-ea"/>
-              </a:rPr>
-              <a:t>漏洞定位粒度</a:t>
-            </a:r>
-            <a:endParaRPr lang="zh-CN" altLang="en-US" sz="2800">
-              <a:solidFill>
-                <a:schemeClr val="accent2"/>
-              </a:solidFill>
-              <a:sym typeface="+mn-ea"/>
-            </a:endParaRPr>
-          </a:p>
-        </p:txBody>
-      </p:sp>
-      <p:sp>
-        <p:nvSpPr>
-          <p:cNvPr id="6" name="文本框 5"/>
-          <p:cNvSpPr txBox="1"/>
-          <p:nvPr/>
-        </p:nvSpPr>
-        <p:spPr>
-          <a:xfrm>
-            <a:off x="1494155" y="2664460"/>
-            <a:ext cx="5130165" cy="521970"/>
-          </a:xfrm>
-          <a:prstGeom prst="rect">
-            <a:avLst/>
-          </a:prstGeom>
-          <a:noFill/>
-        </p:spPr>
-        <p:txBody>
-          <a:bodyPr wrap="square" rtlCol="0">
-            <a:spAutoFit/>
-          </a:bodyPr>
-          <a:p>
-            <a:pPr marL="285750" indent="-285750" algn="l">
-              <a:buFont typeface="Arial" panose="020B0604020202020204" pitchFamily="34" charset="0"/>
-              <a:buChar char="•"/>
-            </a:pPr>
-            <a:r>
-              <a:rPr lang="en-US" altLang="zh-CN" sz="2800">
-                <a:solidFill>
-                  <a:schemeClr val="accent2"/>
-                </a:solidFill>
-              </a:rPr>
-              <a:t>code2vec</a:t>
-            </a:r>
-            <a:r>
-              <a:rPr lang="zh-CN" altLang="en-US" sz="2800">
-                <a:solidFill>
-                  <a:schemeClr val="accent2"/>
-                </a:solidFill>
-              </a:rPr>
-              <a:t>方法</a:t>
-            </a:r>
-            <a:endParaRPr lang="zh-CN" altLang="en-US" sz="2800">
-              <a:solidFill>
-                <a:schemeClr val="accent2"/>
-              </a:solidFill>
-            </a:endParaRPr>
-          </a:p>
-        </p:txBody>
-      </p:sp>
+        </p:spPr>
+      </p:pic>
     </p:spTree>
   </p:cSld>
   <p:clrMapOvr>
@@ -9159,6 +9118,195 @@
           </a:p>
         </p:txBody>
       </p:sp>
+      <p:sp>
+        <p:nvSpPr>
+          <p:cNvPr id="5" name="文本框 4"/>
+          <p:cNvSpPr txBox="1"/>
+          <p:nvPr/>
+        </p:nvSpPr>
+        <p:spPr>
+          <a:xfrm>
+            <a:off x="1494155" y="1789430"/>
+            <a:ext cx="5130165" cy="521970"/>
+          </a:xfrm>
+          <a:prstGeom prst="rect">
+            <a:avLst/>
+          </a:prstGeom>
+          <a:noFill/>
+        </p:spPr>
+        <p:txBody>
+          <a:bodyPr wrap="square" rtlCol="0">
+            <a:spAutoFit/>
+          </a:bodyPr>
+          <a:p>
+            <a:pPr marL="285750" indent="-285750" algn="l">
+              <a:buFont typeface="Arial" panose="020B0604020202020204" pitchFamily="34" charset="0"/>
+              <a:buChar char="•"/>
+            </a:pPr>
+            <a:r>
+              <a:rPr lang="zh-CN" altLang="en-US" sz="2800">
+                <a:solidFill>
+                  <a:schemeClr val="accent2"/>
+                </a:solidFill>
+              </a:rPr>
+              <a:t>程序</a:t>
+            </a:r>
+            <a:r>
+              <a:rPr lang="zh-CN" altLang="en-US" sz="2800">
+                <a:solidFill>
+                  <a:schemeClr val="accent2"/>
+                </a:solidFill>
+              </a:rPr>
+              <a:t>代码语义</a:t>
+            </a:r>
+            <a:endParaRPr lang="zh-CN" altLang="en-US" sz="2800">
+              <a:solidFill>
+                <a:schemeClr val="accent2"/>
+              </a:solidFill>
+            </a:endParaRPr>
+          </a:p>
+        </p:txBody>
+      </p:sp>
+      <p:sp>
+        <p:nvSpPr>
+          <p:cNvPr id="3" name="文本框 2"/>
+          <p:cNvSpPr txBox="1"/>
+          <p:nvPr/>
+        </p:nvSpPr>
+        <p:spPr>
+          <a:xfrm>
+            <a:off x="1494155" y="3637915"/>
+            <a:ext cx="2602230" cy="521970"/>
+          </a:xfrm>
+          <a:prstGeom prst="rect">
+            <a:avLst/>
+          </a:prstGeom>
+          <a:noFill/>
+        </p:spPr>
+        <p:txBody>
+          <a:bodyPr wrap="none" rtlCol="0" anchor="t">
+            <a:spAutoFit/>
+          </a:bodyPr>
+          <a:p>
+            <a:pPr marL="285750" indent="-285750" algn="l">
+              <a:buFont typeface="Arial" panose="020B0604020202020204" pitchFamily="34" charset="0"/>
+              <a:buChar char="•"/>
+            </a:pPr>
+            <a:r>
+              <a:rPr lang="zh-CN" altLang="en-US" sz="2800">
+                <a:solidFill>
+                  <a:schemeClr val="accent2"/>
+                </a:solidFill>
+                <a:sym typeface="+mn-ea"/>
+              </a:rPr>
+              <a:t>漏洞定位粒度</a:t>
+            </a:r>
+            <a:endParaRPr lang="zh-CN" altLang="en-US" sz="2800">
+              <a:solidFill>
+                <a:schemeClr val="accent2"/>
+              </a:solidFill>
+              <a:sym typeface="+mn-ea"/>
+            </a:endParaRPr>
+          </a:p>
+        </p:txBody>
+      </p:sp>
+      <p:sp>
+        <p:nvSpPr>
+          <p:cNvPr id="6" name="文本框 5"/>
+          <p:cNvSpPr txBox="1"/>
+          <p:nvPr/>
+        </p:nvSpPr>
+        <p:spPr>
+          <a:xfrm>
+            <a:off x="1494155" y="2664460"/>
+            <a:ext cx="5130165" cy="521970"/>
+          </a:xfrm>
+          <a:prstGeom prst="rect">
+            <a:avLst/>
+          </a:prstGeom>
+          <a:noFill/>
+        </p:spPr>
+        <p:txBody>
+          <a:bodyPr wrap="square" rtlCol="0">
+            <a:spAutoFit/>
+          </a:bodyPr>
+          <a:p>
+            <a:pPr marL="285750" indent="-285750" algn="l">
+              <a:buFont typeface="Arial" panose="020B0604020202020204" pitchFamily="34" charset="0"/>
+              <a:buChar char="•"/>
+            </a:pPr>
+            <a:r>
+              <a:rPr lang="en-US" altLang="zh-CN" sz="2800">
+                <a:solidFill>
+                  <a:schemeClr val="accent2"/>
+                </a:solidFill>
+              </a:rPr>
+              <a:t>code2vec</a:t>
+            </a:r>
+            <a:r>
+              <a:rPr lang="zh-CN" altLang="en-US" sz="2800">
+                <a:solidFill>
+                  <a:schemeClr val="accent2"/>
+                </a:solidFill>
+              </a:rPr>
+              <a:t>方法</a:t>
+            </a:r>
+            <a:endParaRPr lang="zh-CN" altLang="en-US" sz="2800">
+              <a:solidFill>
+                <a:schemeClr val="accent2"/>
+              </a:solidFill>
+            </a:endParaRPr>
+          </a:p>
+        </p:txBody>
+      </p:sp>
+    </p:spTree>
+  </p:cSld>
+  <p:clrMapOvr>
+    <a:masterClrMapping/>
+  </p:clrMapOvr>
+</p:sld>
+</file>
+
+<file path=ppt/slides/slide22.xml><?xml version="1.0" encoding="utf-8"?>
+<p:sld xmlns:a="http://schemas.openxmlformats.org/drawingml/2006/main" xmlns:r="http://schemas.openxmlformats.org/officeDocument/2006/relationships" xmlns:p="http://schemas.openxmlformats.org/presentationml/2006/main">
+  <p:cSld>
+    <p:spTree>
+      <p:nvGrpSpPr>
+        <p:cNvPr id="1" name=""/>
+        <p:cNvGrpSpPr/>
+        <p:nvPr/>
+      </p:nvGrpSpPr>
+      <p:grpSpPr>
+        <a:xfrm>
+          <a:off x="0" y="0"/>
+          <a:ext cx="0" cy="0"/>
+          <a:chOff x="0" y="0"/>
+          <a:chExt cx="0" cy="0"/>
+        </a:xfrm>
+      </p:grpSpPr>
+      <p:sp>
+        <p:nvSpPr>
+          <p:cNvPr id="2" name="标题 1"/>
+          <p:cNvSpPr>
+            <a:spLocks noGrp="1"/>
+          </p:cNvSpPr>
+          <p:nvPr>
+            <p:ph type="title"/>
+          </p:nvPr>
+        </p:nvSpPr>
+        <p:spPr/>
+        <p:txBody>
+          <a:bodyPr/>
+          <a:lstStyle/>
+          <a:p>
+            <a:r>
+              <a:rPr kumimoji="1" lang="zh-CN" altLang="en-US" dirty="0"/>
+              <a:t>启发</a:t>
+            </a:r>
+            <a:endParaRPr kumimoji="1" lang="zh-CN" altLang="en-US" dirty="0"/>
+          </a:p>
+        </p:txBody>
+      </p:sp>
       <p:pic>
         <p:nvPicPr>
           <p:cNvPr id="4" name="图片 3" descr="hoho"/>
@@ -9283,26 +9431,50 @@
           <a:lstStyle/>
           <a:p>
             <a:r>
-              <a:rPr kumimoji="1" lang="zh-CN" altLang="en-US" sz="6000" dirty="0"/>
+              <a:rPr kumimoji="1" lang="zh-CN" altLang="en-US" sz="6000" dirty="0">
+                <a:solidFill>
+                  <a:schemeClr val="accent2"/>
+                </a:solidFill>
+              </a:rPr>
               <a:t>寻找关于找</a:t>
             </a:r>
             <a:r>
-              <a:rPr kumimoji="1" lang="en-US" altLang="zh-CN" sz="6000" dirty="0"/>
+              <a:rPr kumimoji="1" lang="en-US" altLang="zh-CN" sz="6000" dirty="0">
+                <a:solidFill>
+                  <a:schemeClr val="accent2"/>
+                </a:solidFill>
+              </a:rPr>
               <a:t>bug</a:t>
             </a:r>
             <a:r>
-              <a:rPr kumimoji="1" lang="zh-CN" altLang="en-US" sz="6000" dirty="0"/>
+              <a:rPr kumimoji="1" lang="zh-CN" altLang="en-US" sz="6000" dirty="0">
+                <a:solidFill>
+                  <a:schemeClr val="accent2"/>
+                </a:solidFill>
+              </a:rPr>
               <a:t>的</a:t>
             </a:r>
             <a:r>
-              <a:rPr kumimoji="1" lang="en-US" altLang="zh-CN" sz="6000" dirty="0"/>
+              <a:rPr kumimoji="1" lang="en-US" altLang="zh-CN" sz="6000" dirty="0">
+                <a:solidFill>
+                  <a:schemeClr val="accent2"/>
+                </a:solidFill>
+              </a:rPr>
               <a:t>code2vec</a:t>
             </a:r>
             <a:r>
-              <a:rPr kumimoji="1" lang="zh-CN" altLang="en-US" sz="6000" dirty="0"/>
+              <a:rPr kumimoji="1" lang="zh-CN" altLang="en-US" sz="6000" dirty="0">
+                <a:solidFill>
+                  <a:schemeClr val="accent2"/>
+                </a:solidFill>
+              </a:rPr>
               <a:t>方案</a:t>
             </a:r>
-            <a:endParaRPr kumimoji="1" lang="zh-CN" altLang="en-US" sz="6000" dirty="0"/>
+            <a:endParaRPr kumimoji="1" lang="zh-CN" altLang="en-US" sz="6000" dirty="0">
+              <a:solidFill>
+                <a:schemeClr val="accent2"/>
+              </a:solidFill>
+            </a:endParaRPr>
           </a:p>
         </p:txBody>
       </p:sp>
@@ -9422,27 +9594,27 @@
           </a:p>
           <a:p>
             <a:r>
+              <a:rPr kumimoji="1" lang="zh-CN" altLang="en-US" dirty="0"/>
+              <a:t>函数调用：</a:t>
+            </a:r>
+            <a:r>
               <a:rPr kumimoji="1" lang="en-US" altLang="zh-CN" dirty="0"/>
               <a:t>forward</a:t>
             </a:r>
             <a:r>
               <a:rPr kumimoji="1" lang="zh-CN" altLang="en-US" dirty="0"/>
-              <a:t>函数调用</a:t>
-            </a:r>
-            <a:endParaRPr kumimoji="1" lang="en-US" altLang="zh-CN" dirty="0"/>
-          </a:p>
-          <a:p>
-            <a:endParaRPr kumimoji="1" lang="en-US" altLang="zh-CN" dirty="0"/>
-          </a:p>
-          <a:p>
+              <a:t>和</a:t>
+            </a:r>
             <a:r>
               <a:rPr kumimoji="1" lang="en-US" altLang="zh-CN" dirty="0"/>
               <a:t>backward</a:t>
             </a:r>
-            <a:r>
-              <a:rPr kumimoji="1" lang="zh-CN" altLang="en-US" dirty="0"/>
-              <a:t>函数调用</a:t>
-            </a:r>
+            <a:endParaRPr kumimoji="1" lang="en-US" altLang="zh-CN" dirty="0"/>
+          </a:p>
+          <a:p>
+            <a:pPr marL="0" indent="0">
+              <a:buNone/>
+            </a:pPr>
             <a:endParaRPr kumimoji="1" lang="zh-CN" altLang="en-US" dirty="0"/>
           </a:p>
         </p:txBody>
@@ -10141,24 +10313,110 @@
           </a:p>
         </p:txBody>
       </p:sp>
+      <p:sp>
+        <p:nvSpPr>
+          <p:cNvPr id="5" name="文本框 4"/>
+          <p:cNvSpPr txBox="1"/>
+          <p:nvPr/>
+        </p:nvSpPr>
+        <p:spPr>
+          <a:xfrm>
+            <a:off x="2939974" y="5058122"/>
+            <a:ext cx="3679212" cy="1384995"/>
+          </a:xfrm>
+          <a:prstGeom prst="rect">
+            <a:avLst/>
+          </a:prstGeom>
+          <a:noFill/>
+          <a:ln w="12700">
+            <a:solidFill>
+              <a:schemeClr val="accent1"/>
+            </a:solidFill>
+          </a:ln>
+        </p:spPr>
+        <p:txBody>
+          <a:bodyPr wrap="none" rtlCol="0">
+            <a:spAutoFit/>
+          </a:bodyPr>
+          <a:p>
+            <a:r>
+              <a:rPr kumimoji="1" lang="zh-CN" altLang="en-US" sz="1600" dirty="0"/>
+              <a:t>数据集：</a:t>
+            </a:r>
+            <a:endParaRPr kumimoji="1" lang="en-US" altLang="zh-CN" sz="1600" dirty="0"/>
+          </a:p>
+          <a:p>
+            <a:pPr marL="285750" indent="-285750">
+              <a:buFont typeface="Arial" panose="020B0604020202020204" pitchFamily="34" charset="0"/>
+              <a:buChar char="•"/>
+            </a:pPr>
+            <a:r>
+              <a:rPr kumimoji="1" lang="en-US" altLang="zh-CN" sz="1600" dirty="0"/>
+              <a:t>SARD</a:t>
+            </a:r>
+            <a:r>
+              <a:rPr kumimoji="1" lang="zh-CN" altLang="en-US" sz="1600" dirty="0"/>
+              <a:t> </a:t>
+            </a:r>
+            <a:r>
+              <a:rPr lang="en-GB" altLang="zh-CN" sz="1600" dirty="0">
+                <a:hlinkClick r:id="rId1"/>
+              </a:rPr>
+              <a:t>https://samate.nist.gov/SARD/</a:t>
+            </a:r>
+            <a:endParaRPr lang="en-GB" altLang="zh-CN" sz="1600" dirty="0"/>
+          </a:p>
+          <a:p>
+            <a:pPr marL="285750" indent="-285750">
+              <a:buFont typeface="Arial" panose="020B0604020202020204" pitchFamily="34" charset="0"/>
+              <a:buChar char="•"/>
+            </a:pPr>
+            <a:r>
+              <a:rPr lang="en-US" altLang="zh-CN" sz="1600" dirty="0"/>
+              <a:t>NVD</a:t>
+            </a:r>
+            <a:r>
+              <a:rPr lang="zh-CN" altLang="en-US" sz="1600" dirty="0"/>
+              <a:t> </a:t>
+            </a:r>
+            <a:r>
+              <a:rPr lang="en-GB" altLang="zh-CN" sz="1600" dirty="0">
+                <a:hlinkClick r:id="rId2"/>
+              </a:rPr>
+              <a:t>https://nvd.nist.gov/</a:t>
+            </a:r>
+            <a:endParaRPr lang="en-GB" altLang="zh-CN" sz="1600" dirty="0"/>
+          </a:p>
+          <a:p>
+            <a:pPr marL="285750" indent="-285750">
+              <a:buFont typeface="Arial" panose="020B0604020202020204" pitchFamily="34" charset="0"/>
+              <a:buChar char="•"/>
+            </a:pPr>
+            <a:endParaRPr lang="en-GB" altLang="zh-CN" dirty="0"/>
+          </a:p>
+          <a:p>
+            <a:endParaRPr kumimoji="1" lang="zh-CN" altLang="en-US" dirty="0"/>
+          </a:p>
+        </p:txBody>
+      </p:sp>
       <p:pic>
         <p:nvPicPr>
-          <p:cNvPr id="9" name="图片 8"/>
+          <p:cNvPr id="7" name="图片 6"/>
           <p:cNvPicPr>
             <a:picLocks noChangeAspect="1"/>
           </p:cNvPicPr>
           <p:nvPr/>
         </p:nvPicPr>
         <p:blipFill>
-          <a:blip r:embed="rId1"/>
+          <a:blip r:embed="rId3"/>
           <a:stretch>
             <a:fillRect/>
           </a:stretch>
         </p:blipFill>
         <p:spPr>
           <a:xfrm>
-            <a:off x="437600" y="1844112"/>
-            <a:ext cx="6034878" cy="1754325"/>
+            <a:off x="2792140" y="1881428"/>
+            <a:ext cx="3884208" cy="1325563"/>
           </a:xfrm>
           <a:prstGeom prst="rect">
             <a:avLst/>
@@ -10167,141 +10425,28 @@
       </p:pic>
       <p:pic>
         <p:nvPicPr>
-          <p:cNvPr id="11" name="图片 10"/>
+          <p:cNvPr id="10" name="图片 9"/>
           <p:cNvPicPr>
             <a:picLocks noChangeAspect="1"/>
           </p:cNvPicPr>
           <p:nvPr/>
         </p:nvPicPr>
         <p:blipFill>
-          <a:blip r:embed="rId2"/>
+          <a:blip r:embed="rId4"/>
           <a:stretch>
             <a:fillRect/>
           </a:stretch>
         </p:blipFill>
         <p:spPr>
           <a:xfrm>
-            <a:off x="470063" y="4091379"/>
-            <a:ext cx="6264915" cy="1628170"/>
+            <a:off x="2792139" y="3397249"/>
+            <a:ext cx="3884207" cy="1386129"/>
           </a:xfrm>
           <a:prstGeom prst="rect">
             <a:avLst/>
           </a:prstGeom>
         </p:spPr>
       </p:pic>
-      <p:sp>
-        <p:nvSpPr>
-          <p:cNvPr id="12" name="文本框 11"/>
-          <p:cNvSpPr txBox="1"/>
-          <p:nvPr/>
-        </p:nvSpPr>
-        <p:spPr>
-          <a:xfrm>
-            <a:off x="6919784" y="3151138"/>
-            <a:ext cx="4006225" cy="1754326"/>
-          </a:xfrm>
-          <a:prstGeom prst="rect">
-            <a:avLst/>
-          </a:prstGeom>
-          <a:noFill/>
-        </p:spPr>
-        <p:txBody>
-          <a:bodyPr wrap="none" rtlCol="0">
-            <a:spAutoFit/>
-          </a:bodyPr>
-          <a:lstStyle/>
-          <a:p>
-            <a:r>
-              <a:rPr lang="en-GB" altLang="zh-CN" dirty="0"/>
-              <a:t>* BE: Buffer Error</a:t>
-            </a:r>
-            <a:r>
-              <a:rPr lang="zh-CN" altLang="en-US" dirty="0"/>
-              <a:t>漏洞</a:t>
-            </a:r>
-            <a:endParaRPr lang="zh-CN" altLang="en-US" dirty="0"/>
-          </a:p>
-          <a:p>
-            <a:r>
-              <a:rPr lang="zh-CN" altLang="en-US" dirty="0"/>
-              <a:t>* </a:t>
-            </a:r>
-            <a:r>
-              <a:rPr lang="en-GB" altLang="zh-CN" dirty="0"/>
-              <a:t>RM: Resource Manager</a:t>
-            </a:r>
-            <a:r>
-              <a:rPr lang="zh-CN" altLang="en-US" dirty="0"/>
-              <a:t>漏洞</a:t>
-            </a:r>
-            <a:endParaRPr lang="zh-CN" altLang="en-US" dirty="0"/>
-          </a:p>
-          <a:p>
-            <a:r>
-              <a:rPr lang="zh-CN" altLang="en-US" dirty="0"/>
-              <a:t>* </a:t>
-            </a:r>
-            <a:r>
-              <a:rPr lang="en-GB" altLang="zh-CN" dirty="0"/>
-              <a:t>HY: BE + RM</a:t>
-            </a:r>
-            <a:endParaRPr lang="en-GB" altLang="zh-CN" dirty="0"/>
-          </a:p>
-          <a:p>
-            <a:r>
-              <a:rPr lang="en-GB" altLang="zh-CN" dirty="0"/>
-              <a:t>* ALL: </a:t>
-            </a:r>
-            <a:r>
-              <a:rPr lang="zh-CN" altLang="en-US" dirty="0"/>
-              <a:t>包含原数据集所有函数</a:t>
-            </a:r>
-            <a:r>
-              <a:rPr lang="en-US" altLang="zh-CN" dirty="0"/>
-              <a:t>/</a:t>
-            </a:r>
-            <a:r>
-              <a:rPr lang="en-GB" altLang="zh-CN" dirty="0"/>
-              <a:t>API</a:t>
-            </a:r>
-            <a:r>
-              <a:rPr lang="zh-CN" altLang="en-US" dirty="0"/>
-              <a:t>调用</a:t>
-            </a:r>
-            <a:endParaRPr lang="zh-CN" altLang="en-US" dirty="0"/>
-          </a:p>
-          <a:p>
-            <a:r>
-              <a:rPr lang="zh-CN" altLang="en-US" dirty="0"/>
-              <a:t>* </a:t>
-            </a:r>
-            <a:r>
-              <a:rPr lang="en-GB" altLang="zh-CN" dirty="0"/>
-              <a:t>SEL: </a:t>
-            </a:r>
-            <a:r>
-              <a:rPr lang="zh-CN" altLang="en-US" dirty="0"/>
-              <a:t>经过人工筛选的的函数</a:t>
-            </a:r>
-            <a:r>
-              <a:rPr lang="en-US" altLang="zh-CN" dirty="0"/>
-              <a:t>/</a:t>
-            </a:r>
-            <a:r>
-              <a:rPr lang="en-GB" altLang="zh-CN" dirty="0"/>
-              <a:t>API</a:t>
-            </a:r>
-            <a:r>
-              <a:rPr lang="zh-CN" altLang="en-US" dirty="0"/>
-              <a:t>调用</a:t>
-            </a:r>
-            <a:endParaRPr lang="zh-CN" altLang="en-US" dirty="0"/>
-          </a:p>
-          <a:p>
-            <a:endParaRPr kumimoji="1" lang="zh-CN" altLang="en-US" dirty="0"/>
-          </a:p>
-        </p:txBody>
-      </p:sp>
     </p:spTree>
   </p:cSld>
   <p:clrMapOvr>
@@ -10352,7 +10497,7 @@
       </p:sp>
       <p:pic>
         <p:nvPicPr>
-          <p:cNvPr id="4" name="图片 3"/>
+          <p:cNvPr id="9" name="图片 8"/>
           <p:cNvPicPr>
             <a:picLocks noChangeAspect="1"/>
           </p:cNvPicPr>
@@ -10366,144 +10511,228 @@
         </p:blipFill>
         <p:spPr>
           <a:xfrm>
-            <a:off x="6313274" y="1566947"/>
-            <a:ext cx="5499786" cy="4292516"/>
+            <a:off x="5473785" y="1332302"/>
+            <a:ext cx="6034878" cy="1754325"/>
           </a:xfrm>
           <a:prstGeom prst="rect">
             <a:avLst/>
           </a:prstGeom>
         </p:spPr>
       </p:pic>
-      <p:sp>
-        <p:nvSpPr>
-          <p:cNvPr id="5" name="文本框 4"/>
-          <p:cNvSpPr txBox="1"/>
-          <p:nvPr/>
-        </p:nvSpPr>
-        <p:spPr>
-          <a:xfrm>
-            <a:off x="1255319" y="5226397"/>
-            <a:ext cx="3679212" cy="1384995"/>
-          </a:xfrm>
-          <a:prstGeom prst="rect">
-            <a:avLst/>
-          </a:prstGeom>
-          <a:noFill/>
-        </p:spPr>
-        <p:txBody>
-          <a:bodyPr wrap="none" rtlCol="0">
-            <a:spAutoFit/>
-          </a:bodyPr>
-          <a:lstStyle/>
-          <a:p>
-            <a:r>
-              <a:rPr kumimoji="1" lang="zh-CN" altLang="en-US" sz="1600" dirty="0"/>
-              <a:t>数据集：</a:t>
-            </a:r>
-            <a:endParaRPr kumimoji="1" lang="en-US" altLang="zh-CN" sz="1600" dirty="0"/>
-          </a:p>
-          <a:p>
-            <a:pPr marL="285750" indent="-285750">
-              <a:buFont typeface="Arial" panose="020B0604020202020204" pitchFamily="34" charset="0"/>
-              <a:buChar char="•"/>
-            </a:pPr>
-            <a:r>
-              <a:rPr kumimoji="1" lang="en-US" altLang="zh-CN" sz="1600" dirty="0"/>
-              <a:t>SARD</a:t>
-            </a:r>
-            <a:r>
-              <a:rPr kumimoji="1" lang="zh-CN" altLang="en-US" sz="1600" dirty="0"/>
-              <a:t> </a:t>
-            </a:r>
-            <a:r>
-              <a:rPr lang="en-GB" altLang="zh-CN" sz="1600" dirty="0">
-                <a:hlinkClick r:id="rId2"/>
-              </a:rPr>
-              <a:t>https://samate.nist.gov/SARD/</a:t>
-            </a:r>
-            <a:endParaRPr lang="en-GB" altLang="zh-CN" sz="1600" dirty="0"/>
-          </a:p>
-          <a:p>
-            <a:pPr marL="285750" indent="-285750">
-              <a:buFont typeface="Arial" panose="020B0604020202020204" pitchFamily="34" charset="0"/>
-              <a:buChar char="•"/>
-            </a:pPr>
-            <a:r>
-              <a:rPr lang="en-US" altLang="zh-CN" sz="1600" dirty="0"/>
-              <a:t>NVD</a:t>
-            </a:r>
-            <a:r>
-              <a:rPr lang="zh-CN" altLang="en-US" sz="1600" dirty="0"/>
-              <a:t> </a:t>
-            </a:r>
-            <a:r>
-              <a:rPr lang="en-GB" altLang="zh-CN" sz="1600" dirty="0">
-                <a:hlinkClick r:id="rId3"/>
-              </a:rPr>
-              <a:t>https://nvd.nist.gov/</a:t>
-            </a:r>
-            <a:endParaRPr lang="en-GB" altLang="zh-CN" sz="1600" dirty="0"/>
-          </a:p>
-          <a:p>
-            <a:pPr marL="285750" indent="-285750">
-              <a:buFont typeface="Arial" panose="020B0604020202020204" pitchFamily="34" charset="0"/>
-              <a:buChar char="•"/>
-            </a:pPr>
-            <a:endParaRPr lang="en-GB" altLang="zh-CN" dirty="0"/>
-          </a:p>
-          <a:p>
-            <a:endParaRPr kumimoji="1" lang="zh-CN" altLang="en-US" dirty="0"/>
-          </a:p>
-        </p:txBody>
-      </p:sp>
       <p:pic>
         <p:nvPicPr>
-          <p:cNvPr id="7" name="图片 6"/>
+          <p:cNvPr id="11" name="图片 10"/>
           <p:cNvPicPr>
             <a:picLocks noChangeAspect="1"/>
           </p:cNvPicPr>
           <p:nvPr/>
         </p:nvPicPr>
         <p:blipFill>
-          <a:blip r:embed="rId4"/>
+          <a:blip r:embed="rId2"/>
           <a:stretch>
             <a:fillRect/>
           </a:stretch>
         </p:blipFill>
         <p:spPr>
           <a:xfrm>
-            <a:off x="1289730" y="2000808"/>
-            <a:ext cx="3884208" cy="1325563"/>
+            <a:off x="5629438" y="3853254"/>
+            <a:ext cx="6264915" cy="1628170"/>
           </a:xfrm>
           <a:prstGeom prst="rect">
             <a:avLst/>
           </a:prstGeom>
         </p:spPr>
       </p:pic>
-      <p:pic>
-        <p:nvPicPr>
-          <p:cNvPr id="10" name="图片 9"/>
-          <p:cNvPicPr>
-            <a:picLocks noChangeAspect="1"/>
-          </p:cNvPicPr>
+      <p:sp>
+        <p:nvSpPr>
+          <p:cNvPr id="12" name="文本框 11"/>
+          <p:cNvSpPr txBox="1"/>
           <p:nvPr/>
-        </p:nvPicPr>
-        <p:blipFill>
-          <a:blip r:embed="rId5"/>
-          <a:stretch>
-            <a:fillRect/>
-          </a:stretch>
-        </p:blipFill>
-        <p:spPr>
-          <a:xfrm>
-            <a:off x="1289729" y="3428999"/>
-            <a:ext cx="3884207" cy="1386129"/>
+        </p:nvSpPr>
+        <p:spPr>
+          <a:xfrm>
+            <a:off x="1031429" y="2399933"/>
+            <a:ext cx="4006225" cy="1754326"/>
           </a:xfrm>
           <a:prstGeom prst="rect">
             <a:avLst/>
           </a:prstGeom>
-        </p:spPr>
-      </p:pic>
+          <a:noFill/>
+          <a:ln w="12700">
+            <a:solidFill>
+              <a:schemeClr val="accent1"/>
+            </a:solidFill>
+          </a:ln>
+        </p:spPr>
+        <p:txBody>
+          <a:bodyPr wrap="none" rtlCol="0">
+            <a:spAutoFit/>
+          </a:bodyPr>
+          <a:p>
+            <a:r>
+              <a:rPr lang="en-GB" altLang="zh-CN" dirty="0"/>
+              <a:t>* BE: Buffer Error</a:t>
+            </a:r>
+            <a:r>
+              <a:rPr lang="zh-CN" altLang="en-US" dirty="0"/>
+              <a:t>漏洞</a:t>
+            </a:r>
+            <a:endParaRPr lang="zh-CN" altLang="en-US" dirty="0"/>
+          </a:p>
+          <a:p>
+            <a:r>
+              <a:rPr lang="zh-CN" altLang="en-US" dirty="0"/>
+              <a:t>* </a:t>
+            </a:r>
+            <a:r>
+              <a:rPr lang="en-GB" altLang="zh-CN" dirty="0"/>
+              <a:t>RM: Resource Manager</a:t>
+            </a:r>
+            <a:r>
+              <a:rPr lang="zh-CN" altLang="en-US" dirty="0"/>
+              <a:t>漏洞</a:t>
+            </a:r>
+            <a:endParaRPr lang="zh-CN" altLang="en-US" dirty="0"/>
+          </a:p>
+          <a:p>
+            <a:r>
+              <a:rPr lang="zh-CN" altLang="en-US" dirty="0"/>
+              <a:t>* </a:t>
+            </a:r>
+            <a:r>
+              <a:rPr lang="en-GB" altLang="zh-CN" dirty="0"/>
+              <a:t>HY: BE + RM</a:t>
+            </a:r>
+            <a:endParaRPr lang="en-GB" altLang="zh-CN" dirty="0"/>
+          </a:p>
+          <a:p>
+            <a:r>
+              <a:rPr lang="en-GB" altLang="zh-CN" dirty="0"/>
+              <a:t>* ALL: </a:t>
+            </a:r>
+            <a:r>
+              <a:rPr lang="zh-CN" altLang="en-US" dirty="0"/>
+              <a:t>包含原数据集所有函数</a:t>
+            </a:r>
+            <a:r>
+              <a:rPr lang="en-US" altLang="zh-CN" dirty="0"/>
+              <a:t>/</a:t>
+            </a:r>
+            <a:r>
+              <a:rPr lang="en-GB" altLang="zh-CN" dirty="0"/>
+              <a:t>API</a:t>
+            </a:r>
+            <a:r>
+              <a:rPr lang="zh-CN" altLang="en-US" dirty="0"/>
+              <a:t>调用</a:t>
+            </a:r>
+            <a:endParaRPr lang="zh-CN" altLang="en-US" dirty="0"/>
+          </a:p>
+          <a:p>
+            <a:r>
+              <a:rPr lang="zh-CN" altLang="en-US" dirty="0"/>
+              <a:t>* </a:t>
+            </a:r>
+            <a:r>
+              <a:rPr lang="en-GB" altLang="zh-CN" dirty="0"/>
+              <a:t>SEL: </a:t>
+            </a:r>
+            <a:r>
+              <a:rPr lang="zh-CN" altLang="en-US" dirty="0"/>
+              <a:t>经过人工筛选的的函数</a:t>
+            </a:r>
+            <a:r>
+              <a:rPr lang="en-US" altLang="zh-CN" dirty="0"/>
+              <a:t>/</a:t>
+            </a:r>
+            <a:r>
+              <a:rPr lang="en-GB" altLang="zh-CN" dirty="0"/>
+              <a:t>API</a:t>
+            </a:r>
+            <a:r>
+              <a:rPr lang="zh-CN" altLang="en-US" dirty="0"/>
+              <a:t>调用</a:t>
+            </a:r>
+            <a:endParaRPr lang="zh-CN" altLang="en-US" dirty="0"/>
+          </a:p>
+          <a:p>
+            <a:endParaRPr kumimoji="1" lang="zh-CN" altLang="en-US" dirty="0"/>
+          </a:p>
+        </p:txBody>
+      </p:sp>
+      <p:sp>
+        <p:nvSpPr>
+          <p:cNvPr id="6" name="文本框 5"/>
+          <p:cNvSpPr txBox="1"/>
+          <p:nvPr/>
+        </p:nvSpPr>
+        <p:spPr>
+          <a:xfrm>
+            <a:off x="7783195" y="5864225"/>
+            <a:ext cx="1257935" cy="398780"/>
+          </a:xfrm>
+          <a:prstGeom prst="rect">
+            <a:avLst/>
+          </a:prstGeom>
+          <a:noFill/>
+          <a:ln w="12700">
+            <a:solidFill>
+              <a:schemeClr val="accent1"/>
+            </a:solidFill>
+          </a:ln>
+        </p:spPr>
+        <p:txBody>
+          <a:bodyPr wrap="none" rtlCol="0">
+            <a:spAutoFit/>
+          </a:bodyPr>
+          <a:p>
+            <a:pPr marL="285750" indent="-285750">
+              <a:buFont typeface="Arial" panose="020B0604020202020204" pitchFamily="34" charset="0"/>
+              <a:buChar char="•"/>
+            </a:pPr>
+            <a:r>
+              <a:rPr lang="en-US" altLang="zh-CN" sz="1000">
+                <a:solidFill>
+                  <a:schemeClr val="accent2"/>
+                </a:solidFill>
+              </a:rPr>
+              <a:t>TPR = 1 - FNR</a:t>
+            </a:r>
+            <a:endParaRPr lang="en-US" altLang="zh-CN" sz="1000">
+              <a:solidFill>
+                <a:schemeClr val="accent2"/>
+              </a:solidFill>
+            </a:endParaRPr>
+          </a:p>
+          <a:p>
+            <a:pPr marL="285750" indent="-285750">
+              <a:buFont typeface="Arial" panose="020B0604020202020204" pitchFamily="34" charset="0"/>
+              <a:buChar char="•"/>
+            </a:pPr>
+            <a:r>
+              <a:rPr lang="en-US" altLang="zh-CN" sz="1000">
+                <a:solidFill>
+                  <a:schemeClr val="accent2"/>
+                </a:solidFill>
+              </a:rPr>
+              <a:t>P: </a:t>
+            </a:r>
+            <a:r>
+              <a:rPr lang="zh-CN" altLang="en-US" sz="1000">
+                <a:solidFill>
+                  <a:schemeClr val="accent2"/>
+                </a:solidFill>
+              </a:rPr>
+              <a:t>精确率</a:t>
+            </a:r>
+            <a:endParaRPr lang="zh-CN" altLang="en-US" sz="1000">
+              <a:solidFill>
+                <a:schemeClr val="accent2"/>
+              </a:solidFill>
+            </a:endParaRPr>
+          </a:p>
+        </p:txBody>
+      </p:sp>
     </p:spTree>
   </p:cSld>
   <p:clrMapOvr>

--- a/presentation/hezhi_vuldeepecker_sysevr.pptx
+++ b/presentation/hezhi_vuldeepecker_sysevr.pptx
@@ -3,34 +3,34 @@
 <p:presentation xmlns:a="http://schemas.openxmlformats.org/drawingml/2006/main" xmlns:r="http://schemas.openxmlformats.org/officeDocument/2006/relationships" xmlns:p="http://schemas.openxmlformats.org/presentationml/2006/main" autoCompressPictures="0">
   <p:sldMasterIdLst>
     <p:sldMasterId id="2147483648" r:id="rId1"/>
-    <p:sldMasterId id="2147483660" r:id="rId3"/>
+    <p:sldMasterId id="2147483660" r:id="rId2"/>
   </p:sldMasterIdLst>
   <p:notesMasterIdLst>
-    <p:notesMasterId r:id="rId18"/>
+    <p:notesMasterId r:id="rId25"/>
   </p:notesMasterIdLst>
   <p:sldIdLst>
-    <p:sldId id="256" r:id="rId4"/>
-    <p:sldId id="257" r:id="rId5"/>
-    <p:sldId id="258" r:id="rId6"/>
-    <p:sldId id="259" r:id="rId7"/>
-    <p:sldId id="260" r:id="rId8"/>
-    <p:sldId id="261" r:id="rId9"/>
-    <p:sldId id="262" r:id="rId10"/>
-    <p:sldId id="263" r:id="rId11"/>
-    <p:sldId id="264" r:id="rId12"/>
-    <p:sldId id="277" r:id="rId13"/>
-    <p:sldId id="265" r:id="rId14"/>
-    <p:sldId id="266" r:id="rId15"/>
-    <p:sldId id="267" r:id="rId16"/>
-    <p:sldId id="268" r:id="rId17"/>
-    <p:sldId id="269" r:id="rId19"/>
-    <p:sldId id="270" r:id="rId20"/>
-    <p:sldId id="271" r:id="rId21"/>
-    <p:sldId id="272" r:id="rId22"/>
-    <p:sldId id="273" r:id="rId23"/>
-    <p:sldId id="274" r:id="rId24"/>
-    <p:sldId id="275" r:id="rId25"/>
-    <p:sldId id="276" r:id="rId26"/>
+    <p:sldId id="256" r:id="rId3"/>
+    <p:sldId id="257" r:id="rId4"/>
+    <p:sldId id="258" r:id="rId5"/>
+    <p:sldId id="259" r:id="rId6"/>
+    <p:sldId id="260" r:id="rId7"/>
+    <p:sldId id="261" r:id="rId8"/>
+    <p:sldId id="262" r:id="rId9"/>
+    <p:sldId id="263" r:id="rId10"/>
+    <p:sldId id="264" r:id="rId11"/>
+    <p:sldId id="277" r:id="rId12"/>
+    <p:sldId id="265" r:id="rId13"/>
+    <p:sldId id="266" r:id="rId14"/>
+    <p:sldId id="267" r:id="rId15"/>
+    <p:sldId id="268" r:id="rId16"/>
+    <p:sldId id="269" r:id="rId17"/>
+    <p:sldId id="270" r:id="rId18"/>
+    <p:sldId id="271" r:id="rId19"/>
+    <p:sldId id="272" r:id="rId20"/>
+    <p:sldId id="273" r:id="rId21"/>
+    <p:sldId id="274" r:id="rId22"/>
+    <p:sldId id="275" r:id="rId23"/>
+    <p:sldId id="276" r:id="rId24"/>
   </p:sldIdLst>
   <p:sldSz cx="12192000" cy="6858000"/>
   <p:notesSz cx="6858000" cy="9144000"/>
@@ -129,6 +129,11 @@
       </a:defRPr>
     </a:lvl9pPr>
   </p:defaultTextStyle>
+  <p:extLst>
+    <p:ext uri="{EFAFB233-063F-42B5-8137-9DF3F51BA10A}">
+      <p15:sldGuideLst xmlns:p15="http://schemas.microsoft.com/office/powerpoint/2012/main"/>
+    </p:ext>
+  </p:extLst>
 </p:presentation>
 </file>
 
@@ -214,6 +219,7 @@
           <a:p>
             <a:fld id="{D2A48B96-639E-45A3-A0BA-2464DFDB1FAA}" type="datetimeFigureOut">
               <a:rPr lang="zh-CN" altLang="en-US" smtClean="0"/>
+              <a:t>2021/12/15</a:t>
             </a:fld>
             <a:endParaRPr lang="zh-CN" altLang="en-US"/>
           </a:p>
@@ -277,42 +283,37 @@
           <a:p>
             <a:pPr lvl="0"/>
             <a:r>
-              <a:rPr lang="zh-CN" altLang="en-US" smtClean="0"/>
+              <a:rPr lang="zh-CN" altLang="en-US"/>
               <a:t>单击此处编辑母版文本样式</a:t>
             </a:r>
-            <a:endParaRPr lang="zh-CN" altLang="en-US" smtClean="0"/>
           </a:p>
           <a:p>
             <a:pPr lvl="1"/>
             <a:r>
-              <a:rPr lang="zh-CN" altLang="en-US" smtClean="0"/>
+              <a:rPr lang="zh-CN" altLang="en-US"/>
               <a:t>第二级</a:t>
             </a:r>
-            <a:endParaRPr lang="zh-CN" altLang="en-US" smtClean="0"/>
           </a:p>
           <a:p>
             <a:pPr lvl="2"/>
             <a:r>
-              <a:rPr lang="zh-CN" altLang="en-US" smtClean="0"/>
+              <a:rPr lang="zh-CN" altLang="en-US"/>
               <a:t>第三级</a:t>
             </a:r>
-            <a:endParaRPr lang="zh-CN" altLang="en-US" smtClean="0"/>
           </a:p>
           <a:p>
             <a:pPr lvl="3"/>
             <a:r>
-              <a:rPr lang="zh-CN" altLang="en-US" smtClean="0"/>
+              <a:rPr lang="zh-CN" altLang="en-US"/>
               <a:t>第四级</a:t>
             </a:r>
-            <a:endParaRPr lang="zh-CN" altLang="en-US" smtClean="0"/>
           </a:p>
           <a:p>
             <a:pPr lvl="4"/>
             <a:r>
-              <a:rPr lang="zh-CN" altLang="en-US" smtClean="0"/>
+              <a:rPr lang="zh-CN" altLang="en-US"/>
               <a:t>第五级</a:t>
             </a:r>
-            <a:endParaRPr lang="zh-CN" altLang="en-US"/>
           </a:p>
         </p:txBody>
       </p:sp>
@@ -376,6 +377,7 @@
           <a:p>
             <a:fld id="{A6837353-30EB-4A48-80EB-173D804AEFBD}" type="slidenum">
               <a:rPr lang="zh-CN" altLang="en-US" smtClean="0"/>
+              <a:t>‹#›</a:t>
             </a:fld>
             <a:endParaRPr lang="zh-CN" altLang="en-US"/>
           </a:p>
@@ -488,11 +490,20 @@
         <p:cNvGrpSpPr/>
         <p:nvPr/>
       </p:nvGrpSpPr>
-      <p:grpSpPr/>
+      <p:grpSpPr>
+        <a:xfrm>
+          <a:off x="0" y="0"/>
+          <a:ext cx="0" cy="0"/>
+          <a:chOff x="0" y="0"/>
+          <a:chExt cx="0" cy="0"/>
+        </a:xfrm>
+      </p:grpSpPr>
       <p:sp>
         <p:nvSpPr>
           <p:cNvPr id="2" name="幻灯片图像占位符 1"/>
-          <p:cNvSpPr/>
+          <p:cNvSpPr>
+            <a:spLocks noGrp="1" noRot="1" noChangeAspect="1"/>
+          </p:cNvSpPr>
           <p:nvPr>
             <p:ph type="sldImg" idx="2"/>
           </p:nvPr>
@@ -502,7 +513,9 @@
       <p:sp>
         <p:nvSpPr>
           <p:cNvPr id="3" name="文本占位符 2"/>
-          <p:cNvSpPr/>
+          <p:cNvSpPr>
+            <a:spLocks noGrp="1"/>
+          </p:cNvSpPr>
           <p:nvPr>
             <p:ph type="body" idx="3"/>
           </p:nvPr>
@@ -510,6 +523,7 @@
         <p:spPr/>
         <p:txBody>
           <a:bodyPr/>
+          <a:lstStyle/>
           <a:p>
             <a:endParaRPr lang="zh-CN" altLang="en-US"/>
           </a:p>
@@ -532,11 +546,20 @@
         <p:cNvGrpSpPr/>
         <p:nvPr/>
       </p:nvGrpSpPr>
-      <p:grpSpPr/>
+      <p:grpSpPr>
+        <a:xfrm>
+          <a:off x="0" y="0"/>
+          <a:ext cx="0" cy="0"/>
+          <a:chOff x="0" y="0"/>
+          <a:chExt cx="0" cy="0"/>
+        </a:xfrm>
+      </p:grpSpPr>
       <p:sp>
         <p:nvSpPr>
           <p:cNvPr id="2" name="幻灯片图像占位符 1"/>
-          <p:cNvSpPr/>
+          <p:cNvSpPr>
+            <a:spLocks noGrp="1" noRot="1" noChangeAspect="1"/>
+          </p:cNvSpPr>
           <p:nvPr>
             <p:ph type="sldImg" idx="2"/>
           </p:nvPr>
@@ -546,7 +569,9 @@
       <p:sp>
         <p:nvSpPr>
           <p:cNvPr id="3" name="文本占位符 2"/>
-          <p:cNvSpPr/>
+          <p:cNvSpPr>
+            <a:spLocks noGrp="1"/>
+          </p:cNvSpPr>
           <p:nvPr>
             <p:ph type="body" idx="3"/>
           </p:nvPr>
@@ -554,6 +579,7 @@
         <p:spPr/>
         <p:txBody>
           <a:bodyPr/>
+          <a:lstStyle/>
           <a:p>
             <a:endParaRPr lang="zh-CN" altLang="en-US"/>
           </a:p>
@@ -576,11 +602,20 @@
         <p:cNvGrpSpPr/>
         <p:nvPr/>
       </p:nvGrpSpPr>
-      <p:grpSpPr/>
+      <p:grpSpPr>
+        <a:xfrm>
+          <a:off x="0" y="0"/>
+          <a:ext cx="0" cy="0"/>
+          <a:chOff x="0" y="0"/>
+          <a:chExt cx="0" cy="0"/>
+        </a:xfrm>
+      </p:grpSpPr>
       <p:sp>
         <p:nvSpPr>
           <p:cNvPr id="2" name="幻灯片图像占位符 1"/>
-          <p:cNvSpPr/>
+          <p:cNvSpPr>
+            <a:spLocks noGrp="1" noRot="1" noChangeAspect="1"/>
+          </p:cNvSpPr>
           <p:nvPr>
             <p:ph type="sldImg" idx="2"/>
           </p:nvPr>
@@ -590,7 +625,9 @@
       <p:sp>
         <p:nvSpPr>
           <p:cNvPr id="3" name="文本占位符 2"/>
-          <p:cNvSpPr/>
+          <p:cNvSpPr>
+            <a:spLocks noGrp="1"/>
+          </p:cNvSpPr>
           <p:nvPr>
             <p:ph type="body" idx="3"/>
           </p:nvPr>
@@ -598,6 +635,7 @@
         <p:spPr/>
         <p:txBody>
           <a:bodyPr/>
+          <a:lstStyle/>
           <a:p>
             <a:endParaRPr lang="zh-CN" altLang="en-US"/>
           </a:p>
@@ -620,11 +658,20 @@
         <p:cNvGrpSpPr/>
         <p:nvPr/>
       </p:nvGrpSpPr>
-      <p:grpSpPr/>
+      <p:grpSpPr>
+        <a:xfrm>
+          <a:off x="0" y="0"/>
+          <a:ext cx="0" cy="0"/>
+          <a:chOff x="0" y="0"/>
+          <a:chExt cx="0" cy="0"/>
+        </a:xfrm>
+      </p:grpSpPr>
       <p:sp>
         <p:nvSpPr>
           <p:cNvPr id="2" name="幻灯片图像占位符 1"/>
-          <p:cNvSpPr/>
+          <p:cNvSpPr>
+            <a:spLocks noGrp="1" noRot="1" noChangeAspect="1"/>
+          </p:cNvSpPr>
           <p:nvPr>
             <p:ph type="sldImg" idx="2"/>
           </p:nvPr>
@@ -634,7 +681,9 @@
       <p:sp>
         <p:nvSpPr>
           <p:cNvPr id="3" name="文本占位符 2"/>
-          <p:cNvSpPr/>
+          <p:cNvSpPr>
+            <a:spLocks noGrp="1"/>
+          </p:cNvSpPr>
           <p:nvPr>
             <p:ph type="body" idx="3"/>
           </p:nvPr>
@@ -642,6 +691,7 @@
         <p:spPr/>
         <p:txBody>
           <a:bodyPr/>
+          <a:lstStyle/>
           <a:p>
             <a:endParaRPr lang="zh-CN" altLang="en-US"/>
           </a:p>
@@ -664,11 +714,20 @@
         <p:cNvGrpSpPr/>
         <p:nvPr/>
       </p:nvGrpSpPr>
-      <p:grpSpPr/>
+      <p:grpSpPr>
+        <a:xfrm>
+          <a:off x="0" y="0"/>
+          <a:ext cx="0" cy="0"/>
+          <a:chOff x="0" y="0"/>
+          <a:chExt cx="0" cy="0"/>
+        </a:xfrm>
+      </p:grpSpPr>
       <p:sp>
         <p:nvSpPr>
           <p:cNvPr id="2" name="幻灯片图像占位符 1"/>
-          <p:cNvSpPr/>
+          <p:cNvSpPr>
+            <a:spLocks noGrp="1" noRot="1" noChangeAspect="1"/>
+          </p:cNvSpPr>
           <p:nvPr>
             <p:ph type="sldImg" idx="2"/>
           </p:nvPr>
@@ -678,7 +737,9 @@
       <p:sp>
         <p:nvSpPr>
           <p:cNvPr id="3" name="文本占位符 2"/>
-          <p:cNvSpPr/>
+          <p:cNvSpPr>
+            <a:spLocks noGrp="1"/>
+          </p:cNvSpPr>
           <p:nvPr>
             <p:ph type="body" idx="3"/>
           </p:nvPr>
@@ -686,6 +747,7 @@
         <p:spPr/>
         <p:txBody>
           <a:bodyPr/>
+          <a:lstStyle/>
           <a:p>
             <a:endParaRPr lang="zh-CN" altLang="en-US"/>
           </a:p>
@@ -708,11 +770,20 @@
         <p:cNvGrpSpPr/>
         <p:nvPr/>
       </p:nvGrpSpPr>
-      <p:grpSpPr/>
+      <p:grpSpPr>
+        <a:xfrm>
+          <a:off x="0" y="0"/>
+          <a:ext cx="0" cy="0"/>
+          <a:chOff x="0" y="0"/>
+          <a:chExt cx="0" cy="0"/>
+        </a:xfrm>
+      </p:grpSpPr>
       <p:sp>
         <p:nvSpPr>
           <p:cNvPr id="2" name="幻灯片图像占位符 1"/>
-          <p:cNvSpPr/>
+          <p:cNvSpPr>
+            <a:spLocks noGrp="1" noRot="1" noChangeAspect="1"/>
+          </p:cNvSpPr>
           <p:nvPr>
             <p:ph type="sldImg" idx="2"/>
           </p:nvPr>
@@ -722,7 +793,9 @@
       <p:sp>
         <p:nvSpPr>
           <p:cNvPr id="3" name="文本占位符 2"/>
-          <p:cNvSpPr/>
+          <p:cNvSpPr>
+            <a:spLocks noGrp="1"/>
+          </p:cNvSpPr>
           <p:nvPr>
             <p:ph type="body" idx="3"/>
           </p:nvPr>
@@ -730,6 +803,7 @@
         <p:spPr/>
         <p:txBody>
           <a:bodyPr/>
+          <a:lstStyle/>
           <a:p>
             <a:endParaRPr lang="zh-CN" altLang="en-US"/>
           </a:p>
@@ -752,11 +826,20 @@
         <p:cNvGrpSpPr/>
         <p:nvPr/>
       </p:nvGrpSpPr>
-      <p:grpSpPr/>
+      <p:grpSpPr>
+        <a:xfrm>
+          <a:off x="0" y="0"/>
+          <a:ext cx="0" cy="0"/>
+          <a:chOff x="0" y="0"/>
+          <a:chExt cx="0" cy="0"/>
+        </a:xfrm>
+      </p:grpSpPr>
       <p:sp>
         <p:nvSpPr>
           <p:cNvPr id="2" name="幻灯片图像占位符 1"/>
-          <p:cNvSpPr/>
+          <p:cNvSpPr>
+            <a:spLocks noGrp="1" noRot="1" noChangeAspect="1"/>
+          </p:cNvSpPr>
           <p:nvPr>
             <p:ph type="sldImg" idx="2"/>
           </p:nvPr>
@@ -766,7 +849,9 @@
       <p:sp>
         <p:nvSpPr>
           <p:cNvPr id="3" name="文本占位符 2"/>
-          <p:cNvSpPr/>
+          <p:cNvSpPr>
+            <a:spLocks noGrp="1"/>
+          </p:cNvSpPr>
           <p:nvPr>
             <p:ph type="body" idx="3"/>
           </p:nvPr>
@@ -774,6 +859,7 @@
         <p:spPr/>
         <p:txBody>
           <a:bodyPr/>
+          <a:lstStyle/>
           <a:p>
             <a:endParaRPr lang="zh-CN" altLang="en-US"/>
           </a:p>
@@ -796,11 +882,20 @@
         <p:cNvGrpSpPr/>
         <p:nvPr/>
       </p:nvGrpSpPr>
-      <p:grpSpPr/>
+      <p:grpSpPr>
+        <a:xfrm>
+          <a:off x="0" y="0"/>
+          <a:ext cx="0" cy="0"/>
+          <a:chOff x="0" y="0"/>
+          <a:chExt cx="0" cy="0"/>
+        </a:xfrm>
+      </p:grpSpPr>
       <p:sp>
         <p:nvSpPr>
           <p:cNvPr id="2" name="幻灯片图像占位符 1"/>
-          <p:cNvSpPr/>
+          <p:cNvSpPr>
+            <a:spLocks noGrp="1" noRot="1" noChangeAspect="1"/>
+          </p:cNvSpPr>
           <p:nvPr>
             <p:ph type="sldImg" idx="2"/>
           </p:nvPr>
@@ -810,7 +905,9 @@
       <p:sp>
         <p:nvSpPr>
           <p:cNvPr id="3" name="文本占位符 2"/>
-          <p:cNvSpPr/>
+          <p:cNvSpPr>
+            <a:spLocks noGrp="1"/>
+          </p:cNvSpPr>
           <p:nvPr>
             <p:ph type="body" idx="3"/>
           </p:nvPr>
@@ -818,6 +915,7 @@
         <p:spPr/>
         <p:txBody>
           <a:bodyPr/>
+          <a:lstStyle/>
           <a:p>
             <a:endParaRPr lang="zh-CN" altLang="en-US"/>
           </a:p>
@@ -840,11 +938,20 @@
         <p:cNvGrpSpPr/>
         <p:nvPr/>
       </p:nvGrpSpPr>
-      <p:grpSpPr/>
+      <p:grpSpPr>
+        <a:xfrm>
+          <a:off x="0" y="0"/>
+          <a:ext cx="0" cy="0"/>
+          <a:chOff x="0" y="0"/>
+          <a:chExt cx="0" cy="0"/>
+        </a:xfrm>
+      </p:grpSpPr>
       <p:sp>
         <p:nvSpPr>
           <p:cNvPr id="2" name="幻灯片图像占位符 1"/>
-          <p:cNvSpPr/>
+          <p:cNvSpPr>
+            <a:spLocks noGrp="1" noRot="1" noChangeAspect="1"/>
+          </p:cNvSpPr>
           <p:nvPr>
             <p:ph type="sldImg" idx="2"/>
           </p:nvPr>
@@ -854,7 +961,9 @@
       <p:sp>
         <p:nvSpPr>
           <p:cNvPr id="3" name="文本占位符 2"/>
-          <p:cNvSpPr/>
+          <p:cNvSpPr>
+            <a:spLocks noGrp="1"/>
+          </p:cNvSpPr>
           <p:nvPr>
             <p:ph type="body" idx="3"/>
           </p:nvPr>
@@ -862,6 +971,7 @@
         <p:spPr/>
         <p:txBody>
           <a:bodyPr/>
+          <a:lstStyle/>
           <a:p>
             <a:endParaRPr lang="zh-CN" altLang="en-US"/>
           </a:p>
@@ -920,7 +1030,6 @@
               <a:rPr kumimoji="1" lang="zh-CN" altLang="en-US"/>
               <a:t>单击此处编辑母版标题样式</a:t>
             </a:r>
-            <a:endParaRPr kumimoji="1" lang="zh-CN" altLang="en-US"/>
           </a:p>
         </p:txBody>
       </p:sp>
@@ -985,7 +1094,6 @@
               <a:rPr kumimoji="1" lang="zh-CN" altLang="en-US"/>
               <a:t>单击此处编辑母版副标题样式</a:t>
             </a:r>
-            <a:endParaRPr kumimoji="1" lang="zh-CN" altLang="en-US"/>
           </a:p>
         </p:txBody>
       </p:sp>
@@ -1006,6 +1114,7 @@
           <a:p>
             <a:fld id="{CEACFE95-6B98-F540-A12D-334F116059E1}" type="datetimeFigureOut">
               <a:rPr kumimoji="1" lang="zh-CN" altLang="en-US" smtClean="0"/>
+              <a:t>2021/12/15</a:t>
             </a:fld>
             <a:endParaRPr kumimoji="1" lang="zh-CN" altLang="en-US"/>
           </a:p>
@@ -1047,6 +1156,7 @@
           <a:p>
             <a:fld id="{CC55A09D-DCDD-CD48-83A9-605BCBE4E252}" type="slidenum">
               <a:rPr kumimoji="1" lang="zh-CN" altLang="en-US" smtClean="0"/>
+              <a:t>‹#›</a:t>
             </a:fld>
             <a:endParaRPr kumimoji="1" lang="zh-CN" altLang="en-US"/>
           </a:p>
@@ -1096,7 +1206,6 @@
               <a:rPr kumimoji="1" lang="zh-CN" altLang="en-US"/>
               <a:t>单击此处编辑母版标题样式</a:t>
             </a:r>
-            <a:endParaRPr kumimoji="1" lang="zh-CN" altLang="en-US"/>
           </a:p>
         </p:txBody>
       </p:sp>
@@ -1120,7 +1229,6 @@
               <a:rPr kumimoji="1" lang="zh-CN" altLang="en-US"/>
               <a:t>单击此处编辑母版文本样式</a:t>
             </a:r>
-            <a:endParaRPr kumimoji="1" lang="zh-CN" altLang="en-US"/>
           </a:p>
           <a:p>
             <a:pPr lvl="1"/>
@@ -1128,7 +1236,6 @@
               <a:rPr kumimoji="1" lang="zh-CN" altLang="en-US"/>
               <a:t>二级</a:t>
             </a:r>
-            <a:endParaRPr kumimoji="1" lang="zh-CN" altLang="en-US"/>
           </a:p>
           <a:p>
             <a:pPr lvl="2"/>
@@ -1136,7 +1243,6 @@
               <a:rPr kumimoji="1" lang="zh-CN" altLang="en-US"/>
               <a:t>三级</a:t>
             </a:r>
-            <a:endParaRPr kumimoji="1" lang="zh-CN" altLang="en-US"/>
           </a:p>
           <a:p>
             <a:pPr lvl="3"/>
@@ -1144,7 +1250,6 @@
               <a:rPr kumimoji="1" lang="zh-CN" altLang="en-US"/>
               <a:t>四级</a:t>
             </a:r>
-            <a:endParaRPr kumimoji="1" lang="zh-CN" altLang="en-US"/>
           </a:p>
           <a:p>
             <a:pPr lvl="4"/>
@@ -1152,7 +1257,6 @@
               <a:rPr kumimoji="1" lang="zh-CN" altLang="en-US"/>
               <a:t>五级</a:t>
             </a:r>
-            <a:endParaRPr kumimoji="1" lang="zh-CN" altLang="en-US"/>
           </a:p>
         </p:txBody>
       </p:sp>
@@ -1173,6 +1277,7 @@
           <a:p>
             <a:fld id="{CEACFE95-6B98-F540-A12D-334F116059E1}" type="datetimeFigureOut">
               <a:rPr kumimoji="1" lang="zh-CN" altLang="en-US" smtClean="0"/>
+              <a:t>2021/12/15</a:t>
             </a:fld>
             <a:endParaRPr kumimoji="1" lang="zh-CN" altLang="en-US"/>
           </a:p>
@@ -1214,6 +1319,7 @@
           <a:p>
             <a:fld id="{CC55A09D-DCDD-CD48-83A9-605BCBE4E252}" type="slidenum">
               <a:rPr kumimoji="1" lang="zh-CN" altLang="en-US" smtClean="0"/>
+              <a:t>‹#›</a:t>
             </a:fld>
             <a:endParaRPr kumimoji="1" lang="zh-CN" altLang="en-US"/>
           </a:p>
@@ -1268,7 +1374,6 @@
               <a:rPr kumimoji="1" lang="zh-CN" altLang="en-US"/>
               <a:t>单击此处编辑母版标题样式</a:t>
             </a:r>
-            <a:endParaRPr kumimoji="1" lang="zh-CN" altLang="en-US"/>
           </a:p>
         </p:txBody>
       </p:sp>
@@ -1297,7 +1402,6 @@
               <a:rPr kumimoji="1" lang="zh-CN" altLang="en-US"/>
               <a:t>单击此处编辑母版文本样式</a:t>
             </a:r>
-            <a:endParaRPr kumimoji="1" lang="zh-CN" altLang="en-US"/>
           </a:p>
           <a:p>
             <a:pPr lvl="1"/>
@@ -1305,7 +1409,6 @@
               <a:rPr kumimoji="1" lang="zh-CN" altLang="en-US"/>
               <a:t>二级</a:t>
             </a:r>
-            <a:endParaRPr kumimoji="1" lang="zh-CN" altLang="en-US"/>
           </a:p>
           <a:p>
             <a:pPr lvl="2"/>
@@ -1313,7 +1416,6 @@
               <a:rPr kumimoji="1" lang="zh-CN" altLang="en-US"/>
               <a:t>三级</a:t>
             </a:r>
-            <a:endParaRPr kumimoji="1" lang="zh-CN" altLang="en-US"/>
           </a:p>
           <a:p>
             <a:pPr lvl="3"/>
@@ -1321,7 +1423,6 @@
               <a:rPr kumimoji="1" lang="zh-CN" altLang="en-US"/>
               <a:t>四级</a:t>
             </a:r>
-            <a:endParaRPr kumimoji="1" lang="zh-CN" altLang="en-US"/>
           </a:p>
           <a:p>
             <a:pPr lvl="4"/>
@@ -1329,7 +1430,6 @@
               <a:rPr kumimoji="1" lang="zh-CN" altLang="en-US"/>
               <a:t>五级</a:t>
             </a:r>
-            <a:endParaRPr kumimoji="1" lang="zh-CN" altLang="en-US"/>
           </a:p>
         </p:txBody>
       </p:sp>
@@ -1350,6 +1450,7 @@
           <a:p>
             <a:fld id="{CEACFE95-6B98-F540-A12D-334F116059E1}" type="datetimeFigureOut">
               <a:rPr kumimoji="1" lang="zh-CN" altLang="en-US" smtClean="0"/>
+              <a:t>2021/12/15</a:t>
             </a:fld>
             <a:endParaRPr kumimoji="1" lang="zh-CN" altLang="en-US"/>
           </a:p>
@@ -1391,6 +1492,7 @@
           <a:p>
             <a:fld id="{CC55A09D-DCDD-CD48-83A9-605BCBE4E252}" type="slidenum">
               <a:rPr kumimoji="1" lang="zh-CN" altLang="en-US" smtClean="0"/>
+              <a:t>‹#›</a:t>
             </a:fld>
             <a:endParaRPr kumimoji="1" lang="zh-CN" altLang="en-US"/>
           </a:p>
@@ -1449,7 +1551,6 @@
               <a:rPr kumimoji="1" lang="zh-CN" altLang="en-US"/>
               <a:t>单击此处编辑母版标题样式</a:t>
             </a:r>
-            <a:endParaRPr kumimoji="1" lang="zh-CN" altLang="en-US"/>
           </a:p>
         </p:txBody>
       </p:sp>
@@ -1514,7 +1615,6 @@
               <a:rPr kumimoji="1" lang="zh-CN" altLang="en-US"/>
               <a:t>单击此处编辑母版副标题样式</a:t>
             </a:r>
-            <a:endParaRPr kumimoji="1" lang="zh-CN" altLang="en-US"/>
           </a:p>
         </p:txBody>
       </p:sp>
@@ -1535,6 +1635,7 @@
           <a:p>
             <a:fld id="{CEACFE95-6B98-F540-A12D-334F116059E1}" type="datetimeFigureOut">
               <a:rPr kumimoji="1" lang="zh-CN" altLang="en-US" smtClean="0"/>
+              <a:t>2021/12/15</a:t>
             </a:fld>
             <a:endParaRPr kumimoji="1" lang="zh-CN" altLang="en-US"/>
           </a:p>
@@ -1576,6 +1677,7 @@
           <a:p>
             <a:fld id="{CC55A09D-DCDD-CD48-83A9-605BCBE4E252}" type="slidenum">
               <a:rPr kumimoji="1" lang="zh-CN" altLang="en-US" smtClean="0"/>
+              <a:t>‹#›</a:t>
             </a:fld>
             <a:endParaRPr kumimoji="1" lang="zh-CN" altLang="en-US"/>
           </a:p>
@@ -1625,7 +1727,6 @@
               <a:rPr kumimoji="1" lang="zh-CN" altLang="en-US"/>
               <a:t>单击此处编辑母版标题样式</a:t>
             </a:r>
-            <a:endParaRPr kumimoji="1" lang="zh-CN" altLang="en-US"/>
           </a:p>
         </p:txBody>
       </p:sp>
@@ -1649,7 +1750,6 @@
               <a:rPr kumimoji="1" lang="zh-CN" altLang="en-US"/>
               <a:t>单击此处编辑母版文本样式</a:t>
             </a:r>
-            <a:endParaRPr kumimoji="1" lang="zh-CN" altLang="en-US"/>
           </a:p>
           <a:p>
             <a:pPr lvl="1"/>
@@ -1657,7 +1757,6 @@
               <a:rPr kumimoji="1" lang="zh-CN" altLang="en-US"/>
               <a:t>二级</a:t>
             </a:r>
-            <a:endParaRPr kumimoji="1" lang="zh-CN" altLang="en-US"/>
           </a:p>
           <a:p>
             <a:pPr lvl="2"/>
@@ -1665,7 +1764,6 @@
               <a:rPr kumimoji="1" lang="zh-CN" altLang="en-US"/>
               <a:t>三级</a:t>
             </a:r>
-            <a:endParaRPr kumimoji="1" lang="zh-CN" altLang="en-US"/>
           </a:p>
           <a:p>
             <a:pPr lvl="3"/>
@@ -1673,7 +1771,6 @@
               <a:rPr kumimoji="1" lang="zh-CN" altLang="en-US"/>
               <a:t>四级</a:t>
             </a:r>
-            <a:endParaRPr kumimoji="1" lang="zh-CN" altLang="en-US"/>
           </a:p>
           <a:p>
             <a:pPr lvl="4"/>
@@ -1681,7 +1778,6 @@
               <a:rPr kumimoji="1" lang="zh-CN" altLang="en-US"/>
               <a:t>五级</a:t>
             </a:r>
-            <a:endParaRPr kumimoji="1" lang="zh-CN" altLang="en-US"/>
           </a:p>
         </p:txBody>
       </p:sp>
@@ -1702,6 +1798,7 @@
           <a:p>
             <a:fld id="{CEACFE95-6B98-F540-A12D-334F116059E1}" type="datetimeFigureOut">
               <a:rPr kumimoji="1" lang="zh-CN" altLang="en-US" smtClean="0"/>
+              <a:t>2021/12/15</a:t>
             </a:fld>
             <a:endParaRPr kumimoji="1" lang="zh-CN" altLang="en-US"/>
           </a:p>
@@ -1743,6 +1840,7 @@
           <a:p>
             <a:fld id="{CC55A09D-DCDD-CD48-83A9-605BCBE4E252}" type="slidenum">
               <a:rPr kumimoji="1" lang="zh-CN" altLang="en-US" smtClean="0"/>
+              <a:t>‹#›</a:t>
             </a:fld>
             <a:endParaRPr kumimoji="1" lang="zh-CN" altLang="en-US"/>
           </a:p>
@@ -1801,7 +1899,6 @@
               <a:rPr kumimoji="1" lang="zh-CN" altLang="en-US"/>
               <a:t>单击此处编辑母版标题样式</a:t>
             </a:r>
-            <a:endParaRPr kumimoji="1" lang="zh-CN" altLang="en-US"/>
           </a:p>
         </p:txBody>
       </p:sp>
@@ -1921,7 +2018,6 @@
               <a:rPr kumimoji="1" lang="zh-CN" altLang="en-US"/>
               <a:t>单击此处编辑母版文本样式</a:t>
             </a:r>
-            <a:endParaRPr kumimoji="1" lang="zh-CN" altLang="en-US"/>
           </a:p>
         </p:txBody>
       </p:sp>
@@ -1942,6 +2038,7 @@
           <a:p>
             <a:fld id="{CEACFE95-6B98-F540-A12D-334F116059E1}" type="datetimeFigureOut">
               <a:rPr kumimoji="1" lang="zh-CN" altLang="en-US" smtClean="0"/>
+              <a:t>2021/12/15</a:t>
             </a:fld>
             <a:endParaRPr kumimoji="1" lang="zh-CN" altLang="en-US"/>
           </a:p>
@@ -1983,6 +2080,7 @@
           <a:p>
             <a:fld id="{CC55A09D-DCDD-CD48-83A9-605BCBE4E252}" type="slidenum">
               <a:rPr kumimoji="1" lang="zh-CN" altLang="en-US" smtClean="0"/>
+              <a:t>‹#›</a:t>
             </a:fld>
             <a:endParaRPr kumimoji="1" lang="zh-CN" altLang="en-US"/>
           </a:p>
@@ -2032,7 +2130,6 @@
               <a:rPr kumimoji="1" lang="zh-CN" altLang="en-US"/>
               <a:t>单击此处编辑母版标题样式</a:t>
             </a:r>
-            <a:endParaRPr kumimoji="1" lang="zh-CN" altLang="en-US"/>
           </a:p>
         </p:txBody>
       </p:sp>
@@ -2061,7 +2158,6 @@
               <a:rPr kumimoji="1" lang="zh-CN" altLang="en-US"/>
               <a:t>单击此处编辑母版文本样式</a:t>
             </a:r>
-            <a:endParaRPr kumimoji="1" lang="zh-CN" altLang="en-US"/>
           </a:p>
           <a:p>
             <a:pPr lvl="1"/>
@@ -2069,7 +2165,6 @@
               <a:rPr kumimoji="1" lang="zh-CN" altLang="en-US"/>
               <a:t>二级</a:t>
             </a:r>
-            <a:endParaRPr kumimoji="1" lang="zh-CN" altLang="en-US"/>
           </a:p>
           <a:p>
             <a:pPr lvl="2"/>
@@ -2077,7 +2172,6 @@
               <a:rPr kumimoji="1" lang="zh-CN" altLang="en-US"/>
               <a:t>三级</a:t>
             </a:r>
-            <a:endParaRPr kumimoji="1" lang="zh-CN" altLang="en-US"/>
           </a:p>
           <a:p>
             <a:pPr lvl="3"/>
@@ -2085,7 +2179,6 @@
               <a:rPr kumimoji="1" lang="zh-CN" altLang="en-US"/>
               <a:t>四级</a:t>
             </a:r>
-            <a:endParaRPr kumimoji="1" lang="zh-CN" altLang="en-US"/>
           </a:p>
           <a:p>
             <a:pPr lvl="4"/>
@@ -2093,7 +2186,6 @@
               <a:rPr kumimoji="1" lang="zh-CN" altLang="en-US"/>
               <a:t>五级</a:t>
             </a:r>
-            <a:endParaRPr kumimoji="1" lang="zh-CN" altLang="en-US"/>
           </a:p>
         </p:txBody>
       </p:sp>
@@ -2122,7 +2214,6 @@
               <a:rPr kumimoji="1" lang="zh-CN" altLang="en-US"/>
               <a:t>单击此处编辑母版文本样式</a:t>
             </a:r>
-            <a:endParaRPr kumimoji="1" lang="zh-CN" altLang="en-US"/>
           </a:p>
           <a:p>
             <a:pPr lvl="1"/>
@@ -2130,7 +2221,6 @@
               <a:rPr kumimoji="1" lang="zh-CN" altLang="en-US"/>
               <a:t>二级</a:t>
             </a:r>
-            <a:endParaRPr kumimoji="1" lang="zh-CN" altLang="en-US"/>
           </a:p>
           <a:p>
             <a:pPr lvl="2"/>
@@ -2138,7 +2228,6 @@
               <a:rPr kumimoji="1" lang="zh-CN" altLang="en-US"/>
               <a:t>三级</a:t>
             </a:r>
-            <a:endParaRPr kumimoji="1" lang="zh-CN" altLang="en-US"/>
           </a:p>
           <a:p>
             <a:pPr lvl="3"/>
@@ -2146,7 +2235,6 @@
               <a:rPr kumimoji="1" lang="zh-CN" altLang="en-US"/>
               <a:t>四级</a:t>
             </a:r>
-            <a:endParaRPr kumimoji="1" lang="zh-CN" altLang="en-US"/>
           </a:p>
           <a:p>
             <a:pPr lvl="4"/>
@@ -2154,7 +2242,6 @@
               <a:rPr kumimoji="1" lang="zh-CN" altLang="en-US"/>
               <a:t>五级</a:t>
             </a:r>
-            <a:endParaRPr kumimoji="1" lang="zh-CN" altLang="en-US"/>
           </a:p>
         </p:txBody>
       </p:sp>
@@ -2175,6 +2262,7 @@
           <a:p>
             <a:fld id="{CEACFE95-6B98-F540-A12D-334F116059E1}" type="datetimeFigureOut">
               <a:rPr kumimoji="1" lang="zh-CN" altLang="en-US" smtClean="0"/>
+              <a:t>2021/12/15</a:t>
             </a:fld>
             <a:endParaRPr kumimoji="1" lang="zh-CN" altLang="en-US"/>
           </a:p>
@@ -2216,6 +2304,7 @@
           <a:p>
             <a:fld id="{CC55A09D-DCDD-CD48-83A9-605BCBE4E252}" type="slidenum">
               <a:rPr kumimoji="1" lang="zh-CN" altLang="en-US" smtClean="0"/>
+              <a:t>‹#›</a:t>
             </a:fld>
             <a:endParaRPr kumimoji="1" lang="zh-CN" altLang="en-US"/>
           </a:p>
@@ -2270,7 +2359,6 @@
               <a:rPr kumimoji="1" lang="zh-CN" altLang="en-US"/>
               <a:t>单击此处编辑母版标题样式</a:t>
             </a:r>
-            <a:endParaRPr kumimoji="1" lang="zh-CN" altLang="en-US"/>
           </a:p>
         </p:txBody>
       </p:sp>
@@ -2336,7 +2424,6 @@
               <a:rPr kumimoji="1" lang="zh-CN" altLang="en-US"/>
               <a:t>单击此处编辑母版文本样式</a:t>
             </a:r>
-            <a:endParaRPr kumimoji="1" lang="zh-CN" altLang="en-US"/>
           </a:p>
         </p:txBody>
       </p:sp>
@@ -2365,7 +2452,6 @@
               <a:rPr kumimoji="1" lang="zh-CN" altLang="en-US"/>
               <a:t>单击此处编辑母版文本样式</a:t>
             </a:r>
-            <a:endParaRPr kumimoji="1" lang="zh-CN" altLang="en-US"/>
           </a:p>
           <a:p>
             <a:pPr lvl="1"/>
@@ -2373,7 +2459,6 @@
               <a:rPr kumimoji="1" lang="zh-CN" altLang="en-US"/>
               <a:t>二级</a:t>
             </a:r>
-            <a:endParaRPr kumimoji="1" lang="zh-CN" altLang="en-US"/>
           </a:p>
           <a:p>
             <a:pPr lvl="2"/>
@@ -2381,7 +2466,6 @@
               <a:rPr kumimoji="1" lang="zh-CN" altLang="en-US"/>
               <a:t>三级</a:t>
             </a:r>
-            <a:endParaRPr kumimoji="1" lang="zh-CN" altLang="en-US"/>
           </a:p>
           <a:p>
             <a:pPr lvl="3"/>
@@ -2389,7 +2473,6 @@
               <a:rPr kumimoji="1" lang="zh-CN" altLang="en-US"/>
               <a:t>四级</a:t>
             </a:r>
-            <a:endParaRPr kumimoji="1" lang="zh-CN" altLang="en-US"/>
           </a:p>
           <a:p>
             <a:pPr lvl="4"/>
@@ -2397,7 +2480,6 @@
               <a:rPr kumimoji="1" lang="zh-CN" altLang="en-US"/>
               <a:t>五级</a:t>
             </a:r>
-            <a:endParaRPr kumimoji="1" lang="zh-CN" altLang="en-US"/>
           </a:p>
         </p:txBody>
       </p:sp>
@@ -2463,7 +2545,6 @@
               <a:rPr kumimoji="1" lang="zh-CN" altLang="en-US"/>
               <a:t>单击此处编辑母版文本样式</a:t>
             </a:r>
-            <a:endParaRPr kumimoji="1" lang="zh-CN" altLang="en-US"/>
           </a:p>
         </p:txBody>
       </p:sp>
@@ -2492,7 +2573,6 @@
               <a:rPr kumimoji="1" lang="zh-CN" altLang="en-US"/>
               <a:t>单击此处编辑母版文本样式</a:t>
             </a:r>
-            <a:endParaRPr kumimoji="1" lang="zh-CN" altLang="en-US"/>
           </a:p>
           <a:p>
             <a:pPr lvl="1"/>
@@ -2500,7 +2580,6 @@
               <a:rPr kumimoji="1" lang="zh-CN" altLang="en-US"/>
               <a:t>二级</a:t>
             </a:r>
-            <a:endParaRPr kumimoji="1" lang="zh-CN" altLang="en-US"/>
           </a:p>
           <a:p>
             <a:pPr lvl="2"/>
@@ -2508,7 +2587,6 @@
               <a:rPr kumimoji="1" lang="zh-CN" altLang="en-US"/>
               <a:t>三级</a:t>
             </a:r>
-            <a:endParaRPr kumimoji="1" lang="zh-CN" altLang="en-US"/>
           </a:p>
           <a:p>
             <a:pPr lvl="3"/>
@@ -2516,7 +2594,6 @@
               <a:rPr kumimoji="1" lang="zh-CN" altLang="en-US"/>
               <a:t>四级</a:t>
             </a:r>
-            <a:endParaRPr kumimoji="1" lang="zh-CN" altLang="en-US"/>
           </a:p>
           <a:p>
             <a:pPr lvl="4"/>
@@ -2524,7 +2601,6 @@
               <a:rPr kumimoji="1" lang="zh-CN" altLang="en-US"/>
               <a:t>五级</a:t>
             </a:r>
-            <a:endParaRPr kumimoji="1" lang="zh-CN" altLang="en-US"/>
           </a:p>
         </p:txBody>
       </p:sp>
@@ -2545,6 +2621,7 @@
           <a:p>
             <a:fld id="{CEACFE95-6B98-F540-A12D-334F116059E1}" type="datetimeFigureOut">
               <a:rPr kumimoji="1" lang="zh-CN" altLang="en-US" smtClean="0"/>
+              <a:t>2021/12/15</a:t>
             </a:fld>
             <a:endParaRPr kumimoji="1" lang="zh-CN" altLang="en-US"/>
           </a:p>
@@ -2586,6 +2663,7 @@
           <a:p>
             <a:fld id="{CC55A09D-DCDD-CD48-83A9-605BCBE4E252}" type="slidenum">
               <a:rPr kumimoji="1" lang="zh-CN" altLang="en-US" smtClean="0"/>
+              <a:t>‹#›</a:t>
             </a:fld>
             <a:endParaRPr kumimoji="1" lang="zh-CN" altLang="en-US"/>
           </a:p>
@@ -2635,7 +2713,6 @@
               <a:rPr kumimoji="1" lang="zh-CN" altLang="en-US"/>
               <a:t>单击此处编辑母版标题样式</a:t>
             </a:r>
-            <a:endParaRPr kumimoji="1" lang="zh-CN" altLang="en-US"/>
           </a:p>
         </p:txBody>
       </p:sp>
@@ -2656,6 +2733,7 @@
           <a:p>
             <a:fld id="{CEACFE95-6B98-F540-A12D-334F116059E1}" type="datetimeFigureOut">
               <a:rPr kumimoji="1" lang="zh-CN" altLang="en-US" smtClean="0"/>
+              <a:t>2021/12/15</a:t>
             </a:fld>
             <a:endParaRPr kumimoji="1" lang="zh-CN" altLang="en-US"/>
           </a:p>
@@ -2697,6 +2775,7 @@
           <a:p>
             <a:fld id="{CC55A09D-DCDD-CD48-83A9-605BCBE4E252}" type="slidenum">
               <a:rPr kumimoji="1" lang="zh-CN" altLang="en-US" smtClean="0"/>
+              <a:t>‹#›</a:t>
             </a:fld>
             <a:endParaRPr kumimoji="1" lang="zh-CN" altLang="en-US"/>
           </a:p>
@@ -2744,6 +2823,7 @@
           <a:p>
             <a:fld id="{CEACFE95-6B98-F540-A12D-334F116059E1}" type="datetimeFigureOut">
               <a:rPr kumimoji="1" lang="zh-CN" altLang="en-US" smtClean="0"/>
+              <a:t>2021/12/15</a:t>
             </a:fld>
             <a:endParaRPr kumimoji="1" lang="zh-CN" altLang="en-US"/>
           </a:p>
@@ -2785,6 +2865,7 @@
           <a:p>
             <a:fld id="{CC55A09D-DCDD-CD48-83A9-605BCBE4E252}" type="slidenum">
               <a:rPr kumimoji="1" lang="zh-CN" altLang="en-US" smtClean="0"/>
+              <a:t>‹#›</a:t>
             </a:fld>
             <a:endParaRPr kumimoji="1" lang="zh-CN" altLang="en-US"/>
           </a:p>
@@ -2843,7 +2924,6 @@
               <a:rPr kumimoji="1" lang="zh-CN" altLang="en-US"/>
               <a:t>单击此处编辑母版标题样式</a:t>
             </a:r>
-            <a:endParaRPr kumimoji="1" lang="zh-CN" altLang="en-US"/>
           </a:p>
         </p:txBody>
       </p:sp>
@@ -2900,7 +2980,6 @@
               <a:rPr kumimoji="1" lang="zh-CN" altLang="en-US"/>
               <a:t>单击此处编辑母版文本样式</a:t>
             </a:r>
-            <a:endParaRPr kumimoji="1" lang="zh-CN" altLang="en-US"/>
           </a:p>
           <a:p>
             <a:pPr lvl="1"/>
@@ -2908,7 +2987,6 @@
               <a:rPr kumimoji="1" lang="zh-CN" altLang="en-US"/>
               <a:t>二级</a:t>
             </a:r>
-            <a:endParaRPr kumimoji="1" lang="zh-CN" altLang="en-US"/>
           </a:p>
           <a:p>
             <a:pPr lvl="2"/>
@@ -2916,7 +2994,6 @@
               <a:rPr kumimoji="1" lang="zh-CN" altLang="en-US"/>
               <a:t>三级</a:t>
             </a:r>
-            <a:endParaRPr kumimoji="1" lang="zh-CN" altLang="en-US"/>
           </a:p>
           <a:p>
             <a:pPr lvl="3"/>
@@ -2924,7 +3001,6 @@
               <a:rPr kumimoji="1" lang="zh-CN" altLang="en-US"/>
               <a:t>四级</a:t>
             </a:r>
-            <a:endParaRPr kumimoji="1" lang="zh-CN" altLang="en-US"/>
           </a:p>
           <a:p>
             <a:pPr lvl="4"/>
@@ -2932,7 +3008,6 @@
               <a:rPr kumimoji="1" lang="zh-CN" altLang="en-US"/>
               <a:t>五级</a:t>
             </a:r>
-            <a:endParaRPr kumimoji="1" lang="zh-CN" altLang="en-US"/>
           </a:p>
         </p:txBody>
       </p:sp>
@@ -2998,7 +3073,6 @@
               <a:rPr kumimoji="1" lang="zh-CN" altLang="en-US"/>
               <a:t>单击此处编辑母版文本样式</a:t>
             </a:r>
-            <a:endParaRPr kumimoji="1" lang="zh-CN" altLang="en-US"/>
           </a:p>
         </p:txBody>
       </p:sp>
@@ -3019,6 +3093,7 @@
           <a:p>
             <a:fld id="{CEACFE95-6B98-F540-A12D-334F116059E1}" type="datetimeFigureOut">
               <a:rPr kumimoji="1" lang="zh-CN" altLang="en-US" smtClean="0"/>
+              <a:t>2021/12/15</a:t>
             </a:fld>
             <a:endParaRPr kumimoji="1" lang="zh-CN" altLang="en-US"/>
           </a:p>
@@ -3060,6 +3135,7 @@
           <a:p>
             <a:fld id="{CC55A09D-DCDD-CD48-83A9-605BCBE4E252}" type="slidenum">
               <a:rPr kumimoji="1" lang="zh-CN" altLang="en-US" smtClean="0"/>
+              <a:t>‹#›</a:t>
             </a:fld>
             <a:endParaRPr kumimoji="1" lang="zh-CN" altLang="en-US"/>
           </a:p>
@@ -3109,7 +3185,6 @@
               <a:rPr kumimoji="1" lang="zh-CN" altLang="en-US"/>
               <a:t>单击此处编辑母版标题样式</a:t>
             </a:r>
-            <a:endParaRPr kumimoji="1" lang="zh-CN" altLang="en-US"/>
           </a:p>
         </p:txBody>
       </p:sp>
@@ -3133,7 +3208,6 @@
               <a:rPr kumimoji="1" lang="zh-CN" altLang="en-US"/>
               <a:t>单击此处编辑母版文本样式</a:t>
             </a:r>
-            <a:endParaRPr kumimoji="1" lang="zh-CN" altLang="en-US"/>
           </a:p>
           <a:p>
             <a:pPr lvl="1"/>
@@ -3141,7 +3215,6 @@
               <a:rPr kumimoji="1" lang="zh-CN" altLang="en-US"/>
               <a:t>二级</a:t>
             </a:r>
-            <a:endParaRPr kumimoji="1" lang="zh-CN" altLang="en-US"/>
           </a:p>
           <a:p>
             <a:pPr lvl="2"/>
@@ -3149,7 +3222,6 @@
               <a:rPr kumimoji="1" lang="zh-CN" altLang="en-US"/>
               <a:t>三级</a:t>
             </a:r>
-            <a:endParaRPr kumimoji="1" lang="zh-CN" altLang="en-US"/>
           </a:p>
           <a:p>
             <a:pPr lvl="3"/>
@@ -3157,7 +3229,6 @@
               <a:rPr kumimoji="1" lang="zh-CN" altLang="en-US"/>
               <a:t>四级</a:t>
             </a:r>
-            <a:endParaRPr kumimoji="1" lang="zh-CN" altLang="en-US"/>
           </a:p>
           <a:p>
             <a:pPr lvl="4"/>
@@ -3165,7 +3236,6 @@
               <a:rPr kumimoji="1" lang="zh-CN" altLang="en-US"/>
               <a:t>五级</a:t>
             </a:r>
-            <a:endParaRPr kumimoji="1" lang="zh-CN" altLang="en-US"/>
           </a:p>
         </p:txBody>
       </p:sp>
@@ -3186,6 +3256,7 @@
           <a:p>
             <a:fld id="{CEACFE95-6B98-F540-A12D-334F116059E1}" type="datetimeFigureOut">
               <a:rPr kumimoji="1" lang="zh-CN" altLang="en-US" smtClean="0"/>
+              <a:t>2021/12/15</a:t>
             </a:fld>
             <a:endParaRPr kumimoji="1" lang="zh-CN" altLang="en-US"/>
           </a:p>
@@ -3227,6 +3298,7 @@
           <a:p>
             <a:fld id="{CC55A09D-DCDD-CD48-83A9-605BCBE4E252}" type="slidenum">
               <a:rPr kumimoji="1" lang="zh-CN" altLang="en-US" smtClean="0"/>
+              <a:t>‹#›</a:t>
             </a:fld>
             <a:endParaRPr kumimoji="1" lang="zh-CN" altLang="en-US"/>
           </a:p>
@@ -3285,7 +3357,6 @@
               <a:rPr kumimoji="1" lang="zh-CN" altLang="en-US"/>
               <a:t>单击此处编辑母版标题样式</a:t>
             </a:r>
-            <a:endParaRPr kumimoji="1" lang="zh-CN" altLang="en-US"/>
           </a:p>
         </p:txBody>
       </p:sp>
@@ -3412,7 +3483,6 @@
               <a:rPr kumimoji="1" lang="zh-CN" altLang="en-US"/>
               <a:t>单击此处编辑母版文本样式</a:t>
             </a:r>
-            <a:endParaRPr kumimoji="1" lang="zh-CN" altLang="en-US"/>
           </a:p>
         </p:txBody>
       </p:sp>
@@ -3433,6 +3503,7 @@
           <a:p>
             <a:fld id="{CEACFE95-6B98-F540-A12D-334F116059E1}" type="datetimeFigureOut">
               <a:rPr kumimoji="1" lang="zh-CN" altLang="en-US" smtClean="0"/>
+              <a:t>2021/12/15</a:t>
             </a:fld>
             <a:endParaRPr kumimoji="1" lang="zh-CN" altLang="en-US"/>
           </a:p>
@@ -3474,6 +3545,7 @@
           <a:p>
             <a:fld id="{CC55A09D-DCDD-CD48-83A9-605BCBE4E252}" type="slidenum">
               <a:rPr kumimoji="1" lang="zh-CN" altLang="en-US" smtClean="0"/>
+              <a:t>‹#›</a:t>
             </a:fld>
             <a:endParaRPr kumimoji="1" lang="zh-CN" altLang="en-US"/>
           </a:p>
@@ -3523,7 +3595,6 @@
               <a:rPr kumimoji="1" lang="zh-CN" altLang="en-US"/>
               <a:t>单击此处编辑母版标题样式</a:t>
             </a:r>
-            <a:endParaRPr kumimoji="1" lang="zh-CN" altLang="en-US"/>
           </a:p>
         </p:txBody>
       </p:sp>
@@ -3547,7 +3618,6 @@
               <a:rPr kumimoji="1" lang="zh-CN" altLang="en-US"/>
               <a:t>单击此处编辑母版文本样式</a:t>
             </a:r>
-            <a:endParaRPr kumimoji="1" lang="zh-CN" altLang="en-US"/>
           </a:p>
           <a:p>
             <a:pPr lvl="1"/>
@@ -3555,7 +3625,6 @@
               <a:rPr kumimoji="1" lang="zh-CN" altLang="en-US"/>
               <a:t>二级</a:t>
             </a:r>
-            <a:endParaRPr kumimoji="1" lang="zh-CN" altLang="en-US"/>
           </a:p>
           <a:p>
             <a:pPr lvl="2"/>
@@ -3563,7 +3632,6 @@
               <a:rPr kumimoji="1" lang="zh-CN" altLang="en-US"/>
               <a:t>三级</a:t>
             </a:r>
-            <a:endParaRPr kumimoji="1" lang="zh-CN" altLang="en-US"/>
           </a:p>
           <a:p>
             <a:pPr lvl="3"/>
@@ -3571,7 +3639,6 @@
               <a:rPr kumimoji="1" lang="zh-CN" altLang="en-US"/>
               <a:t>四级</a:t>
             </a:r>
-            <a:endParaRPr kumimoji="1" lang="zh-CN" altLang="en-US"/>
           </a:p>
           <a:p>
             <a:pPr lvl="4"/>
@@ -3579,7 +3646,6 @@
               <a:rPr kumimoji="1" lang="zh-CN" altLang="en-US"/>
               <a:t>五级</a:t>
             </a:r>
-            <a:endParaRPr kumimoji="1" lang="zh-CN" altLang="en-US"/>
           </a:p>
         </p:txBody>
       </p:sp>
@@ -3600,6 +3666,7 @@
           <a:p>
             <a:fld id="{CEACFE95-6B98-F540-A12D-334F116059E1}" type="datetimeFigureOut">
               <a:rPr kumimoji="1" lang="zh-CN" altLang="en-US" smtClean="0"/>
+              <a:t>2021/12/15</a:t>
             </a:fld>
             <a:endParaRPr kumimoji="1" lang="zh-CN" altLang="en-US"/>
           </a:p>
@@ -3641,6 +3708,7 @@
           <a:p>
             <a:fld id="{CC55A09D-DCDD-CD48-83A9-605BCBE4E252}" type="slidenum">
               <a:rPr kumimoji="1" lang="zh-CN" altLang="en-US" smtClean="0"/>
+              <a:t>‹#›</a:t>
             </a:fld>
             <a:endParaRPr kumimoji="1" lang="zh-CN" altLang="en-US"/>
           </a:p>
@@ -3695,7 +3763,6 @@
               <a:rPr kumimoji="1" lang="zh-CN" altLang="en-US"/>
               <a:t>单击此处编辑母版标题样式</a:t>
             </a:r>
-            <a:endParaRPr kumimoji="1" lang="zh-CN" altLang="en-US"/>
           </a:p>
         </p:txBody>
       </p:sp>
@@ -3724,7 +3791,6 @@
               <a:rPr kumimoji="1" lang="zh-CN" altLang="en-US"/>
               <a:t>单击此处编辑母版文本样式</a:t>
             </a:r>
-            <a:endParaRPr kumimoji="1" lang="zh-CN" altLang="en-US"/>
           </a:p>
           <a:p>
             <a:pPr lvl="1"/>
@@ -3732,7 +3798,6 @@
               <a:rPr kumimoji="1" lang="zh-CN" altLang="en-US"/>
               <a:t>二级</a:t>
             </a:r>
-            <a:endParaRPr kumimoji="1" lang="zh-CN" altLang="en-US"/>
           </a:p>
           <a:p>
             <a:pPr lvl="2"/>
@@ -3740,7 +3805,6 @@
               <a:rPr kumimoji="1" lang="zh-CN" altLang="en-US"/>
               <a:t>三级</a:t>
             </a:r>
-            <a:endParaRPr kumimoji="1" lang="zh-CN" altLang="en-US"/>
           </a:p>
           <a:p>
             <a:pPr lvl="3"/>
@@ -3748,7 +3812,6 @@
               <a:rPr kumimoji="1" lang="zh-CN" altLang="en-US"/>
               <a:t>四级</a:t>
             </a:r>
-            <a:endParaRPr kumimoji="1" lang="zh-CN" altLang="en-US"/>
           </a:p>
           <a:p>
             <a:pPr lvl="4"/>
@@ -3756,7 +3819,6 @@
               <a:rPr kumimoji="1" lang="zh-CN" altLang="en-US"/>
               <a:t>五级</a:t>
             </a:r>
-            <a:endParaRPr kumimoji="1" lang="zh-CN" altLang="en-US"/>
           </a:p>
         </p:txBody>
       </p:sp>
@@ -3777,6 +3839,7 @@
           <a:p>
             <a:fld id="{CEACFE95-6B98-F540-A12D-334F116059E1}" type="datetimeFigureOut">
               <a:rPr kumimoji="1" lang="zh-CN" altLang="en-US" smtClean="0"/>
+              <a:t>2021/12/15</a:t>
             </a:fld>
             <a:endParaRPr kumimoji="1" lang="zh-CN" altLang="en-US"/>
           </a:p>
@@ -3818,6 +3881,7 @@
           <a:p>
             <a:fld id="{CC55A09D-DCDD-CD48-83A9-605BCBE4E252}" type="slidenum">
               <a:rPr kumimoji="1" lang="zh-CN" altLang="en-US" smtClean="0"/>
+              <a:t>‹#›</a:t>
             </a:fld>
             <a:endParaRPr kumimoji="1" lang="zh-CN" altLang="en-US"/>
           </a:p>
@@ -3876,7 +3940,6 @@
               <a:rPr kumimoji="1" lang="zh-CN" altLang="en-US"/>
               <a:t>单击此处编辑母版标题样式</a:t>
             </a:r>
-            <a:endParaRPr kumimoji="1" lang="zh-CN" altLang="en-US"/>
           </a:p>
         </p:txBody>
       </p:sp>
@@ -3996,7 +4059,6 @@
               <a:rPr kumimoji="1" lang="zh-CN" altLang="en-US"/>
               <a:t>单击此处编辑母版文本样式</a:t>
             </a:r>
-            <a:endParaRPr kumimoji="1" lang="zh-CN" altLang="en-US"/>
           </a:p>
         </p:txBody>
       </p:sp>
@@ -4017,6 +4079,7 @@
           <a:p>
             <a:fld id="{CEACFE95-6B98-F540-A12D-334F116059E1}" type="datetimeFigureOut">
               <a:rPr kumimoji="1" lang="zh-CN" altLang="en-US" smtClean="0"/>
+              <a:t>2021/12/15</a:t>
             </a:fld>
             <a:endParaRPr kumimoji="1" lang="zh-CN" altLang="en-US"/>
           </a:p>
@@ -4058,6 +4121,7 @@
           <a:p>
             <a:fld id="{CC55A09D-DCDD-CD48-83A9-605BCBE4E252}" type="slidenum">
               <a:rPr kumimoji="1" lang="zh-CN" altLang="en-US" smtClean="0"/>
+              <a:t>‹#›</a:t>
             </a:fld>
             <a:endParaRPr kumimoji="1" lang="zh-CN" altLang="en-US"/>
           </a:p>
@@ -4107,7 +4171,6 @@
               <a:rPr kumimoji="1" lang="zh-CN" altLang="en-US"/>
               <a:t>单击此处编辑母版标题样式</a:t>
             </a:r>
-            <a:endParaRPr kumimoji="1" lang="zh-CN" altLang="en-US"/>
           </a:p>
         </p:txBody>
       </p:sp>
@@ -4136,7 +4199,6 @@
               <a:rPr kumimoji="1" lang="zh-CN" altLang="en-US"/>
               <a:t>单击此处编辑母版文本样式</a:t>
             </a:r>
-            <a:endParaRPr kumimoji="1" lang="zh-CN" altLang="en-US"/>
           </a:p>
           <a:p>
             <a:pPr lvl="1"/>
@@ -4144,7 +4206,6 @@
               <a:rPr kumimoji="1" lang="zh-CN" altLang="en-US"/>
               <a:t>二级</a:t>
             </a:r>
-            <a:endParaRPr kumimoji="1" lang="zh-CN" altLang="en-US"/>
           </a:p>
           <a:p>
             <a:pPr lvl="2"/>
@@ -4152,7 +4213,6 @@
               <a:rPr kumimoji="1" lang="zh-CN" altLang="en-US"/>
               <a:t>三级</a:t>
             </a:r>
-            <a:endParaRPr kumimoji="1" lang="zh-CN" altLang="en-US"/>
           </a:p>
           <a:p>
             <a:pPr lvl="3"/>
@@ -4160,7 +4220,6 @@
               <a:rPr kumimoji="1" lang="zh-CN" altLang="en-US"/>
               <a:t>四级</a:t>
             </a:r>
-            <a:endParaRPr kumimoji="1" lang="zh-CN" altLang="en-US"/>
           </a:p>
           <a:p>
             <a:pPr lvl="4"/>
@@ -4168,7 +4227,6 @@
               <a:rPr kumimoji="1" lang="zh-CN" altLang="en-US"/>
               <a:t>五级</a:t>
             </a:r>
-            <a:endParaRPr kumimoji="1" lang="zh-CN" altLang="en-US"/>
           </a:p>
         </p:txBody>
       </p:sp>
@@ -4197,7 +4255,6 @@
               <a:rPr kumimoji="1" lang="zh-CN" altLang="en-US"/>
               <a:t>单击此处编辑母版文本样式</a:t>
             </a:r>
-            <a:endParaRPr kumimoji="1" lang="zh-CN" altLang="en-US"/>
           </a:p>
           <a:p>
             <a:pPr lvl="1"/>
@@ -4205,7 +4262,6 @@
               <a:rPr kumimoji="1" lang="zh-CN" altLang="en-US"/>
               <a:t>二级</a:t>
             </a:r>
-            <a:endParaRPr kumimoji="1" lang="zh-CN" altLang="en-US"/>
           </a:p>
           <a:p>
             <a:pPr lvl="2"/>
@@ -4213,7 +4269,6 @@
               <a:rPr kumimoji="1" lang="zh-CN" altLang="en-US"/>
               <a:t>三级</a:t>
             </a:r>
-            <a:endParaRPr kumimoji="1" lang="zh-CN" altLang="en-US"/>
           </a:p>
           <a:p>
             <a:pPr lvl="3"/>
@@ -4221,7 +4276,6 @@
               <a:rPr kumimoji="1" lang="zh-CN" altLang="en-US"/>
               <a:t>四级</a:t>
             </a:r>
-            <a:endParaRPr kumimoji="1" lang="zh-CN" altLang="en-US"/>
           </a:p>
           <a:p>
             <a:pPr lvl="4"/>
@@ -4229,7 +4283,6 @@
               <a:rPr kumimoji="1" lang="zh-CN" altLang="en-US"/>
               <a:t>五级</a:t>
             </a:r>
-            <a:endParaRPr kumimoji="1" lang="zh-CN" altLang="en-US"/>
           </a:p>
         </p:txBody>
       </p:sp>
@@ -4250,6 +4303,7 @@
           <a:p>
             <a:fld id="{CEACFE95-6B98-F540-A12D-334F116059E1}" type="datetimeFigureOut">
               <a:rPr kumimoji="1" lang="zh-CN" altLang="en-US" smtClean="0"/>
+              <a:t>2021/12/15</a:t>
             </a:fld>
             <a:endParaRPr kumimoji="1" lang="zh-CN" altLang="en-US"/>
           </a:p>
@@ -4291,6 +4345,7 @@
           <a:p>
             <a:fld id="{CC55A09D-DCDD-CD48-83A9-605BCBE4E252}" type="slidenum">
               <a:rPr kumimoji="1" lang="zh-CN" altLang="en-US" smtClean="0"/>
+              <a:t>‹#›</a:t>
             </a:fld>
             <a:endParaRPr kumimoji="1" lang="zh-CN" altLang="en-US"/>
           </a:p>
@@ -4345,7 +4400,6 @@
               <a:rPr kumimoji="1" lang="zh-CN" altLang="en-US"/>
               <a:t>单击此处编辑母版标题样式</a:t>
             </a:r>
-            <a:endParaRPr kumimoji="1" lang="zh-CN" altLang="en-US"/>
           </a:p>
         </p:txBody>
       </p:sp>
@@ -4411,7 +4465,6 @@
               <a:rPr kumimoji="1" lang="zh-CN" altLang="en-US"/>
               <a:t>单击此处编辑母版文本样式</a:t>
             </a:r>
-            <a:endParaRPr kumimoji="1" lang="zh-CN" altLang="en-US"/>
           </a:p>
         </p:txBody>
       </p:sp>
@@ -4440,7 +4493,6 @@
               <a:rPr kumimoji="1" lang="zh-CN" altLang="en-US"/>
               <a:t>单击此处编辑母版文本样式</a:t>
             </a:r>
-            <a:endParaRPr kumimoji="1" lang="zh-CN" altLang="en-US"/>
           </a:p>
           <a:p>
             <a:pPr lvl="1"/>
@@ -4448,7 +4500,6 @@
               <a:rPr kumimoji="1" lang="zh-CN" altLang="en-US"/>
               <a:t>二级</a:t>
             </a:r>
-            <a:endParaRPr kumimoji="1" lang="zh-CN" altLang="en-US"/>
           </a:p>
           <a:p>
             <a:pPr lvl="2"/>
@@ -4456,7 +4507,6 @@
               <a:rPr kumimoji="1" lang="zh-CN" altLang="en-US"/>
               <a:t>三级</a:t>
             </a:r>
-            <a:endParaRPr kumimoji="1" lang="zh-CN" altLang="en-US"/>
           </a:p>
           <a:p>
             <a:pPr lvl="3"/>
@@ -4464,7 +4514,6 @@
               <a:rPr kumimoji="1" lang="zh-CN" altLang="en-US"/>
               <a:t>四级</a:t>
             </a:r>
-            <a:endParaRPr kumimoji="1" lang="zh-CN" altLang="en-US"/>
           </a:p>
           <a:p>
             <a:pPr lvl="4"/>
@@ -4472,7 +4521,6 @@
               <a:rPr kumimoji="1" lang="zh-CN" altLang="en-US"/>
               <a:t>五级</a:t>
             </a:r>
-            <a:endParaRPr kumimoji="1" lang="zh-CN" altLang="en-US"/>
           </a:p>
         </p:txBody>
       </p:sp>
@@ -4538,7 +4586,6 @@
               <a:rPr kumimoji="1" lang="zh-CN" altLang="en-US"/>
               <a:t>单击此处编辑母版文本样式</a:t>
             </a:r>
-            <a:endParaRPr kumimoji="1" lang="zh-CN" altLang="en-US"/>
           </a:p>
         </p:txBody>
       </p:sp>
@@ -4567,7 +4614,6 @@
               <a:rPr kumimoji="1" lang="zh-CN" altLang="en-US"/>
               <a:t>单击此处编辑母版文本样式</a:t>
             </a:r>
-            <a:endParaRPr kumimoji="1" lang="zh-CN" altLang="en-US"/>
           </a:p>
           <a:p>
             <a:pPr lvl="1"/>
@@ -4575,7 +4621,6 @@
               <a:rPr kumimoji="1" lang="zh-CN" altLang="en-US"/>
               <a:t>二级</a:t>
             </a:r>
-            <a:endParaRPr kumimoji="1" lang="zh-CN" altLang="en-US"/>
           </a:p>
           <a:p>
             <a:pPr lvl="2"/>
@@ -4583,7 +4628,6 @@
               <a:rPr kumimoji="1" lang="zh-CN" altLang="en-US"/>
               <a:t>三级</a:t>
             </a:r>
-            <a:endParaRPr kumimoji="1" lang="zh-CN" altLang="en-US"/>
           </a:p>
           <a:p>
             <a:pPr lvl="3"/>
@@ -4591,7 +4635,6 @@
               <a:rPr kumimoji="1" lang="zh-CN" altLang="en-US"/>
               <a:t>四级</a:t>
             </a:r>
-            <a:endParaRPr kumimoji="1" lang="zh-CN" altLang="en-US"/>
           </a:p>
           <a:p>
             <a:pPr lvl="4"/>
@@ -4599,7 +4642,6 @@
               <a:rPr kumimoji="1" lang="zh-CN" altLang="en-US"/>
               <a:t>五级</a:t>
             </a:r>
-            <a:endParaRPr kumimoji="1" lang="zh-CN" altLang="en-US"/>
           </a:p>
         </p:txBody>
       </p:sp>
@@ -4620,6 +4662,7 @@
           <a:p>
             <a:fld id="{CEACFE95-6B98-F540-A12D-334F116059E1}" type="datetimeFigureOut">
               <a:rPr kumimoji="1" lang="zh-CN" altLang="en-US" smtClean="0"/>
+              <a:t>2021/12/15</a:t>
             </a:fld>
             <a:endParaRPr kumimoji="1" lang="zh-CN" altLang="en-US"/>
           </a:p>
@@ -4661,6 +4704,7 @@
           <a:p>
             <a:fld id="{CC55A09D-DCDD-CD48-83A9-605BCBE4E252}" type="slidenum">
               <a:rPr kumimoji="1" lang="zh-CN" altLang="en-US" smtClean="0"/>
+              <a:t>‹#›</a:t>
             </a:fld>
             <a:endParaRPr kumimoji="1" lang="zh-CN" altLang="en-US"/>
           </a:p>
@@ -4710,7 +4754,6 @@
               <a:rPr kumimoji="1" lang="zh-CN" altLang="en-US"/>
               <a:t>单击此处编辑母版标题样式</a:t>
             </a:r>
-            <a:endParaRPr kumimoji="1" lang="zh-CN" altLang="en-US"/>
           </a:p>
         </p:txBody>
       </p:sp>
@@ -4731,6 +4774,7 @@
           <a:p>
             <a:fld id="{CEACFE95-6B98-F540-A12D-334F116059E1}" type="datetimeFigureOut">
               <a:rPr kumimoji="1" lang="zh-CN" altLang="en-US" smtClean="0"/>
+              <a:t>2021/12/15</a:t>
             </a:fld>
             <a:endParaRPr kumimoji="1" lang="zh-CN" altLang="en-US"/>
           </a:p>
@@ -4772,6 +4816,7 @@
           <a:p>
             <a:fld id="{CC55A09D-DCDD-CD48-83A9-605BCBE4E252}" type="slidenum">
               <a:rPr kumimoji="1" lang="zh-CN" altLang="en-US" smtClean="0"/>
+              <a:t>‹#›</a:t>
             </a:fld>
             <a:endParaRPr kumimoji="1" lang="zh-CN" altLang="en-US"/>
           </a:p>
@@ -4819,6 +4864,7 @@
           <a:p>
             <a:fld id="{CEACFE95-6B98-F540-A12D-334F116059E1}" type="datetimeFigureOut">
               <a:rPr kumimoji="1" lang="zh-CN" altLang="en-US" smtClean="0"/>
+              <a:t>2021/12/15</a:t>
             </a:fld>
             <a:endParaRPr kumimoji="1" lang="zh-CN" altLang="en-US"/>
           </a:p>
@@ -4860,6 +4906,7 @@
           <a:p>
             <a:fld id="{CC55A09D-DCDD-CD48-83A9-605BCBE4E252}" type="slidenum">
               <a:rPr kumimoji="1" lang="zh-CN" altLang="en-US" smtClean="0"/>
+              <a:t>‹#›</a:t>
             </a:fld>
             <a:endParaRPr kumimoji="1" lang="zh-CN" altLang="en-US"/>
           </a:p>
@@ -4918,7 +4965,6 @@
               <a:rPr kumimoji="1" lang="zh-CN" altLang="en-US"/>
               <a:t>单击此处编辑母版标题样式</a:t>
             </a:r>
-            <a:endParaRPr kumimoji="1" lang="zh-CN" altLang="en-US"/>
           </a:p>
         </p:txBody>
       </p:sp>
@@ -4975,7 +5021,6 @@
               <a:rPr kumimoji="1" lang="zh-CN" altLang="en-US"/>
               <a:t>单击此处编辑母版文本样式</a:t>
             </a:r>
-            <a:endParaRPr kumimoji="1" lang="zh-CN" altLang="en-US"/>
           </a:p>
           <a:p>
             <a:pPr lvl="1"/>
@@ -4983,7 +5028,6 @@
               <a:rPr kumimoji="1" lang="zh-CN" altLang="en-US"/>
               <a:t>二级</a:t>
             </a:r>
-            <a:endParaRPr kumimoji="1" lang="zh-CN" altLang="en-US"/>
           </a:p>
           <a:p>
             <a:pPr lvl="2"/>
@@ -4991,7 +5035,6 @@
               <a:rPr kumimoji="1" lang="zh-CN" altLang="en-US"/>
               <a:t>三级</a:t>
             </a:r>
-            <a:endParaRPr kumimoji="1" lang="zh-CN" altLang="en-US"/>
           </a:p>
           <a:p>
             <a:pPr lvl="3"/>
@@ -4999,7 +5042,6 @@
               <a:rPr kumimoji="1" lang="zh-CN" altLang="en-US"/>
               <a:t>四级</a:t>
             </a:r>
-            <a:endParaRPr kumimoji="1" lang="zh-CN" altLang="en-US"/>
           </a:p>
           <a:p>
             <a:pPr lvl="4"/>
@@ -5007,7 +5049,6 @@
               <a:rPr kumimoji="1" lang="zh-CN" altLang="en-US"/>
               <a:t>五级</a:t>
             </a:r>
-            <a:endParaRPr kumimoji="1" lang="zh-CN" altLang="en-US"/>
           </a:p>
         </p:txBody>
       </p:sp>
@@ -5073,7 +5114,6 @@
               <a:rPr kumimoji="1" lang="zh-CN" altLang="en-US"/>
               <a:t>单击此处编辑母版文本样式</a:t>
             </a:r>
-            <a:endParaRPr kumimoji="1" lang="zh-CN" altLang="en-US"/>
           </a:p>
         </p:txBody>
       </p:sp>
@@ -5094,6 +5134,7 @@
           <a:p>
             <a:fld id="{CEACFE95-6B98-F540-A12D-334F116059E1}" type="datetimeFigureOut">
               <a:rPr kumimoji="1" lang="zh-CN" altLang="en-US" smtClean="0"/>
+              <a:t>2021/12/15</a:t>
             </a:fld>
             <a:endParaRPr kumimoji="1" lang="zh-CN" altLang="en-US"/>
           </a:p>
@@ -5135,6 +5176,7 @@
           <a:p>
             <a:fld id="{CC55A09D-DCDD-CD48-83A9-605BCBE4E252}" type="slidenum">
               <a:rPr kumimoji="1" lang="zh-CN" altLang="en-US" smtClean="0"/>
+              <a:t>‹#›</a:t>
             </a:fld>
             <a:endParaRPr kumimoji="1" lang="zh-CN" altLang="en-US"/>
           </a:p>
@@ -5193,7 +5235,6 @@
               <a:rPr kumimoji="1" lang="zh-CN" altLang="en-US"/>
               <a:t>单击此处编辑母版标题样式</a:t>
             </a:r>
-            <a:endParaRPr kumimoji="1" lang="zh-CN" altLang="en-US"/>
           </a:p>
         </p:txBody>
       </p:sp>
@@ -5320,7 +5361,6 @@
               <a:rPr kumimoji="1" lang="zh-CN" altLang="en-US"/>
               <a:t>单击此处编辑母版文本样式</a:t>
             </a:r>
-            <a:endParaRPr kumimoji="1" lang="zh-CN" altLang="en-US"/>
           </a:p>
         </p:txBody>
       </p:sp>
@@ -5341,6 +5381,7 @@
           <a:p>
             <a:fld id="{CEACFE95-6B98-F540-A12D-334F116059E1}" type="datetimeFigureOut">
               <a:rPr kumimoji="1" lang="zh-CN" altLang="en-US" smtClean="0"/>
+              <a:t>2021/12/15</a:t>
             </a:fld>
             <a:endParaRPr kumimoji="1" lang="zh-CN" altLang="en-US"/>
           </a:p>
@@ -5382,6 +5423,7 @@
           <a:p>
             <a:fld id="{CC55A09D-DCDD-CD48-83A9-605BCBE4E252}" type="slidenum">
               <a:rPr kumimoji="1" lang="zh-CN" altLang="en-US" smtClean="0"/>
+              <a:t>‹#›</a:t>
             </a:fld>
             <a:endParaRPr kumimoji="1" lang="zh-CN" altLang="en-US"/>
           </a:p>
@@ -5446,7 +5488,6 @@
               <a:rPr kumimoji="1" lang="zh-CN" altLang="en-US"/>
               <a:t>单击此处编辑母版标题样式</a:t>
             </a:r>
-            <a:endParaRPr kumimoji="1" lang="zh-CN" altLang="en-US"/>
           </a:p>
         </p:txBody>
       </p:sp>
@@ -5480,7 +5521,6 @@
               <a:rPr kumimoji="1" lang="zh-CN" altLang="en-US"/>
               <a:t>单击此处编辑母版文本样式</a:t>
             </a:r>
-            <a:endParaRPr kumimoji="1" lang="zh-CN" altLang="en-US"/>
           </a:p>
           <a:p>
             <a:pPr lvl="1"/>
@@ -5488,7 +5528,6 @@
               <a:rPr kumimoji="1" lang="zh-CN" altLang="en-US"/>
               <a:t>二级</a:t>
             </a:r>
-            <a:endParaRPr kumimoji="1" lang="zh-CN" altLang="en-US"/>
           </a:p>
           <a:p>
             <a:pPr lvl="2"/>
@@ -5496,7 +5535,6 @@
               <a:rPr kumimoji="1" lang="zh-CN" altLang="en-US"/>
               <a:t>三级</a:t>
             </a:r>
-            <a:endParaRPr kumimoji="1" lang="zh-CN" altLang="en-US"/>
           </a:p>
           <a:p>
             <a:pPr lvl="3"/>
@@ -5504,7 +5542,6 @@
               <a:rPr kumimoji="1" lang="zh-CN" altLang="en-US"/>
               <a:t>四级</a:t>
             </a:r>
-            <a:endParaRPr kumimoji="1" lang="zh-CN" altLang="en-US"/>
           </a:p>
           <a:p>
             <a:pPr lvl="4"/>
@@ -5512,7 +5549,6 @@
               <a:rPr kumimoji="1" lang="zh-CN" altLang="en-US"/>
               <a:t>五级</a:t>
             </a:r>
-            <a:endParaRPr kumimoji="1" lang="zh-CN" altLang="en-US"/>
           </a:p>
         </p:txBody>
       </p:sp>
@@ -5551,6 +5587,7 @@
           <a:p>
             <a:fld id="{CEACFE95-6B98-F540-A12D-334F116059E1}" type="datetimeFigureOut">
               <a:rPr kumimoji="1" lang="zh-CN" altLang="en-US" smtClean="0"/>
+              <a:t>2021/12/15</a:t>
             </a:fld>
             <a:endParaRPr kumimoji="1" lang="zh-CN" altLang="en-US"/>
           </a:p>
@@ -5628,6 +5665,7 @@
           <a:p>
             <a:fld id="{CC55A09D-DCDD-CD48-83A9-605BCBE4E252}" type="slidenum">
               <a:rPr kumimoji="1" lang="zh-CN" altLang="en-US" smtClean="0"/>
+              <a:t>‹#›</a:t>
             </a:fld>
             <a:endParaRPr kumimoji="1" lang="zh-CN" altLang="en-US"/>
           </a:p>
@@ -5983,7 +6021,6 @@
               <a:rPr kumimoji="1" lang="zh-CN" altLang="en-US"/>
               <a:t>单击此处编辑母版标题样式</a:t>
             </a:r>
-            <a:endParaRPr kumimoji="1" lang="zh-CN" altLang="en-US"/>
           </a:p>
         </p:txBody>
       </p:sp>
@@ -6017,7 +6054,6 @@
               <a:rPr kumimoji="1" lang="zh-CN" altLang="en-US"/>
               <a:t>单击此处编辑母版文本样式</a:t>
             </a:r>
-            <a:endParaRPr kumimoji="1" lang="zh-CN" altLang="en-US"/>
           </a:p>
           <a:p>
             <a:pPr lvl="1"/>
@@ -6025,7 +6061,6 @@
               <a:rPr kumimoji="1" lang="zh-CN" altLang="en-US"/>
               <a:t>二级</a:t>
             </a:r>
-            <a:endParaRPr kumimoji="1" lang="zh-CN" altLang="en-US"/>
           </a:p>
           <a:p>
             <a:pPr lvl="2"/>
@@ -6033,7 +6068,6 @@
               <a:rPr kumimoji="1" lang="zh-CN" altLang="en-US"/>
               <a:t>三级</a:t>
             </a:r>
-            <a:endParaRPr kumimoji="1" lang="zh-CN" altLang="en-US"/>
           </a:p>
           <a:p>
             <a:pPr lvl="3"/>
@@ -6041,7 +6075,6 @@
               <a:rPr kumimoji="1" lang="zh-CN" altLang="en-US"/>
               <a:t>四级</a:t>
             </a:r>
-            <a:endParaRPr kumimoji="1" lang="zh-CN" altLang="en-US"/>
           </a:p>
           <a:p>
             <a:pPr lvl="4"/>
@@ -6049,7 +6082,6 @@
               <a:rPr kumimoji="1" lang="zh-CN" altLang="en-US"/>
               <a:t>五级</a:t>
             </a:r>
-            <a:endParaRPr kumimoji="1" lang="zh-CN" altLang="en-US"/>
           </a:p>
         </p:txBody>
       </p:sp>
@@ -6088,6 +6120,7 @@
           <a:p>
             <a:fld id="{CEACFE95-6B98-F540-A12D-334F116059E1}" type="datetimeFigureOut">
               <a:rPr kumimoji="1" lang="zh-CN" altLang="en-US" smtClean="0"/>
+              <a:t>2021/12/15</a:t>
             </a:fld>
             <a:endParaRPr kumimoji="1" lang="zh-CN" altLang="en-US"/>
           </a:p>
@@ -6165,6 +6198,7 @@
           <a:p>
             <a:fld id="{CC55A09D-DCDD-CD48-83A9-605BCBE4E252}" type="slidenum">
               <a:rPr kumimoji="1" lang="zh-CN" altLang="en-US" smtClean="0"/>
+              <a:t>‹#›</a:t>
             </a:fld>
             <a:endParaRPr kumimoji="1" lang="zh-CN" altLang="en-US"/>
           </a:p>
@@ -6495,7 +6529,7 @@
           <p:nvPr/>
         </p:nvPicPr>
         <p:blipFill>
-          <a:blip r:embed="rId1"/>
+          <a:blip r:embed="rId2"/>
           <a:stretch>
             <a:fillRect/>
           </a:stretch>
@@ -6540,7 +6574,6 @@
               <a:rPr kumimoji="1" lang="zh-CN" altLang="en-US" dirty="0"/>
               <a:t>  何峙</a:t>
             </a:r>
-            <a:endParaRPr kumimoji="1" lang="zh-CN" altLang="en-US" dirty="0"/>
           </a:p>
         </p:txBody>
       </p:sp>
@@ -6588,7 +6621,6 @@
               <a:rPr kumimoji="1" lang="zh-CN" altLang="en-US" dirty="0"/>
               <a:t>研究结论</a:t>
             </a:r>
-            <a:endParaRPr kumimoji="1" lang="zh-CN" altLang="en-US" dirty="0"/>
           </a:p>
         </p:txBody>
       </p:sp>
@@ -6601,7 +6633,7 @@
           <p:nvPr/>
         </p:nvPicPr>
         <p:blipFill>
-          <a:blip r:embed="rId1"/>
+          <a:blip r:embed="rId2"/>
           <a:stretch>
             <a:fillRect/>
           </a:stretch>
@@ -6660,7 +6692,6 @@
               <a:rPr kumimoji="1" lang="zh-CN" altLang="en-US" dirty="0"/>
               <a:t>研究结论</a:t>
             </a:r>
-            <a:endParaRPr kumimoji="1" lang="zh-CN" altLang="en-US" dirty="0"/>
           </a:p>
         </p:txBody>
       </p:sp>
@@ -6690,7 +6721,6 @@
               <a:rPr kumimoji="1" lang="zh-CN" altLang="en-US" sz="2800" dirty="0"/>
               <a:t>不足</a:t>
             </a:r>
-            <a:endParaRPr kumimoji="1" lang="zh-CN" altLang="en-US" sz="2800" dirty="0"/>
           </a:p>
         </p:txBody>
       </p:sp>
@@ -6759,7 +6789,6 @@
               <a:rPr lang="en-GB" altLang="zh-CN" dirty="0"/>
               <a:t>Bug</a:t>
             </a:r>
-            <a:endParaRPr lang="en-GB" altLang="zh-CN" dirty="0"/>
           </a:p>
           <a:p>
             <a:pPr marL="285750" indent="-285750">
@@ -6770,7 +6799,6 @@
               <a:rPr lang="zh-CN" altLang="en-US" dirty="0"/>
               <a:t>暂时只能基于数据流分析，而不能基于控制流</a:t>
             </a:r>
-            <a:endParaRPr lang="zh-CN" altLang="en-US" dirty="0"/>
           </a:p>
           <a:p>
             <a:pPr marL="285750" indent="-285750">
@@ -6823,7 +6851,6 @@
               <a:rPr lang="en-GB" altLang="zh-CN" dirty="0"/>
               <a:t>Bug</a:t>
             </a:r>
-            <a:endParaRPr lang="en-GB" altLang="zh-CN" dirty="0"/>
           </a:p>
           <a:p>
             <a:pPr marL="285750" indent="-285750">
@@ -6871,15 +6898,7 @@
                   <a:schemeClr val="accent2"/>
                 </a:solidFill>
               </a:rPr>
-              <a:t>只发现代码段是</a:t>
-            </a:r>
-            <a:r>
-              <a:rPr lang="zh-CN" altLang="en-US" dirty="0">
-                <a:solidFill>
-                  <a:schemeClr val="accent2"/>
-                </a:solidFill>
-              </a:rPr>
-              <a:t>否有</a:t>
+              <a:t>只发现代码段是否有</a:t>
             </a:r>
             <a:r>
               <a:rPr lang="en-GB" altLang="zh-CN" dirty="0">
@@ -6921,11 +6940,6 @@
               </a:rPr>
               <a:t>发生的具体位置，如代码行。</a:t>
             </a:r>
-            <a:endParaRPr lang="zh-CN" altLang="en-US" dirty="0">
-              <a:solidFill>
-                <a:schemeClr val="accent2"/>
-              </a:solidFill>
-            </a:endParaRPr>
           </a:p>
           <a:p>
             <a:br>
@@ -6972,7 +6986,7 @@
           <p:nvPr/>
         </p:nvPicPr>
         <p:blipFill>
-          <a:blip r:embed="rId1"/>
+          <a:blip r:embed="rId2"/>
           <a:stretch>
             <a:fillRect/>
           </a:stretch>
@@ -7026,6 +7040,7 @@
         </p:style>
         <p:txBody>
           <a:bodyPr rtlCol="0" anchor="ctr"/>
+          <a:lstStyle/>
           <a:p>
             <a:pPr algn="ctr"/>
             <a:endParaRPr lang="zh-CN" altLang="en-US"/>
@@ -7076,7 +7091,6 @@
               <a:rPr kumimoji="1" lang="zh-CN" altLang="en-US" dirty="0"/>
               <a:t>研究方法</a:t>
             </a:r>
-            <a:endParaRPr kumimoji="1" lang="zh-CN" altLang="en-US" dirty="0"/>
           </a:p>
         </p:txBody>
       </p:sp>
@@ -7106,7 +7120,6 @@
               <a:rPr kumimoji="1" lang="zh-CN" altLang="en-US" dirty="0"/>
               <a:t>借鉴图像检测的经验</a:t>
             </a:r>
-            <a:endParaRPr kumimoji="1" lang="zh-CN" altLang="en-US" dirty="0"/>
           </a:p>
         </p:txBody>
       </p:sp>
@@ -7119,7 +7132,7 @@
           <p:nvPr/>
         </p:nvPicPr>
         <p:blipFill>
-          <a:blip r:embed="rId1"/>
+          <a:blip r:embed="rId2"/>
           <a:stretch>
             <a:fillRect/>
           </a:stretch>
@@ -7198,6 +7211,7 @@
         </p:style>
         <p:txBody>
           <a:bodyPr rtlCol="0" anchor="ctr"/>
+          <a:lstStyle/>
           <a:p>
             <a:pPr algn="ctr"/>
             <a:endParaRPr lang="zh-CN" altLang="en-US"/>
@@ -7223,7 +7237,6 @@
               <a:rPr kumimoji="1" lang="zh-CN" altLang="en-US" dirty="0"/>
               <a:t>研究方法</a:t>
             </a:r>
-            <a:endParaRPr kumimoji="1" lang="zh-CN" altLang="en-US" dirty="0"/>
           </a:p>
         </p:txBody>
       </p:sp>
@@ -7240,7 +7253,7 @@
           </p:nvPr>
         </p:nvPicPr>
         <p:blipFill>
-          <a:blip r:embed="rId2"/>
+          <a:blip r:embed="rId4"/>
           <a:stretch>
             <a:fillRect/>
           </a:stretch>
@@ -7280,6 +7293,7 @@
           <a:bodyPr wrap="square" rtlCol="0">
             <a:spAutoFit/>
           </a:bodyPr>
+          <a:lstStyle/>
           <a:p>
             <a:r>
               <a:rPr lang="zh-CN" altLang="en-US" sz="1000"/>
@@ -7316,35 +7330,30 @@
               <a:rPr lang="zh-CN" altLang="en-US" sz="1000"/>
               <a:t>，如：</a:t>
             </a:r>
-            <a:endParaRPr lang="zh-CN" altLang="en-US" sz="1000"/>
           </a:p>
           <a:p>
             <a:r>
               <a:rPr lang="zh-CN" altLang="en-US" sz="1000"/>
               <a:t>* 函数/API调用（简称FC）</a:t>
             </a:r>
-            <a:endParaRPr lang="zh-CN" altLang="en-US" sz="1000"/>
           </a:p>
           <a:p>
             <a:r>
               <a:rPr lang="zh-CN" altLang="en-US" sz="1000"/>
               <a:t>* 数组使用（简称AU）</a:t>
             </a:r>
-            <a:endParaRPr lang="zh-CN" altLang="en-US" sz="1000"/>
           </a:p>
           <a:p>
             <a:r>
               <a:rPr lang="zh-CN" altLang="en-US" sz="1000"/>
               <a:t>* 指针使用（简称PU）</a:t>
             </a:r>
-            <a:endParaRPr lang="zh-CN" altLang="en-US" sz="1000"/>
           </a:p>
           <a:p>
             <a:r>
               <a:rPr lang="zh-CN" altLang="en-US" sz="1000"/>
               <a:t>* 算术表达式（简称AE）</a:t>
             </a:r>
-            <a:endParaRPr lang="zh-CN" altLang="en-US" sz="1000"/>
           </a:p>
           <a:p>
             <a:endParaRPr lang="zh-CN" altLang="en-US" sz="1000"/>
@@ -7391,6 +7400,7 @@
         </p:style>
         <p:txBody>
           <a:bodyPr rtlCol="0" anchor="ctr"/>
+          <a:lstStyle/>
           <a:p>
             <a:pPr algn="ctr"/>
             <a:endParaRPr lang="zh-CN" altLang="en-US"/>
@@ -7406,7 +7416,7 @@
           <p:nvPr/>
         </p:nvPicPr>
         <p:blipFill>
-          <a:blip r:embed="rId3"/>
+          <a:blip r:embed="rId5"/>
           <a:stretch>
             <a:fillRect/>
           </a:stretch>
@@ -7463,6 +7473,7 @@
         </p:style>
         <p:txBody>
           <a:bodyPr rtlCol="0" anchor="ctr"/>
+          <a:lstStyle/>
           <a:p>
             <a:pPr algn="ctr"/>
             <a:endParaRPr lang="zh-CN" altLang="en-US"/>
@@ -7502,6 +7513,7 @@
         </p:style>
         <p:txBody>
           <a:bodyPr rtlCol="0" anchor="ctr"/>
+          <a:lstStyle/>
           <a:p>
             <a:pPr algn="ctr"/>
             <a:endParaRPr lang="zh-CN" altLang="en-US"/>
@@ -7533,6 +7545,7 @@
           <a:bodyPr wrap="square" rtlCol="0">
             <a:spAutoFit/>
           </a:bodyPr>
+          <a:lstStyle/>
           <a:p>
             <a:r>
               <a:rPr lang="en-US" altLang="zh-CN" sz="1000">
@@ -7574,11 +7587,6 @@
               </a:rPr>
               <a:t>....)</a:t>
             </a:r>
-            <a:endParaRPr lang="en-US" altLang="zh-CN" sz="1000">
-              <a:solidFill>
-                <a:schemeClr val="accent2"/>
-              </a:solidFill>
-            </a:endParaRPr>
           </a:p>
         </p:txBody>
       </p:sp>
@@ -7668,6 +7676,7 @@
           <a:bodyPr wrap="square" rtlCol="0">
             <a:spAutoFit/>
           </a:bodyPr>
+          <a:lstStyle/>
           <a:p>
             <a:r>
               <a:rPr lang="en-US" altLang="zh-CN">
@@ -7677,11 +7686,6 @@
               </a:rPr>
               <a:t>(1)</a:t>
             </a:r>
-            <a:endParaRPr lang="en-US" altLang="zh-CN">
-              <a:solidFill>
-                <a:srgbClr val="FF0000"/>
-              </a:solidFill>
-            </a:endParaRPr>
           </a:p>
         </p:txBody>
       </p:sp>
@@ -7705,6 +7709,7 @@
           <a:bodyPr wrap="square" rtlCol="0">
             <a:spAutoFit/>
           </a:bodyPr>
+          <a:lstStyle/>
           <a:p>
             <a:r>
               <a:rPr lang="en-US" altLang="zh-CN">
@@ -7714,11 +7719,6 @@
               </a:rPr>
               <a:t>(2)</a:t>
             </a:r>
-            <a:endParaRPr lang="en-US" altLang="zh-CN">
-              <a:solidFill>
-                <a:srgbClr val="FF0000"/>
-              </a:solidFill>
-            </a:endParaRPr>
           </a:p>
         </p:txBody>
       </p:sp>
@@ -7742,6 +7742,7 @@
           <a:bodyPr wrap="square" rtlCol="0">
             <a:spAutoFit/>
           </a:bodyPr>
+          <a:lstStyle/>
           <a:p>
             <a:r>
               <a:rPr lang="en-US" altLang="zh-CN">
@@ -7751,11 +7752,6 @@
               </a:rPr>
               <a:t>(3)</a:t>
             </a:r>
-            <a:endParaRPr lang="en-US" altLang="zh-CN">
-              <a:solidFill>
-                <a:srgbClr val="FF0000"/>
-              </a:solidFill>
-            </a:endParaRPr>
           </a:p>
         </p:txBody>
       </p:sp>
@@ -7779,6 +7775,7 @@
           <a:bodyPr wrap="square" rtlCol="0">
             <a:spAutoFit/>
           </a:bodyPr>
+          <a:lstStyle/>
           <a:p>
             <a:r>
               <a:rPr lang="en-US" altLang="zh-CN">
@@ -7788,11 +7785,6 @@
               </a:rPr>
               <a:t>(4)</a:t>
             </a:r>
-            <a:endParaRPr lang="en-US" altLang="zh-CN">
-              <a:solidFill>
-                <a:srgbClr val="FF0000"/>
-              </a:solidFill>
-            </a:endParaRPr>
           </a:p>
         </p:txBody>
       </p:sp>
@@ -7816,6 +7808,7 @@
           <a:bodyPr wrap="square" rtlCol="0">
             <a:spAutoFit/>
           </a:bodyPr>
+          <a:lstStyle/>
           <a:p>
             <a:r>
               <a:rPr lang="en-US" altLang="zh-CN">
@@ -7825,11 +7818,6 @@
               </a:rPr>
               <a:t>(5)</a:t>
             </a:r>
-            <a:endParaRPr lang="en-US" altLang="zh-CN">
-              <a:solidFill>
-                <a:srgbClr val="FF0000"/>
-              </a:solidFill>
-            </a:endParaRPr>
           </a:p>
         </p:txBody>
       </p:sp>
@@ -7853,6 +7841,7 @@
           <a:bodyPr wrap="square" rtlCol="0">
             <a:spAutoFit/>
           </a:bodyPr>
+          <a:lstStyle/>
           <a:p>
             <a:r>
               <a:rPr lang="en-US" altLang="zh-CN">
@@ -7862,11 +7851,6 @@
               </a:rPr>
               <a:t>(6)</a:t>
             </a:r>
-            <a:endParaRPr lang="en-US" altLang="zh-CN">
-              <a:solidFill>
-                <a:srgbClr val="FF0000"/>
-              </a:solidFill>
-            </a:endParaRPr>
           </a:p>
         </p:txBody>
       </p:sp>
@@ -7890,6 +7874,7 @@
           <a:bodyPr wrap="square" rtlCol="0">
             <a:spAutoFit/>
           </a:bodyPr>
+          <a:lstStyle/>
           <a:p>
             <a:r>
               <a:rPr lang="en-US" altLang="zh-CN">
@@ -7899,9 +7884,190 @@
               </a:rPr>
               <a:t>(7)</a:t>
             </a:r>
-            <a:endParaRPr lang="en-US" altLang="zh-CN">
+          </a:p>
+        </p:txBody>
+      </p:sp>
+      <p:sp>
+        <p:nvSpPr>
+          <p:cNvPr id="4" name="文本框 3">
+            <a:extLst>
+              <a:ext uri="{FF2B5EF4-FFF2-40B4-BE49-F238E27FC236}">
+                <a16:creationId xmlns:a16="http://schemas.microsoft.com/office/drawing/2014/main" id="{206D88AB-9D66-7F42-A86F-08C1B79A7C6B}"/>
+              </a:ext>
+            </a:extLst>
+          </p:cNvPr>
+          <p:cNvSpPr txBox="1"/>
+          <p:nvPr/>
+        </p:nvSpPr>
+        <p:spPr>
+          <a:xfrm>
+            <a:off x="8835023" y="5857240"/>
+            <a:ext cx="2887329" cy="677108"/>
+          </a:xfrm>
+          <a:prstGeom prst="rect">
+            <a:avLst/>
+          </a:prstGeom>
+          <a:noFill/>
+          <a:ln w="12700">
+            <a:solidFill>
+              <a:schemeClr val="accent1"/>
+            </a:solidFill>
+          </a:ln>
+        </p:spPr>
+        <p:txBody>
+          <a:bodyPr wrap="none" rtlCol="0">
+            <a:spAutoFit/>
+          </a:bodyPr>
+          <a:lstStyle/>
+          <a:p>
+            <a:pPr marL="285750" indent="-285750">
+              <a:buFont typeface="Arial" panose="020B0604020202020204" pitchFamily="34" charset="0"/>
+              <a:buChar char="•"/>
+            </a:pPr>
+            <a:r>
+              <a:rPr kumimoji="1" lang="en-US" altLang="zh-CN" sz="1000" dirty="0" err="1">
+                <a:solidFill>
+                  <a:schemeClr val="accent2"/>
+                </a:solidFill>
+              </a:rPr>
+              <a:t>SyVC</a:t>
+            </a:r>
+            <a:r>
+              <a:rPr kumimoji="1" lang="en-US" altLang="zh-CN" sz="1000" dirty="0">
+                <a:solidFill>
+                  <a:schemeClr val="accent2"/>
+                </a:solidFill>
+              </a:rPr>
+              <a:t>:</a:t>
+            </a:r>
+            <a:r>
+              <a:rPr kumimoji="1" lang="zh-CN" altLang="en-US" sz="1000" dirty="0">
+                <a:solidFill>
+                  <a:schemeClr val="accent2"/>
+                </a:solidFill>
+              </a:rPr>
+              <a:t> </a:t>
+            </a:r>
+            <a:r>
+              <a:rPr kumimoji="1" lang="en-US" altLang="zh-CN" sz="1000" dirty="0">
+                <a:solidFill>
+                  <a:schemeClr val="accent2"/>
+                </a:solidFill>
+              </a:rPr>
+              <a:t>Syntax-base</a:t>
+            </a:r>
+            <a:r>
+              <a:rPr kumimoji="1" lang="zh-CN" altLang="en-US" sz="1000" dirty="0">
+                <a:solidFill>
+                  <a:schemeClr val="accent2"/>
+                </a:solidFill>
+              </a:rPr>
+              <a:t> </a:t>
+            </a:r>
+            <a:r>
+              <a:rPr kumimoji="1" lang="en-US" altLang="zh-CN" sz="1000" dirty="0">
+                <a:solidFill>
+                  <a:schemeClr val="accent2"/>
+                </a:solidFill>
+              </a:rPr>
+              <a:t>vulnerability</a:t>
+            </a:r>
+            <a:r>
+              <a:rPr kumimoji="1" lang="zh-CN" altLang="en-US" sz="1000" dirty="0">
+                <a:solidFill>
+                  <a:schemeClr val="accent2"/>
+                </a:solidFill>
+              </a:rPr>
+              <a:t> </a:t>
+            </a:r>
+            <a:r>
+              <a:rPr kumimoji="1" lang="en-US" altLang="zh-CN" sz="1000" dirty="0">
+                <a:solidFill>
+                  <a:schemeClr val="accent2"/>
+                </a:solidFill>
+              </a:rPr>
+              <a:t>character</a:t>
+            </a:r>
+          </a:p>
+          <a:p>
+            <a:pPr marL="285750" indent="-285750">
+              <a:buFont typeface="Arial" panose="020B0604020202020204" pitchFamily="34" charset="0"/>
+              <a:buChar char="•"/>
+            </a:pPr>
+            <a:r>
+              <a:rPr kumimoji="1" lang="en-US" altLang="zh-CN" sz="1000" dirty="0" err="1">
+                <a:solidFill>
+                  <a:schemeClr val="accent2"/>
+                </a:solidFill>
+              </a:rPr>
+              <a:t>SeVC</a:t>
+            </a:r>
+            <a:r>
+              <a:rPr kumimoji="1" lang="en-US" altLang="zh-CN" sz="1000" dirty="0">
+                <a:solidFill>
+                  <a:schemeClr val="accent2"/>
+                </a:solidFill>
+              </a:rPr>
+              <a:t>:</a:t>
+            </a:r>
+            <a:r>
+              <a:rPr kumimoji="1" lang="zh-CN" altLang="en-US" sz="1000" dirty="0">
+                <a:solidFill>
+                  <a:schemeClr val="accent2"/>
+                </a:solidFill>
+              </a:rPr>
+              <a:t> </a:t>
+            </a:r>
+            <a:r>
+              <a:rPr kumimoji="1" lang="en-US" altLang="zh-CN" sz="1000" dirty="0">
+                <a:solidFill>
+                  <a:schemeClr val="accent2"/>
+                </a:solidFill>
+              </a:rPr>
+              <a:t>Semantic-base</a:t>
+            </a:r>
+            <a:r>
+              <a:rPr kumimoji="1" lang="zh-CN" altLang="en-US" sz="1000" dirty="0">
+                <a:solidFill>
+                  <a:schemeClr val="accent2"/>
+                </a:solidFill>
+              </a:rPr>
+              <a:t> </a:t>
+            </a:r>
+            <a:r>
+              <a:rPr kumimoji="1" lang="en-US" altLang="zh-CN" sz="1000" dirty="0">
+                <a:solidFill>
+                  <a:schemeClr val="accent2"/>
+                </a:solidFill>
+              </a:rPr>
+              <a:t>vulnerability</a:t>
+            </a:r>
+            <a:r>
+              <a:rPr kumimoji="1" lang="zh-CN" altLang="en-US" sz="1000" dirty="0">
+                <a:solidFill>
+                  <a:schemeClr val="accent2"/>
+                </a:solidFill>
+              </a:rPr>
+              <a:t> </a:t>
+            </a:r>
+            <a:r>
+              <a:rPr kumimoji="1" lang="en-US" altLang="zh-CN" sz="1000" dirty="0">
+                <a:solidFill>
+                  <a:schemeClr val="accent2"/>
+                </a:solidFill>
+              </a:rPr>
+              <a:t>character</a:t>
+            </a:r>
+            <a:endParaRPr kumimoji="1" lang="zh-CN" altLang="en-US" sz="1000" dirty="0">
               <a:solidFill>
-                <a:srgbClr val="FF0000"/>
+                <a:schemeClr val="accent2"/>
+              </a:solidFill>
+            </a:endParaRPr>
+          </a:p>
+          <a:p>
+            <a:endParaRPr kumimoji="1" lang="zh-CN" altLang="en-US" dirty="0">
+              <a:solidFill>
+                <a:schemeClr val="accent2"/>
               </a:solidFill>
             </a:endParaRPr>
           </a:p>
@@ -7951,7 +8117,6 @@
               <a:rPr kumimoji="1" lang="zh-CN" altLang="en-US" dirty="0"/>
               <a:t>研究方法</a:t>
             </a:r>
-            <a:endParaRPr kumimoji="1" lang="zh-CN" altLang="en-US" dirty="0"/>
           </a:p>
         </p:txBody>
       </p:sp>
@@ -7975,102 +8140,69 @@
           <a:bodyPr wrap="square" rtlCol="0" anchor="t">
             <a:spAutoFit/>
           </a:bodyPr>
+          <a:lstStyle/>
           <a:p>
             <a:r>
               <a:rPr lang="zh-CN" altLang="en-US" sz="1000"/>
               <a:t>先定义一些概念：</a:t>
             </a:r>
-            <a:endParaRPr lang="zh-CN" altLang="en-US" sz="1000"/>
           </a:p>
           <a:p>
             <a:r>
               <a:rPr lang="zh-CN" altLang="en-US" sz="1000"/>
               <a:t>* 控制流图（CFG）: 它的节点是函数语句，边表示相邻语句间的运行先后关系。</a:t>
             </a:r>
-            <a:endParaRPr lang="zh-CN" altLang="en-US" sz="1000"/>
           </a:p>
           <a:p>
             <a:r>
               <a:rPr lang="zh-CN" altLang="en-US" sz="1000"/>
               <a:t>* 数据依赖（data dependency）：如果CFG中有一条A-&gt;B的路径，且在A语句中计算得到的值会在B语句中使用，则称B数据依赖A。</a:t>
             </a:r>
-            <a:endParaRPr lang="zh-CN" altLang="en-US" sz="1000"/>
           </a:p>
           <a:p>
             <a:r>
               <a:rPr lang="zh-CN" altLang="en-US" sz="1000"/>
               <a:t>* 控制依赖（control dependency）：如果CFG中有一条A-&gt;B的路径，且B是否执行需要看A执行的结果, 则称B控制依赖A。</a:t>
             </a:r>
-            <a:endParaRPr lang="zh-CN" altLang="en-US" sz="1000"/>
           </a:p>
           <a:p>
             <a:r>
               <a:rPr lang="zh-CN" altLang="en-US" sz="1000"/>
               <a:t>* 程序依赖图（PDG）: 它的节点与CFG中节点表示意义意义，边为表示相邻语句间的数据依赖或控制依赖</a:t>
             </a:r>
-            <a:endParaRPr lang="zh-CN" altLang="en-US" sz="1000"/>
           </a:p>
           <a:p>
             <a:r>
               <a:rPr lang="zh-CN" altLang="en-US" sz="1000"/>
               <a:t>* 前向切片（forward slice）：PDG中从SyVC节点出发所有可达节点的语句集合</a:t>
             </a:r>
-            <a:endParaRPr lang="zh-CN" altLang="en-US" sz="1000"/>
           </a:p>
           <a:p>
             <a:r>
               <a:rPr lang="zh-CN" altLang="en-US" sz="1000"/>
               <a:t>* 过程间前向切片（interprocedural forward slice）：包含前向切片的所有语句，以及PDG中SyVC节点通过函数调用可以到达SyVC节点的语句</a:t>
             </a:r>
-            <a:endParaRPr lang="zh-CN" altLang="en-US" sz="1000"/>
           </a:p>
           <a:p>
             <a:r>
               <a:rPr lang="zh-CN" altLang="en-US" sz="1000"/>
               <a:t>* 后向切片（backward slice）：PDG中所有可达SyVC节点的且以该节点为终点的语句集合</a:t>
             </a:r>
-            <a:endParaRPr lang="zh-CN" altLang="en-US" sz="1000"/>
           </a:p>
           <a:p>
             <a:r>
               <a:rPr lang="zh-CN" altLang="en-US" sz="1000"/>
               <a:t>* 过程间后向切片（interprocedural backward slice）：包含后向切片的所有语句，以及PDG中通过函数调用可到达SyVC节点的语句</a:t>
             </a:r>
-            <a:endParaRPr lang="zh-CN" altLang="en-US" sz="1000"/>
           </a:p>
           <a:p>
             <a:r>
               <a:rPr lang="zh-CN" altLang="en-US" sz="1000"/>
               <a:t>* 程序切片（program slice）：过程间前向切片和过程间后向切片的语句删除其中重复的部分的组合</a:t>
             </a:r>
-            <a:endParaRPr lang="zh-CN" altLang="en-US" sz="1000"/>
-          </a:p>
-        </p:txBody>
-      </p:sp>
-      <p:pic>
-        <p:nvPicPr>
-          <p:cNvPr id="6" name="图片 5"/>
-          <p:cNvPicPr>
-            <a:picLocks noChangeAspect="1"/>
-          </p:cNvPicPr>
-          <p:nvPr/>
-        </p:nvPicPr>
-        <p:blipFill>
-          <a:blip r:embed="rId1"/>
-          <a:stretch>
-            <a:fillRect/>
-          </a:stretch>
-        </p:blipFill>
-        <p:spPr>
-          <a:xfrm>
-            <a:off x="1475105" y="3150870"/>
-            <a:ext cx="8012430" cy="3252470"/>
-          </a:xfrm>
-          <a:prstGeom prst="rect">
-            <a:avLst/>
-          </a:prstGeom>
-        </p:spPr>
-      </p:pic>
+          </a:p>
+        </p:txBody>
+      </p:sp>
       <p:sp>
         <p:nvSpPr>
           <p:cNvPr id="8" name="文本框 7"/>
@@ -8091,6 +8223,7 @@
           <a:bodyPr wrap="none" rtlCol="0">
             <a:spAutoFit/>
           </a:bodyPr>
+          <a:lstStyle/>
           <a:p>
             <a:pPr algn="l"/>
             <a:r>
@@ -8117,11 +8250,6 @@
               </a:rPr>
               <a:t>生成：https://www.cc.gatech.edu/~harrold/6340/cs6340_fall2009/Readings/ferrante87jul.pdf）</a:t>
             </a:r>
-            <a:endParaRPr lang="zh-CN" altLang="en-US" sz="1000">
-              <a:solidFill>
-                <a:schemeClr val="accent2"/>
-              </a:solidFill>
-            </a:endParaRPr>
           </a:p>
         </p:txBody>
       </p:sp>
@@ -8150,6 +8278,7 @@
           <a:bodyPr wrap="square" rtlCol="0">
             <a:spAutoFit/>
           </a:bodyPr>
+          <a:lstStyle/>
           <a:p>
             <a:r>
               <a:rPr lang="en-US" altLang="zh-CN" sz="1000"/>
@@ -8187,11 +8316,6 @@
               </a:rPr>
               <a:t>)</a:t>
             </a:r>
-            <a:endParaRPr lang="en-US" altLang="zh-CN" sz="1000">
-              <a:solidFill>
-                <a:schemeClr val="accent2"/>
-              </a:solidFill>
-            </a:endParaRPr>
           </a:p>
         </p:txBody>
       </p:sp>
@@ -8228,6 +8352,7 @@
         </p:style>
         <p:txBody>
           <a:bodyPr rtlCol="0" anchor="ctr"/>
+          <a:lstStyle/>
           <a:p>
             <a:pPr algn="ctr"/>
             <a:endParaRPr lang="zh-CN" altLang="en-US"/>
@@ -8254,6 +8379,7 @@
           <a:bodyPr wrap="none" rtlCol="0">
             <a:spAutoFit/>
           </a:bodyPr>
+          <a:lstStyle/>
           <a:p>
             <a:pPr algn="l"/>
             <a:r>
@@ -8272,11 +8398,6 @@
               </a:rPr>
               <a:t>：</a:t>
             </a:r>
-            <a:endParaRPr lang="zh-CN" altLang="en-US" sz="1000">
-              <a:solidFill>
-                <a:schemeClr val="accent2"/>
-              </a:solidFill>
-            </a:endParaRPr>
           </a:p>
           <a:p>
             <a:pPr algn="l"/>
@@ -8294,21 +8415,8 @@
                   <a:schemeClr val="accent2"/>
                 </a:solidFill>
               </a:rPr>
-              <a:t>如何切分</a:t>
-            </a:r>
-            <a:r>
-              <a:rPr lang="zh-CN" altLang="en-US" sz="1000">
-                <a:solidFill>
-                  <a:schemeClr val="accent2"/>
-                </a:solidFill>
-              </a:rPr>
-              <a:t>语句？</a:t>
-            </a:r>
-            <a:endParaRPr lang="zh-CN" altLang="en-US" sz="1000">
-              <a:solidFill>
-                <a:schemeClr val="accent2"/>
-              </a:solidFill>
-            </a:endParaRPr>
+              <a:t>如何切分语句？</a:t>
+            </a:r>
           </a:p>
           <a:p>
             <a:pPr algn="l"/>
@@ -8344,14 +8452,39 @@
               </a:rPr>
               <a:t>？</a:t>
             </a:r>
-            <a:endParaRPr lang="zh-CN" altLang="en-US" sz="1000">
-              <a:solidFill>
-                <a:schemeClr val="accent2"/>
-              </a:solidFill>
-            </a:endParaRPr>
-          </a:p>
-        </p:txBody>
-      </p:sp>
+          </a:p>
+        </p:txBody>
+      </p:sp>
+      <p:pic>
+        <p:nvPicPr>
+          <p:cNvPr id="5" name="图片 4">
+            <a:extLst>
+              <a:ext uri="{FF2B5EF4-FFF2-40B4-BE49-F238E27FC236}">
+                <a16:creationId xmlns:a16="http://schemas.microsoft.com/office/drawing/2014/main" id="{C2DDC7D0-843C-9D4F-B393-0E1DD43FD99B}"/>
+              </a:ext>
+            </a:extLst>
+          </p:cNvPr>
+          <p:cNvPicPr>
+            <a:picLocks noChangeAspect="1"/>
+          </p:cNvPicPr>
+          <p:nvPr/>
+        </p:nvPicPr>
+        <p:blipFill>
+          <a:blip r:embed="rId3"/>
+          <a:stretch>
+            <a:fillRect/>
+          </a:stretch>
+        </p:blipFill>
+        <p:spPr>
+          <a:xfrm>
+            <a:off x="859155" y="2771140"/>
+            <a:ext cx="8216900" cy="3429000"/>
+          </a:xfrm>
+          <a:prstGeom prst="rect">
+            <a:avLst/>
+          </a:prstGeom>
+        </p:spPr>
+      </p:pic>
     </p:spTree>
   </p:cSld>
   <p:clrMapOvr>
@@ -8394,13 +8527,8 @@
           <a:p>
             <a:r>
               <a:rPr kumimoji="1" lang="zh-CN" altLang="en-US" dirty="0"/>
-              <a:t>研究</a:t>
-            </a:r>
-            <a:r>
-              <a:rPr kumimoji="1" lang="zh-CN" altLang="en-US" dirty="0"/>
-              <a:t>结论</a:t>
-            </a:r>
-            <a:endParaRPr kumimoji="1" lang="zh-CN" altLang="en-US" dirty="0"/>
+              <a:t>研究结论</a:t>
+            </a:r>
           </a:p>
         </p:txBody>
       </p:sp>
@@ -8413,7 +8541,7 @@
           <p:nvPr/>
         </p:nvPicPr>
         <p:blipFill>
-          <a:blip r:embed="rId1"/>
+          <a:blip r:embed="rId3"/>
           <a:stretch>
             <a:fillRect/>
           </a:stretch>
@@ -8448,6 +8576,7 @@
           <a:bodyPr wrap="none" rtlCol="0">
             <a:spAutoFit/>
           </a:bodyPr>
+          <a:lstStyle/>
           <a:p>
             <a:pPr marL="285750" indent="-285750" algn="l">
               <a:buFont typeface="Arial" panose="020B0604020202020204" pitchFamily="34" charset="0"/>
@@ -8457,7 +8586,6 @@
               <a:rPr lang="zh-CN" altLang="en-US"/>
               <a:t>能识别多类漏洞，且表现优于VulDeepecker</a:t>
             </a:r>
-            <a:endParaRPr lang="zh-CN" altLang="en-US"/>
           </a:p>
         </p:txBody>
       </p:sp>
@@ -8503,13 +8631,8 @@
           <a:p>
             <a:r>
               <a:rPr kumimoji="1" lang="zh-CN" altLang="en-US" dirty="0"/>
-              <a:t>研究</a:t>
-            </a:r>
-            <a:r>
-              <a:rPr kumimoji="1" lang="zh-CN" altLang="en-US" dirty="0"/>
-              <a:t>结论</a:t>
-            </a:r>
-            <a:endParaRPr kumimoji="1" lang="zh-CN" altLang="en-US" dirty="0"/>
+              <a:t>研究结论</a:t>
+            </a:r>
           </a:p>
         </p:txBody>
       </p:sp>
@@ -8533,6 +8656,7 @@
           <a:bodyPr wrap="none" rtlCol="0">
             <a:spAutoFit/>
           </a:bodyPr>
+          <a:lstStyle/>
           <a:p>
             <a:pPr marL="285750" indent="-285750" algn="l">
               <a:buFont typeface="Arial" panose="020B0604020202020204" pitchFamily="34" charset="0"/>
@@ -8540,13 +8664,8 @@
             </a:pPr>
             <a:r>
               <a:rPr lang="zh-CN" altLang="en-US"/>
-              <a:t>算法</a:t>
-            </a:r>
-            <a:r>
-              <a:rPr lang="zh-CN" altLang="en-US"/>
-              <a:t>独立，但每个算法得到的效果有差异</a:t>
-            </a:r>
-            <a:endParaRPr lang="zh-CN" altLang="en-US"/>
+              <a:t>算法独立，但每个算法得到的效果有差异</a:t>
+            </a:r>
           </a:p>
         </p:txBody>
       </p:sp>
@@ -8559,7 +8678,7 @@
           <p:nvPr/>
         </p:nvPicPr>
         <p:blipFill>
-          <a:blip r:embed="rId1"/>
+          <a:blip r:embed="rId3"/>
           <a:stretch>
             <a:fillRect/>
           </a:stretch>
@@ -8616,13 +8735,8 @@
           <a:p>
             <a:r>
               <a:rPr kumimoji="1" lang="zh-CN" altLang="en-US" dirty="0"/>
-              <a:t>研究</a:t>
-            </a:r>
-            <a:r>
-              <a:rPr kumimoji="1" lang="zh-CN" altLang="en-US" dirty="0"/>
-              <a:t>结论</a:t>
-            </a:r>
-            <a:endParaRPr kumimoji="1" lang="zh-CN" altLang="en-US" dirty="0"/>
+              <a:t>研究结论</a:t>
+            </a:r>
           </a:p>
         </p:txBody>
       </p:sp>
@@ -8646,6 +8760,7 @@
           <a:bodyPr wrap="none" rtlCol="0">
             <a:spAutoFit/>
           </a:bodyPr>
+          <a:lstStyle/>
           <a:p>
             <a:pPr marL="285750" indent="-285750" algn="l">
               <a:buFont typeface="Arial" panose="020B0604020202020204" pitchFamily="34" charset="0"/>
@@ -8655,7 +8770,6 @@
               <a:rPr lang="zh-CN" altLang="en-US"/>
               <a:t>捕获越多的语义信息，系统检测漏洞的性能越高</a:t>
             </a:r>
-            <a:endParaRPr lang="zh-CN" altLang="en-US"/>
           </a:p>
         </p:txBody>
       </p:sp>
@@ -8668,7 +8782,7 @@
           <p:nvPr/>
         </p:nvPicPr>
         <p:blipFill>
-          <a:blip r:embed="rId1"/>
+          <a:blip r:embed="rId3"/>
           <a:stretch>
             <a:fillRect/>
           </a:stretch>
@@ -8725,13 +8839,8 @@
           <a:p>
             <a:r>
               <a:rPr kumimoji="1" lang="zh-CN" altLang="en-US" dirty="0"/>
-              <a:t>研究</a:t>
-            </a:r>
-            <a:r>
-              <a:rPr kumimoji="1" lang="zh-CN" altLang="en-US" dirty="0"/>
-              <a:t>结论</a:t>
-            </a:r>
-            <a:endParaRPr kumimoji="1" lang="zh-CN" altLang="en-US" dirty="0"/>
+              <a:t>研究结论</a:t>
+            </a:r>
           </a:p>
         </p:txBody>
       </p:sp>
@@ -8755,6 +8864,7 @@
           <a:bodyPr wrap="none" rtlCol="0">
             <a:spAutoFit/>
           </a:bodyPr>
+          <a:lstStyle/>
           <a:p>
             <a:pPr marL="285750" indent="-285750" algn="l">
               <a:buFont typeface="Arial" panose="020B0604020202020204" pitchFamily="34" charset="0"/>
@@ -8764,7 +8874,6 @@
               <a:rPr lang="zh-CN" altLang="en-US"/>
               <a:t>捕获越多的语义信息，系统检测漏洞的性能越高</a:t>
             </a:r>
-            <a:endParaRPr lang="zh-CN" altLang="en-US"/>
           </a:p>
         </p:txBody>
       </p:sp>
@@ -8777,7 +8886,7 @@
           <p:nvPr/>
         </p:nvPicPr>
         <p:blipFill>
-          <a:blip r:embed="rId1"/>
+          <a:blip r:embed="rId3"/>
           <a:stretch>
             <a:fillRect/>
           </a:stretch>
@@ -8836,7 +8945,6 @@
               <a:rPr kumimoji="1" lang="zh-CN" altLang="en-US" dirty="0"/>
               <a:t>研究现状</a:t>
             </a:r>
-            <a:endParaRPr kumimoji="1" lang="zh-CN" altLang="en-US" dirty="0"/>
           </a:p>
         </p:txBody>
       </p:sp>
@@ -8924,11 +9032,6 @@
               </a:rPr>
               <a:t>）</a:t>
             </a:r>
-            <a:endParaRPr kumimoji="1" lang="zh-CN" altLang="en-US" dirty="0">
-              <a:solidFill>
-                <a:schemeClr val="accent2"/>
-              </a:solidFill>
-            </a:endParaRPr>
           </a:p>
         </p:txBody>
       </p:sp>
@@ -8941,7 +9044,7 @@
           <p:nvPr/>
         </p:nvPicPr>
         <p:blipFill>
-          <a:blip r:embed="rId1"/>
+          <a:blip r:embed="rId2"/>
           <a:stretch>
             <a:fillRect/>
           </a:stretch>
@@ -9003,13 +9106,8 @@
           <a:p>
             <a:r>
               <a:rPr kumimoji="1" lang="zh-CN" altLang="en-US" dirty="0"/>
-              <a:t>研究</a:t>
-            </a:r>
-            <a:r>
-              <a:rPr kumimoji="1" lang="zh-CN" altLang="en-US" dirty="0"/>
-              <a:t>结论</a:t>
-            </a:r>
-            <a:endParaRPr kumimoji="1" lang="zh-CN" altLang="en-US" dirty="0"/>
+              <a:t>研究结论</a:t>
+            </a:r>
           </a:p>
         </p:txBody>
       </p:sp>
@@ -9033,6 +9131,7 @@
           <a:bodyPr wrap="none" rtlCol="0">
             <a:spAutoFit/>
           </a:bodyPr>
+          <a:lstStyle/>
           <a:p>
             <a:pPr marL="285750" indent="-285750" algn="l">
               <a:buFont typeface="Arial" panose="020B0604020202020204" pitchFamily="34" charset="0"/>
@@ -9042,7 +9141,6 @@
               <a:rPr lang="zh-CN" altLang="en-US"/>
               <a:t>跟现有漏洞检测工具的对比，目前该系统性能也是最高</a:t>
             </a:r>
-            <a:endParaRPr lang="zh-CN" altLang="en-US"/>
           </a:p>
         </p:txBody>
       </p:sp>
@@ -9055,7 +9153,7 @@
           <p:nvPr/>
         </p:nvPicPr>
         <p:blipFill>
-          <a:blip r:embed="rId1"/>
+          <a:blip r:embed="rId3"/>
           <a:stretch>
             <a:fillRect/>
           </a:stretch>
@@ -9114,7 +9212,6 @@
               <a:rPr kumimoji="1" lang="zh-CN" altLang="en-US" dirty="0"/>
               <a:t>启发</a:t>
             </a:r>
-            <a:endParaRPr kumimoji="1" lang="zh-CN" altLang="en-US" dirty="0"/>
           </a:p>
         </p:txBody>
       </p:sp>
@@ -9138,6 +9235,7 @@
           <a:bodyPr wrap="square" rtlCol="0">
             <a:spAutoFit/>
           </a:bodyPr>
+          <a:lstStyle/>
           <a:p>
             <a:pPr marL="285750" indent="-285750" algn="l">
               <a:buFont typeface="Arial" panose="020B0604020202020204" pitchFamily="34" charset="0"/>
@@ -9149,21 +9247,8 @@
                   <a:schemeClr val="accent2"/>
                 </a:solidFill>
               </a:rPr>
-              <a:t>程序</a:t>
-            </a:r>
-            <a:r>
-              <a:rPr lang="zh-CN" altLang="en-US" sz="2800">
-                <a:solidFill>
-                  <a:schemeClr val="accent2"/>
-                </a:solidFill>
-              </a:rPr>
-              <a:t>代码语义</a:t>
-            </a:r>
-            <a:endParaRPr lang="zh-CN" altLang="en-US" sz="2800">
-              <a:solidFill>
-                <a:schemeClr val="accent2"/>
-              </a:solidFill>
-            </a:endParaRPr>
+              <a:t>程序代码语义</a:t>
+            </a:r>
           </a:p>
         </p:txBody>
       </p:sp>
@@ -9187,6 +9272,7 @@
           <a:bodyPr wrap="none" rtlCol="0" anchor="t">
             <a:spAutoFit/>
           </a:bodyPr>
+          <a:lstStyle/>
           <a:p>
             <a:pPr marL="285750" indent="-285750" algn="l">
               <a:buFont typeface="Arial" panose="020B0604020202020204" pitchFamily="34" charset="0"/>
@@ -9201,12 +9287,6 @@
               </a:rPr>
               <a:t>漏洞定位粒度</a:t>
             </a:r>
-            <a:endParaRPr lang="zh-CN" altLang="en-US" sz="2800">
-              <a:solidFill>
-                <a:schemeClr val="accent2"/>
-              </a:solidFill>
-              <a:sym typeface="+mn-ea"/>
-            </a:endParaRPr>
           </a:p>
         </p:txBody>
       </p:sp>
@@ -9230,6 +9310,7 @@
           <a:bodyPr wrap="square" rtlCol="0">
             <a:spAutoFit/>
           </a:bodyPr>
+          <a:lstStyle/>
           <a:p>
             <a:pPr marL="285750" indent="-285750" algn="l">
               <a:buFont typeface="Arial" panose="020B0604020202020204" pitchFamily="34" charset="0"/>
@@ -9251,11 +9332,6 @@
               </a:rPr>
               <a:t>方法</a:t>
             </a:r>
-            <a:endParaRPr lang="zh-CN" altLang="en-US" sz="2800">
-              <a:solidFill>
-                <a:schemeClr val="accent2"/>
-              </a:solidFill>
-            </a:endParaRPr>
           </a:p>
         </p:txBody>
       </p:sp>
@@ -9303,7 +9379,6 @@
               <a:rPr kumimoji="1" lang="zh-CN" altLang="en-US" dirty="0"/>
               <a:t>启发</a:t>
             </a:r>
-            <a:endParaRPr kumimoji="1" lang="zh-CN" altLang="en-US" dirty="0"/>
           </a:p>
         </p:txBody>
       </p:sp>
@@ -9316,7 +9391,7 @@
           <p:nvPr/>
         </p:nvPicPr>
         <p:blipFill>
-          <a:blip r:embed="rId1"/>
+          <a:blip r:embed="rId3"/>
           <a:stretch>
             <a:fillRect/>
           </a:stretch>
@@ -9351,13 +9426,13 @@
           <a:bodyPr wrap="none" rtlCol="0">
             <a:spAutoFit/>
           </a:bodyPr>
+          <a:lstStyle/>
           <a:p>
             <a:pPr algn="l"/>
             <a:r>
               <a:rPr lang="zh-CN" altLang="en-US" sz="1000"/>
               <a:t>from: https://code2vec.org/</a:t>
             </a:r>
-            <a:endParaRPr lang="zh-CN" altLang="en-US" sz="1000"/>
           </a:p>
         </p:txBody>
       </p:sp>
@@ -9405,7 +9480,6 @@
               <a:rPr kumimoji="1" lang="zh-CN" altLang="en-US" dirty="0"/>
               <a:t>研究目标</a:t>
             </a:r>
-            <a:endParaRPr kumimoji="1" lang="zh-CN" altLang="en-US" dirty="0"/>
           </a:p>
         </p:txBody>
       </p:sp>
@@ -9470,11 +9544,6 @@
               </a:rPr>
               <a:t>方案</a:t>
             </a:r>
-            <a:endParaRPr kumimoji="1" lang="zh-CN" altLang="en-US" sz="6000" dirty="0">
-              <a:solidFill>
-                <a:schemeClr val="accent2"/>
-              </a:solidFill>
-            </a:endParaRPr>
           </a:p>
         </p:txBody>
       </p:sp>
@@ -9522,7 +9591,6 @@
               <a:rPr kumimoji="1" lang="zh-CN" altLang="en-US" dirty="0"/>
               <a:t>研究方法</a:t>
             </a:r>
-            <a:endParaRPr kumimoji="1" lang="zh-CN" altLang="en-US" dirty="0"/>
           </a:p>
         </p:txBody>
       </p:sp>
@@ -9587,7 +9655,6 @@
               <a:rPr lang="zh-CN" altLang="en-US" dirty="0"/>
               <a:t>的相关函数调用、数据结构等。如：函数调用、数组的使用、指针的使用等</a:t>
             </a:r>
-            <a:endParaRPr lang="zh-CN" altLang="en-US" dirty="0"/>
           </a:p>
           <a:p>
             <a:endParaRPr lang="zh-CN" altLang="en-US" dirty="0"/>
@@ -9609,7 +9676,6 @@
               <a:rPr kumimoji="1" lang="en-US" altLang="zh-CN" dirty="0"/>
               <a:t>backward</a:t>
             </a:r>
-            <a:endParaRPr kumimoji="1" lang="en-US" altLang="zh-CN" dirty="0"/>
           </a:p>
           <a:p>
             <a:pPr marL="0" indent="0">
@@ -9653,7 +9719,7 @@
           <p:nvPr/>
         </p:nvPicPr>
         <p:blipFill>
-          <a:blip r:embed="rId1"/>
+          <a:blip r:embed="rId2"/>
           <a:stretch>
             <a:fillRect/>
           </a:stretch>
@@ -9738,7 +9804,6 @@
               <a:rPr kumimoji="1" lang="zh-CN" altLang="en-US" dirty="0"/>
               <a:t>研究方法</a:t>
             </a:r>
-            <a:endParaRPr kumimoji="1" lang="zh-CN" altLang="en-US" dirty="0"/>
           </a:p>
         </p:txBody>
       </p:sp>
@@ -9863,7 +9928,7 @@
           <p:nvPr/>
         </p:nvPicPr>
         <p:blipFill>
-          <a:blip r:embed="rId1"/>
+          <a:blip r:embed="rId2"/>
           <a:stretch>
             <a:fillRect/>
           </a:stretch>
@@ -9887,7 +9952,7 @@
           <p:nvPr/>
         </p:nvPicPr>
         <p:blipFill>
-          <a:blip r:embed="rId2"/>
+          <a:blip r:embed="rId3"/>
           <a:stretch>
             <a:fillRect/>
           </a:stretch>
@@ -9911,7 +9976,7 @@
           <p:nvPr/>
         </p:nvPicPr>
         <p:blipFill>
-          <a:blip r:embed="rId3"/>
+          <a:blip r:embed="rId4"/>
           <a:stretch>
             <a:fillRect/>
           </a:stretch>
@@ -10122,11 +10187,6 @@
               </a:rPr>
               <a:t>)</a:t>
             </a:r>
-            <a:endParaRPr kumimoji="1" lang="en-US" altLang="zh-CN" sz="1000" dirty="0">
-              <a:solidFill>
-                <a:schemeClr val="accent2"/>
-              </a:solidFill>
-            </a:endParaRPr>
           </a:p>
         </p:txBody>
       </p:sp>
@@ -10154,7 +10214,6 @@
               <a:rPr kumimoji="1" lang="zh-CN" altLang="en-US" dirty="0"/>
               <a:t>研究方法</a:t>
             </a:r>
-            <a:endParaRPr kumimoji="1" lang="zh-CN" altLang="en-US" dirty="0"/>
           </a:p>
         </p:txBody>
       </p:sp>
@@ -10209,7 +10268,6 @@
               <a:rPr kumimoji="1" lang="zh-CN" altLang="en-US" sz="2800" dirty="0"/>
               <a:t>总览</a:t>
             </a:r>
-            <a:endParaRPr kumimoji="1" lang="zh-CN" altLang="en-US" sz="2800" dirty="0"/>
           </a:p>
         </p:txBody>
       </p:sp>
@@ -10222,7 +10280,7 @@
           <p:nvPr/>
         </p:nvPicPr>
         <p:blipFill>
-          <a:blip r:embed="rId1"/>
+          <a:blip r:embed="rId2"/>
           <a:stretch>
             <a:fillRect/>
           </a:stretch>
@@ -10261,7 +10319,6 @@
               <a:rPr kumimoji="1" lang="zh-CN" altLang="en-US" dirty="0"/>
               <a:t>研究方法</a:t>
             </a:r>
-            <a:endParaRPr kumimoji="1" lang="zh-CN" altLang="en-US" dirty="0"/>
           </a:p>
         </p:txBody>
       </p:sp>
@@ -10309,7 +10366,6 @@
               <a:rPr kumimoji="1" lang="zh-CN" altLang="en-US" dirty="0"/>
               <a:t>研究结论</a:t>
             </a:r>
-            <a:endParaRPr kumimoji="1" lang="zh-CN" altLang="en-US" dirty="0"/>
           </a:p>
         </p:txBody>
       </p:sp>
@@ -10338,6 +10394,7 @@
           <a:bodyPr wrap="none" rtlCol="0">
             <a:spAutoFit/>
           </a:bodyPr>
+          <a:lstStyle/>
           <a:p>
             <a:r>
               <a:rPr kumimoji="1" lang="zh-CN" altLang="en-US" sz="1600" dirty="0"/>
@@ -10360,7 +10417,7 @@
             </a:r>
             <a:r>
               <a:rPr lang="en-GB" altLang="zh-CN" sz="1600" dirty="0">
-                <a:hlinkClick r:id="rId1"/>
+                <a:hlinkClick r:id="rId2"/>
               </a:rPr>
               <a:t>https://samate.nist.gov/SARD/</a:t>
             </a:r>
@@ -10381,7 +10438,7 @@
             </a:r>
             <a:r>
               <a:rPr lang="en-GB" altLang="zh-CN" sz="1600" dirty="0">
-                <a:hlinkClick r:id="rId2"/>
+                <a:hlinkClick r:id="rId3"/>
               </a:rPr>
               <a:t>https://nvd.nist.gov/</a:t>
             </a:r>
@@ -10408,7 +10465,7 @@
           <p:nvPr/>
         </p:nvPicPr>
         <p:blipFill>
-          <a:blip r:embed="rId3"/>
+          <a:blip r:embed="rId4"/>
           <a:stretch>
             <a:fillRect/>
           </a:stretch>
@@ -10432,7 +10489,7 @@
           <p:nvPr/>
         </p:nvPicPr>
         <p:blipFill>
-          <a:blip r:embed="rId4"/>
+          <a:blip r:embed="rId5"/>
           <a:stretch>
             <a:fillRect/>
           </a:stretch>
@@ -10491,37 +10548,12 @@
               <a:rPr kumimoji="1" lang="zh-CN" altLang="en-US" dirty="0"/>
               <a:t>研究结论</a:t>
             </a:r>
-            <a:endParaRPr kumimoji="1" lang="zh-CN" altLang="en-US" dirty="0"/>
           </a:p>
         </p:txBody>
       </p:sp>
       <p:pic>
         <p:nvPicPr>
           <p:cNvPr id="9" name="图片 8"/>
-          <p:cNvPicPr>
-            <a:picLocks noChangeAspect="1"/>
-          </p:cNvPicPr>
-          <p:nvPr/>
-        </p:nvPicPr>
-        <p:blipFill>
-          <a:blip r:embed="rId1"/>
-          <a:stretch>
-            <a:fillRect/>
-          </a:stretch>
-        </p:blipFill>
-        <p:spPr>
-          <a:xfrm>
-            <a:off x="5473785" y="1332302"/>
-            <a:ext cx="6034878" cy="1754325"/>
-          </a:xfrm>
-          <a:prstGeom prst="rect">
-            <a:avLst/>
-          </a:prstGeom>
-        </p:spPr>
-      </p:pic>
-      <p:pic>
-        <p:nvPicPr>
-          <p:cNvPr id="11" name="图片 10"/>
           <p:cNvPicPr>
             <a:picLocks noChangeAspect="1"/>
           </p:cNvPicPr>
@@ -10535,6 +10567,30 @@
         </p:blipFill>
         <p:spPr>
           <a:xfrm>
+            <a:off x="5473785" y="1332302"/>
+            <a:ext cx="6034878" cy="1754325"/>
+          </a:xfrm>
+          <a:prstGeom prst="rect">
+            <a:avLst/>
+          </a:prstGeom>
+        </p:spPr>
+      </p:pic>
+      <p:pic>
+        <p:nvPicPr>
+          <p:cNvPr id="11" name="图片 10"/>
+          <p:cNvPicPr>
+            <a:picLocks noChangeAspect="1"/>
+          </p:cNvPicPr>
+          <p:nvPr/>
+        </p:nvPicPr>
+        <p:blipFill>
+          <a:blip r:embed="rId3"/>
+          <a:stretch>
+            <a:fillRect/>
+          </a:stretch>
+        </p:blipFill>
+        <p:spPr>
+          <a:xfrm>
             <a:off x="5629438" y="3853254"/>
             <a:ext cx="6264915" cy="1628170"/>
           </a:xfrm>
@@ -10568,6 +10624,7 @@
           <a:bodyPr wrap="none" rtlCol="0">
             <a:spAutoFit/>
           </a:bodyPr>
+          <a:lstStyle/>
           <a:p>
             <a:r>
               <a:rPr lang="en-GB" altLang="zh-CN" dirty="0"/>
@@ -10577,7 +10634,6 @@
               <a:rPr lang="zh-CN" altLang="en-US" dirty="0"/>
               <a:t>漏洞</a:t>
             </a:r>
-            <a:endParaRPr lang="zh-CN" altLang="en-US" dirty="0"/>
           </a:p>
           <a:p>
             <a:r>
@@ -10592,7 +10648,6 @@
               <a:rPr lang="zh-CN" altLang="en-US" dirty="0"/>
               <a:t>漏洞</a:t>
             </a:r>
-            <a:endParaRPr lang="zh-CN" altLang="en-US" dirty="0"/>
           </a:p>
           <a:p>
             <a:r>
@@ -10603,7 +10658,6 @@
               <a:rPr lang="en-GB" altLang="zh-CN" dirty="0"/>
               <a:t>HY: BE + RM</a:t>
             </a:r>
-            <a:endParaRPr lang="en-GB" altLang="zh-CN" dirty="0"/>
           </a:p>
           <a:p>
             <a:r>
@@ -10626,7 +10680,6 @@
               <a:rPr lang="zh-CN" altLang="en-US" dirty="0"/>
               <a:t>调用</a:t>
             </a:r>
-            <a:endParaRPr lang="zh-CN" altLang="en-US" dirty="0"/>
           </a:p>
           <a:p>
             <a:r>
@@ -10653,7 +10706,6 @@
               <a:rPr lang="zh-CN" altLang="en-US" dirty="0"/>
               <a:t>调用</a:t>
             </a:r>
-            <a:endParaRPr lang="zh-CN" altLang="en-US" dirty="0"/>
           </a:p>
           <a:p>
             <a:endParaRPr kumimoji="1" lang="zh-CN" altLang="en-US" dirty="0"/>
@@ -10685,6 +10737,7 @@
           <a:bodyPr wrap="none" rtlCol="0">
             <a:spAutoFit/>
           </a:bodyPr>
+          <a:lstStyle/>
           <a:p>
             <a:pPr marL="285750" indent="-285750">
               <a:buFont typeface="Arial" panose="020B0604020202020204" pitchFamily="34" charset="0"/>
@@ -10698,11 +10751,6 @@
               </a:rPr>
               <a:t>TPR = 1 - FNR</a:t>
             </a:r>
-            <a:endParaRPr lang="en-US" altLang="zh-CN" sz="1000">
-              <a:solidFill>
-                <a:schemeClr val="accent2"/>
-              </a:solidFill>
-            </a:endParaRPr>
           </a:p>
           <a:p>
             <a:pPr marL="285750" indent="-285750">
@@ -10725,11 +10773,6 @@
               </a:rPr>
               <a:t>精确率</a:t>
             </a:r>
-            <a:endParaRPr lang="zh-CN" altLang="en-US" sz="1000">
-              <a:solidFill>
-                <a:schemeClr val="accent2"/>
-              </a:solidFill>
-            </a:endParaRPr>
           </a:p>
         </p:txBody>
       </p:sp>
@@ -10742,7 +10785,7 @@
 </file>
 
 <file path=ppt/tags/tag1.xml><?xml version="1.0" encoding="utf-8"?>
-<p:tagLst xmlns:p="http://schemas.openxmlformats.org/presentationml/2006/main">
+<p:tagLst xmlns:a="http://schemas.openxmlformats.org/drawingml/2006/main" xmlns:r="http://schemas.openxmlformats.org/officeDocument/2006/relationships" xmlns:p="http://schemas.openxmlformats.org/presentationml/2006/main">
   <p:tag name="KSO_WM_UNIT_PLACING_PICTURE_USER_VIEWPORT" val="{&quot;height&quot;:4344,&quot;width&quot;:9996}"/>
 </p:tagLst>
 </file>
@@ -10998,6 +11041,8 @@
       </a:bgFillStyleLst>
     </a:fmtScheme>
   </a:themeElements>
+  <a:objectDefaults/>
+  <a:extraClrSchemeLst/>
   <a:extLst>
     <a:ext uri="{05A4C25C-085E-4340-85A3-A5531E510DB2}">
       <thm15:themeFamily xmlns:thm15="http://schemas.microsoft.com/office/thememl/2012/main" name="Office Theme" id="{62F939B6-93AF-4DB8-9C6B-D6C7DFDC589F}" vid="{4A3C46E8-61CC-4603-A589-7422A47A8E4A}"/>
@@ -11257,6 +11302,8 @@
       </a:bgFillStyleLst>
     </a:fmtScheme>
   </a:themeElements>
+  <a:objectDefaults/>
+  <a:extraClrSchemeLst/>
   <a:extLst>
     <a:ext uri="{05A4C25C-085E-4340-85A3-A5531E510DB2}">
       <thm15:themeFamily xmlns:thm15="http://schemas.microsoft.com/office/thememl/2012/main" name="Office Theme" id="{62F939B6-93AF-4DB8-9C6B-D6C7DFDC589F}" vid="{4A3C46E8-61CC-4603-A589-7422A47A8E4A}"/>
@@ -11516,6 +11563,8 @@
       </a:bgFillStyleLst>
     </a:fmtScheme>
   </a:themeElements>
+  <a:objectDefaults/>
+  <a:extraClrSchemeLst/>
   <a:extLst>
     <a:ext uri="{05A4C25C-085E-4340-85A3-A5531E510DB2}">
       <thm15:themeFamily xmlns:thm15="http://schemas.microsoft.com/office/thememl/2012/main" name="Office Theme" id="{62F939B6-93AF-4DB8-9C6B-D6C7DFDC589F}" vid="{4A3C46E8-61CC-4603-A589-7422A47A8E4A}"/>
